--- a/Workshop_1/Presentation/Azureskolen-Workshop#1.pptx
+++ b/Workshop_1/Presentation/Azureskolen-Workshop#1.pptx
@@ -7,10 +7,10 @@
     <p:sldMasterId id="2147483705" r:id="rId6"/>
   </p:sldMasterIdLst>
   <p:notesMasterIdLst>
-    <p:notesMasterId r:id="rId34"/>
+    <p:notesMasterId r:id="rId35"/>
   </p:notesMasterIdLst>
   <p:handoutMasterIdLst>
-    <p:handoutMasterId r:id="rId35"/>
+    <p:handoutMasterId r:id="rId36"/>
   </p:handoutMasterIdLst>
   <p:sldIdLst>
     <p:sldId id="256" r:id="rId7"/>
@@ -31,15 +31,16 @@
     <p:sldId id="271" r:id="rId22"/>
     <p:sldId id="272" r:id="rId23"/>
     <p:sldId id="283" r:id="rId24"/>
-    <p:sldId id="278" r:id="rId25"/>
-    <p:sldId id="273" r:id="rId26"/>
-    <p:sldId id="277" r:id="rId27"/>
-    <p:sldId id="279" r:id="rId28"/>
-    <p:sldId id="270" r:id="rId29"/>
-    <p:sldId id="268" r:id="rId30"/>
-    <p:sldId id="281" r:id="rId31"/>
-    <p:sldId id="282" r:id="rId32"/>
-    <p:sldId id="284" r:id="rId33"/>
+    <p:sldId id="285" r:id="rId25"/>
+    <p:sldId id="278" r:id="rId26"/>
+    <p:sldId id="273" r:id="rId27"/>
+    <p:sldId id="277" r:id="rId28"/>
+    <p:sldId id="279" r:id="rId29"/>
+    <p:sldId id="270" r:id="rId30"/>
+    <p:sldId id="268" r:id="rId31"/>
+    <p:sldId id="281" r:id="rId32"/>
+    <p:sldId id="282" r:id="rId33"/>
+    <p:sldId id="284" r:id="rId34"/>
   </p:sldIdLst>
   <p:sldSz cx="12192000" cy="6858000"/>
   <p:notesSz cx="6858000" cy="9144000"/>
@@ -1130,7 +1131,7 @@
           <a:p>
             <a:fld id="{180377DB-C4B0-49B2-8838-0F01BA83B7C4}" type="slidenum">
               <a:rPr lang="nb-NO" smtClean="0"/>
-              <a:t>19</a:t>
+              <a:t>20</a:t>
             </a:fld>
             <a:endParaRPr lang="nb-NO"/>
           </a:p>
@@ -1193,113 +1194,7 @@
           <a:bodyPr/>
           <a:lstStyle/>
           <a:p>
-            <a:r>
-              <a:rPr lang="nb-NO" dirty="0"/>
-              <a:t>Fullt mulig å installere</a:t>
-            </a:r>
-          </a:p>
-          <a:p>
-            <a:r>
-              <a:rPr lang="nb-NO" dirty="0"/>
-              <a:t>Azure SQL Database</a:t>
-            </a:r>
-          </a:p>
-          <a:p>
-            <a:pPr marL="171450" indent="-171450">
-              <a:buFontTx/>
-              <a:buChar char="-"/>
-            </a:pPr>
-            <a:r>
-              <a:rPr lang="nb-NO" dirty="0"/>
-              <a:t>Tjeneste: Alt inkludert  </a:t>
-            </a:r>
-          </a:p>
-          <a:p>
-            <a:pPr marL="171450" indent="-171450">
-              <a:buFontTx/>
-              <a:buChar char="-"/>
-            </a:pPr>
-            <a:r>
-              <a:rPr lang="nb-NO" dirty="0"/>
-              <a:t>Ytelse måles i DTU (Data Transfer Units)</a:t>
-            </a:r>
-          </a:p>
-          <a:p>
-            <a:pPr marL="171450" indent="-171450">
-              <a:buFontTx/>
-              <a:buChar char="-"/>
-            </a:pPr>
-            <a:r>
-              <a:rPr lang="nb-NO" dirty="0"/>
-              <a:t>Mangler noen </a:t>
-            </a:r>
-            <a:r>
-              <a:rPr lang="nb-NO" dirty="0" err="1"/>
-              <a:t>features</a:t>
-            </a:r>
-            <a:r>
-              <a:rPr lang="nb-NO" dirty="0"/>
-              <a:t> fra vanlig.</a:t>
-            </a:r>
-          </a:p>
-          <a:p>
-            <a:pPr marL="171450" indent="-171450">
-              <a:buFontTx/>
-              <a:buChar char="-"/>
-            </a:pPr>
-            <a:r>
-              <a:rPr lang="nb-NO" dirty="0"/>
-              <a:t>Man kan også kjøre opp en vm og </a:t>
-            </a:r>
-            <a:r>
-              <a:rPr lang="nb-NO" dirty="0" err="1"/>
-              <a:t>instllaere</a:t>
-            </a:r>
-            <a:r>
-              <a:rPr lang="nb-NO" dirty="0"/>
-              <a:t> </a:t>
-            </a:r>
-            <a:r>
-              <a:rPr lang="nb-NO" dirty="0" err="1"/>
-              <a:t>sql</a:t>
-            </a:r>
-            <a:r>
-              <a:rPr lang="nb-NO" dirty="0"/>
-              <a:t> server. Men da må man ha egen lisens, og man må.</a:t>
-            </a:r>
-          </a:p>
-          <a:p>
-            <a:pPr marL="171450" indent="-171450">
-              <a:buFontTx/>
-              <a:buChar char="-"/>
-            </a:pPr>
             <a:endParaRPr lang="nb-NO" dirty="0"/>
-          </a:p>
-          <a:p>
-            <a:r>
-              <a:rPr lang="nb-NO" dirty="0"/>
-              <a:t>Cosmos DB:</a:t>
-            </a:r>
-          </a:p>
-          <a:p>
-            <a:pPr marL="171450" indent="-171450">
-              <a:buFontTx/>
-              <a:buChar char="-"/>
-            </a:pPr>
-            <a:r>
-              <a:rPr lang="nb-NO" dirty="0"/>
-              <a:t>Mult</a:t>
-            </a:r>
-          </a:p>
-          <a:p>
-            <a:pPr marL="0" indent="0">
-              <a:buFontTx/>
-              <a:buNone/>
-            </a:pPr>
-            <a:r>
-              <a:rPr lang="nb-NO" dirty="0"/>
-              <a:t>- Satses mye på av </a:t>
-            </a:r>
           </a:p>
         </p:txBody>
       </p:sp>
@@ -1320,7 +1215,7 @@
           <a:p>
             <a:fld id="{180377DB-C4B0-49B2-8838-0F01BA83B7C4}" type="slidenum">
               <a:rPr lang="nb-NO" smtClean="0"/>
-              <a:t>23</a:t>
+              <a:t>22</a:t>
             </a:fld>
             <a:endParaRPr lang="nb-NO"/>
           </a:p>
@@ -1329,7 +1224,7 @@
     </p:spTree>
     <p:extLst>
       <p:ext uri="{BB962C8B-B14F-4D97-AF65-F5344CB8AC3E}">
-        <p14:creationId xmlns:p14="http://schemas.microsoft.com/office/powerpoint/2010/main" val="2766437490"/>
+        <p14:creationId xmlns:p14="http://schemas.microsoft.com/office/powerpoint/2010/main" val="546288370"/>
       </p:ext>
     </p:extLst>
   </p:cSld>
@@ -1384,12 +1279,111 @@
           <a:lstStyle/>
           <a:p>
             <a:r>
+              <a:rPr lang="nb-NO" dirty="0"/>
+              <a:t>Fullt mulig å installere</a:t>
+            </a:r>
+          </a:p>
+          <a:p>
+            <a:r>
+              <a:rPr lang="nb-NO" dirty="0"/>
+              <a:t>Azure SQL Database</a:t>
+            </a:r>
+          </a:p>
+          <a:p>
+            <a:pPr marL="171450" indent="-171450">
+              <a:buFontTx/>
+              <a:buChar char="-"/>
+            </a:pPr>
+            <a:r>
+              <a:rPr lang="nb-NO" dirty="0"/>
+              <a:t>Tjeneste: Alt inkludert  </a:t>
+            </a:r>
+          </a:p>
+          <a:p>
+            <a:pPr marL="171450" indent="-171450">
+              <a:buFontTx/>
+              <a:buChar char="-"/>
+            </a:pPr>
+            <a:r>
+              <a:rPr lang="nb-NO" dirty="0"/>
+              <a:t>Ytelse måles i DTU (Data Transfer Units)</a:t>
+            </a:r>
+          </a:p>
+          <a:p>
+            <a:pPr marL="171450" indent="-171450">
+              <a:buFontTx/>
+              <a:buChar char="-"/>
+            </a:pPr>
+            <a:r>
+              <a:rPr lang="nb-NO" dirty="0"/>
+              <a:t>Mangler noen </a:t>
+            </a:r>
+            <a:r>
               <a:rPr lang="nb-NO" dirty="0" err="1"/>
-              <a:t>Blobs</a:t>
-            </a:r>
-            <a:r>
-              <a:rPr lang="nb-NO" dirty="0"/>
-              <a:t>- virtuell katalogstruktur</a:t>
+              <a:t>features</a:t>
+            </a:r>
+            <a:r>
+              <a:rPr lang="nb-NO" dirty="0"/>
+              <a:t> fra vanlig.</a:t>
+            </a:r>
+          </a:p>
+          <a:p>
+            <a:pPr marL="171450" indent="-171450">
+              <a:buFontTx/>
+              <a:buChar char="-"/>
+            </a:pPr>
+            <a:r>
+              <a:rPr lang="nb-NO" dirty="0"/>
+              <a:t>Man kan også kjøre opp en vm og </a:t>
+            </a:r>
+            <a:r>
+              <a:rPr lang="nb-NO" dirty="0" err="1"/>
+              <a:t>instllaere</a:t>
+            </a:r>
+            <a:r>
+              <a:rPr lang="nb-NO" dirty="0"/>
+              <a:t> </a:t>
+            </a:r>
+            <a:r>
+              <a:rPr lang="nb-NO" dirty="0" err="1"/>
+              <a:t>sql</a:t>
+            </a:r>
+            <a:r>
+              <a:rPr lang="nb-NO" dirty="0"/>
+              <a:t> server. Men da må man ha egen lisens, og man må.</a:t>
+            </a:r>
+          </a:p>
+          <a:p>
+            <a:pPr marL="171450" indent="-171450">
+              <a:buFontTx/>
+              <a:buChar char="-"/>
+            </a:pPr>
+            <a:endParaRPr lang="nb-NO" dirty="0"/>
+          </a:p>
+          <a:p>
+            <a:r>
+              <a:rPr lang="nb-NO" dirty="0"/>
+              <a:t>Cosmos DB:</a:t>
+            </a:r>
+          </a:p>
+          <a:p>
+            <a:pPr marL="171450" indent="-171450">
+              <a:buFontTx/>
+              <a:buChar char="-"/>
+            </a:pPr>
+            <a:r>
+              <a:rPr lang="nb-NO" dirty="0"/>
+              <a:t>Mult</a:t>
+            </a:r>
+          </a:p>
+          <a:p>
+            <a:pPr marL="0" indent="0">
+              <a:buFontTx/>
+              <a:buNone/>
+            </a:pPr>
+            <a:r>
+              <a:rPr lang="nb-NO" dirty="0"/>
+              <a:t>- Satses mye på av </a:t>
             </a:r>
           </a:p>
         </p:txBody>
@@ -1420,7 +1414,7 @@
     </p:spTree>
     <p:extLst>
       <p:ext uri="{BB962C8B-B14F-4D97-AF65-F5344CB8AC3E}">
-        <p14:creationId xmlns:p14="http://schemas.microsoft.com/office/powerpoint/2010/main" val="2113116676"/>
+        <p14:creationId xmlns:p14="http://schemas.microsoft.com/office/powerpoint/2010/main" val="2766437490"/>
       </p:ext>
     </p:extLst>
   </p:cSld>
@@ -1475,24 +1469,12 @@
           <a:lstStyle/>
           <a:p>
             <a:r>
-              <a:rPr lang="nb-NO" dirty="0"/>
-              <a:t>SAS-tokens: Key-</a:t>
-            </a:r>
-            <a:r>
               <a:rPr lang="nb-NO" dirty="0" err="1"/>
-              <a:t>Valet</a:t>
-            </a:r>
-            <a:r>
-              <a:rPr lang="nb-NO" dirty="0"/>
-              <a:t> </a:t>
-            </a:r>
-            <a:r>
-              <a:rPr lang="nb-NO" dirty="0" err="1"/>
-              <a:t>pattern</a:t>
-            </a:r>
-            <a:r>
-              <a:rPr lang="nb-NO" dirty="0"/>
-              <a:t>.</a:t>
+              <a:t>Blobs</a:t>
+            </a:r>
+            <a:r>
+              <a:rPr lang="nb-NO" dirty="0"/>
+              <a:t>- virtuell katalogstruktur</a:t>
             </a:r>
           </a:p>
         </p:txBody>
@@ -1523,7 +1505,7 @@
     </p:spTree>
     <p:extLst>
       <p:ext uri="{BB962C8B-B14F-4D97-AF65-F5344CB8AC3E}">
-        <p14:creationId xmlns:p14="http://schemas.microsoft.com/office/powerpoint/2010/main" val="2379882642"/>
+        <p14:creationId xmlns:p14="http://schemas.microsoft.com/office/powerpoint/2010/main" val="2113116676"/>
       </p:ext>
     </p:extLst>
   </p:cSld>
@@ -1579,14 +1561,24 @@
           <a:p>
             <a:r>
               <a:rPr lang="nb-NO" dirty="0"/>
-              <a:t>Eksempel: haveibeenpwd.com fra Troy Hunt blir brukt til dette:</a:t>
-            </a:r>
-          </a:p>
-          <a:p>
-            <a:endParaRPr lang="nb-NO" dirty="0"/>
-          </a:p>
-          <a:p>
-            <a:endParaRPr lang="nb-NO" dirty="0"/>
+              <a:t>SAS-tokens: Key-</a:t>
+            </a:r>
+            <a:r>
+              <a:rPr lang="nb-NO" dirty="0" err="1"/>
+              <a:t>Valet</a:t>
+            </a:r>
+            <a:r>
+              <a:rPr lang="nb-NO" dirty="0"/>
+              <a:t> </a:t>
+            </a:r>
+            <a:r>
+              <a:rPr lang="nb-NO" dirty="0" err="1"/>
+              <a:t>pattern</a:t>
+            </a:r>
+            <a:r>
+              <a:rPr lang="nb-NO" dirty="0"/>
+              <a:t>.</a:t>
+            </a:r>
           </a:p>
         </p:txBody>
       </p:sp>
@@ -1608,6 +1600,99 @@
             <a:fld id="{180377DB-C4B0-49B2-8838-0F01BA83B7C4}" type="slidenum">
               <a:rPr lang="nb-NO" smtClean="0"/>
               <a:t>26</a:t>
+            </a:fld>
+            <a:endParaRPr lang="nb-NO"/>
+          </a:p>
+        </p:txBody>
+      </p:sp>
+    </p:spTree>
+    <p:extLst>
+      <p:ext uri="{BB962C8B-B14F-4D97-AF65-F5344CB8AC3E}">
+        <p14:creationId xmlns:p14="http://schemas.microsoft.com/office/powerpoint/2010/main" val="2379882642"/>
+      </p:ext>
+    </p:extLst>
+  </p:cSld>
+  <p:clrMapOvr>
+    <a:masterClrMapping/>
+  </p:clrMapOvr>
+</p:notes>
+</file>
+
+<file path=ppt/notesSlides/notesSlide18.xml><?xml version="1.0" encoding="utf-8"?>
+<p:notes xmlns:a="http://schemas.openxmlformats.org/drawingml/2006/main" xmlns:r="http://schemas.openxmlformats.org/officeDocument/2006/relationships" xmlns:p="http://schemas.openxmlformats.org/presentationml/2006/main">
+  <p:cSld>
+    <p:spTree>
+      <p:nvGrpSpPr>
+        <p:cNvPr id="1" name=""/>
+        <p:cNvGrpSpPr/>
+        <p:nvPr/>
+      </p:nvGrpSpPr>
+      <p:grpSpPr>
+        <a:xfrm>
+          <a:off x="0" y="0"/>
+          <a:ext cx="0" cy="0"/>
+          <a:chOff x="0" y="0"/>
+          <a:chExt cx="0" cy="0"/>
+        </a:xfrm>
+      </p:grpSpPr>
+      <p:sp>
+        <p:nvSpPr>
+          <p:cNvPr id="2" name="Slide Image Placeholder 1"/>
+          <p:cNvSpPr>
+            <a:spLocks noGrp="1" noRot="1" noChangeAspect="1"/>
+          </p:cNvSpPr>
+          <p:nvPr>
+            <p:ph type="sldImg"/>
+          </p:nvPr>
+        </p:nvSpPr>
+        <p:spPr/>
+      </p:sp>
+      <p:sp>
+        <p:nvSpPr>
+          <p:cNvPr id="3" name="Notes Placeholder 2"/>
+          <p:cNvSpPr>
+            <a:spLocks noGrp="1"/>
+          </p:cNvSpPr>
+          <p:nvPr>
+            <p:ph type="body" idx="1"/>
+          </p:nvPr>
+        </p:nvSpPr>
+        <p:spPr/>
+        <p:txBody>
+          <a:bodyPr/>
+          <a:lstStyle/>
+          <a:p>
+            <a:r>
+              <a:rPr lang="nb-NO" dirty="0"/>
+              <a:t>Eksempel: haveibeenpwd.com fra Troy Hunt blir brukt til dette:</a:t>
+            </a:r>
+          </a:p>
+          <a:p>
+            <a:endParaRPr lang="nb-NO" dirty="0"/>
+          </a:p>
+          <a:p>
+            <a:endParaRPr lang="nb-NO" dirty="0"/>
+          </a:p>
+        </p:txBody>
+      </p:sp>
+      <p:sp>
+        <p:nvSpPr>
+          <p:cNvPr id="4" name="Slide Number Placeholder 3"/>
+          <p:cNvSpPr>
+            <a:spLocks noGrp="1"/>
+          </p:cNvSpPr>
+          <p:nvPr>
+            <p:ph type="sldNum" sz="quarter" idx="10"/>
+          </p:nvPr>
+        </p:nvSpPr>
+        <p:spPr/>
+        <p:txBody>
+          <a:bodyPr/>
+          <a:lstStyle/>
+          <a:p>
+            <a:fld id="{180377DB-C4B0-49B2-8838-0F01BA83B7C4}" type="slidenum">
+              <a:rPr lang="nb-NO" smtClean="0"/>
+              <a:t>27</a:t>
             </a:fld>
             <a:endParaRPr lang="nb-NO"/>
           </a:p>
@@ -12606,6 +12691,19 @@
               <a:t>En av de mest brukte tjenestene i Azure</a:t>
             </a:r>
           </a:p>
+          <a:p>
+            <a:r>
+              <a:rPr lang="nb-NO" dirty="0"/>
+              <a:t>Skalering</a:t>
+            </a:r>
+          </a:p>
+          <a:p>
+            <a:r>
+              <a:rPr lang="nb-NO" dirty="0" err="1"/>
+              <a:t>Autoskalering</a:t>
+            </a:r>
+            <a:endParaRPr lang="nb-NO" dirty="0"/>
+          </a:p>
         </p:txBody>
       </p:sp>
       <p:sp>
@@ -13671,14 +13769,14 @@
           </a:ln>
           <a:extLst>
             <a:ext uri="{909E8E84-426E-40dd-AFC4-6F175D3DCCD1}">
-              <a14:hiddenFill xmlns="" xmlns:a14="http://schemas.microsoft.com/office/drawing/2010/main" xmlns:lc="http://schemas.openxmlformats.org/drawingml/2006/lockedCanvas">
+              <a14:hiddenFill xmlns:lc="http://schemas.openxmlformats.org/drawingml/2006/lockedCanvas" xmlns:a14="http://schemas.microsoft.com/office/drawing/2010/main" xmlns="">
                 <a:solidFill>
                   <a:srgbClr val="FFFFFF"/>
                 </a:solidFill>
               </a14:hiddenFill>
             </a:ext>
             <a:ext uri="{91240B29-F687-4f45-9708-019B960494DF}">
-              <a14:hiddenLine xmlns="" xmlns:a14="http://schemas.microsoft.com/office/drawing/2010/main" xmlns:lc="http://schemas.openxmlformats.org/drawingml/2006/lockedCanvas" w="9525">
+              <a14:hiddenLine xmlns:lc="http://schemas.openxmlformats.org/drawingml/2006/lockedCanvas" xmlns:a14="http://schemas.microsoft.com/office/drawing/2010/main" xmlns="" w="9525">
                 <a:solidFill>
                   <a:srgbClr val="000000"/>
                 </a:solidFill>
@@ -13867,14 +13965,14 @@
           </a:ln>
           <a:extLst>
             <a:ext uri="{909E8E84-426E-40dd-AFC4-6F175D3DCCD1}">
-              <a14:hiddenFill xmlns="" xmlns:a14="http://schemas.microsoft.com/office/drawing/2010/main" xmlns:lc="http://schemas.openxmlformats.org/drawingml/2006/lockedCanvas">
+              <a14:hiddenFill xmlns:lc="http://schemas.openxmlformats.org/drawingml/2006/lockedCanvas" xmlns:a14="http://schemas.microsoft.com/office/drawing/2010/main" xmlns="">
                 <a:solidFill>
                   <a:srgbClr val="FFFFFF"/>
                 </a:solidFill>
               </a14:hiddenFill>
             </a:ext>
             <a:ext uri="{91240B29-F687-4f45-9708-019B960494DF}">
-              <a14:hiddenLine xmlns="" xmlns:a14="http://schemas.microsoft.com/office/drawing/2010/main" xmlns:lc="http://schemas.openxmlformats.org/drawingml/2006/lockedCanvas" w="9525">
+              <a14:hiddenLine xmlns:lc="http://schemas.openxmlformats.org/drawingml/2006/lockedCanvas" xmlns:a14="http://schemas.microsoft.com/office/drawing/2010/main" xmlns="" w="9525">
                 <a:solidFill>
                   <a:srgbClr val="000000"/>
                 </a:solidFill>
@@ -14335,14 +14433,14 @@
           </a:ln>
           <a:extLst>
             <a:ext uri="{909E8E84-426E-40dd-AFC4-6F175D3DCCD1}">
-              <a14:hiddenFill xmlns="" xmlns:a14="http://schemas.microsoft.com/office/drawing/2010/main" xmlns:lc="http://schemas.openxmlformats.org/drawingml/2006/lockedCanvas">
+              <a14:hiddenFill xmlns:lc="http://schemas.openxmlformats.org/drawingml/2006/lockedCanvas" xmlns:a14="http://schemas.microsoft.com/office/drawing/2010/main" xmlns="">
                 <a:solidFill>
                   <a:srgbClr val="FFFFFF"/>
                 </a:solidFill>
               </a14:hiddenFill>
             </a:ext>
             <a:ext uri="{91240B29-F687-4f45-9708-019B960494DF}">
-              <a14:hiddenLine xmlns="" xmlns:a14="http://schemas.microsoft.com/office/drawing/2010/main" xmlns:lc="http://schemas.openxmlformats.org/drawingml/2006/lockedCanvas" w="9525">
+              <a14:hiddenLine xmlns:lc="http://schemas.openxmlformats.org/drawingml/2006/lockedCanvas" xmlns:a14="http://schemas.microsoft.com/office/drawing/2010/main" xmlns="" w="9525">
                 <a:solidFill>
                   <a:srgbClr val="000000"/>
                 </a:solidFill>
@@ -15048,14 +15146,14 @@
           </a:ln>
           <a:extLst>
             <a:ext uri="{909E8E84-426E-40dd-AFC4-6F175D3DCCD1}">
-              <a14:hiddenFill xmlns="" xmlns:a14="http://schemas.microsoft.com/office/drawing/2010/main" xmlns:lc="http://schemas.openxmlformats.org/drawingml/2006/lockedCanvas">
+              <a14:hiddenFill xmlns:lc="http://schemas.openxmlformats.org/drawingml/2006/lockedCanvas" xmlns:a14="http://schemas.microsoft.com/office/drawing/2010/main" xmlns="">
                 <a:solidFill>
                   <a:srgbClr val="FFFFFF"/>
                 </a:solidFill>
               </a14:hiddenFill>
             </a:ext>
             <a:ext uri="{91240B29-F687-4f45-9708-019B960494DF}">
-              <a14:hiddenLine xmlns="" xmlns:a14="http://schemas.microsoft.com/office/drawing/2010/main" xmlns:lc="http://schemas.openxmlformats.org/drawingml/2006/lockedCanvas" w="9525">
+              <a14:hiddenLine xmlns:lc="http://schemas.openxmlformats.org/drawingml/2006/lockedCanvas" xmlns:a14="http://schemas.microsoft.com/office/drawing/2010/main" xmlns="" w="9525">
                 <a:solidFill>
                   <a:srgbClr val="000000"/>
                 </a:solidFill>
@@ -15108,14 +15206,14 @@
           </a:ln>
           <a:extLst>
             <a:ext uri="{909E8E84-426E-40dd-AFC4-6F175D3DCCD1}">
-              <a14:hiddenFill xmlns="" xmlns:a14="http://schemas.microsoft.com/office/drawing/2010/main" xmlns:lc="http://schemas.openxmlformats.org/drawingml/2006/lockedCanvas">
+              <a14:hiddenFill xmlns:lc="http://schemas.openxmlformats.org/drawingml/2006/lockedCanvas" xmlns:a14="http://schemas.microsoft.com/office/drawing/2010/main" xmlns="">
                 <a:solidFill>
                   <a:srgbClr val="FFFFFF"/>
                 </a:solidFill>
               </a14:hiddenFill>
             </a:ext>
             <a:ext uri="{91240B29-F687-4f45-9708-019B960494DF}">
-              <a14:hiddenLine xmlns="" xmlns:a14="http://schemas.microsoft.com/office/drawing/2010/main" xmlns:lc="http://schemas.openxmlformats.org/drawingml/2006/lockedCanvas" w="9525">
+              <a14:hiddenLine xmlns:lc="http://schemas.openxmlformats.org/drawingml/2006/lockedCanvas" xmlns:a14="http://schemas.microsoft.com/office/drawing/2010/main" xmlns="" w="9525">
                 <a:solidFill>
                   <a:srgbClr val="000000"/>
                 </a:solidFill>
@@ -15350,7 +15448,7 @@
           <p:cNvPr id="2" name="Content Placeholder 1">
             <a:extLst>
               <a:ext uri="{FF2B5EF4-FFF2-40B4-BE49-F238E27FC236}">
-                <a16:creationId xmlns:a16="http://schemas.microsoft.com/office/drawing/2014/main" id="{DDB7E498-3C4D-40F4-9886-096A6156A712}"/>
+                <a16:creationId xmlns:a16="http://schemas.microsoft.com/office/drawing/2014/main" id="{7AE43EF0-28B5-4B4C-B457-228A74A9F4E5}"/>
               </a:ext>
             </a:extLst>
           </p:cNvPr>
@@ -15366,6 +15464,51 @@
           <a:bodyPr/>
           <a:lstStyle/>
           <a:p>
+            <a:r>
+              <a:rPr lang="nb-NO" dirty="0"/>
+              <a:t>Støtte for flere programmeringsspråk </a:t>
+            </a:r>
+          </a:p>
+          <a:p>
+            <a:pPr lvl="1"/>
+            <a:r>
+              <a:rPr lang="nb-NO" dirty="0"/>
+              <a:t>.NET</a:t>
+            </a:r>
+          </a:p>
+          <a:p>
+            <a:pPr lvl="1"/>
+            <a:r>
+              <a:rPr lang="nb-NO" dirty="0"/>
+              <a:t>Python</a:t>
+            </a:r>
+          </a:p>
+          <a:p>
+            <a:pPr lvl="1"/>
+            <a:r>
+              <a:rPr lang="nb-NO" dirty="0"/>
+              <a:t>Node.JS</a:t>
+            </a:r>
+          </a:p>
+          <a:p>
+            <a:r>
+              <a:rPr lang="nb-NO" dirty="0" err="1"/>
+              <a:t>Features</a:t>
+            </a:r>
+            <a:r>
+              <a:rPr lang="nb-NO" dirty="0"/>
+              <a:t>:</a:t>
+            </a:r>
+          </a:p>
+          <a:p>
+            <a:pPr lvl="1"/>
+            <a:r>
+              <a:rPr lang="nb-NO" dirty="0" err="1"/>
+              <a:t>Slots</a:t>
+            </a:r>
+            <a:endParaRPr lang="nb-NO" dirty="0"/>
+          </a:p>
+          <a:p>
             <a:pPr lvl="1"/>
             <a:endParaRPr lang="nb-NO" dirty="0"/>
           </a:p>
@@ -15376,7 +15519,7 @@
           <p:cNvPr id="3" name="Title 2">
             <a:extLst>
               <a:ext uri="{FF2B5EF4-FFF2-40B4-BE49-F238E27FC236}">
-                <a16:creationId xmlns:a16="http://schemas.microsoft.com/office/drawing/2014/main" id="{FF17F895-AE5B-489F-851C-DF70FA11E094}"/>
+                <a16:creationId xmlns:a16="http://schemas.microsoft.com/office/drawing/2014/main" id="{70B9FBB2-5FB2-406C-A4E8-B7F106A2FD51}"/>
               </a:ext>
             </a:extLst>
           </p:cNvPr>
@@ -15393,20 +15536,21 @@
           <a:lstStyle/>
           <a:p>
             <a:r>
+              <a:rPr lang="nb-NO" dirty="0"/>
+              <a:t>Web </a:t>
+            </a:r>
+            <a:r>
               <a:rPr lang="nb-NO" dirty="0" err="1"/>
-              <a:t>App</a:t>
-            </a:r>
-            <a:r>
-              <a:rPr lang="nb-NO" dirty="0"/>
-              <a:t> Service Plan - Demo</a:t>
-            </a:r>
+              <a:t>Apps</a:t>
+            </a:r>
+            <a:endParaRPr lang="nb-NO" dirty="0"/>
           </a:p>
         </p:txBody>
       </p:sp>
     </p:spTree>
     <p:extLst>
       <p:ext uri="{BB962C8B-B14F-4D97-AF65-F5344CB8AC3E}">
-        <p14:creationId xmlns:p14="http://schemas.microsoft.com/office/powerpoint/2010/main" val="2537136117"/>
+        <p14:creationId xmlns:p14="http://schemas.microsoft.com/office/powerpoint/2010/main" val="641098532"/>
       </p:ext>
     </p:extLst>
   </p:cSld>
@@ -15507,6 +15651,94 @@
 </file>
 
 <file path=ppt/slides/slide20.xml><?xml version="1.0" encoding="utf-8"?>
+<p:sld xmlns:a="http://schemas.openxmlformats.org/drawingml/2006/main" xmlns:r="http://schemas.openxmlformats.org/officeDocument/2006/relationships" xmlns:p="http://schemas.openxmlformats.org/presentationml/2006/main">
+  <p:cSld>
+    <p:spTree>
+      <p:nvGrpSpPr>
+        <p:cNvPr id="1" name=""/>
+        <p:cNvGrpSpPr/>
+        <p:nvPr/>
+      </p:nvGrpSpPr>
+      <p:grpSpPr>
+        <a:xfrm>
+          <a:off x="0" y="0"/>
+          <a:ext cx="0" cy="0"/>
+          <a:chOff x="0" y="0"/>
+          <a:chExt cx="0" cy="0"/>
+        </a:xfrm>
+      </p:grpSpPr>
+      <p:sp>
+        <p:nvSpPr>
+          <p:cNvPr id="2" name="Content Placeholder 1">
+            <a:extLst>
+              <a:ext uri="{FF2B5EF4-FFF2-40B4-BE49-F238E27FC236}">
+                <a16:creationId xmlns:a16="http://schemas.microsoft.com/office/drawing/2014/main" id="{DDB7E498-3C4D-40F4-9886-096A6156A712}"/>
+              </a:ext>
+            </a:extLst>
+          </p:cNvPr>
+          <p:cNvSpPr>
+            <a:spLocks noGrp="1"/>
+          </p:cNvSpPr>
+          <p:nvPr>
+            <p:ph idx="1"/>
+          </p:nvPr>
+        </p:nvSpPr>
+        <p:spPr/>
+        <p:txBody>
+          <a:bodyPr/>
+          <a:lstStyle/>
+          <a:p>
+            <a:pPr lvl="1"/>
+            <a:endParaRPr lang="nb-NO" dirty="0"/>
+          </a:p>
+        </p:txBody>
+      </p:sp>
+      <p:sp>
+        <p:nvSpPr>
+          <p:cNvPr id="3" name="Title 2">
+            <a:extLst>
+              <a:ext uri="{FF2B5EF4-FFF2-40B4-BE49-F238E27FC236}">
+                <a16:creationId xmlns:a16="http://schemas.microsoft.com/office/drawing/2014/main" id="{FF17F895-AE5B-489F-851C-DF70FA11E094}"/>
+              </a:ext>
+            </a:extLst>
+          </p:cNvPr>
+          <p:cNvSpPr>
+            <a:spLocks noGrp="1"/>
+          </p:cNvSpPr>
+          <p:nvPr>
+            <p:ph type="title"/>
+          </p:nvPr>
+        </p:nvSpPr>
+        <p:spPr/>
+        <p:txBody>
+          <a:bodyPr/>
+          <a:lstStyle/>
+          <a:p>
+            <a:r>
+              <a:rPr lang="nb-NO" dirty="0" err="1"/>
+              <a:t>App</a:t>
+            </a:r>
+            <a:r>
+              <a:rPr lang="nb-NO" dirty="0"/>
+              <a:t> Service Plan - Demo</a:t>
+            </a:r>
+          </a:p>
+        </p:txBody>
+      </p:sp>
+    </p:spTree>
+    <p:extLst>
+      <p:ext uri="{BB962C8B-B14F-4D97-AF65-F5344CB8AC3E}">
+        <p14:creationId xmlns:p14="http://schemas.microsoft.com/office/powerpoint/2010/main" val="2537136117"/>
+      </p:ext>
+    </p:extLst>
+  </p:cSld>
+  <p:clrMapOvr>
+    <a:masterClrMapping/>
+  </p:clrMapOvr>
+</p:sld>
+</file>
+
+<file path=ppt/slides/slide21.xml><?xml version="1.0" encoding="utf-8"?>
 <p:sld xmlns:a="http://schemas.openxmlformats.org/drawingml/2006/main" xmlns:r="http://schemas.openxmlformats.org/officeDocument/2006/relationships" xmlns:p="http://schemas.openxmlformats.org/presentationml/2006/main">
   <p:cSld>
     <p:spTree>
@@ -15690,131 +15922,6 @@
 </p:sld>
 </file>
 
-<file path=ppt/slides/slide21.xml><?xml version="1.0" encoding="utf-8"?>
-<p:sld xmlns:a="http://schemas.openxmlformats.org/drawingml/2006/main" xmlns:r="http://schemas.openxmlformats.org/officeDocument/2006/relationships" xmlns:p="http://schemas.openxmlformats.org/presentationml/2006/main">
-  <p:cSld>
-    <p:spTree>
-      <p:nvGrpSpPr>
-        <p:cNvPr id="1" name=""/>
-        <p:cNvGrpSpPr/>
-        <p:nvPr/>
-      </p:nvGrpSpPr>
-      <p:grpSpPr>
-        <a:xfrm>
-          <a:off x="0" y="0"/>
-          <a:ext cx="0" cy="0"/>
-          <a:chOff x="0" y="0"/>
-          <a:chExt cx="0" cy="0"/>
-        </a:xfrm>
-      </p:grpSpPr>
-      <p:sp>
-        <p:nvSpPr>
-          <p:cNvPr id="2" name="Content Placeholder 1">
-            <a:extLst>
-              <a:ext uri="{FF2B5EF4-FFF2-40B4-BE49-F238E27FC236}">
-                <a16:creationId xmlns:a16="http://schemas.microsoft.com/office/drawing/2014/main" id="{1F79401F-EEF2-4234-884F-6B9F884FA979}"/>
-              </a:ext>
-            </a:extLst>
-          </p:cNvPr>
-          <p:cNvSpPr>
-            <a:spLocks noGrp="1"/>
-          </p:cNvSpPr>
-          <p:nvPr>
-            <p:ph idx="1"/>
-          </p:nvPr>
-        </p:nvSpPr>
-        <p:spPr/>
-        <p:txBody>
-          <a:bodyPr/>
-          <a:lstStyle/>
-          <a:p>
-            <a:r>
-              <a:rPr lang="nb-NO" dirty="0"/>
-              <a:t>Tjeneste </a:t>
-            </a:r>
-          </a:p>
-          <a:p>
-            <a:r>
-              <a:rPr lang="nb-NO" dirty="0"/>
-              <a:t>Sikker lagring av </a:t>
-            </a:r>
-            <a:r>
-              <a:rPr lang="nb-NO" dirty="0" err="1"/>
-              <a:t>secrets</a:t>
-            </a:r>
-            <a:r>
-              <a:rPr lang="nb-NO" dirty="0"/>
-              <a:t> (f.eks. passord) og sertifikater i Azure</a:t>
-            </a:r>
-          </a:p>
-          <a:p>
-            <a:endParaRPr lang="nb-NO" dirty="0"/>
-          </a:p>
-          <a:p>
-            <a:endParaRPr lang="nb-NO" dirty="0"/>
-          </a:p>
-          <a:p>
-            <a:endParaRPr lang="nb-NO" dirty="0"/>
-          </a:p>
-          <a:p>
-            <a:endParaRPr lang="nb-NO" dirty="0"/>
-          </a:p>
-          <a:p>
-            <a:endParaRPr lang="nb-NO" dirty="0"/>
-          </a:p>
-          <a:p>
-            <a:r>
-              <a:rPr lang="nb-NO" dirty="0"/>
-              <a:t>Demo</a:t>
-            </a:r>
-          </a:p>
-          <a:p>
-            <a:endParaRPr lang="nb-NO" dirty="0"/>
-          </a:p>
-        </p:txBody>
-      </p:sp>
-      <p:sp>
-        <p:nvSpPr>
-          <p:cNvPr id="3" name="Title 2">
-            <a:extLst>
-              <a:ext uri="{FF2B5EF4-FFF2-40B4-BE49-F238E27FC236}">
-                <a16:creationId xmlns:a16="http://schemas.microsoft.com/office/drawing/2014/main" id="{67F3484C-440F-4FA5-8833-85E89A9F8F08}"/>
-              </a:ext>
-            </a:extLst>
-          </p:cNvPr>
-          <p:cNvSpPr>
-            <a:spLocks noGrp="1"/>
-          </p:cNvSpPr>
-          <p:nvPr>
-            <p:ph type="title"/>
-          </p:nvPr>
-        </p:nvSpPr>
-        <p:spPr/>
-        <p:txBody>
-          <a:bodyPr/>
-          <a:lstStyle/>
-          <a:p>
-            <a:r>
-              <a:rPr lang="nb-NO" dirty="0" err="1"/>
-              <a:t>KeyVault</a:t>
-            </a:r>
-            <a:endParaRPr lang="nb-NO" dirty="0"/>
-          </a:p>
-        </p:txBody>
-      </p:sp>
-    </p:spTree>
-    <p:extLst>
-      <p:ext uri="{BB962C8B-B14F-4D97-AF65-F5344CB8AC3E}">
-        <p14:creationId xmlns:p14="http://schemas.microsoft.com/office/powerpoint/2010/main" val="881317300"/>
-      </p:ext>
-    </p:extLst>
-  </p:cSld>
-  <p:clrMapOvr>
-    <a:masterClrMapping/>
-  </p:clrMapOvr>
-</p:sld>
-</file>
-
 <file path=ppt/slides/slide22.xml><?xml version="1.0" encoding="utf-8"?>
 <p:sld xmlns:a="http://schemas.openxmlformats.org/drawingml/2006/main" xmlns:r="http://schemas.openxmlformats.org/officeDocument/2006/relationships" xmlns:p="http://schemas.openxmlformats.org/presentationml/2006/main">
   <p:cSld>
@@ -15837,7 +15944,7 @@
           <p:cNvPr id="2" name="Content Placeholder 1">
             <a:extLst>
               <a:ext uri="{FF2B5EF4-FFF2-40B4-BE49-F238E27FC236}">
-                <a16:creationId xmlns:a16="http://schemas.microsoft.com/office/drawing/2014/main" id="{80AA05E5-BB1E-4E59-B3A6-8050741140A1}"/>
+                <a16:creationId xmlns:a16="http://schemas.microsoft.com/office/drawing/2014/main" id="{1F79401F-EEF2-4234-884F-6B9F884FA979}"/>
               </a:ext>
             </a:extLst>
           </p:cNvPr>
@@ -15853,7 +15960,48 @@
           <a:bodyPr/>
           <a:lstStyle/>
           <a:p>
-            <a:endParaRPr lang="nb-NO"/>
+            <a:r>
+              <a:rPr lang="nb-NO" dirty="0"/>
+              <a:t>Tjeneste </a:t>
+            </a:r>
+          </a:p>
+          <a:p>
+            <a:r>
+              <a:rPr lang="nb-NO" dirty="0"/>
+              <a:t>Sikker lagring av </a:t>
+            </a:r>
+            <a:r>
+              <a:rPr lang="nb-NO" dirty="0" err="1"/>
+              <a:t>secrets</a:t>
+            </a:r>
+            <a:r>
+              <a:rPr lang="nb-NO" dirty="0"/>
+              <a:t> (f.eks. passord) og sertifikater i Azure</a:t>
+            </a:r>
+          </a:p>
+          <a:p>
+            <a:endParaRPr lang="nb-NO" dirty="0"/>
+          </a:p>
+          <a:p>
+            <a:endParaRPr lang="nb-NO" dirty="0"/>
+          </a:p>
+          <a:p>
+            <a:endParaRPr lang="nb-NO" dirty="0"/>
+          </a:p>
+          <a:p>
+            <a:endParaRPr lang="nb-NO" dirty="0"/>
+          </a:p>
+          <a:p>
+            <a:endParaRPr lang="nb-NO" dirty="0"/>
+          </a:p>
+          <a:p>
+            <a:r>
+              <a:rPr lang="nb-NO" dirty="0"/>
+              <a:t>Demo</a:t>
+            </a:r>
+          </a:p>
+          <a:p>
+            <a:endParaRPr lang="nb-NO" dirty="0"/>
           </a:p>
         </p:txBody>
       </p:sp>
@@ -15862,7 +16010,7 @@
           <p:cNvPr id="3" name="Title 2">
             <a:extLst>
               <a:ext uri="{FF2B5EF4-FFF2-40B4-BE49-F238E27FC236}">
-                <a16:creationId xmlns:a16="http://schemas.microsoft.com/office/drawing/2014/main" id="{36AE5D29-1F11-4D5C-A83E-B7CDA2A2069C}"/>
+                <a16:creationId xmlns:a16="http://schemas.microsoft.com/office/drawing/2014/main" id="{67F3484C-440F-4FA5-8833-85E89A9F8F08}"/>
               </a:ext>
             </a:extLst>
           </p:cNvPr>
@@ -15879,24 +16027,17 @@
           <a:lstStyle/>
           <a:p>
             <a:r>
-              <a:rPr lang="nb-NO" dirty="0"/>
-              <a:t>Key </a:t>
-            </a:r>
-            <a:r>
               <a:rPr lang="nb-NO" dirty="0" err="1"/>
-              <a:t>Vault</a:t>
-            </a:r>
-            <a:r>
-              <a:rPr lang="nb-NO" dirty="0"/>
-              <a:t> Demo</a:t>
-            </a:r>
+              <a:t>KeyVault</a:t>
+            </a:r>
+            <a:endParaRPr lang="nb-NO" dirty="0"/>
           </a:p>
         </p:txBody>
       </p:sp>
     </p:spTree>
     <p:extLst>
       <p:ext uri="{BB962C8B-B14F-4D97-AF65-F5344CB8AC3E}">
-        <p14:creationId xmlns:p14="http://schemas.microsoft.com/office/powerpoint/2010/main" val="607609166"/>
+        <p14:creationId xmlns:p14="http://schemas.microsoft.com/office/powerpoint/2010/main" val="881317300"/>
       </p:ext>
     </p:extLst>
   </p:cSld>
@@ -15928,7 +16069,7 @@
           <p:cNvPr id="2" name="Content Placeholder 1">
             <a:extLst>
               <a:ext uri="{FF2B5EF4-FFF2-40B4-BE49-F238E27FC236}">
-                <a16:creationId xmlns:a16="http://schemas.microsoft.com/office/drawing/2014/main" id="{D490908C-9173-4AFD-8FE0-364E1E34A7C0}"/>
+                <a16:creationId xmlns:a16="http://schemas.microsoft.com/office/drawing/2014/main" id="{80AA05E5-BB1E-4E59-B3A6-8050741140A1}"/>
               </a:ext>
             </a:extLst>
           </p:cNvPr>
@@ -15944,90 +16085,7 @@
           <a:bodyPr/>
           <a:lstStyle/>
           <a:p>
-            <a:r>
-              <a:rPr lang="nb-NO" dirty="0"/>
-              <a:t>Azure SQL Database</a:t>
-            </a:r>
-          </a:p>
-          <a:p>
-            <a:pPr lvl="1"/>
-            <a:r>
-              <a:rPr lang="nb-NO" dirty="0"/>
-              <a:t>SQL Server (</a:t>
-            </a:r>
-            <a:r>
-              <a:rPr lang="nb-NO" dirty="0" err="1"/>
-              <a:t>light</a:t>
-            </a:r>
-            <a:r>
-              <a:rPr lang="nb-NO" dirty="0"/>
-              <a:t>) som tjeneste i skyen</a:t>
-            </a:r>
-          </a:p>
-          <a:p>
-            <a:r>
-              <a:rPr lang="nb-NO" dirty="0"/>
-              <a:t>Cosmos DB</a:t>
-            </a:r>
-          </a:p>
-          <a:p>
-            <a:pPr lvl="1"/>
-            <a:r>
-              <a:rPr lang="nb-NO" dirty="0"/>
-              <a:t>No-SQL-database</a:t>
-            </a:r>
-          </a:p>
-          <a:p>
-            <a:pPr lvl="1"/>
-            <a:r>
-              <a:rPr lang="nb-NO" dirty="0"/>
-              <a:t>API: </a:t>
-            </a:r>
-            <a:r>
-              <a:rPr lang="nb-NO" dirty="0" err="1"/>
-              <a:t>Sql</a:t>
-            </a:r>
-            <a:r>
-              <a:rPr lang="nb-NO" dirty="0"/>
-              <a:t> API, </a:t>
-            </a:r>
-            <a:r>
-              <a:rPr lang="nb-NO" dirty="0" err="1"/>
-              <a:t>Table</a:t>
-            </a:r>
-            <a:r>
-              <a:rPr lang="nb-NO" dirty="0"/>
-              <a:t> Storage API</a:t>
-            </a:r>
-          </a:p>
-          <a:p>
-            <a:r>
-              <a:rPr lang="nb-NO" dirty="0"/>
-              <a:t>Azure Storage</a:t>
-            </a:r>
-          </a:p>
-          <a:p>
-            <a:pPr lvl="1"/>
-            <a:endParaRPr lang="nb-NO" dirty="0"/>
-          </a:p>
-          <a:p>
-            <a:pPr lvl="1"/>
-            <a:endParaRPr lang="nb-NO" dirty="0"/>
-          </a:p>
-          <a:p>
-            <a:r>
-              <a:rPr lang="nb-NO" dirty="0" err="1"/>
-              <a:t>Polyglot</a:t>
-            </a:r>
-            <a:r>
-              <a:rPr lang="nb-NO" dirty="0"/>
-              <a:t> </a:t>
-            </a:r>
-            <a:r>
-              <a:rPr lang="nb-NO" dirty="0" err="1"/>
-              <a:t>storage</a:t>
-            </a:r>
-            <a:endParaRPr lang="nb-NO" dirty="0"/>
+            <a:endParaRPr lang="nb-NO"/>
           </a:p>
         </p:txBody>
       </p:sp>
@@ -16036,7 +16094,7 @@
           <p:cNvPr id="3" name="Title 2">
             <a:extLst>
               <a:ext uri="{FF2B5EF4-FFF2-40B4-BE49-F238E27FC236}">
-                <a16:creationId xmlns:a16="http://schemas.microsoft.com/office/drawing/2014/main" id="{2D643F29-E495-45DA-8818-6E3C14AAC138}"/>
+                <a16:creationId xmlns:a16="http://schemas.microsoft.com/office/drawing/2014/main" id="{36AE5D29-1F11-4D5C-A83E-B7CDA2A2069C}"/>
               </a:ext>
             </a:extLst>
           </p:cNvPr>
@@ -16054,7 +16112,15 @@
           <a:p>
             <a:r>
               <a:rPr lang="nb-NO" dirty="0"/>
-              <a:t>Lagring i Azure</a:t>
+              <a:t>Key </a:t>
+            </a:r>
+            <a:r>
+              <a:rPr lang="nb-NO" dirty="0" err="1"/>
+              <a:t>Vault</a:t>
+            </a:r>
+            <a:r>
+              <a:rPr lang="nb-NO" dirty="0"/>
+              <a:t> Demo</a:t>
             </a:r>
           </a:p>
         </p:txBody>
@@ -16062,7 +16128,7 @@
     </p:spTree>
     <p:extLst>
       <p:ext uri="{BB962C8B-B14F-4D97-AF65-F5344CB8AC3E}">
-        <p14:creationId xmlns:p14="http://schemas.microsoft.com/office/powerpoint/2010/main" val="2592611348"/>
+        <p14:creationId xmlns:p14="http://schemas.microsoft.com/office/powerpoint/2010/main" val="607609166"/>
       </p:ext>
     </p:extLst>
   </p:cSld>
@@ -16094,7 +16160,7 @@
           <p:cNvPr id="2" name="Content Placeholder 1">
             <a:extLst>
               <a:ext uri="{FF2B5EF4-FFF2-40B4-BE49-F238E27FC236}">
-                <a16:creationId xmlns:a16="http://schemas.microsoft.com/office/drawing/2014/main" id="{84881E36-17DD-47AC-9D31-D92677B39250}"/>
+                <a16:creationId xmlns:a16="http://schemas.microsoft.com/office/drawing/2014/main" id="{D490908C-9173-4AFD-8FE0-364E1E34A7C0}"/>
               </a:ext>
             </a:extLst>
           </p:cNvPr>
@@ -16112,56 +16178,91 @@
           <a:p>
             <a:r>
               <a:rPr lang="nb-NO" dirty="0"/>
-              <a:t>En Storage </a:t>
+              <a:t>Azure SQL Database</a:t>
+            </a:r>
+          </a:p>
+          <a:p>
+            <a:pPr lvl="1"/>
+            <a:r>
+              <a:rPr lang="nb-NO" dirty="0"/>
+              <a:t>SQL Server (</a:t>
             </a:r>
             <a:r>
               <a:rPr lang="nb-NO" dirty="0" err="1"/>
-              <a:t>Account</a:t>
-            </a:r>
-            <a:r>
-              <a:rPr lang="nb-NO" dirty="0"/>
-              <a:t> kan </a:t>
+              <a:t>light</a:t>
+            </a:r>
+            <a:r>
+              <a:rPr lang="nb-NO" dirty="0"/>
+              <a:t>) som tjeneste i skyen</a:t>
+            </a:r>
+          </a:p>
+          <a:p>
+            <a:r>
+              <a:rPr lang="nb-NO" dirty="0"/>
+              <a:t>Cosmos DB</a:t>
             </a:r>
           </a:p>
           <a:p>
             <a:pPr lvl="1"/>
             <a:r>
+              <a:rPr lang="nb-NO" dirty="0"/>
+              <a:t>No-SQL-database</a:t>
+            </a:r>
+          </a:p>
+          <a:p>
+            <a:pPr lvl="1"/>
+            <a:r>
+              <a:rPr lang="nb-NO" dirty="0"/>
+              <a:t>API: </a:t>
+            </a:r>
+            <a:r>
               <a:rPr lang="nb-NO" dirty="0" err="1"/>
-              <a:t>Tables</a:t>
-            </a:r>
-            <a:endParaRPr lang="nb-NO" dirty="0"/>
-          </a:p>
-          <a:p>
-            <a:pPr lvl="1"/>
+              <a:t>Sql</a:t>
+            </a:r>
+            <a:r>
+              <a:rPr lang="nb-NO" dirty="0"/>
+              <a:t> API, </a:t>
+            </a:r>
             <a:r>
               <a:rPr lang="nb-NO" dirty="0" err="1"/>
-              <a:t>Blobs</a:t>
-            </a:r>
-            <a:endParaRPr lang="nb-NO" dirty="0"/>
-          </a:p>
-          <a:p>
-            <a:pPr lvl="1"/>
-            <a:r>
-              <a:rPr lang="nb-NO" dirty="0"/>
-              <a:t>Files		</a:t>
-            </a:r>
-          </a:p>
-          <a:p>
-            <a:pPr lvl="1"/>
-            <a:r>
-              <a:rPr lang="nb-NO" dirty="0"/>
-              <a:t>Queues</a:t>
-            </a:r>
-          </a:p>
-          <a:p>
-            <a:r>
-              <a:rPr lang="nb-NO" dirty="0"/>
-              <a:t>Flere måter å </a:t>
+              <a:t>Table</a:t>
+            </a:r>
+            <a:r>
+              <a:rPr lang="nb-NO" dirty="0"/>
+              <a:t> Storage API</a:t>
+            </a:r>
+          </a:p>
+          <a:p>
+            <a:r>
+              <a:rPr lang="nb-NO" dirty="0"/>
+              <a:t>Azure Storage</a:t>
             </a:r>
           </a:p>
           <a:p>
             <a:pPr lvl="1"/>
             <a:endParaRPr lang="nb-NO" dirty="0"/>
+          </a:p>
+          <a:p>
+            <a:pPr lvl="1"/>
+            <a:endParaRPr lang="nb-NO" dirty="0"/>
+          </a:p>
+          <a:p>
+            <a:r>
+              <a:rPr lang="nb-NO" dirty="0" err="1"/>
+              <a:t>Polyglot</a:t>
+            </a:r>
+            <a:r>
+              <a:rPr lang="nb-NO" dirty="0"/>
+              <a:t> </a:t>
+            </a:r>
+            <a:r>
+              <a:rPr lang="nb-NO" dirty="0" err="1"/>
+              <a:t>storage</a:t>
+            </a:r>
+            <a:r>
+              <a:rPr lang="nb-NO" dirty="0"/>
+              <a:t>: Velger flere lagringsteknologier i et system for å utnytte </a:t>
+            </a:r>
           </a:p>
         </p:txBody>
       </p:sp>
@@ -16170,7 +16271,7 @@
           <p:cNvPr id="3" name="Title 2">
             <a:extLst>
               <a:ext uri="{FF2B5EF4-FFF2-40B4-BE49-F238E27FC236}">
-                <a16:creationId xmlns:a16="http://schemas.microsoft.com/office/drawing/2014/main" id="{3A44980B-3341-43C3-A0A1-B3BFA4124E1E}"/>
+                <a16:creationId xmlns:a16="http://schemas.microsoft.com/office/drawing/2014/main" id="{2D643F29-E495-45DA-8818-6E3C14AAC138}"/>
               </a:ext>
             </a:extLst>
           </p:cNvPr>
@@ -16188,7 +16289,7 @@
           <a:p>
             <a:r>
               <a:rPr lang="nb-NO" dirty="0"/>
-              <a:t>Azure Storage</a:t>
+              <a:t>Lagring i Azure</a:t>
             </a:r>
           </a:p>
         </p:txBody>
@@ -16196,7 +16297,7 @@
     </p:spTree>
     <p:extLst>
       <p:ext uri="{BB962C8B-B14F-4D97-AF65-F5344CB8AC3E}">
-        <p14:creationId xmlns:p14="http://schemas.microsoft.com/office/powerpoint/2010/main" val="2901878225"/>
+        <p14:creationId xmlns:p14="http://schemas.microsoft.com/office/powerpoint/2010/main" val="2592611348"/>
       </p:ext>
     </p:extLst>
   </p:cSld>
@@ -16228,7 +16329,7 @@
           <p:cNvPr id="2" name="Content Placeholder 1">
             <a:extLst>
               <a:ext uri="{FF2B5EF4-FFF2-40B4-BE49-F238E27FC236}">
-                <a16:creationId xmlns:a16="http://schemas.microsoft.com/office/drawing/2014/main" id="{CAB297BF-582A-46FF-8394-92F3E72178C3}"/>
+                <a16:creationId xmlns:a16="http://schemas.microsoft.com/office/drawing/2014/main" id="{84881E36-17DD-47AC-9D31-D92677B39250}"/>
               </a:ext>
             </a:extLst>
           </p:cNvPr>
@@ -16246,104 +16347,81 @@
           <a:p>
             <a:r>
               <a:rPr lang="nb-NO" dirty="0"/>
-              <a:t>Lagrer filer i Containere i en Storage </a:t>
+              <a:t>En Storage </a:t>
             </a:r>
             <a:r>
               <a:rPr lang="nb-NO" dirty="0" err="1"/>
-              <a:t>account</a:t>
+              <a:t>Account</a:t>
+            </a:r>
+            <a:r>
+              <a:rPr lang="nb-NO" dirty="0"/>
+              <a:t> kan inneholde</a:t>
+            </a:r>
+          </a:p>
+          <a:p>
+            <a:pPr lvl="1"/>
+            <a:r>
+              <a:rPr lang="nb-NO" dirty="0" err="1"/>
+              <a:t>Tables</a:t>
             </a:r>
             <a:endParaRPr lang="nb-NO" dirty="0"/>
           </a:p>
           <a:p>
-            <a:r>
-              <a:rPr lang="nb-NO" dirty="0"/>
-              <a:t>Virtuell katalogstruktur</a:t>
-            </a:r>
-          </a:p>
-          <a:p>
+            <a:pPr lvl="1"/>
+            <a:r>
+              <a:rPr lang="nb-NO" dirty="0" err="1"/>
+              <a:t>Blobs</a:t>
+            </a:r>
             <a:endParaRPr lang="nb-NO" dirty="0"/>
           </a:p>
           <a:p>
-            <a:r>
-              <a:rPr lang="nb-NO" dirty="0"/>
-              <a:t>Støtte for SAS-tokens:</a:t>
-            </a:r>
-          </a:p>
-          <a:p>
             <a:pPr lvl="1"/>
             <a:r>
+              <a:rPr lang="nb-NO" dirty="0"/>
+              <a:t>Files		</a:t>
+            </a:r>
+          </a:p>
+          <a:p>
+            <a:pPr lvl="1"/>
+            <a:r>
+              <a:rPr lang="nb-NO" dirty="0"/>
+              <a:t>Queues</a:t>
+            </a:r>
+          </a:p>
+          <a:p>
+            <a:r>
               <a:rPr lang="nb-NO" dirty="0" err="1"/>
-              <a:t>Shared</a:t>
-            </a:r>
-            <a:r>
-              <a:rPr lang="nb-NO" dirty="0"/>
-              <a:t>-Access </a:t>
+              <a:t>Backup</a:t>
+            </a:r>
+            <a:endParaRPr lang="nb-NO" dirty="0"/>
+          </a:p>
+          <a:p>
+            <a:pPr lvl="1"/>
+            <a:r>
+              <a:rPr lang="nb-NO" dirty="0"/>
+              <a:t>LRS, GRS</a:t>
+            </a:r>
+          </a:p>
+          <a:p>
+            <a:pPr lvl="1"/>
+            <a:r>
+              <a:rPr lang="nb-NO" dirty="0"/>
+              <a:t>Ingen generell </a:t>
             </a:r>
             <a:r>
               <a:rPr lang="nb-NO" dirty="0" err="1"/>
-              <a:t>Signature</a:t>
-            </a:r>
-            <a:r>
-              <a:rPr lang="nb-NO" dirty="0"/>
-              <a:t> – gir</a:t>
-            </a:r>
-          </a:p>
-          <a:p>
-            <a:pPr lvl="1"/>
-            <a:r>
-              <a:rPr lang="nb-NO" dirty="0"/>
-              <a:t>Eneste måten å dele </a:t>
-            </a:r>
-            <a:r>
-              <a:rPr lang="nb-NO" dirty="0" err="1"/>
-              <a:t>blobs</a:t>
-            </a:r>
-            <a:r>
-              <a:rPr lang="nb-NO" dirty="0"/>
-              <a:t> på uten å gi vekk </a:t>
-            </a:r>
-            <a:r>
-              <a:rPr lang="nb-NO" dirty="0" err="1"/>
-              <a:t>Account-key</a:t>
-            </a:r>
-            <a:r>
-              <a:rPr lang="nb-NO" dirty="0"/>
-              <a:t> eller gjøre de fullt </a:t>
-            </a:r>
-            <a:r>
-              <a:rPr lang="nb-NO" dirty="0" err="1"/>
-              <a:t>public</a:t>
-            </a:r>
+              <a:t>backup</a:t>
+            </a:r>
+            <a:r>
+              <a:rPr lang="nb-NO" dirty="0"/>
+              <a:t> mot f.eks. feilaktig sletting fra bruker</a:t>
+            </a:r>
+          </a:p>
+          <a:p>
+            <a:pPr marL="0" indent="0">
+              <a:buNone/>
+            </a:pPr>
             <a:endParaRPr lang="nb-NO" dirty="0"/>
-          </a:p>
-          <a:p>
-            <a:pPr lvl="1"/>
-            <a:r>
-              <a:rPr lang="nb-NO" dirty="0"/>
-              <a:t>Read-Write-</a:t>
-            </a:r>
-            <a:r>
-              <a:rPr lang="nb-NO" dirty="0" err="1"/>
-              <a:t>Delete</a:t>
-            </a:r>
-            <a:r>
-              <a:rPr lang="nb-NO" dirty="0"/>
-              <a:t>-List</a:t>
-            </a:r>
-          </a:p>
-          <a:p>
-            <a:pPr lvl="1"/>
-            <a:r>
-              <a:rPr lang="nb-NO" dirty="0"/>
-              <a:t>Gyldig fra-til</a:t>
-            </a:r>
-          </a:p>
-          <a:p>
-            <a:pPr lvl="1"/>
-            <a:r>
-              <a:rPr lang="nb-NO" dirty="0"/>
-              <a:t>IP-restriksjoner </a:t>
-            </a:r>
           </a:p>
           <a:p>
             <a:pPr lvl="1"/>
@@ -16356,7 +16434,7 @@
           <p:cNvPr id="3" name="Title 2">
             <a:extLst>
               <a:ext uri="{FF2B5EF4-FFF2-40B4-BE49-F238E27FC236}">
-                <a16:creationId xmlns:a16="http://schemas.microsoft.com/office/drawing/2014/main" id="{E37AEFC3-3D48-4189-ABC2-65C8CD28CADC}"/>
+                <a16:creationId xmlns:a16="http://schemas.microsoft.com/office/drawing/2014/main" id="{3A44980B-3341-43C3-A0A1-B3BFA4124E1E}"/>
               </a:ext>
             </a:extLst>
           </p:cNvPr>
@@ -16374,20 +16452,15 @@
           <a:p>
             <a:r>
               <a:rPr lang="nb-NO" dirty="0"/>
-              <a:t>Azure </a:t>
-            </a:r>
-            <a:r>
-              <a:rPr lang="nb-NO" dirty="0" err="1"/>
-              <a:t>Blobs</a:t>
-            </a:r>
-            <a:endParaRPr lang="nb-NO" dirty="0"/>
+              <a:t>Azure Storage</a:t>
+            </a:r>
           </a:p>
         </p:txBody>
       </p:sp>
     </p:spTree>
     <p:extLst>
       <p:ext uri="{BB962C8B-B14F-4D97-AF65-F5344CB8AC3E}">
-        <p14:creationId xmlns:p14="http://schemas.microsoft.com/office/powerpoint/2010/main" val="508552992"/>
+        <p14:creationId xmlns:p14="http://schemas.microsoft.com/office/powerpoint/2010/main" val="2901878225"/>
       </p:ext>
     </p:extLst>
   </p:cSld>
@@ -16419,6 +16492,197 @@
           <p:cNvPr id="2" name="Content Placeholder 1">
             <a:extLst>
               <a:ext uri="{FF2B5EF4-FFF2-40B4-BE49-F238E27FC236}">
+                <a16:creationId xmlns:a16="http://schemas.microsoft.com/office/drawing/2014/main" id="{CAB297BF-582A-46FF-8394-92F3E72178C3}"/>
+              </a:ext>
+            </a:extLst>
+          </p:cNvPr>
+          <p:cNvSpPr>
+            <a:spLocks noGrp="1"/>
+          </p:cNvSpPr>
+          <p:nvPr>
+            <p:ph idx="1"/>
+          </p:nvPr>
+        </p:nvSpPr>
+        <p:spPr/>
+        <p:txBody>
+          <a:bodyPr/>
+          <a:lstStyle/>
+          <a:p>
+            <a:r>
+              <a:rPr lang="nb-NO" dirty="0"/>
+              <a:t>Lagrer filer i Containere i en Storage </a:t>
+            </a:r>
+            <a:r>
+              <a:rPr lang="nb-NO" dirty="0" err="1"/>
+              <a:t>account</a:t>
+            </a:r>
+            <a:endParaRPr lang="nb-NO" dirty="0"/>
+          </a:p>
+          <a:p>
+            <a:r>
+              <a:rPr lang="nb-NO" dirty="0"/>
+              <a:t>Virtuell katalogstruktur</a:t>
+            </a:r>
+          </a:p>
+          <a:p>
+            <a:endParaRPr lang="nb-NO" dirty="0"/>
+          </a:p>
+          <a:p>
+            <a:r>
+              <a:rPr lang="nb-NO" dirty="0"/>
+              <a:t>Støtte for SAS-tokens:</a:t>
+            </a:r>
+          </a:p>
+          <a:p>
+            <a:pPr lvl="1"/>
+            <a:r>
+              <a:rPr lang="nb-NO" dirty="0" err="1"/>
+              <a:t>Shared</a:t>
+            </a:r>
+            <a:r>
+              <a:rPr lang="nb-NO" dirty="0"/>
+              <a:t>-Access </a:t>
+            </a:r>
+            <a:r>
+              <a:rPr lang="nb-NO" dirty="0" err="1"/>
+              <a:t>Signature</a:t>
+            </a:r>
+            <a:r>
+              <a:rPr lang="nb-NO" dirty="0"/>
+              <a:t> – gir</a:t>
+            </a:r>
+          </a:p>
+          <a:p>
+            <a:pPr lvl="1"/>
+            <a:r>
+              <a:rPr lang="nb-NO" dirty="0"/>
+              <a:t>Eneste måten å dele </a:t>
+            </a:r>
+            <a:r>
+              <a:rPr lang="nb-NO" dirty="0" err="1"/>
+              <a:t>blobs</a:t>
+            </a:r>
+            <a:r>
+              <a:rPr lang="nb-NO" dirty="0"/>
+              <a:t> på uten å gi vekk </a:t>
+            </a:r>
+            <a:r>
+              <a:rPr lang="nb-NO" dirty="0" err="1"/>
+              <a:t>Account-key</a:t>
+            </a:r>
+            <a:r>
+              <a:rPr lang="nb-NO" dirty="0"/>
+              <a:t> eller gjøre de fullt </a:t>
+            </a:r>
+            <a:r>
+              <a:rPr lang="nb-NO" dirty="0" err="1"/>
+              <a:t>public</a:t>
+            </a:r>
+            <a:endParaRPr lang="nb-NO" dirty="0"/>
+          </a:p>
+          <a:p>
+            <a:pPr lvl="1"/>
+            <a:r>
+              <a:rPr lang="nb-NO" dirty="0"/>
+              <a:t>Read-Write-</a:t>
+            </a:r>
+            <a:r>
+              <a:rPr lang="nb-NO" dirty="0" err="1"/>
+              <a:t>Delete</a:t>
+            </a:r>
+            <a:r>
+              <a:rPr lang="nb-NO" dirty="0"/>
+              <a:t>-List</a:t>
+            </a:r>
+          </a:p>
+          <a:p>
+            <a:pPr lvl="1"/>
+            <a:r>
+              <a:rPr lang="nb-NO" dirty="0"/>
+              <a:t>Gyldig fra-til</a:t>
+            </a:r>
+          </a:p>
+          <a:p>
+            <a:pPr lvl="1"/>
+            <a:r>
+              <a:rPr lang="nb-NO" dirty="0"/>
+              <a:t>IP-restriksjoner </a:t>
+            </a:r>
+          </a:p>
+          <a:p>
+            <a:pPr lvl="1"/>
+            <a:endParaRPr lang="nb-NO" dirty="0"/>
+          </a:p>
+        </p:txBody>
+      </p:sp>
+      <p:sp>
+        <p:nvSpPr>
+          <p:cNvPr id="3" name="Title 2">
+            <a:extLst>
+              <a:ext uri="{FF2B5EF4-FFF2-40B4-BE49-F238E27FC236}">
+                <a16:creationId xmlns:a16="http://schemas.microsoft.com/office/drawing/2014/main" id="{E37AEFC3-3D48-4189-ABC2-65C8CD28CADC}"/>
+              </a:ext>
+            </a:extLst>
+          </p:cNvPr>
+          <p:cNvSpPr>
+            <a:spLocks noGrp="1"/>
+          </p:cNvSpPr>
+          <p:nvPr>
+            <p:ph type="title"/>
+          </p:nvPr>
+        </p:nvSpPr>
+        <p:spPr/>
+        <p:txBody>
+          <a:bodyPr/>
+          <a:lstStyle/>
+          <a:p>
+            <a:r>
+              <a:rPr lang="nb-NO" dirty="0"/>
+              <a:t>Azure </a:t>
+            </a:r>
+            <a:r>
+              <a:rPr lang="nb-NO" dirty="0" err="1"/>
+              <a:t>Blobs</a:t>
+            </a:r>
+            <a:endParaRPr lang="nb-NO" dirty="0"/>
+          </a:p>
+        </p:txBody>
+      </p:sp>
+    </p:spTree>
+    <p:extLst>
+      <p:ext uri="{BB962C8B-B14F-4D97-AF65-F5344CB8AC3E}">
+        <p14:creationId xmlns:p14="http://schemas.microsoft.com/office/powerpoint/2010/main" val="508552992"/>
+      </p:ext>
+    </p:extLst>
+  </p:cSld>
+  <p:clrMapOvr>
+    <a:masterClrMapping/>
+  </p:clrMapOvr>
+</p:sld>
+</file>
+
+<file path=ppt/slides/slide27.xml><?xml version="1.0" encoding="utf-8"?>
+<p:sld xmlns:a="http://schemas.openxmlformats.org/drawingml/2006/main" xmlns:r="http://schemas.openxmlformats.org/officeDocument/2006/relationships" xmlns:p="http://schemas.openxmlformats.org/presentationml/2006/main">
+  <p:cSld>
+    <p:spTree>
+      <p:nvGrpSpPr>
+        <p:cNvPr id="1" name=""/>
+        <p:cNvGrpSpPr/>
+        <p:nvPr/>
+      </p:nvGrpSpPr>
+      <p:grpSpPr>
+        <a:xfrm>
+          <a:off x="0" y="0"/>
+          <a:ext cx="0" cy="0"/>
+          <a:chOff x="0" y="0"/>
+          <a:chExt cx="0" cy="0"/>
+        </a:xfrm>
+      </p:grpSpPr>
+      <p:sp>
+        <p:nvSpPr>
+          <p:cNvPr id="2" name="Content Placeholder 1">
+            <a:extLst>
+              <a:ext uri="{FF2B5EF4-FFF2-40B4-BE49-F238E27FC236}">
                 <a16:creationId xmlns:a16="http://schemas.microsoft.com/office/drawing/2014/main" id="{CB3D7126-09B8-439E-9A87-0615A359EEA9}"/>
               </a:ext>
             </a:extLst>
@@ -16564,7 +16828,7 @@
 </p:sld>
 </file>
 
-<file path=ppt/slides/slide27.xml><?xml version="1.0" encoding="utf-8"?>
+<file path=ppt/slides/slide28.xml><?xml version="1.0" encoding="utf-8"?>
 <p:sld xmlns:a="http://schemas.openxmlformats.org/drawingml/2006/main" xmlns:r="http://schemas.openxmlformats.org/officeDocument/2006/relationships" xmlns:p="http://schemas.openxmlformats.org/presentationml/2006/main">
   <p:cSld>
     <p:spTree>
@@ -19104,15 +19368,6 @@
 </file>
 
 <file path=customXml/item1.xml><?xml version="1.0" encoding="utf-8"?>
-<?mso-contentType ?>
-<FormTemplates xmlns="http://schemas.microsoft.com/sharepoint/v3/contenttype/forms">
-  <Display>DocumentLibraryForm</Display>
-  <Edit>DocumentLibraryForm</Edit>
-  <New>DocumentLibraryForm</New>
-</FormTemplates>
-</file>
-
-<file path=customXml/item2.xml><?xml version="1.0" encoding="utf-8"?>
 <ct:contentTypeSchema xmlns:ct="http://schemas.microsoft.com/office/2006/metadata/contentType" xmlns:ma="http://schemas.microsoft.com/office/2006/metadata/properties/metaAttributes" ct:_="" ma:_="" ma:contentTypeName="Document" ma:contentTypeID="0x0101005D3CE5A03C88D04F8FE0CC8617320B29" ma:contentTypeVersion="2" ma:contentTypeDescription="Create a new document." ma:contentTypeScope="" ma:versionID="23c508fadb5761cd27fdc7efc393bb78">
   <xsd:schema xmlns:xsd="http://www.w3.org/2001/XMLSchema" xmlns:xs="http://www.w3.org/2001/XMLSchema" xmlns:p="http://schemas.microsoft.com/office/2006/metadata/properties" xmlns:ns2="323bcd62-7d27-4513-9df1-9bc20f03554b" targetNamespace="http://schemas.microsoft.com/office/2006/metadata/properties" ma:root="true" ma:fieldsID="4120a6a9df7c81c23a4d646d2ccf1355" ns2:_="">
     <xsd:import namespace="323bcd62-7d27-4513-9df1-9bc20f03554b"/>
@@ -19244,6 +19499,15 @@
 </ct:contentTypeSchema>
 </file>
 
+<file path=customXml/item2.xml><?xml version="1.0" encoding="utf-8"?>
+<?mso-contentType ?>
+<FormTemplates xmlns="http://schemas.microsoft.com/sharepoint/v3/contenttype/forms">
+  <Display>DocumentLibraryForm</Display>
+  <Edit>DocumentLibraryForm</Edit>
+  <New>DocumentLibraryForm</New>
+</FormTemplates>
+</file>
+
 <file path=customXml/item3.xml><?xml version="1.0" encoding="utf-8"?>
 <p:properties xmlns:p="http://schemas.microsoft.com/office/2006/metadata/properties" xmlns:xsi="http://www.w3.org/2001/XMLSchema-instance" xmlns:pc="http://schemas.microsoft.com/office/infopath/2007/PartnerControls">
   <documentManagement/>
@@ -19251,14 +19515,6 @@
 </file>
 
 <file path=customXml/itemProps1.xml><?xml version="1.0" encoding="utf-8"?>
-<ds:datastoreItem xmlns:ds="http://schemas.openxmlformats.org/officeDocument/2006/customXml" ds:itemID="{BB82CC63-55FC-4D22-9ED3-DB88AF6228E1}">
-  <ds:schemaRefs>
-    <ds:schemaRef ds:uri="http://schemas.microsoft.com/sharepoint/v3/contenttype/forms"/>
-  </ds:schemaRefs>
-</ds:datastoreItem>
-</file>
-
-<file path=customXml/itemProps2.xml><?xml version="1.0" encoding="utf-8"?>
 <ds:datastoreItem xmlns:ds="http://schemas.openxmlformats.org/officeDocument/2006/customXml" ds:itemID="{0377EA4A-9170-43AD-A052-6EABC948F73F}">
   <ds:schemaRefs>
     <ds:schemaRef ds:uri="http://schemas.microsoft.com/office/2006/metadata/contentType"/>
@@ -19272,6 +19528,14 @@
     <ds:schemaRef ds:uri="http://purl.org/dc/elements/1.1/"/>
     <ds:schemaRef ds:uri="http://purl.org/dc/terms/"/>
     <ds:schemaRef ds:uri="http://schemas.microsoft.com/internal/obd"/>
+  </ds:schemaRefs>
+</ds:datastoreItem>
+</file>
+
+<file path=customXml/itemProps2.xml><?xml version="1.0" encoding="utf-8"?>
+<ds:datastoreItem xmlns:ds="http://schemas.openxmlformats.org/officeDocument/2006/customXml" ds:itemID="{BB82CC63-55FC-4D22-9ED3-DB88AF6228E1}">
+  <ds:schemaRefs>
+    <ds:schemaRef ds:uri="http://schemas.microsoft.com/sharepoint/v3/contenttype/forms"/>
   </ds:schemaRefs>
 </ds:datastoreItem>
 </file>

--- a/Workshop_1/Presentation/Azureskolen-Workshop#1.pptx
+++ b/Workshop_1/Presentation/Azureskolen-Workshop#1.pptx
@@ -19,9 +19,9 @@
     <p:sldId id="263" r:id="rId10"/>
     <p:sldId id="259" r:id="rId11"/>
     <p:sldId id="267" r:id="rId12"/>
-    <p:sldId id="261" r:id="rId13"/>
-    <p:sldId id="269" r:id="rId14"/>
-    <p:sldId id="262" r:id="rId15"/>
+    <p:sldId id="262" r:id="rId13"/>
+    <p:sldId id="261" r:id="rId14"/>
+    <p:sldId id="269" r:id="rId15"/>
     <p:sldId id="265" r:id="rId16"/>
     <p:sldId id="266" r:id="rId17"/>
     <p:sldId id="274" r:id="rId18"/>
@@ -32,15 +32,15 @@
     <p:sldId id="272" r:id="rId23"/>
     <p:sldId id="283" r:id="rId24"/>
     <p:sldId id="285" r:id="rId25"/>
-    <p:sldId id="278" r:id="rId26"/>
-    <p:sldId id="273" r:id="rId27"/>
+    <p:sldId id="273" r:id="rId26"/>
+    <p:sldId id="278" r:id="rId27"/>
     <p:sldId id="277" r:id="rId28"/>
     <p:sldId id="279" r:id="rId29"/>
     <p:sldId id="270" r:id="rId30"/>
     <p:sldId id="268" r:id="rId31"/>
     <p:sldId id="281" r:id="rId32"/>
     <p:sldId id="282" r:id="rId33"/>
-    <p:sldId id="284" r:id="rId34"/>
+    <p:sldId id="286" r:id="rId34"/>
   </p:sldIdLst>
   <p:sldSz cx="12192000" cy="6858000"/>
   <p:notesSz cx="6858000" cy="9144000"/>
@@ -243,7 +243,7 @@
           <a:p>
             <a:fld id="{54C52192-B826-4AE0-9CD6-BEA9467D12B3}" type="datetimeFigureOut">
               <a:rPr lang="nb-NO" smtClean="0"/>
-              <a:t>04.10.2018</a:t>
+              <a:t>08.10.2018</a:t>
             </a:fld>
             <a:endParaRPr lang="nb-NO"/>
           </a:p>
@@ -408,7 +408,7 @@
           <a:p>
             <a:fld id="{2696BCB2-2760-41B1-A1BE-7886EF110FCB}" type="datetimeFigureOut">
               <a:rPr lang="nb-NO" smtClean="0"/>
-              <a:t>04.10.2018</a:t>
+              <a:t>08.10.2018</a:t>
             </a:fld>
             <a:endParaRPr lang="nb-NO"/>
           </a:p>
@@ -1088,28 +1088,6 @@
           <a:bodyPr/>
           <a:lstStyle/>
           <a:p>
-            <a:pPr marL="171450" indent="-171450">
-              <a:buFontTx/>
-              <a:buChar char="-"/>
-            </a:pPr>
-            <a:r>
-              <a:rPr lang="nb-NO" dirty="0"/>
-              <a:t>Web </a:t>
-            </a:r>
-            <a:r>
-              <a:rPr lang="nb-NO" dirty="0" err="1"/>
-              <a:t>Apps</a:t>
-            </a:r>
-            <a:r>
-              <a:rPr lang="nb-NO" dirty="0"/>
-              <a:t> demo:</a:t>
-            </a:r>
-          </a:p>
-          <a:p>
-            <a:pPr marL="171450" indent="-171450">
-              <a:buFontTx/>
-              <a:buChar char="-"/>
-            </a:pPr>
             <a:endParaRPr lang="nb-NO" dirty="0"/>
           </a:p>
         </p:txBody>
@@ -1131,7 +1109,7 @@
           <a:p>
             <a:fld id="{180377DB-C4B0-49B2-8838-0F01BA83B7C4}" type="slidenum">
               <a:rPr lang="nb-NO" smtClean="0"/>
-              <a:t>20</a:t>
+              <a:t>19</a:t>
             </a:fld>
             <a:endParaRPr lang="nb-NO"/>
           </a:p>
@@ -1140,7 +1118,7 @@
     </p:spTree>
     <p:extLst>
       <p:ext uri="{BB962C8B-B14F-4D97-AF65-F5344CB8AC3E}">
-        <p14:creationId xmlns:p14="http://schemas.microsoft.com/office/powerpoint/2010/main" val="2965951550"/>
+        <p14:creationId xmlns:p14="http://schemas.microsoft.com/office/powerpoint/2010/main" val="320389312"/>
       </p:ext>
     </p:extLst>
   </p:cSld>
@@ -1194,6 +1172,28 @@
           <a:bodyPr/>
           <a:lstStyle/>
           <a:p>
+            <a:pPr marL="171450" indent="-171450">
+              <a:buFontTx/>
+              <a:buChar char="-"/>
+            </a:pPr>
+            <a:r>
+              <a:rPr lang="nb-NO" dirty="0"/>
+              <a:t>Web </a:t>
+            </a:r>
+            <a:r>
+              <a:rPr lang="nb-NO" dirty="0" err="1"/>
+              <a:t>Apps</a:t>
+            </a:r>
+            <a:r>
+              <a:rPr lang="nb-NO" dirty="0"/>
+              <a:t> demo:</a:t>
+            </a:r>
+          </a:p>
+          <a:p>
+            <a:pPr marL="171450" indent="-171450">
+              <a:buFontTx/>
+              <a:buChar char="-"/>
+            </a:pPr>
             <a:endParaRPr lang="nb-NO" dirty="0"/>
           </a:p>
         </p:txBody>
@@ -1215,7 +1215,7 @@
           <a:p>
             <a:fld id="{180377DB-C4B0-49B2-8838-0F01BA83B7C4}" type="slidenum">
               <a:rPr lang="nb-NO" smtClean="0"/>
-              <a:t>22</a:t>
+              <a:t>21</a:t>
             </a:fld>
             <a:endParaRPr lang="nb-NO"/>
           </a:p>
@@ -1224,7 +1224,7 @@
     </p:spTree>
     <p:extLst>
       <p:ext uri="{BB962C8B-B14F-4D97-AF65-F5344CB8AC3E}">
-        <p14:creationId xmlns:p14="http://schemas.microsoft.com/office/powerpoint/2010/main" val="546288370"/>
+        <p14:creationId xmlns:p14="http://schemas.microsoft.com/office/powerpoint/2010/main" val="2965951550"/>
       </p:ext>
     </p:extLst>
   </p:cSld>
@@ -1278,113 +1278,7 @@
           <a:bodyPr/>
           <a:lstStyle/>
           <a:p>
-            <a:r>
-              <a:rPr lang="nb-NO" dirty="0"/>
-              <a:t>Fullt mulig å installere</a:t>
-            </a:r>
-          </a:p>
-          <a:p>
-            <a:r>
-              <a:rPr lang="nb-NO" dirty="0"/>
-              <a:t>Azure SQL Database</a:t>
-            </a:r>
-          </a:p>
-          <a:p>
-            <a:pPr marL="171450" indent="-171450">
-              <a:buFontTx/>
-              <a:buChar char="-"/>
-            </a:pPr>
-            <a:r>
-              <a:rPr lang="nb-NO" dirty="0"/>
-              <a:t>Tjeneste: Alt inkludert  </a:t>
-            </a:r>
-          </a:p>
-          <a:p>
-            <a:pPr marL="171450" indent="-171450">
-              <a:buFontTx/>
-              <a:buChar char="-"/>
-            </a:pPr>
-            <a:r>
-              <a:rPr lang="nb-NO" dirty="0"/>
-              <a:t>Ytelse måles i DTU (Data Transfer Units)</a:t>
-            </a:r>
-          </a:p>
-          <a:p>
-            <a:pPr marL="171450" indent="-171450">
-              <a:buFontTx/>
-              <a:buChar char="-"/>
-            </a:pPr>
-            <a:r>
-              <a:rPr lang="nb-NO" dirty="0"/>
-              <a:t>Mangler noen </a:t>
-            </a:r>
-            <a:r>
-              <a:rPr lang="nb-NO" dirty="0" err="1"/>
-              <a:t>features</a:t>
-            </a:r>
-            <a:r>
-              <a:rPr lang="nb-NO" dirty="0"/>
-              <a:t> fra vanlig.</a:t>
-            </a:r>
-          </a:p>
-          <a:p>
-            <a:pPr marL="171450" indent="-171450">
-              <a:buFontTx/>
-              <a:buChar char="-"/>
-            </a:pPr>
-            <a:r>
-              <a:rPr lang="nb-NO" dirty="0"/>
-              <a:t>Man kan også kjøre opp en vm og </a:t>
-            </a:r>
-            <a:r>
-              <a:rPr lang="nb-NO" dirty="0" err="1"/>
-              <a:t>instllaere</a:t>
-            </a:r>
-            <a:r>
-              <a:rPr lang="nb-NO" dirty="0"/>
-              <a:t> </a:t>
-            </a:r>
-            <a:r>
-              <a:rPr lang="nb-NO" dirty="0" err="1"/>
-              <a:t>sql</a:t>
-            </a:r>
-            <a:r>
-              <a:rPr lang="nb-NO" dirty="0"/>
-              <a:t> server. Men da må man ha egen lisens, og man må.</a:t>
-            </a:r>
-          </a:p>
-          <a:p>
-            <a:pPr marL="171450" indent="-171450">
-              <a:buFontTx/>
-              <a:buChar char="-"/>
-            </a:pPr>
             <a:endParaRPr lang="nb-NO" dirty="0"/>
-          </a:p>
-          <a:p>
-            <a:r>
-              <a:rPr lang="nb-NO" dirty="0"/>
-              <a:t>Cosmos DB:</a:t>
-            </a:r>
-          </a:p>
-          <a:p>
-            <a:pPr marL="171450" indent="-171450">
-              <a:buFontTx/>
-              <a:buChar char="-"/>
-            </a:pPr>
-            <a:r>
-              <a:rPr lang="nb-NO" dirty="0"/>
-              <a:t>Mult</a:t>
-            </a:r>
-          </a:p>
-          <a:p>
-            <a:pPr marL="0" indent="0">
-              <a:buFontTx/>
-              <a:buNone/>
-            </a:pPr>
-            <a:r>
-              <a:rPr lang="nb-NO" dirty="0"/>
-              <a:t>- Satses mye på av </a:t>
-            </a:r>
           </a:p>
         </p:txBody>
       </p:sp>
@@ -1405,7 +1299,7 @@
           <a:p>
             <a:fld id="{180377DB-C4B0-49B2-8838-0F01BA83B7C4}" type="slidenum">
               <a:rPr lang="nb-NO" smtClean="0"/>
-              <a:t>24</a:t>
+              <a:t>22</a:t>
             </a:fld>
             <a:endParaRPr lang="nb-NO"/>
           </a:p>
@@ -1414,7 +1308,7 @@
     </p:spTree>
     <p:extLst>
       <p:ext uri="{BB962C8B-B14F-4D97-AF65-F5344CB8AC3E}">
-        <p14:creationId xmlns:p14="http://schemas.microsoft.com/office/powerpoint/2010/main" val="2766437490"/>
+        <p14:creationId xmlns:p14="http://schemas.microsoft.com/office/powerpoint/2010/main" val="546288370"/>
       </p:ext>
     </p:extLst>
   </p:cSld>
@@ -1469,12 +1363,111 @@
           <a:lstStyle/>
           <a:p>
             <a:r>
+              <a:rPr lang="nb-NO" dirty="0"/>
+              <a:t>Fullt mulig å installere</a:t>
+            </a:r>
+          </a:p>
+          <a:p>
+            <a:r>
+              <a:rPr lang="nb-NO" dirty="0"/>
+              <a:t>Azure SQL Database</a:t>
+            </a:r>
+          </a:p>
+          <a:p>
+            <a:pPr marL="171450" indent="-171450">
+              <a:buFontTx/>
+              <a:buChar char="-"/>
+            </a:pPr>
+            <a:r>
+              <a:rPr lang="nb-NO" dirty="0"/>
+              <a:t>Tjeneste: Alt inkludert  </a:t>
+            </a:r>
+          </a:p>
+          <a:p>
+            <a:pPr marL="171450" indent="-171450">
+              <a:buFontTx/>
+              <a:buChar char="-"/>
+            </a:pPr>
+            <a:r>
+              <a:rPr lang="nb-NO" dirty="0"/>
+              <a:t>Ytelse måles i DTU (Data Transfer Units)</a:t>
+            </a:r>
+          </a:p>
+          <a:p>
+            <a:pPr marL="171450" indent="-171450">
+              <a:buFontTx/>
+              <a:buChar char="-"/>
+            </a:pPr>
+            <a:r>
+              <a:rPr lang="nb-NO" dirty="0"/>
+              <a:t>Mangler noen </a:t>
+            </a:r>
+            <a:r>
               <a:rPr lang="nb-NO" dirty="0" err="1"/>
-              <a:t>Blobs</a:t>
-            </a:r>
-            <a:r>
-              <a:rPr lang="nb-NO" dirty="0"/>
-              <a:t>- virtuell katalogstruktur</a:t>
+              <a:t>features</a:t>
+            </a:r>
+            <a:r>
+              <a:rPr lang="nb-NO" dirty="0"/>
+              <a:t> fra vanlig.</a:t>
+            </a:r>
+          </a:p>
+          <a:p>
+            <a:pPr marL="171450" indent="-171450">
+              <a:buFontTx/>
+              <a:buChar char="-"/>
+            </a:pPr>
+            <a:r>
+              <a:rPr lang="nb-NO" dirty="0"/>
+              <a:t>Man kan også kjøre opp en vm og </a:t>
+            </a:r>
+            <a:r>
+              <a:rPr lang="nb-NO" dirty="0" err="1"/>
+              <a:t>instllaere</a:t>
+            </a:r>
+            <a:r>
+              <a:rPr lang="nb-NO" dirty="0"/>
+              <a:t> </a:t>
+            </a:r>
+            <a:r>
+              <a:rPr lang="nb-NO" dirty="0" err="1"/>
+              <a:t>sql</a:t>
+            </a:r>
+            <a:r>
+              <a:rPr lang="nb-NO" dirty="0"/>
+              <a:t> server. Men da må man ha egen lisens, og man må.</a:t>
+            </a:r>
+          </a:p>
+          <a:p>
+            <a:pPr marL="171450" indent="-171450">
+              <a:buFontTx/>
+              <a:buChar char="-"/>
+            </a:pPr>
+            <a:endParaRPr lang="nb-NO" dirty="0"/>
+          </a:p>
+          <a:p>
+            <a:r>
+              <a:rPr lang="nb-NO" dirty="0"/>
+              <a:t>Cosmos DB:</a:t>
+            </a:r>
+          </a:p>
+          <a:p>
+            <a:pPr marL="171450" indent="-171450">
+              <a:buFontTx/>
+              <a:buChar char="-"/>
+            </a:pPr>
+            <a:r>
+              <a:rPr lang="nb-NO" dirty="0"/>
+              <a:t>Mult</a:t>
+            </a:r>
+          </a:p>
+          <a:p>
+            <a:pPr marL="0" indent="0">
+              <a:buFontTx/>
+              <a:buNone/>
+            </a:pPr>
+            <a:r>
+              <a:rPr lang="nb-NO" dirty="0"/>
+              <a:t>- Satses mye på av </a:t>
             </a:r>
           </a:p>
         </p:txBody>
@@ -1496,7 +1489,7 @@
           <a:p>
             <a:fld id="{180377DB-C4B0-49B2-8838-0F01BA83B7C4}" type="slidenum">
               <a:rPr lang="nb-NO" smtClean="0"/>
-              <a:t>25</a:t>
+              <a:t>24</a:t>
             </a:fld>
             <a:endParaRPr lang="nb-NO"/>
           </a:p>
@@ -1505,7 +1498,7 @@
     </p:spTree>
     <p:extLst>
       <p:ext uri="{BB962C8B-B14F-4D97-AF65-F5344CB8AC3E}">
-        <p14:creationId xmlns:p14="http://schemas.microsoft.com/office/powerpoint/2010/main" val="2113116676"/>
+        <p14:creationId xmlns:p14="http://schemas.microsoft.com/office/powerpoint/2010/main" val="2766437490"/>
       </p:ext>
     </p:extLst>
   </p:cSld>
@@ -1560,6 +1553,97 @@
           <a:lstStyle/>
           <a:p>
             <a:r>
+              <a:rPr lang="nb-NO" dirty="0" err="1"/>
+              <a:t>Blobs</a:t>
+            </a:r>
+            <a:r>
+              <a:rPr lang="nb-NO" dirty="0"/>
+              <a:t>- virtuell katalogstruktur</a:t>
+            </a:r>
+          </a:p>
+        </p:txBody>
+      </p:sp>
+      <p:sp>
+        <p:nvSpPr>
+          <p:cNvPr id="4" name="Slide Number Placeholder 3"/>
+          <p:cNvSpPr>
+            <a:spLocks noGrp="1"/>
+          </p:cNvSpPr>
+          <p:nvPr>
+            <p:ph type="sldNum" sz="quarter" idx="10"/>
+          </p:nvPr>
+        </p:nvSpPr>
+        <p:spPr/>
+        <p:txBody>
+          <a:bodyPr/>
+          <a:lstStyle/>
+          <a:p>
+            <a:fld id="{180377DB-C4B0-49B2-8838-0F01BA83B7C4}" type="slidenum">
+              <a:rPr lang="nb-NO" smtClean="0"/>
+              <a:t>25</a:t>
+            </a:fld>
+            <a:endParaRPr lang="nb-NO"/>
+          </a:p>
+        </p:txBody>
+      </p:sp>
+    </p:spTree>
+    <p:extLst>
+      <p:ext uri="{BB962C8B-B14F-4D97-AF65-F5344CB8AC3E}">
+        <p14:creationId xmlns:p14="http://schemas.microsoft.com/office/powerpoint/2010/main" val="2113116676"/>
+      </p:ext>
+    </p:extLst>
+  </p:cSld>
+  <p:clrMapOvr>
+    <a:masterClrMapping/>
+  </p:clrMapOvr>
+</p:notes>
+</file>
+
+<file path=ppt/notesSlides/notesSlide18.xml><?xml version="1.0" encoding="utf-8"?>
+<p:notes xmlns:a="http://schemas.openxmlformats.org/drawingml/2006/main" xmlns:r="http://schemas.openxmlformats.org/officeDocument/2006/relationships" xmlns:p="http://schemas.openxmlformats.org/presentationml/2006/main">
+  <p:cSld>
+    <p:spTree>
+      <p:nvGrpSpPr>
+        <p:cNvPr id="1" name=""/>
+        <p:cNvGrpSpPr/>
+        <p:nvPr/>
+      </p:nvGrpSpPr>
+      <p:grpSpPr>
+        <a:xfrm>
+          <a:off x="0" y="0"/>
+          <a:ext cx="0" cy="0"/>
+          <a:chOff x="0" y="0"/>
+          <a:chExt cx="0" cy="0"/>
+        </a:xfrm>
+      </p:grpSpPr>
+      <p:sp>
+        <p:nvSpPr>
+          <p:cNvPr id="2" name="Slide Image Placeholder 1"/>
+          <p:cNvSpPr>
+            <a:spLocks noGrp="1" noRot="1" noChangeAspect="1"/>
+          </p:cNvSpPr>
+          <p:nvPr>
+            <p:ph type="sldImg"/>
+          </p:nvPr>
+        </p:nvSpPr>
+        <p:spPr/>
+      </p:sp>
+      <p:sp>
+        <p:nvSpPr>
+          <p:cNvPr id="3" name="Notes Placeholder 2"/>
+          <p:cNvSpPr>
+            <a:spLocks noGrp="1"/>
+          </p:cNvSpPr>
+          <p:nvPr>
+            <p:ph type="body" idx="1"/>
+          </p:nvPr>
+        </p:nvSpPr>
+        <p:spPr/>
+        <p:txBody>
+          <a:bodyPr/>
+          <a:lstStyle/>
+          <a:p>
+            <a:r>
               <a:rPr lang="nb-NO" dirty="0"/>
               <a:t>SAS-tokens: Key-</a:t>
             </a:r>
@@ -1618,7 +1702,7 @@
 </p:notes>
 </file>
 
-<file path=ppt/notesSlides/notesSlide18.xml><?xml version="1.0" encoding="utf-8"?>
+<file path=ppt/notesSlides/notesSlide19.xml><?xml version="1.0" encoding="utf-8"?>
 <p:notes xmlns:a="http://schemas.openxmlformats.org/drawingml/2006/main" xmlns:r="http://schemas.openxmlformats.org/officeDocument/2006/relationships" xmlns:p="http://schemas.openxmlformats.org/presentationml/2006/main">
   <p:cSld>
     <p:spTree>
@@ -1926,73 +2010,69 @@
           <a:bodyPr/>
           <a:lstStyle/>
           <a:p>
-            <a:pPr marL="171450" marR="0" lvl="0" indent="-171450" algn="l" defTabSz="914400" rtl="0" eaLnBrk="1" fontAlgn="auto" latinLnBrk="0" hangingPunct="1">
-              <a:lnSpc>
-                <a:spcPct val="100000"/>
-              </a:lnSpc>
-              <a:spcBef>
-                <a:spcPts val="0"/>
-              </a:spcBef>
-              <a:spcAft>
-                <a:spcPts val="0"/>
-              </a:spcAft>
-              <a:buClrTx/>
-              <a:buSzTx/>
+            <a:pPr marL="171450" indent="-171450">
               <a:buFontTx/>
               <a:buChar char="-"/>
-              <a:tabLst/>
-              <a:defRPr/>
             </a:pPr>
             <a:r>
               <a:rPr lang="nb-NO" dirty="0"/>
-              <a:t>West Europe (Nederland) eller North Europe (Irland) mest aktuelle for oss, snart Norge.</a:t>
-            </a:r>
-          </a:p>
-          <a:p>
-            <a:pPr marL="171450" marR="0" lvl="0" indent="-171450" algn="l" defTabSz="914400" rtl="0" eaLnBrk="1" fontAlgn="auto" latinLnBrk="0" hangingPunct="1">
-              <a:lnSpc>
-                <a:spcPct val="100000"/>
-              </a:lnSpc>
-              <a:spcBef>
-                <a:spcPts val="0"/>
-              </a:spcBef>
-              <a:spcAft>
-                <a:spcPts val="0"/>
-              </a:spcAft>
-              <a:buClrTx/>
-              <a:buSzTx/>
+              <a:t>Avhenger hvor mye </a:t>
+            </a:r>
+          </a:p>
+          <a:p>
+            <a:pPr marL="171450" indent="-171450">
               <a:buFontTx/>
               <a:buChar char="-"/>
-              <a:tabLst/>
-              <a:defRPr/>
             </a:pPr>
             <a:endParaRPr lang="nb-NO" dirty="0"/>
           </a:p>
           <a:p>
-            <a:pPr marL="171450" marR="0" lvl="0" indent="-171450" algn="l" defTabSz="914400" rtl="0" eaLnBrk="1" fontAlgn="auto" latinLnBrk="0" hangingPunct="1">
-              <a:lnSpc>
-                <a:spcPct val="100000"/>
-              </a:lnSpc>
-              <a:spcBef>
-                <a:spcPts val="0"/>
-              </a:spcBef>
-              <a:spcAft>
-                <a:spcPts val="0"/>
-              </a:spcAft>
-              <a:buClrTx/>
-              <a:buSzTx/>
+            <a:pPr marL="171450" indent="-171450">
               <a:buFontTx/>
               <a:buChar char="-"/>
-              <a:tabLst/>
-              <a:defRPr/>
             </a:pPr>
             <a:r>
               <a:rPr lang="nb-NO" dirty="0"/>
-              <a:t>Speedtest: </a:t>
-            </a:r>
-          </a:p>
-          <a:p>
-            <a:endParaRPr lang="nb-NO" dirty="0"/>
+              <a:t>Eksempler:</a:t>
+            </a:r>
+          </a:p>
+          <a:p>
+            <a:pPr marL="171450" indent="-171450">
+              <a:buFontTx/>
+              <a:buChar char="-"/>
+            </a:pPr>
+            <a:r>
+              <a:rPr lang="nb-NO" dirty="0"/>
+              <a:t>SAAS: Office 365</a:t>
+            </a:r>
+          </a:p>
+          <a:p>
+            <a:pPr marL="171450" indent="-171450">
+              <a:buFontTx/>
+              <a:buChar char="-"/>
+            </a:pPr>
+            <a:r>
+              <a:rPr lang="nb-NO" dirty="0"/>
+              <a:t>PAAS: Azure Web Sites</a:t>
+            </a:r>
+          </a:p>
+          <a:p>
+            <a:pPr marL="171450" indent="-171450">
+              <a:buFontTx/>
+              <a:buChar char="-"/>
+            </a:pPr>
+            <a:r>
+              <a:rPr lang="nb-NO" dirty="0"/>
+              <a:t>IAAS: </a:t>
+            </a:r>
+            <a:r>
+              <a:rPr lang="nb-NO" dirty="0" err="1"/>
+              <a:t>VM’er</a:t>
+            </a:r>
+            <a:r>
+              <a:rPr lang="nb-NO" dirty="0"/>
+              <a:t>.</a:t>
+            </a:r>
           </a:p>
         </p:txBody>
       </p:sp>
@@ -2022,7 +2102,7 @@
     </p:spTree>
     <p:extLst>
       <p:ext uri="{BB962C8B-B14F-4D97-AF65-F5344CB8AC3E}">
-        <p14:creationId xmlns:p14="http://schemas.microsoft.com/office/powerpoint/2010/main" val="2700718377"/>
+        <p14:creationId xmlns:p14="http://schemas.microsoft.com/office/powerpoint/2010/main" val="1832301372"/>
       </p:ext>
     </p:extLst>
   </p:cSld>
@@ -2076,49 +2156,74 @@
           <a:bodyPr/>
           <a:lstStyle/>
           <a:p>
+            <a:pPr marL="171450" marR="0" lvl="0" indent="-171450" algn="l" defTabSz="914400" rtl="0" eaLnBrk="1" fontAlgn="auto" latinLnBrk="0" hangingPunct="1">
+              <a:lnSpc>
+                <a:spcPct val="100000"/>
+              </a:lnSpc>
+              <a:spcBef>
+                <a:spcPts val="0"/>
+              </a:spcBef>
+              <a:spcAft>
+                <a:spcPts val="0"/>
+              </a:spcAft>
+              <a:buClrTx/>
+              <a:buSzTx/>
+              <a:buFontTx/>
+              <a:buChar char="-"/>
+              <a:tabLst/>
+              <a:defRPr/>
+            </a:pPr>
+            <a:r>
+              <a:rPr lang="nb-NO" dirty="0"/>
+              <a:t>West Europe (Nederland) eller North Europe (Irland) mest aktuelle for oss, snart Norge.</a:t>
+            </a:r>
+          </a:p>
+          <a:p>
+            <a:pPr marL="171450" marR="0" lvl="0" indent="-171450" algn="l" defTabSz="914400" rtl="0" eaLnBrk="1" fontAlgn="auto" latinLnBrk="0" hangingPunct="1">
+              <a:lnSpc>
+                <a:spcPct val="100000"/>
+              </a:lnSpc>
+              <a:spcBef>
+                <a:spcPts val="0"/>
+              </a:spcBef>
+              <a:spcAft>
+                <a:spcPts val="0"/>
+              </a:spcAft>
+              <a:buClrTx/>
+              <a:buSzTx/>
+              <a:buFontTx/>
+              <a:buChar char="-"/>
+              <a:tabLst/>
+              <a:defRPr/>
+            </a:pPr>
             <a:endParaRPr lang="nb-NO" dirty="0"/>
           </a:p>
           <a:p>
+            <a:pPr marL="171450" marR="0" lvl="0" indent="-171450" algn="l" defTabSz="914400" rtl="0" eaLnBrk="1" fontAlgn="auto" latinLnBrk="0" hangingPunct="1">
+              <a:lnSpc>
+                <a:spcPct val="100000"/>
+              </a:lnSpc>
+              <a:spcBef>
+                <a:spcPts val="0"/>
+              </a:spcBef>
+              <a:spcAft>
+                <a:spcPts val="0"/>
+              </a:spcAft>
+              <a:buClrTx/>
+              <a:buSzTx/>
+              <a:buFontTx/>
+              <a:buChar char="-"/>
+              <a:tabLst/>
+              <a:defRPr/>
+            </a:pPr>
+            <a:r>
+              <a:rPr lang="nb-NO" dirty="0"/>
+              <a:t>Speedtest: </a:t>
+            </a:r>
+          </a:p>
+          <a:p>
             <a:endParaRPr lang="nb-NO" dirty="0"/>
           </a:p>
-          <a:p>
-            <a:endParaRPr lang="nb-NO" dirty="0"/>
-          </a:p>
-          <a:p>
-            <a:r>
-              <a:rPr lang="nb-NO" dirty="0"/>
-              <a:t>RBAC</a:t>
-            </a:r>
-          </a:p>
-          <a:p>
-            <a:r>
-              <a:rPr lang="nb-NO" dirty="0" err="1"/>
-              <a:t>Owner</a:t>
-            </a:r>
-            <a:r>
-              <a:rPr lang="nb-NO" dirty="0"/>
-              <a:t> – Alle rettigheter</a:t>
-            </a:r>
-          </a:p>
-          <a:p>
-            <a:r>
-              <a:rPr lang="nb-NO" dirty="0" err="1"/>
-              <a:t>Contributer</a:t>
-            </a:r>
-            <a:r>
-              <a:rPr lang="nb-NO" dirty="0"/>
-              <a:t> – Alle rettigheter bortsett fra å </a:t>
-            </a:r>
-          </a:p>
-          <a:p>
-            <a:endParaRPr lang="nb-NO" dirty="0"/>
-          </a:p>
-          <a:p>
-            <a:r>
-              <a:rPr lang="nb-NO" dirty="0"/>
-              <a:t>- Blir arvet.</a:t>
-            </a:r>
-          </a:p>
         </p:txBody>
       </p:sp>
       <p:sp>
@@ -2128,7 +2233,7 @@
             <a:spLocks noGrp="1"/>
           </p:cNvSpPr>
           <p:nvPr>
-            <p:ph type="sldNum" sz="quarter" idx="5"/>
+            <p:ph type="sldNum" sz="quarter" idx="10"/>
           </p:nvPr>
         </p:nvSpPr>
         <p:spPr/>
@@ -2147,7 +2252,7 @@
     </p:spTree>
     <p:extLst>
       <p:ext uri="{BB962C8B-B14F-4D97-AF65-F5344CB8AC3E}">
-        <p14:creationId xmlns:p14="http://schemas.microsoft.com/office/powerpoint/2010/main" val="390691634"/>
+        <p14:creationId xmlns:p14="http://schemas.microsoft.com/office/powerpoint/2010/main" val="2700718377"/>
       </p:ext>
     </p:extLst>
   </p:cSld>
@@ -2201,68 +2306,47 @@
           <a:bodyPr/>
           <a:lstStyle/>
           <a:p>
-            <a:pPr marL="171450" indent="-171450">
-              <a:buFontTx/>
-              <a:buChar char="-"/>
-            </a:pPr>
-            <a:r>
-              <a:rPr lang="nb-NO" dirty="0"/>
-              <a:t>Avhenger hvor mye </a:t>
-            </a:r>
-          </a:p>
-          <a:p>
-            <a:pPr marL="171450" indent="-171450">
-              <a:buFontTx/>
-              <a:buChar char="-"/>
-            </a:pPr>
             <a:endParaRPr lang="nb-NO" dirty="0"/>
           </a:p>
           <a:p>
-            <a:pPr marL="171450" indent="-171450">
-              <a:buFontTx/>
-              <a:buChar char="-"/>
-            </a:pPr>
-            <a:r>
-              <a:rPr lang="nb-NO" dirty="0"/>
-              <a:t>Eksempler:</a:t>
-            </a:r>
-          </a:p>
-          <a:p>
-            <a:pPr marL="171450" indent="-171450">
-              <a:buFontTx/>
-              <a:buChar char="-"/>
-            </a:pPr>
-            <a:r>
-              <a:rPr lang="nb-NO" dirty="0"/>
-              <a:t>SAAS: Office 365</a:t>
-            </a:r>
-          </a:p>
-          <a:p>
-            <a:pPr marL="171450" indent="-171450">
-              <a:buFontTx/>
-              <a:buChar char="-"/>
-            </a:pPr>
-            <a:r>
-              <a:rPr lang="nb-NO" dirty="0"/>
-              <a:t>PAAS: Azure Web Sites</a:t>
-            </a:r>
-          </a:p>
-          <a:p>
-            <a:pPr marL="171450" indent="-171450">
-              <a:buFontTx/>
-              <a:buChar char="-"/>
-            </a:pPr>
-            <a:r>
-              <a:rPr lang="nb-NO" dirty="0"/>
-              <a:t>IAAS: </a:t>
-            </a:r>
+            <a:endParaRPr lang="nb-NO" dirty="0"/>
+          </a:p>
+          <a:p>
+            <a:endParaRPr lang="nb-NO" dirty="0"/>
+          </a:p>
+          <a:p>
+            <a:r>
+              <a:rPr lang="nb-NO" dirty="0"/>
+              <a:t>RBAC</a:t>
+            </a:r>
+          </a:p>
+          <a:p>
             <a:r>
               <a:rPr lang="nb-NO" dirty="0" err="1"/>
-              <a:t>VM’er</a:t>
-            </a:r>
-            <a:r>
-              <a:rPr lang="nb-NO" dirty="0"/>
-              <a:t>.</a:t>
+              <a:t>Owner</a:t>
+            </a:r>
+            <a:r>
+              <a:rPr lang="nb-NO" dirty="0"/>
+              <a:t> – Alle rettigheter</a:t>
+            </a:r>
+          </a:p>
+          <a:p>
+            <a:r>
+              <a:rPr lang="nb-NO" dirty="0" err="1"/>
+              <a:t>Contributer</a:t>
+            </a:r>
+            <a:r>
+              <a:rPr lang="nb-NO" dirty="0"/>
+              <a:t> – Alle rettigheter bortsett fra å </a:t>
+            </a:r>
+          </a:p>
+          <a:p>
+            <a:endParaRPr lang="nb-NO" dirty="0"/>
+          </a:p>
+          <a:p>
+            <a:r>
+              <a:rPr lang="nb-NO" dirty="0"/>
+              <a:t>- Blir arvet.</a:t>
             </a:r>
           </a:p>
         </p:txBody>
@@ -2274,7 +2358,7 @@
             <a:spLocks noGrp="1"/>
           </p:cNvSpPr>
           <p:nvPr>
-            <p:ph type="sldNum" sz="quarter" idx="10"/>
+            <p:ph type="sldNum" sz="quarter" idx="5"/>
           </p:nvPr>
         </p:nvSpPr>
         <p:spPr/>
@@ -2293,7 +2377,7 @@
     </p:spTree>
     <p:extLst>
       <p:ext uri="{BB962C8B-B14F-4D97-AF65-F5344CB8AC3E}">
-        <p14:creationId xmlns:p14="http://schemas.microsoft.com/office/powerpoint/2010/main" val="1832301372"/>
+        <p14:creationId xmlns:p14="http://schemas.microsoft.com/office/powerpoint/2010/main" val="390691634"/>
       </p:ext>
     </p:extLst>
   </p:cSld>
@@ -11918,45 +12002,19 @@
             </a:r>
           </a:p>
           <a:p>
+            <a:endParaRPr lang="nb-NO" dirty="0"/>
+          </a:p>
+          <a:p>
+            <a:r>
+              <a:rPr lang="nb-NO" dirty="0"/>
+              <a:t>Inkludert i prisen:</a:t>
+            </a:r>
+          </a:p>
+          <a:p>
             <a:pPr lvl="1"/>
             <a:r>
-              <a:rPr lang="nb-NO" dirty="0" err="1"/>
-              <a:t>Compute</a:t>
-            </a:r>
-            <a:endParaRPr lang="nb-NO" dirty="0"/>
-          </a:p>
-          <a:p>
-            <a:pPr lvl="1"/>
-            <a:r>
-              <a:rPr lang="nb-NO" dirty="0"/>
-              <a:t>Lagring</a:t>
-            </a:r>
-          </a:p>
-          <a:p>
-            <a:pPr lvl="1"/>
-            <a:r>
-              <a:rPr lang="nb-NO" dirty="0"/>
-              <a:t>Transport</a:t>
-            </a:r>
-          </a:p>
-          <a:p>
-            <a:pPr lvl="1"/>
-            <a:r>
-              <a:rPr lang="nb-NO" dirty="0"/>
-              <a:t>Tjenester</a:t>
-            </a:r>
-          </a:p>
-          <a:p>
-            <a:r>
-              <a:rPr lang="nb-NO" dirty="0"/>
-              <a:t>Inkludert i prisen:</a:t>
-            </a:r>
-          </a:p>
-          <a:p>
-            <a:pPr lvl="1"/>
-            <a:r>
-              <a:rPr lang="nb-NO" dirty="0"/>
-              <a:t>Hardware-kost</a:t>
+              <a:rPr lang="nb-NO" dirty="0"/>
+              <a:t>Hardware</a:t>
             </a:r>
           </a:p>
           <a:p>
@@ -11983,6 +12041,10 @@
               <a:rPr lang="nb-NO" dirty="0"/>
               <a:t>Strøm</a:t>
             </a:r>
+          </a:p>
+          <a:p>
+            <a:pPr lvl="1"/>
+            <a:endParaRPr lang="nb-NO" dirty="0"/>
           </a:p>
           <a:p>
             <a:r>
@@ -12025,7 +12087,7 @@
           <a:p>
             <a:r>
               <a:rPr lang="nb-NO" dirty="0"/>
-              <a:t>Kostnader</a:t>
+              <a:t>Kostnader – Hva betaler man for</a:t>
             </a:r>
           </a:p>
         </p:txBody>
@@ -12118,7 +12180,7 @@
           <a:p>
             <a:r>
               <a:rPr lang="nb-NO" dirty="0"/>
-              <a:t>Azure </a:t>
+              <a:t>Azure.. </a:t>
             </a:r>
             <a:r>
               <a:rPr lang="nb-NO" dirty="0" err="1"/>
@@ -12241,7 +12303,7 @@
             </a:r>
             <a:r>
               <a:rPr lang="nb-NO" dirty="0"/>
-              <a:t> SLA: Service1 + Service2 =  </a:t>
+              <a:t> SLA: Service1 SLA + Service2 SLA =  </a:t>
             </a:r>
           </a:p>
         </p:txBody>
@@ -12694,10 +12756,8 @@
           <a:p>
             <a:r>
               <a:rPr lang="nb-NO" dirty="0"/>
-              <a:t>Skalering</a:t>
-            </a:r>
-          </a:p>
-          <a:p>
+              <a:t>Skalering / </a:t>
+            </a:r>
             <a:r>
               <a:rPr lang="nb-NO" dirty="0" err="1"/>
               <a:t>Autoskalering</a:t>
@@ -13769,14 +13829,14 @@
           </a:ln>
           <a:extLst>
             <a:ext uri="{909E8E84-426E-40dd-AFC4-6F175D3DCCD1}">
-              <a14:hiddenFill xmlns:lc="http://schemas.openxmlformats.org/drawingml/2006/lockedCanvas" xmlns:a14="http://schemas.microsoft.com/office/drawing/2010/main" xmlns="">
+              <a14:hiddenFill xmlns="" xmlns:a14="http://schemas.microsoft.com/office/drawing/2010/main" xmlns:lc="http://schemas.openxmlformats.org/drawingml/2006/lockedCanvas">
                 <a:solidFill>
                   <a:srgbClr val="FFFFFF"/>
                 </a:solidFill>
               </a14:hiddenFill>
             </a:ext>
             <a:ext uri="{91240B29-F687-4f45-9708-019B960494DF}">
-              <a14:hiddenLine xmlns:lc="http://schemas.openxmlformats.org/drawingml/2006/lockedCanvas" xmlns:a14="http://schemas.microsoft.com/office/drawing/2010/main" xmlns="" w="9525">
+              <a14:hiddenLine xmlns="" xmlns:a14="http://schemas.microsoft.com/office/drawing/2010/main" xmlns:lc="http://schemas.openxmlformats.org/drawingml/2006/lockedCanvas" w="9525">
                 <a:solidFill>
                   <a:srgbClr val="000000"/>
                 </a:solidFill>
@@ -13965,14 +14025,14 @@
           </a:ln>
           <a:extLst>
             <a:ext uri="{909E8E84-426E-40dd-AFC4-6F175D3DCCD1}">
-              <a14:hiddenFill xmlns:lc="http://schemas.openxmlformats.org/drawingml/2006/lockedCanvas" xmlns:a14="http://schemas.microsoft.com/office/drawing/2010/main" xmlns="">
+              <a14:hiddenFill xmlns="" xmlns:a14="http://schemas.microsoft.com/office/drawing/2010/main" xmlns:lc="http://schemas.openxmlformats.org/drawingml/2006/lockedCanvas">
                 <a:solidFill>
                   <a:srgbClr val="FFFFFF"/>
                 </a:solidFill>
               </a14:hiddenFill>
             </a:ext>
             <a:ext uri="{91240B29-F687-4f45-9708-019B960494DF}">
-              <a14:hiddenLine xmlns:lc="http://schemas.openxmlformats.org/drawingml/2006/lockedCanvas" xmlns:a14="http://schemas.microsoft.com/office/drawing/2010/main" xmlns="" w="9525">
+              <a14:hiddenLine xmlns="" xmlns:a14="http://schemas.microsoft.com/office/drawing/2010/main" xmlns:lc="http://schemas.openxmlformats.org/drawingml/2006/lockedCanvas" w="9525">
                 <a:solidFill>
                   <a:srgbClr val="000000"/>
                 </a:solidFill>
@@ -14433,14 +14493,14 @@
           </a:ln>
           <a:extLst>
             <a:ext uri="{909E8E84-426E-40dd-AFC4-6F175D3DCCD1}">
-              <a14:hiddenFill xmlns:lc="http://schemas.openxmlformats.org/drawingml/2006/lockedCanvas" xmlns:a14="http://schemas.microsoft.com/office/drawing/2010/main" xmlns="">
+              <a14:hiddenFill xmlns="" xmlns:a14="http://schemas.microsoft.com/office/drawing/2010/main" xmlns:lc="http://schemas.openxmlformats.org/drawingml/2006/lockedCanvas">
                 <a:solidFill>
                   <a:srgbClr val="FFFFFF"/>
                 </a:solidFill>
               </a14:hiddenFill>
             </a:ext>
             <a:ext uri="{91240B29-F687-4f45-9708-019B960494DF}">
-              <a14:hiddenLine xmlns:lc="http://schemas.openxmlformats.org/drawingml/2006/lockedCanvas" xmlns:a14="http://schemas.microsoft.com/office/drawing/2010/main" xmlns="" w="9525">
+              <a14:hiddenLine xmlns="" xmlns:a14="http://schemas.microsoft.com/office/drawing/2010/main" xmlns:lc="http://schemas.openxmlformats.org/drawingml/2006/lockedCanvas" w="9525">
                 <a:solidFill>
                   <a:srgbClr val="000000"/>
                 </a:solidFill>
@@ -15146,14 +15206,14 @@
           </a:ln>
           <a:extLst>
             <a:ext uri="{909E8E84-426E-40dd-AFC4-6F175D3DCCD1}">
-              <a14:hiddenFill xmlns:lc="http://schemas.openxmlformats.org/drawingml/2006/lockedCanvas" xmlns:a14="http://schemas.microsoft.com/office/drawing/2010/main" xmlns="">
+              <a14:hiddenFill xmlns="" xmlns:a14="http://schemas.microsoft.com/office/drawing/2010/main" xmlns:lc="http://schemas.openxmlformats.org/drawingml/2006/lockedCanvas">
                 <a:solidFill>
                   <a:srgbClr val="FFFFFF"/>
                 </a:solidFill>
               </a14:hiddenFill>
             </a:ext>
             <a:ext uri="{91240B29-F687-4f45-9708-019B960494DF}">
-              <a14:hiddenLine xmlns:lc="http://schemas.openxmlformats.org/drawingml/2006/lockedCanvas" xmlns:a14="http://schemas.microsoft.com/office/drawing/2010/main" xmlns="" w="9525">
+              <a14:hiddenLine xmlns="" xmlns:a14="http://schemas.microsoft.com/office/drawing/2010/main" xmlns:lc="http://schemas.openxmlformats.org/drawingml/2006/lockedCanvas" w="9525">
                 <a:solidFill>
                   <a:srgbClr val="000000"/>
                 </a:solidFill>
@@ -15206,14 +15266,14 @@
           </a:ln>
           <a:extLst>
             <a:ext uri="{909E8E84-426E-40dd-AFC4-6F175D3DCCD1}">
-              <a14:hiddenFill xmlns:lc="http://schemas.openxmlformats.org/drawingml/2006/lockedCanvas" xmlns:a14="http://schemas.microsoft.com/office/drawing/2010/main" xmlns="">
+              <a14:hiddenFill xmlns="" xmlns:a14="http://schemas.microsoft.com/office/drawing/2010/main" xmlns:lc="http://schemas.openxmlformats.org/drawingml/2006/lockedCanvas">
                 <a:solidFill>
                   <a:srgbClr val="FFFFFF"/>
                 </a:solidFill>
               </a14:hiddenFill>
             </a:ext>
             <a:ext uri="{91240B29-F687-4f45-9708-019B960494DF}">
-              <a14:hiddenLine xmlns:lc="http://schemas.openxmlformats.org/drawingml/2006/lockedCanvas" xmlns:a14="http://schemas.microsoft.com/office/drawing/2010/main" xmlns="" w="9525">
+              <a14:hiddenLine xmlns="" xmlns:a14="http://schemas.microsoft.com/office/drawing/2010/main" xmlns:lc="http://schemas.openxmlformats.org/drawingml/2006/lockedCanvas" w="9525">
                 <a:solidFill>
                   <a:srgbClr val="000000"/>
                 </a:solidFill>
@@ -15651,94 +15711,6 @@
 </file>
 
 <file path=ppt/slides/slide20.xml><?xml version="1.0" encoding="utf-8"?>
-<p:sld xmlns:a="http://schemas.openxmlformats.org/drawingml/2006/main" xmlns:r="http://schemas.openxmlformats.org/officeDocument/2006/relationships" xmlns:p="http://schemas.openxmlformats.org/presentationml/2006/main">
-  <p:cSld>
-    <p:spTree>
-      <p:nvGrpSpPr>
-        <p:cNvPr id="1" name=""/>
-        <p:cNvGrpSpPr/>
-        <p:nvPr/>
-      </p:nvGrpSpPr>
-      <p:grpSpPr>
-        <a:xfrm>
-          <a:off x="0" y="0"/>
-          <a:ext cx="0" cy="0"/>
-          <a:chOff x="0" y="0"/>
-          <a:chExt cx="0" cy="0"/>
-        </a:xfrm>
-      </p:grpSpPr>
-      <p:sp>
-        <p:nvSpPr>
-          <p:cNvPr id="2" name="Content Placeholder 1">
-            <a:extLst>
-              <a:ext uri="{FF2B5EF4-FFF2-40B4-BE49-F238E27FC236}">
-                <a16:creationId xmlns:a16="http://schemas.microsoft.com/office/drawing/2014/main" id="{DDB7E498-3C4D-40F4-9886-096A6156A712}"/>
-              </a:ext>
-            </a:extLst>
-          </p:cNvPr>
-          <p:cNvSpPr>
-            <a:spLocks noGrp="1"/>
-          </p:cNvSpPr>
-          <p:nvPr>
-            <p:ph idx="1"/>
-          </p:nvPr>
-        </p:nvSpPr>
-        <p:spPr/>
-        <p:txBody>
-          <a:bodyPr/>
-          <a:lstStyle/>
-          <a:p>
-            <a:pPr lvl="1"/>
-            <a:endParaRPr lang="nb-NO" dirty="0"/>
-          </a:p>
-        </p:txBody>
-      </p:sp>
-      <p:sp>
-        <p:nvSpPr>
-          <p:cNvPr id="3" name="Title 2">
-            <a:extLst>
-              <a:ext uri="{FF2B5EF4-FFF2-40B4-BE49-F238E27FC236}">
-                <a16:creationId xmlns:a16="http://schemas.microsoft.com/office/drawing/2014/main" id="{FF17F895-AE5B-489F-851C-DF70FA11E094}"/>
-              </a:ext>
-            </a:extLst>
-          </p:cNvPr>
-          <p:cNvSpPr>
-            <a:spLocks noGrp="1"/>
-          </p:cNvSpPr>
-          <p:nvPr>
-            <p:ph type="title"/>
-          </p:nvPr>
-        </p:nvSpPr>
-        <p:spPr/>
-        <p:txBody>
-          <a:bodyPr/>
-          <a:lstStyle/>
-          <a:p>
-            <a:r>
-              <a:rPr lang="nb-NO" dirty="0" err="1"/>
-              <a:t>App</a:t>
-            </a:r>
-            <a:r>
-              <a:rPr lang="nb-NO" dirty="0"/>
-              <a:t> Service Plan - Demo</a:t>
-            </a:r>
-          </a:p>
-        </p:txBody>
-      </p:sp>
-    </p:spTree>
-    <p:extLst>
-      <p:ext uri="{BB962C8B-B14F-4D97-AF65-F5344CB8AC3E}">
-        <p14:creationId xmlns:p14="http://schemas.microsoft.com/office/powerpoint/2010/main" val="2537136117"/>
-      </p:ext>
-    </p:extLst>
-  </p:cSld>
-  <p:clrMapOvr>
-    <a:masterClrMapping/>
-  </p:clrMapOvr>
-</p:sld>
-</file>
-
-<file path=ppt/slides/slide21.xml><?xml version="1.0" encoding="utf-8"?>
 <p:sld xmlns:a="http://schemas.openxmlformats.org/drawingml/2006/main" xmlns:r="http://schemas.openxmlformats.org/officeDocument/2006/relationships" xmlns:p="http://schemas.openxmlformats.org/presentationml/2006/main">
   <p:cSld>
     <p:spTree>
@@ -15922,6 +15894,94 @@
 </p:sld>
 </file>
 
+<file path=ppt/slides/slide21.xml><?xml version="1.0" encoding="utf-8"?>
+<p:sld xmlns:a="http://schemas.openxmlformats.org/drawingml/2006/main" xmlns:r="http://schemas.openxmlformats.org/officeDocument/2006/relationships" xmlns:p="http://schemas.openxmlformats.org/presentationml/2006/main">
+  <p:cSld>
+    <p:spTree>
+      <p:nvGrpSpPr>
+        <p:cNvPr id="1" name=""/>
+        <p:cNvGrpSpPr/>
+        <p:nvPr/>
+      </p:nvGrpSpPr>
+      <p:grpSpPr>
+        <a:xfrm>
+          <a:off x="0" y="0"/>
+          <a:ext cx="0" cy="0"/>
+          <a:chOff x="0" y="0"/>
+          <a:chExt cx="0" cy="0"/>
+        </a:xfrm>
+      </p:grpSpPr>
+      <p:sp>
+        <p:nvSpPr>
+          <p:cNvPr id="2" name="Content Placeholder 1">
+            <a:extLst>
+              <a:ext uri="{FF2B5EF4-FFF2-40B4-BE49-F238E27FC236}">
+                <a16:creationId xmlns:a16="http://schemas.microsoft.com/office/drawing/2014/main" id="{DDB7E498-3C4D-40F4-9886-096A6156A712}"/>
+              </a:ext>
+            </a:extLst>
+          </p:cNvPr>
+          <p:cNvSpPr>
+            <a:spLocks noGrp="1"/>
+          </p:cNvSpPr>
+          <p:nvPr>
+            <p:ph idx="1"/>
+          </p:nvPr>
+        </p:nvSpPr>
+        <p:spPr/>
+        <p:txBody>
+          <a:bodyPr/>
+          <a:lstStyle/>
+          <a:p>
+            <a:pPr lvl="1"/>
+            <a:endParaRPr lang="nb-NO" dirty="0"/>
+          </a:p>
+        </p:txBody>
+      </p:sp>
+      <p:sp>
+        <p:nvSpPr>
+          <p:cNvPr id="3" name="Title 2">
+            <a:extLst>
+              <a:ext uri="{FF2B5EF4-FFF2-40B4-BE49-F238E27FC236}">
+                <a16:creationId xmlns:a16="http://schemas.microsoft.com/office/drawing/2014/main" id="{FF17F895-AE5B-489F-851C-DF70FA11E094}"/>
+              </a:ext>
+            </a:extLst>
+          </p:cNvPr>
+          <p:cNvSpPr>
+            <a:spLocks noGrp="1"/>
+          </p:cNvSpPr>
+          <p:nvPr>
+            <p:ph type="title"/>
+          </p:nvPr>
+        </p:nvSpPr>
+        <p:spPr/>
+        <p:txBody>
+          <a:bodyPr/>
+          <a:lstStyle/>
+          <a:p>
+            <a:r>
+              <a:rPr lang="nb-NO" dirty="0" err="1"/>
+              <a:t>App</a:t>
+            </a:r>
+            <a:r>
+              <a:rPr lang="nb-NO" dirty="0"/>
+              <a:t> Service Plan - Demo</a:t>
+            </a:r>
+          </a:p>
+        </p:txBody>
+      </p:sp>
+    </p:spTree>
+    <p:extLst>
+      <p:ext uri="{BB962C8B-B14F-4D97-AF65-F5344CB8AC3E}">
+        <p14:creationId xmlns:p14="http://schemas.microsoft.com/office/powerpoint/2010/main" val="2537136117"/>
+      </p:ext>
+    </p:extLst>
+  </p:cSld>
+  <p:clrMapOvr>
+    <a:masterClrMapping/>
+  </p:clrMapOvr>
+</p:sld>
+</file>
+
 <file path=ppt/slides/slide22.xml><?xml version="1.0" encoding="utf-8"?>
 <p:sld xmlns:a="http://schemas.openxmlformats.org/drawingml/2006/main" xmlns:r="http://schemas.openxmlformats.org/officeDocument/2006/relationships" xmlns:p="http://schemas.openxmlformats.org/presentationml/2006/main">
   <p:cSld>
@@ -16185,35 +16245,50 @@
             <a:pPr lvl="1"/>
             <a:r>
               <a:rPr lang="nb-NO" dirty="0"/>
-              <a:t>SQL Server (</a:t>
+              <a:t>SQL Server som tjeneste i skyen (*)</a:t>
+            </a:r>
+          </a:p>
+          <a:p>
+            <a:r>
+              <a:rPr lang="nb-NO" dirty="0"/>
+              <a:t>Cosmos DB</a:t>
+            </a:r>
+          </a:p>
+          <a:p>
+            <a:pPr lvl="1"/>
+            <a:r>
+              <a:rPr lang="nb-NO" dirty="0"/>
+              <a:t>No-SQL-database</a:t>
+            </a:r>
+          </a:p>
+          <a:p>
+            <a:pPr lvl="1"/>
+            <a:r>
+              <a:rPr lang="nb-NO" dirty="0"/>
+              <a:t>Global skalering.</a:t>
+            </a:r>
+          </a:p>
+          <a:p>
+            <a:pPr lvl="1"/>
+            <a:r>
+              <a:rPr lang="nb-NO" dirty="0"/>
+              <a:t>Tilbyr forskjellige </a:t>
             </a:r>
             <a:r>
               <a:rPr lang="nb-NO" dirty="0" err="1"/>
-              <a:t>light</a:t>
-            </a:r>
-            <a:r>
-              <a:rPr lang="nb-NO" dirty="0"/>
-              <a:t>) som tjeneste i skyen</a:t>
-            </a:r>
-          </a:p>
-          <a:p>
-            <a:r>
-              <a:rPr lang="nb-NO" dirty="0"/>
-              <a:t>Cosmos DB</a:t>
-            </a:r>
-          </a:p>
-          <a:p>
-            <a:pPr lvl="1"/>
-            <a:r>
-              <a:rPr lang="nb-NO" dirty="0"/>
-              <a:t>No-SQL-database</a:t>
-            </a:r>
-          </a:p>
-          <a:p>
-            <a:pPr lvl="1"/>
-            <a:r>
-              <a:rPr lang="nb-NO" dirty="0"/>
-              <a:t>API: </a:t>
+              <a:t>APIer</a:t>
+            </a:r>
+            <a:r>
+              <a:rPr lang="nb-NO" dirty="0"/>
+              <a:t>: </a:t>
+            </a:r>
+            <a:r>
+              <a:rPr lang="nb-NO" dirty="0" err="1"/>
+              <a:t>DocumentDB</a:t>
+            </a:r>
+            <a:r>
+              <a:rPr lang="nb-NO" dirty="0"/>
+              <a:t> API </a:t>
             </a:r>
             <a:r>
               <a:rPr lang="nb-NO" dirty="0" err="1"/>
@@ -16239,11 +16314,27 @@
             </a:r>
           </a:p>
           <a:p>
-            <a:pPr lvl="1"/>
-            <a:endParaRPr lang="nb-NO" dirty="0"/>
-          </a:p>
-          <a:p>
-            <a:pPr lvl="1"/>
+            <a:r>
+              <a:rPr lang="nb-NO" dirty="0" err="1"/>
+              <a:t>MySql</a:t>
+            </a:r>
+            <a:r>
+              <a:rPr lang="nb-NO" dirty="0"/>
+              <a:t>, </a:t>
+            </a:r>
+            <a:r>
+              <a:rPr lang="nb-NO" dirty="0" err="1"/>
+              <a:t>PostgreSQL</a:t>
+            </a:r>
+            <a:r>
+              <a:rPr lang="nb-NO" dirty="0"/>
+              <a:t> ++</a:t>
+            </a:r>
+          </a:p>
+          <a:p>
+            <a:pPr marL="357187" lvl="1" indent="0">
+              <a:buNone/>
+            </a:pPr>
             <a:endParaRPr lang="nb-NO" dirty="0"/>
           </a:p>
           <a:p>
@@ -16259,10 +16350,7 @@
               <a:rPr lang="nb-NO" dirty="0" err="1"/>
               <a:t>storage</a:t>
             </a:r>
-            <a:r>
-              <a:rPr lang="nb-NO" dirty="0"/>
-              <a:t>: Velger flere lagringsteknologier i et system for å utnytte </a:t>
-            </a:r>
+            <a:endParaRPr lang="nb-NO" dirty="0"/>
           </a:p>
         </p:txBody>
       </p:sp>
@@ -16406,16 +16494,13 @@
             <a:pPr lvl="1"/>
             <a:r>
               <a:rPr lang="nb-NO" dirty="0"/>
-              <a:t>Ingen generell </a:t>
+              <a:t>Ingen konvensjonell </a:t>
             </a:r>
             <a:r>
               <a:rPr lang="nb-NO" dirty="0" err="1"/>
               <a:t>backup</a:t>
             </a:r>
-            <a:r>
-              <a:rPr lang="nb-NO" dirty="0"/>
-              <a:t> mot f.eks. feilaktig sletting fra bruker</a:t>
-            </a:r>
+            <a:endParaRPr lang="nb-NO" dirty="0"/>
           </a:p>
           <a:p>
             <a:pPr marL="0" indent="0">
@@ -16549,7 +16634,7 @@
             </a:r>
             <a:r>
               <a:rPr lang="nb-NO" dirty="0"/>
-              <a:t> – gir</a:t>
+              <a:t> – gir </a:t>
             </a:r>
           </a:p>
           <a:p>
@@ -16850,7 +16935,7 @@
           <p:cNvPr id="2" name="Content Placeholder 1">
             <a:extLst>
               <a:ext uri="{FF2B5EF4-FFF2-40B4-BE49-F238E27FC236}">
-                <a16:creationId xmlns:a16="http://schemas.microsoft.com/office/drawing/2014/main" id="{C725E11A-D179-4D65-B4B4-C22806C34815}"/>
+                <a16:creationId xmlns:a16="http://schemas.microsoft.com/office/drawing/2014/main" id="{4053DEA3-4405-4C73-BC1B-0B697CA99CD2}"/>
               </a:ext>
             </a:extLst>
           </p:cNvPr>
@@ -16875,7 +16960,7 @@
           <p:cNvPr id="3" name="Title 2">
             <a:extLst>
               <a:ext uri="{FF2B5EF4-FFF2-40B4-BE49-F238E27FC236}">
-                <a16:creationId xmlns:a16="http://schemas.microsoft.com/office/drawing/2014/main" id="{ECCCBE4B-DBBE-4EC1-9CFC-8BFB13D66623}"/>
+                <a16:creationId xmlns:a16="http://schemas.microsoft.com/office/drawing/2014/main" id="{4098D8D6-0722-4559-B467-00605CFF825C}"/>
               </a:ext>
             </a:extLst>
           </p:cNvPr>
@@ -16891,14 +16976,17 @@
           <a:bodyPr/>
           <a:lstStyle/>
           <a:p>
-            <a:endParaRPr lang="nb-NO"/>
+            <a:r>
+              <a:rPr lang="nb-NO" dirty="0"/>
+              <a:t>Demo Azure Storage</a:t>
+            </a:r>
           </a:p>
         </p:txBody>
       </p:sp>
     </p:spTree>
     <p:extLst>
       <p:ext uri="{BB962C8B-B14F-4D97-AF65-F5344CB8AC3E}">
-        <p14:creationId xmlns:p14="http://schemas.microsoft.com/office/powerpoint/2010/main" val="3596042833"/>
+        <p14:creationId xmlns:p14="http://schemas.microsoft.com/office/powerpoint/2010/main" val="4092243870"/>
       </p:ext>
     </p:extLst>
   </p:cSld>
@@ -17205,13 +17293,6 @@
             </a:r>
           </a:p>
           <a:p>
-            <a:pPr lvl="1"/>
-            <a:r>
-              <a:rPr lang="nb-NO" dirty="0"/>
-              <a:t>Ikke nødvendigvis billigere.</a:t>
-            </a:r>
-          </a:p>
-          <a:p>
             <a:r>
               <a:rPr lang="nb-NO" dirty="0"/>
               <a:t>Dynamisk skalering</a:t>
@@ -17401,6 +17482,96 @@
           <a:chExt cx="0" cy="0"/>
         </a:xfrm>
       </p:grpSpPr>
+      <p:pic>
+        <p:nvPicPr>
+          <p:cNvPr id="5" name="Content Placeholder 4">
+            <a:extLst>
+              <a:ext uri="{FF2B5EF4-FFF2-40B4-BE49-F238E27FC236}">
+                <a16:creationId xmlns:a16="http://schemas.microsoft.com/office/drawing/2014/main" id="{3074B7A1-39A4-4082-B89F-2E395E9696C2}"/>
+              </a:ext>
+            </a:extLst>
+          </p:cNvPr>
+          <p:cNvPicPr>
+            <a:picLocks noGrp="1" noChangeAspect="1"/>
+          </p:cNvPicPr>
+          <p:nvPr>
+            <p:ph idx="1"/>
+          </p:nvPr>
+        </p:nvPicPr>
+        <p:blipFill>
+          <a:blip r:embed="rId3">
+            <a:extLst>
+              <a:ext uri="{28A0092B-C50C-407E-A947-70E740481C1C}">
+                <a14:useLocalDpi xmlns:a14="http://schemas.microsoft.com/office/drawing/2010/main" val="0"/>
+              </a:ext>
+            </a:extLst>
+          </a:blip>
+          <a:stretch>
+            <a:fillRect/>
+          </a:stretch>
+        </p:blipFill>
+        <p:spPr>
+          <a:xfrm>
+            <a:off x="1234800" y="1644084"/>
+            <a:ext cx="8741481" cy="4848790"/>
+          </a:xfrm>
+        </p:spPr>
+      </p:pic>
+      <p:sp>
+        <p:nvSpPr>
+          <p:cNvPr id="3" name="Title 2">
+            <a:extLst>
+              <a:ext uri="{FF2B5EF4-FFF2-40B4-BE49-F238E27FC236}">
+                <a16:creationId xmlns:a16="http://schemas.microsoft.com/office/drawing/2014/main" id="{0752D01F-4255-4CCF-9D52-807D973A0D6B}"/>
+              </a:ext>
+            </a:extLst>
+          </p:cNvPr>
+          <p:cNvSpPr>
+            <a:spLocks noGrp="1"/>
+          </p:cNvSpPr>
+          <p:nvPr>
+            <p:ph type="title"/>
+          </p:nvPr>
+        </p:nvSpPr>
+        <p:spPr/>
+        <p:txBody>
+          <a:bodyPr/>
+          <a:lstStyle/>
+          <a:p>
+            <a:endParaRPr lang="nb-NO" dirty="0"/>
+          </a:p>
+        </p:txBody>
+      </p:sp>
+    </p:spTree>
+    <p:extLst>
+      <p:ext uri="{BB962C8B-B14F-4D97-AF65-F5344CB8AC3E}">
+        <p14:creationId xmlns:p14="http://schemas.microsoft.com/office/powerpoint/2010/main" val="3486146099"/>
+      </p:ext>
+    </p:extLst>
+  </p:cSld>
+  <p:clrMapOvr>
+    <a:masterClrMapping/>
+  </p:clrMapOvr>
+</p:sld>
+</file>
+
+<file path=ppt/slides/slide8.xml><?xml version="1.0" encoding="utf-8"?>
+<p:sld xmlns:a="http://schemas.openxmlformats.org/drawingml/2006/main" xmlns:r="http://schemas.openxmlformats.org/officeDocument/2006/relationships" xmlns:p="http://schemas.openxmlformats.org/presentationml/2006/main">
+  <p:cSld>
+    <p:spTree>
+      <p:nvGrpSpPr>
+        <p:cNvPr id="1" name=""/>
+        <p:cNvGrpSpPr/>
+        <p:nvPr/>
+      </p:nvGrpSpPr>
+      <p:grpSpPr>
+        <a:xfrm>
+          <a:off x="0" y="0"/>
+          <a:ext cx="0" cy="0"/>
+          <a:chOff x="0" y="0"/>
+          <a:chExt cx="0" cy="0"/>
+        </a:xfrm>
+      </p:grpSpPr>
       <p:sp>
         <p:nvSpPr>
           <p:cNvPr id="2" name="Content Placeholder 1">
@@ -17448,7 +17619,7 @@
           <a:p>
             <a:r>
               <a:rPr lang="nb-NO" dirty="0"/>
-              <a:t>Måling av latency: </a:t>
+              <a:t>Speedtest: </a:t>
             </a:r>
             <a:r>
               <a:rPr lang="nb-NO" dirty="0">
@@ -17504,7 +17675,7 @@
 </p:sld>
 </file>
 
-<file path=ppt/slides/slide8.xml><?xml version="1.0" encoding="utf-8"?>
+<file path=ppt/slides/slide9.xml><?xml version="1.0" encoding="utf-8"?>
 <p:sld xmlns:a="http://schemas.openxmlformats.org/drawingml/2006/main" xmlns:r="http://schemas.openxmlformats.org/officeDocument/2006/relationships" xmlns:p="http://schemas.openxmlformats.org/presentationml/2006/main">
   <p:cSld>
     <p:spTree>
@@ -17737,96 +17908,6 @@
     <p:extLst>
       <p:ext uri="{BB962C8B-B14F-4D97-AF65-F5344CB8AC3E}">
         <p14:creationId xmlns:p14="http://schemas.microsoft.com/office/powerpoint/2010/main" val="487288096"/>
-      </p:ext>
-    </p:extLst>
-  </p:cSld>
-  <p:clrMapOvr>
-    <a:masterClrMapping/>
-  </p:clrMapOvr>
-</p:sld>
-</file>
-
-<file path=ppt/slides/slide9.xml><?xml version="1.0" encoding="utf-8"?>
-<p:sld xmlns:a="http://schemas.openxmlformats.org/drawingml/2006/main" xmlns:r="http://schemas.openxmlformats.org/officeDocument/2006/relationships" xmlns:p="http://schemas.openxmlformats.org/presentationml/2006/main">
-  <p:cSld>
-    <p:spTree>
-      <p:nvGrpSpPr>
-        <p:cNvPr id="1" name=""/>
-        <p:cNvGrpSpPr/>
-        <p:nvPr/>
-      </p:nvGrpSpPr>
-      <p:grpSpPr>
-        <a:xfrm>
-          <a:off x="0" y="0"/>
-          <a:ext cx="0" cy="0"/>
-          <a:chOff x="0" y="0"/>
-          <a:chExt cx="0" cy="0"/>
-        </a:xfrm>
-      </p:grpSpPr>
-      <p:pic>
-        <p:nvPicPr>
-          <p:cNvPr id="5" name="Content Placeholder 4">
-            <a:extLst>
-              <a:ext uri="{FF2B5EF4-FFF2-40B4-BE49-F238E27FC236}">
-                <a16:creationId xmlns:a16="http://schemas.microsoft.com/office/drawing/2014/main" id="{3074B7A1-39A4-4082-B89F-2E395E9696C2}"/>
-              </a:ext>
-            </a:extLst>
-          </p:cNvPr>
-          <p:cNvPicPr>
-            <a:picLocks noGrp="1" noChangeAspect="1"/>
-          </p:cNvPicPr>
-          <p:nvPr>
-            <p:ph idx="1"/>
-          </p:nvPr>
-        </p:nvPicPr>
-        <p:blipFill>
-          <a:blip r:embed="rId3">
-            <a:extLst>
-              <a:ext uri="{28A0092B-C50C-407E-A947-70E740481C1C}">
-                <a14:useLocalDpi xmlns:a14="http://schemas.microsoft.com/office/drawing/2010/main" val="0"/>
-              </a:ext>
-            </a:extLst>
-          </a:blip>
-          <a:stretch>
-            <a:fillRect/>
-          </a:stretch>
-        </p:blipFill>
-        <p:spPr>
-          <a:xfrm>
-            <a:off x="1234800" y="1644084"/>
-            <a:ext cx="8741481" cy="4848790"/>
-          </a:xfrm>
-        </p:spPr>
-      </p:pic>
-      <p:sp>
-        <p:nvSpPr>
-          <p:cNvPr id="3" name="Title 2">
-            <a:extLst>
-              <a:ext uri="{FF2B5EF4-FFF2-40B4-BE49-F238E27FC236}">
-                <a16:creationId xmlns:a16="http://schemas.microsoft.com/office/drawing/2014/main" id="{0752D01F-4255-4CCF-9D52-807D973A0D6B}"/>
-              </a:ext>
-            </a:extLst>
-          </p:cNvPr>
-          <p:cNvSpPr>
-            <a:spLocks noGrp="1"/>
-          </p:cNvSpPr>
-          <p:nvPr>
-            <p:ph type="title"/>
-          </p:nvPr>
-        </p:nvSpPr>
-        <p:spPr/>
-        <p:txBody>
-          <a:bodyPr/>
-          <a:lstStyle/>
-          <a:p>
-            <a:endParaRPr lang="nb-NO" dirty="0"/>
-          </a:p>
-        </p:txBody>
-      </p:sp>
-    </p:spTree>
-    <p:extLst>
-      <p:ext uri="{BB962C8B-B14F-4D97-AF65-F5344CB8AC3E}">
-        <p14:creationId xmlns:p14="http://schemas.microsoft.com/office/powerpoint/2010/main" val="3486146099"/>
       </p:ext>
     </p:extLst>
   </p:cSld>
@@ -19368,6 +19449,15 @@
 </file>
 
 <file path=customXml/item1.xml><?xml version="1.0" encoding="utf-8"?>
+<?mso-contentType ?>
+<FormTemplates xmlns="http://schemas.microsoft.com/sharepoint/v3/contenttype/forms">
+  <Display>DocumentLibraryForm</Display>
+  <Edit>DocumentLibraryForm</Edit>
+  <New>DocumentLibraryForm</New>
+</FormTemplates>
+</file>
+
+<file path=customXml/item2.xml><?xml version="1.0" encoding="utf-8"?>
 <ct:contentTypeSchema xmlns:ct="http://schemas.microsoft.com/office/2006/metadata/contentType" xmlns:ma="http://schemas.microsoft.com/office/2006/metadata/properties/metaAttributes" ct:_="" ma:_="" ma:contentTypeName="Document" ma:contentTypeID="0x0101005D3CE5A03C88D04F8FE0CC8617320B29" ma:contentTypeVersion="2" ma:contentTypeDescription="Create a new document." ma:contentTypeScope="" ma:versionID="23c508fadb5761cd27fdc7efc393bb78">
   <xsd:schema xmlns:xsd="http://www.w3.org/2001/XMLSchema" xmlns:xs="http://www.w3.org/2001/XMLSchema" xmlns:p="http://schemas.microsoft.com/office/2006/metadata/properties" xmlns:ns2="323bcd62-7d27-4513-9df1-9bc20f03554b" targetNamespace="http://schemas.microsoft.com/office/2006/metadata/properties" ma:root="true" ma:fieldsID="4120a6a9df7c81c23a4d646d2ccf1355" ns2:_="">
     <xsd:import namespace="323bcd62-7d27-4513-9df1-9bc20f03554b"/>
@@ -19499,15 +19589,6 @@
 </ct:contentTypeSchema>
 </file>
 
-<file path=customXml/item2.xml><?xml version="1.0" encoding="utf-8"?>
-<?mso-contentType ?>
-<FormTemplates xmlns="http://schemas.microsoft.com/sharepoint/v3/contenttype/forms">
-  <Display>DocumentLibraryForm</Display>
-  <Edit>DocumentLibraryForm</Edit>
-  <New>DocumentLibraryForm</New>
-</FormTemplates>
-</file>
-
 <file path=customXml/item3.xml><?xml version="1.0" encoding="utf-8"?>
 <p:properties xmlns:p="http://schemas.microsoft.com/office/2006/metadata/properties" xmlns:xsi="http://www.w3.org/2001/XMLSchema-instance" xmlns:pc="http://schemas.microsoft.com/office/infopath/2007/PartnerControls">
   <documentManagement/>
@@ -19515,6 +19596,14 @@
 </file>
 
 <file path=customXml/itemProps1.xml><?xml version="1.0" encoding="utf-8"?>
+<ds:datastoreItem xmlns:ds="http://schemas.openxmlformats.org/officeDocument/2006/customXml" ds:itemID="{BB82CC63-55FC-4D22-9ED3-DB88AF6228E1}">
+  <ds:schemaRefs>
+    <ds:schemaRef ds:uri="http://schemas.microsoft.com/sharepoint/v3/contenttype/forms"/>
+  </ds:schemaRefs>
+</ds:datastoreItem>
+</file>
+
+<file path=customXml/itemProps2.xml><?xml version="1.0" encoding="utf-8"?>
 <ds:datastoreItem xmlns:ds="http://schemas.openxmlformats.org/officeDocument/2006/customXml" ds:itemID="{0377EA4A-9170-43AD-A052-6EABC948F73F}">
   <ds:schemaRefs>
     <ds:schemaRef ds:uri="http://schemas.microsoft.com/office/2006/metadata/contentType"/>
@@ -19528,14 +19617,6 @@
     <ds:schemaRef ds:uri="http://purl.org/dc/elements/1.1/"/>
     <ds:schemaRef ds:uri="http://purl.org/dc/terms/"/>
     <ds:schemaRef ds:uri="http://schemas.microsoft.com/internal/obd"/>
-  </ds:schemaRefs>
-</ds:datastoreItem>
-</file>
-
-<file path=customXml/itemProps2.xml><?xml version="1.0" encoding="utf-8"?>
-<ds:datastoreItem xmlns:ds="http://schemas.openxmlformats.org/officeDocument/2006/customXml" ds:itemID="{BB82CC63-55FC-4D22-9ED3-DB88AF6228E1}">
-  <ds:schemaRefs>
-    <ds:schemaRef ds:uri="http://schemas.microsoft.com/sharepoint/v3/contenttype/forms"/>
   </ds:schemaRefs>
 </ds:datastoreItem>
 </file>

--- a/Workshop_1/Presentation/Azureskolen-Workshop#1.pptx
+++ b/Workshop_1/Presentation/Azureskolen-Workshop#1.pptx
@@ -7,18 +7,18 @@
     <p:sldMasterId id="2147483705" r:id="rId6"/>
   </p:sldMasterIdLst>
   <p:notesMasterIdLst>
-    <p:notesMasterId r:id="rId35"/>
+    <p:notesMasterId r:id="rId36"/>
   </p:notesMasterIdLst>
   <p:handoutMasterIdLst>
-    <p:handoutMasterId r:id="rId36"/>
+    <p:handoutMasterId r:id="rId37"/>
   </p:handoutMasterIdLst>
   <p:sldIdLst>
     <p:sldId id="256" r:id="rId7"/>
     <p:sldId id="257" r:id="rId8"/>
     <p:sldId id="258" r:id="rId9"/>
     <p:sldId id="263" r:id="rId10"/>
-    <p:sldId id="259" r:id="rId11"/>
-    <p:sldId id="267" r:id="rId12"/>
+    <p:sldId id="267" r:id="rId11"/>
+    <p:sldId id="259" r:id="rId12"/>
     <p:sldId id="262" r:id="rId13"/>
     <p:sldId id="261" r:id="rId14"/>
     <p:sldId id="269" r:id="rId15"/>
@@ -29,18 +29,19 @@
     <p:sldId id="280" r:id="rId20"/>
     <p:sldId id="260" r:id="rId21"/>
     <p:sldId id="271" r:id="rId22"/>
-    <p:sldId id="272" r:id="rId23"/>
-    <p:sldId id="283" r:id="rId24"/>
-    <p:sldId id="285" r:id="rId25"/>
-    <p:sldId id="273" r:id="rId26"/>
-    <p:sldId id="278" r:id="rId27"/>
-    <p:sldId id="277" r:id="rId28"/>
-    <p:sldId id="279" r:id="rId29"/>
-    <p:sldId id="270" r:id="rId30"/>
-    <p:sldId id="268" r:id="rId31"/>
-    <p:sldId id="281" r:id="rId32"/>
-    <p:sldId id="282" r:id="rId33"/>
-    <p:sldId id="286" r:id="rId34"/>
+    <p:sldId id="287" r:id="rId23"/>
+    <p:sldId id="272" r:id="rId24"/>
+    <p:sldId id="283" r:id="rId25"/>
+    <p:sldId id="285" r:id="rId26"/>
+    <p:sldId id="273" r:id="rId27"/>
+    <p:sldId id="278" r:id="rId28"/>
+    <p:sldId id="277" r:id="rId29"/>
+    <p:sldId id="279" r:id="rId30"/>
+    <p:sldId id="270" r:id="rId31"/>
+    <p:sldId id="268" r:id="rId32"/>
+    <p:sldId id="281" r:id="rId33"/>
+    <p:sldId id="282" r:id="rId34"/>
+    <p:sldId id="286" r:id="rId35"/>
   </p:sldIdLst>
   <p:sldSz cx="12192000" cy="6858000"/>
   <p:notesSz cx="6858000" cy="9144000"/>
@@ -1025,7 +1026,7 @@
           <a:p>
             <a:fld id="{180377DB-C4B0-49B2-8838-0F01BA83B7C4}" type="slidenum">
               <a:rPr lang="nb-NO" smtClean="0"/>
-              <a:t>18</a:t>
+              <a:t>17</a:t>
             </a:fld>
             <a:endParaRPr lang="nb-NO"/>
           </a:p>
@@ -1034,7 +1035,7 @@
     </p:spTree>
     <p:extLst>
       <p:ext uri="{BB962C8B-B14F-4D97-AF65-F5344CB8AC3E}">
-        <p14:creationId xmlns:p14="http://schemas.microsoft.com/office/powerpoint/2010/main" val="561151925"/>
+        <p14:creationId xmlns:p14="http://schemas.microsoft.com/office/powerpoint/2010/main" val="1458791178"/>
       </p:ext>
     </p:extLst>
   </p:cSld>
@@ -1118,7 +1119,7 @@
     </p:spTree>
     <p:extLst>
       <p:ext uri="{BB962C8B-B14F-4D97-AF65-F5344CB8AC3E}">
-        <p14:creationId xmlns:p14="http://schemas.microsoft.com/office/powerpoint/2010/main" val="320389312"/>
+        <p14:creationId xmlns:p14="http://schemas.microsoft.com/office/powerpoint/2010/main" val="561151925"/>
       </p:ext>
     </p:extLst>
   </p:cSld>
@@ -1172,28 +1173,6 @@
           <a:bodyPr/>
           <a:lstStyle/>
           <a:p>
-            <a:pPr marL="171450" indent="-171450">
-              <a:buFontTx/>
-              <a:buChar char="-"/>
-            </a:pPr>
-            <a:r>
-              <a:rPr lang="nb-NO" dirty="0"/>
-              <a:t>Web </a:t>
-            </a:r>
-            <a:r>
-              <a:rPr lang="nb-NO" dirty="0" err="1"/>
-              <a:t>Apps</a:t>
-            </a:r>
-            <a:r>
-              <a:rPr lang="nb-NO" dirty="0"/>
-              <a:t> demo:</a:t>
-            </a:r>
-          </a:p>
-          <a:p>
-            <a:pPr marL="171450" indent="-171450">
-              <a:buFontTx/>
-              <a:buChar char="-"/>
-            </a:pPr>
             <a:endParaRPr lang="nb-NO" dirty="0"/>
           </a:p>
         </p:txBody>
@@ -1215,7 +1194,7 @@
           <a:p>
             <a:fld id="{180377DB-C4B0-49B2-8838-0F01BA83B7C4}" type="slidenum">
               <a:rPr lang="nb-NO" smtClean="0"/>
-              <a:t>21</a:t>
+              <a:t>20</a:t>
             </a:fld>
             <a:endParaRPr lang="nb-NO"/>
           </a:p>
@@ -1224,7 +1203,7 @@
     </p:spTree>
     <p:extLst>
       <p:ext uri="{BB962C8B-B14F-4D97-AF65-F5344CB8AC3E}">
-        <p14:creationId xmlns:p14="http://schemas.microsoft.com/office/powerpoint/2010/main" val="2965951550"/>
+        <p14:creationId xmlns:p14="http://schemas.microsoft.com/office/powerpoint/2010/main" val="320389312"/>
       </p:ext>
     </p:extLst>
   </p:cSld>
@@ -1278,6 +1257,28 @@
           <a:bodyPr/>
           <a:lstStyle/>
           <a:p>
+            <a:pPr marL="171450" indent="-171450">
+              <a:buFontTx/>
+              <a:buChar char="-"/>
+            </a:pPr>
+            <a:r>
+              <a:rPr lang="nb-NO" dirty="0"/>
+              <a:t>Web </a:t>
+            </a:r>
+            <a:r>
+              <a:rPr lang="nb-NO" dirty="0" err="1"/>
+              <a:t>Apps</a:t>
+            </a:r>
+            <a:r>
+              <a:rPr lang="nb-NO" dirty="0"/>
+              <a:t> demo:</a:t>
+            </a:r>
+          </a:p>
+          <a:p>
+            <a:pPr marL="171450" indent="-171450">
+              <a:buFontTx/>
+              <a:buChar char="-"/>
+            </a:pPr>
             <a:endParaRPr lang="nb-NO" dirty="0"/>
           </a:p>
         </p:txBody>
@@ -1308,7 +1309,7 @@
     </p:spTree>
     <p:extLst>
       <p:ext uri="{BB962C8B-B14F-4D97-AF65-F5344CB8AC3E}">
-        <p14:creationId xmlns:p14="http://schemas.microsoft.com/office/powerpoint/2010/main" val="546288370"/>
+        <p14:creationId xmlns:p14="http://schemas.microsoft.com/office/powerpoint/2010/main" val="2965951550"/>
       </p:ext>
     </p:extLst>
   </p:cSld>
@@ -1362,113 +1363,7 @@
           <a:bodyPr/>
           <a:lstStyle/>
           <a:p>
-            <a:r>
-              <a:rPr lang="nb-NO" dirty="0"/>
-              <a:t>Fullt mulig å installere</a:t>
-            </a:r>
-          </a:p>
-          <a:p>
-            <a:r>
-              <a:rPr lang="nb-NO" dirty="0"/>
-              <a:t>Azure SQL Database</a:t>
-            </a:r>
-          </a:p>
-          <a:p>
-            <a:pPr marL="171450" indent="-171450">
-              <a:buFontTx/>
-              <a:buChar char="-"/>
-            </a:pPr>
-            <a:r>
-              <a:rPr lang="nb-NO" dirty="0"/>
-              <a:t>Tjeneste: Alt inkludert  </a:t>
-            </a:r>
-          </a:p>
-          <a:p>
-            <a:pPr marL="171450" indent="-171450">
-              <a:buFontTx/>
-              <a:buChar char="-"/>
-            </a:pPr>
-            <a:r>
-              <a:rPr lang="nb-NO" dirty="0"/>
-              <a:t>Ytelse måles i DTU (Data Transfer Units)</a:t>
-            </a:r>
-          </a:p>
-          <a:p>
-            <a:pPr marL="171450" indent="-171450">
-              <a:buFontTx/>
-              <a:buChar char="-"/>
-            </a:pPr>
-            <a:r>
-              <a:rPr lang="nb-NO" dirty="0"/>
-              <a:t>Mangler noen </a:t>
-            </a:r>
-            <a:r>
-              <a:rPr lang="nb-NO" dirty="0" err="1"/>
-              <a:t>features</a:t>
-            </a:r>
-            <a:r>
-              <a:rPr lang="nb-NO" dirty="0"/>
-              <a:t> fra vanlig.</a:t>
-            </a:r>
-          </a:p>
-          <a:p>
-            <a:pPr marL="171450" indent="-171450">
-              <a:buFontTx/>
-              <a:buChar char="-"/>
-            </a:pPr>
-            <a:r>
-              <a:rPr lang="nb-NO" dirty="0"/>
-              <a:t>Man kan også kjøre opp en vm og </a:t>
-            </a:r>
-            <a:r>
-              <a:rPr lang="nb-NO" dirty="0" err="1"/>
-              <a:t>instllaere</a:t>
-            </a:r>
-            <a:r>
-              <a:rPr lang="nb-NO" dirty="0"/>
-              <a:t> </a:t>
-            </a:r>
-            <a:r>
-              <a:rPr lang="nb-NO" dirty="0" err="1"/>
-              <a:t>sql</a:t>
-            </a:r>
-            <a:r>
-              <a:rPr lang="nb-NO" dirty="0"/>
-              <a:t> server. Men da må man ha egen lisens, og man må.</a:t>
-            </a:r>
-          </a:p>
-          <a:p>
-            <a:pPr marL="171450" indent="-171450">
-              <a:buFontTx/>
-              <a:buChar char="-"/>
-            </a:pPr>
             <a:endParaRPr lang="nb-NO" dirty="0"/>
-          </a:p>
-          <a:p>
-            <a:r>
-              <a:rPr lang="nb-NO" dirty="0"/>
-              <a:t>Cosmos DB:</a:t>
-            </a:r>
-          </a:p>
-          <a:p>
-            <a:pPr marL="171450" indent="-171450">
-              <a:buFontTx/>
-              <a:buChar char="-"/>
-            </a:pPr>
-            <a:r>
-              <a:rPr lang="nb-NO" dirty="0"/>
-              <a:t>Mult</a:t>
-            </a:r>
-          </a:p>
-          <a:p>
-            <a:pPr marL="0" indent="0">
-              <a:buFontTx/>
-              <a:buNone/>
-            </a:pPr>
-            <a:r>
-              <a:rPr lang="nb-NO" dirty="0"/>
-              <a:t>- Satses mye på av </a:t>
-            </a:r>
           </a:p>
         </p:txBody>
       </p:sp>
@@ -1489,7 +1384,7 @@
           <a:p>
             <a:fld id="{180377DB-C4B0-49B2-8838-0F01BA83B7C4}" type="slidenum">
               <a:rPr lang="nb-NO" smtClean="0"/>
-              <a:t>24</a:t>
+              <a:t>23</a:t>
             </a:fld>
             <a:endParaRPr lang="nb-NO"/>
           </a:p>
@@ -1498,7 +1393,7 @@
     </p:spTree>
     <p:extLst>
       <p:ext uri="{BB962C8B-B14F-4D97-AF65-F5344CB8AC3E}">
-        <p14:creationId xmlns:p14="http://schemas.microsoft.com/office/powerpoint/2010/main" val="2766437490"/>
+        <p14:creationId xmlns:p14="http://schemas.microsoft.com/office/powerpoint/2010/main" val="546288370"/>
       </p:ext>
     </p:extLst>
   </p:cSld>
@@ -1553,12 +1448,111 @@
           <a:lstStyle/>
           <a:p>
             <a:r>
+              <a:rPr lang="nb-NO" dirty="0"/>
+              <a:t>Fullt mulig å installere</a:t>
+            </a:r>
+          </a:p>
+          <a:p>
+            <a:r>
+              <a:rPr lang="nb-NO" dirty="0"/>
+              <a:t>Azure SQL Database</a:t>
+            </a:r>
+          </a:p>
+          <a:p>
+            <a:pPr marL="171450" indent="-171450">
+              <a:buFontTx/>
+              <a:buChar char="-"/>
+            </a:pPr>
+            <a:r>
+              <a:rPr lang="nb-NO" dirty="0"/>
+              <a:t>Tjeneste: Alt inkludert  </a:t>
+            </a:r>
+          </a:p>
+          <a:p>
+            <a:pPr marL="171450" indent="-171450">
+              <a:buFontTx/>
+              <a:buChar char="-"/>
+            </a:pPr>
+            <a:r>
+              <a:rPr lang="nb-NO" dirty="0"/>
+              <a:t>Ytelse måles i DTU (Data Transfer Units)</a:t>
+            </a:r>
+          </a:p>
+          <a:p>
+            <a:pPr marL="171450" indent="-171450">
+              <a:buFontTx/>
+              <a:buChar char="-"/>
+            </a:pPr>
+            <a:r>
+              <a:rPr lang="nb-NO" dirty="0"/>
+              <a:t>Mangler noen </a:t>
+            </a:r>
+            <a:r>
               <a:rPr lang="nb-NO" dirty="0" err="1"/>
-              <a:t>Blobs</a:t>
+              <a:t>features</a:t>
             </a:r>
             <a:r>
               <a:rPr lang="nb-NO" dirty="0"/>
-              <a:t>- virtuell katalogstruktur</a:t>
+              <a:t> fra vanlig.</a:t>
+            </a:r>
+          </a:p>
+          <a:p>
+            <a:pPr marL="171450" indent="-171450">
+              <a:buFontTx/>
+              <a:buChar char="-"/>
+            </a:pPr>
+            <a:r>
+              <a:rPr lang="nb-NO" dirty="0"/>
+              <a:t>Man kan også kjøre opp en vm og </a:t>
+            </a:r>
+            <a:r>
+              <a:rPr lang="nb-NO" dirty="0" err="1"/>
+              <a:t>instllaere</a:t>
+            </a:r>
+            <a:r>
+              <a:rPr lang="nb-NO" dirty="0"/>
+              <a:t> </a:t>
+            </a:r>
+            <a:r>
+              <a:rPr lang="nb-NO" dirty="0" err="1"/>
+              <a:t>sql</a:t>
+            </a:r>
+            <a:r>
+              <a:rPr lang="nb-NO" dirty="0"/>
+              <a:t> server. Men da må man ha egen lisens, og man må.</a:t>
+            </a:r>
+          </a:p>
+          <a:p>
+            <a:pPr marL="171450" indent="-171450">
+              <a:buFontTx/>
+              <a:buChar char="-"/>
+            </a:pPr>
+            <a:endParaRPr lang="nb-NO" dirty="0"/>
+          </a:p>
+          <a:p>
+            <a:r>
+              <a:rPr lang="nb-NO" dirty="0"/>
+              <a:t>Cosmos DB:</a:t>
+            </a:r>
+          </a:p>
+          <a:p>
+            <a:pPr marL="171450" indent="-171450">
+              <a:buFontTx/>
+              <a:buChar char="-"/>
+            </a:pPr>
+            <a:r>
+              <a:rPr lang="nb-NO" dirty="0"/>
+              <a:t>Mult</a:t>
+            </a:r>
+          </a:p>
+          <a:p>
+            <a:pPr marL="0" indent="0">
+              <a:buFontTx/>
+              <a:buNone/>
+            </a:pPr>
+            <a:r>
+              <a:rPr lang="nb-NO" dirty="0"/>
+              <a:t>- Satses mye på av </a:t>
             </a:r>
           </a:p>
         </p:txBody>
@@ -1589,7 +1583,7 @@
     </p:spTree>
     <p:extLst>
       <p:ext uri="{BB962C8B-B14F-4D97-AF65-F5344CB8AC3E}">
-        <p14:creationId xmlns:p14="http://schemas.microsoft.com/office/powerpoint/2010/main" val="2113116676"/>
+        <p14:creationId xmlns:p14="http://schemas.microsoft.com/office/powerpoint/2010/main" val="2766437490"/>
       </p:ext>
     </p:extLst>
   </p:cSld>
@@ -1644,24 +1638,12 @@
           <a:lstStyle/>
           <a:p>
             <a:r>
+              <a:rPr lang="nb-NO" dirty="0" err="1"/>
+              <a:t>Blobs</a:t>
+            </a:r>
+            <a:r>
               <a:rPr lang="nb-NO" dirty="0"/>
-              <a:t>SAS-tokens: Key-</a:t>
-            </a:r>
-            <a:r>
-              <a:rPr lang="nb-NO" dirty="0" err="1"/>
-              <a:t>Valet</a:t>
-            </a:r>
-            <a:r>
-              <a:rPr lang="nb-NO" dirty="0"/>
-              <a:t> </a:t>
-            </a:r>
-            <a:r>
-              <a:rPr lang="nb-NO" dirty="0" err="1"/>
-              <a:t>pattern</a:t>
-            </a:r>
-            <a:r>
-              <a:rPr lang="nb-NO" dirty="0"/>
-              <a:t>.</a:t>
+              <a:t>- virtuell katalogstruktur</a:t>
             </a:r>
           </a:p>
         </p:txBody>
@@ -1692,7 +1674,7 @@
     </p:spTree>
     <p:extLst>
       <p:ext uri="{BB962C8B-B14F-4D97-AF65-F5344CB8AC3E}">
-        <p14:creationId xmlns:p14="http://schemas.microsoft.com/office/powerpoint/2010/main" val="2379882642"/>
+        <p14:creationId xmlns:p14="http://schemas.microsoft.com/office/powerpoint/2010/main" val="2113116676"/>
       </p:ext>
     </p:extLst>
   </p:cSld>
@@ -1748,14 +1730,24 @@
           <a:p>
             <a:r>
               <a:rPr lang="nb-NO" dirty="0"/>
-              <a:t>Eksempel: haveibeenpwd.com fra Troy Hunt blir brukt til dette:</a:t>
-            </a:r>
-          </a:p>
-          <a:p>
-            <a:endParaRPr lang="nb-NO" dirty="0"/>
-          </a:p>
-          <a:p>
-            <a:endParaRPr lang="nb-NO" dirty="0"/>
+              <a:t>SAS-tokens: Key-</a:t>
+            </a:r>
+            <a:r>
+              <a:rPr lang="nb-NO" dirty="0" err="1"/>
+              <a:t>Valet</a:t>
+            </a:r>
+            <a:r>
+              <a:rPr lang="nb-NO" dirty="0"/>
+              <a:t> </a:t>
+            </a:r>
+            <a:r>
+              <a:rPr lang="nb-NO" dirty="0" err="1"/>
+              <a:t>pattern</a:t>
+            </a:r>
+            <a:r>
+              <a:rPr lang="nb-NO" dirty="0"/>
+              <a:t>.</a:t>
+            </a:r>
           </a:p>
         </p:txBody>
       </p:sp>
@@ -1785,7 +1777,7 @@
     </p:spTree>
     <p:extLst>
       <p:ext uri="{BB962C8B-B14F-4D97-AF65-F5344CB8AC3E}">
-        <p14:creationId xmlns:p14="http://schemas.microsoft.com/office/powerpoint/2010/main" val="4079900449"/>
+        <p14:creationId xmlns:p14="http://schemas.microsoft.com/office/powerpoint/2010/main" val="2379882642"/>
       </p:ext>
     </p:extLst>
   </p:cSld>
@@ -1882,6 +1874,99 @@
 </p:notes>
 </file>
 
+<file path=ppt/notesSlides/notesSlide20.xml><?xml version="1.0" encoding="utf-8"?>
+<p:notes xmlns:a="http://schemas.openxmlformats.org/drawingml/2006/main" xmlns:r="http://schemas.openxmlformats.org/officeDocument/2006/relationships" xmlns:p="http://schemas.openxmlformats.org/presentationml/2006/main">
+  <p:cSld>
+    <p:spTree>
+      <p:nvGrpSpPr>
+        <p:cNvPr id="1" name=""/>
+        <p:cNvGrpSpPr/>
+        <p:nvPr/>
+      </p:nvGrpSpPr>
+      <p:grpSpPr>
+        <a:xfrm>
+          <a:off x="0" y="0"/>
+          <a:ext cx="0" cy="0"/>
+          <a:chOff x="0" y="0"/>
+          <a:chExt cx="0" cy="0"/>
+        </a:xfrm>
+      </p:grpSpPr>
+      <p:sp>
+        <p:nvSpPr>
+          <p:cNvPr id="2" name="Slide Image Placeholder 1"/>
+          <p:cNvSpPr>
+            <a:spLocks noGrp="1" noRot="1" noChangeAspect="1"/>
+          </p:cNvSpPr>
+          <p:nvPr>
+            <p:ph type="sldImg"/>
+          </p:nvPr>
+        </p:nvSpPr>
+        <p:spPr/>
+      </p:sp>
+      <p:sp>
+        <p:nvSpPr>
+          <p:cNvPr id="3" name="Notes Placeholder 2"/>
+          <p:cNvSpPr>
+            <a:spLocks noGrp="1"/>
+          </p:cNvSpPr>
+          <p:nvPr>
+            <p:ph type="body" idx="1"/>
+          </p:nvPr>
+        </p:nvSpPr>
+        <p:spPr/>
+        <p:txBody>
+          <a:bodyPr/>
+          <a:lstStyle/>
+          <a:p>
+            <a:r>
+              <a:rPr lang="nb-NO" dirty="0"/>
+              <a:t>Eksempel: haveibeenpwd.com fra Troy Hunt blir brukt til dette:</a:t>
+            </a:r>
+          </a:p>
+          <a:p>
+            <a:endParaRPr lang="nb-NO" dirty="0"/>
+          </a:p>
+          <a:p>
+            <a:endParaRPr lang="nb-NO" dirty="0"/>
+          </a:p>
+        </p:txBody>
+      </p:sp>
+      <p:sp>
+        <p:nvSpPr>
+          <p:cNvPr id="4" name="Slide Number Placeholder 3"/>
+          <p:cNvSpPr>
+            <a:spLocks noGrp="1"/>
+          </p:cNvSpPr>
+          <p:nvPr>
+            <p:ph type="sldNum" sz="quarter" idx="10"/>
+          </p:nvPr>
+        </p:nvSpPr>
+        <p:spPr/>
+        <p:txBody>
+          <a:bodyPr/>
+          <a:lstStyle/>
+          <a:p>
+            <a:fld id="{180377DB-C4B0-49B2-8838-0F01BA83B7C4}" type="slidenum">
+              <a:rPr lang="nb-NO" smtClean="0"/>
+              <a:t>28</a:t>
+            </a:fld>
+            <a:endParaRPr lang="nb-NO"/>
+          </a:p>
+        </p:txBody>
+      </p:sp>
+    </p:spTree>
+    <p:extLst>
+      <p:ext uri="{BB962C8B-B14F-4D97-AF65-F5344CB8AC3E}">
+        <p14:creationId xmlns:p14="http://schemas.microsoft.com/office/powerpoint/2010/main" val="4079900449"/>
+      </p:ext>
+    </p:extLst>
+  </p:cSld>
+  <p:clrMapOvr>
+    <a:masterClrMapping/>
+  </p:clrMapOvr>
+</p:notes>
+</file>
+
 <file path=ppt/notesSlides/notesSlide3.xml><?xml version="1.0" encoding="utf-8"?>
 <p:notes xmlns:a="http://schemas.openxmlformats.org/drawingml/2006/main" xmlns:r="http://schemas.openxmlformats.org/officeDocument/2006/relationships" xmlns:p="http://schemas.openxmlformats.org/presentationml/2006/main">
   <p:cSld>
@@ -1947,7 +2032,7 @@
           <a:p>
             <a:fld id="{180377DB-C4B0-49B2-8838-0F01BA83B7C4}" type="slidenum">
               <a:rPr lang="nb-NO" smtClean="0"/>
-              <a:t>6</a:t>
+              <a:t>5</a:t>
             </a:fld>
             <a:endParaRPr lang="nb-NO"/>
           </a:p>
@@ -12027,6 +12112,13 @@
           <a:p>
             <a:pPr lvl="1"/>
             <a:r>
+              <a:rPr lang="nb-NO" dirty="0"/>
+              <a:t>Administrasjon</a:t>
+            </a:r>
+          </a:p>
+          <a:p>
+            <a:pPr lvl="1"/>
+            <a:r>
               <a:rPr lang="nb-NO" dirty="0" err="1"/>
               <a:t>Patching</a:t>
             </a:r>
@@ -12087,7 +12179,7 @@
           <a:p>
             <a:r>
               <a:rPr lang="nb-NO" dirty="0"/>
-              <a:t>Kostnader – Hva betaler man for</a:t>
+              <a:t>Kostnader – Hva betaler man for?</a:t>
             </a:r>
           </a:p>
         </p:txBody>
@@ -12812,6 +12904,3885 @@
 </file>
 
 <file path=ppt/slides/slide17.xml><?xml version="1.0" encoding="utf-8"?>
+<p:sld xmlns:a="http://schemas.openxmlformats.org/drawingml/2006/main" xmlns:r="http://schemas.openxmlformats.org/officeDocument/2006/relationships" xmlns:p="http://schemas.openxmlformats.org/presentationml/2006/main">
+  <p:cSld>
+    <p:spTree>
+      <p:nvGrpSpPr>
+        <p:cNvPr id="1" name=""/>
+        <p:cNvGrpSpPr/>
+        <p:nvPr/>
+      </p:nvGrpSpPr>
+      <p:grpSpPr>
+        <a:xfrm>
+          <a:off x="0" y="0"/>
+          <a:ext cx="0" cy="0"/>
+          <a:chOff x="0" y="0"/>
+          <a:chExt cx="0" cy="0"/>
+        </a:xfrm>
+      </p:grpSpPr>
+      <p:sp>
+        <p:nvSpPr>
+          <p:cNvPr id="2" name="Content Placeholder 1">
+            <a:extLst>
+              <a:ext uri="{FF2B5EF4-FFF2-40B4-BE49-F238E27FC236}">
+                <a16:creationId xmlns:a16="http://schemas.microsoft.com/office/drawing/2014/main" id="{4BB1D3B7-63CD-4089-BB6F-25AF28CF2642}"/>
+              </a:ext>
+            </a:extLst>
+          </p:cNvPr>
+          <p:cNvSpPr>
+            <a:spLocks noGrp="1"/>
+          </p:cNvSpPr>
+          <p:nvPr>
+            <p:ph idx="1"/>
+          </p:nvPr>
+        </p:nvSpPr>
+        <p:spPr/>
+        <p:txBody>
+          <a:bodyPr/>
+          <a:lstStyle/>
+          <a:p>
+            <a:endParaRPr lang="nb-NO"/>
+          </a:p>
+        </p:txBody>
+      </p:sp>
+      <p:sp>
+        <p:nvSpPr>
+          <p:cNvPr id="3" name="Title 2">
+            <a:extLst>
+              <a:ext uri="{FF2B5EF4-FFF2-40B4-BE49-F238E27FC236}">
+                <a16:creationId xmlns:a16="http://schemas.microsoft.com/office/drawing/2014/main" id="{D700857C-9023-4443-81BC-93CCEC41D717}"/>
+              </a:ext>
+            </a:extLst>
+          </p:cNvPr>
+          <p:cNvSpPr>
+            <a:spLocks noGrp="1"/>
+          </p:cNvSpPr>
+          <p:nvPr>
+            <p:ph type="title"/>
+          </p:nvPr>
+        </p:nvSpPr>
+        <p:spPr/>
+        <p:txBody>
+          <a:bodyPr/>
+          <a:lstStyle/>
+          <a:p>
+            <a:endParaRPr lang="nb-NO"/>
+          </a:p>
+        </p:txBody>
+      </p:sp>
+      <p:cxnSp>
+        <p:nvCxnSpPr>
+          <p:cNvPr id="4" name="Straight Connector 3">
+            <a:extLst>
+              <a:ext uri="{FF2B5EF4-FFF2-40B4-BE49-F238E27FC236}">
+                <a16:creationId xmlns:a16="http://schemas.microsoft.com/office/drawing/2014/main" id="{D08FEC6D-052E-4F1D-91A7-DADDF4EDF226}"/>
+              </a:ext>
+            </a:extLst>
+          </p:cNvPr>
+          <p:cNvCxnSpPr/>
+          <p:nvPr/>
+        </p:nvCxnSpPr>
+        <p:spPr>
+          <a:xfrm>
+            <a:off x="8604989" y="3208850"/>
+            <a:ext cx="482295" cy="0"/>
+          </a:xfrm>
+          <a:prstGeom prst="line">
+            <a:avLst/>
+          </a:prstGeom>
+          <a:ln w="12700">
+            <a:noFill/>
+          </a:ln>
+        </p:spPr>
+        <p:style>
+          <a:lnRef idx="1">
+            <a:schemeClr val="accent1"/>
+          </a:lnRef>
+          <a:fillRef idx="0">
+            <a:schemeClr val="accent1"/>
+          </a:fillRef>
+          <a:effectRef idx="0">
+            <a:schemeClr val="accent1"/>
+          </a:effectRef>
+          <a:fontRef idx="minor">
+            <a:schemeClr val="tx1"/>
+          </a:fontRef>
+        </p:style>
+      </p:cxnSp>
+      <p:sp>
+        <p:nvSpPr>
+          <p:cNvPr id="5" name="Title 1">
+            <a:extLst>
+              <a:ext uri="{FF2B5EF4-FFF2-40B4-BE49-F238E27FC236}">
+                <a16:creationId xmlns:a16="http://schemas.microsoft.com/office/drawing/2014/main" id="{125BD24D-44DB-47A8-AC05-86CC4C05326D}"/>
+              </a:ext>
+            </a:extLst>
+          </p:cNvPr>
+          <p:cNvSpPr txBox="1">
+            <a:spLocks/>
+          </p:cNvSpPr>
+          <p:nvPr/>
+        </p:nvSpPr>
+        <p:spPr>
+          <a:xfrm>
+            <a:off x="865" y="77993"/>
+            <a:ext cx="12190271" cy="569890"/>
+          </a:xfrm>
+          <a:prstGeom prst="rect">
+            <a:avLst/>
+          </a:prstGeom>
+        </p:spPr>
+        <p:txBody>
+          <a:bodyPr vert="horz" wrap="square" lIns="91412" tIns="45706" rIns="91412" bIns="45706" rtlCol="0" anchor="ctr">
+            <a:normAutofit/>
+          </a:bodyPr>
+          <a:lstStyle>
+            <a:lvl1pPr algn="l" defTabSz="914400" rtl="0" eaLnBrk="1" latinLnBrk="0" hangingPunct="1">
+              <a:lnSpc>
+                <a:spcPct val="90000"/>
+              </a:lnSpc>
+              <a:spcBef>
+                <a:spcPct val="0"/>
+              </a:spcBef>
+              <a:buNone/>
+              <a:defRPr sz="3600" kern="1200">
+                <a:solidFill>
+                  <a:schemeClr val="tx1"/>
+                </a:solidFill>
+                <a:latin typeface="+mj-lt"/>
+                <a:ea typeface="+mj-ea"/>
+                <a:cs typeface="+mj-cs"/>
+              </a:defRPr>
+            </a:lvl1pPr>
+          </a:lstStyle>
+          <a:p>
+            <a:pPr algn="ctr"/>
+            <a:r>
+              <a:rPr lang="en-US" sz="3200" b="1">
+                <a:solidFill>
+                  <a:srgbClr val="00B0F0"/>
+                </a:solidFill>
+              </a:rPr>
+              <a:t>Azure App Continuum</a:t>
+            </a:r>
+            <a:endParaRPr lang="en-US" sz="3200" b="1" dirty="0">
+              <a:solidFill>
+                <a:srgbClr val="00B0F0"/>
+              </a:solidFill>
+            </a:endParaRPr>
+          </a:p>
+        </p:txBody>
+      </p:sp>
+      <p:sp>
+        <p:nvSpPr>
+          <p:cNvPr id="6" name="Rectangle 5">
+            <a:extLst>
+              <a:ext uri="{FF2B5EF4-FFF2-40B4-BE49-F238E27FC236}">
+                <a16:creationId xmlns:a16="http://schemas.microsoft.com/office/drawing/2014/main" id="{BB065864-813B-4086-A931-0D025B8BF8E8}"/>
+              </a:ext>
+            </a:extLst>
+          </p:cNvPr>
+          <p:cNvSpPr/>
+          <p:nvPr/>
+        </p:nvSpPr>
+        <p:spPr>
+          <a:xfrm>
+            <a:off x="701708" y="654972"/>
+            <a:ext cx="10796783" cy="1451077"/>
+          </a:xfrm>
+          <a:prstGeom prst="rect">
+            <a:avLst/>
+          </a:prstGeom>
+          <a:solidFill>
+            <a:srgbClr val="00B0F0"/>
+          </a:solidFill>
+          <a:ln>
+            <a:noFill/>
+          </a:ln>
+        </p:spPr>
+        <p:style>
+          <a:lnRef idx="2">
+            <a:schemeClr val="accent1">
+              <a:shade val="50000"/>
+            </a:schemeClr>
+          </a:lnRef>
+          <a:fillRef idx="1">
+            <a:schemeClr val="accent1"/>
+          </a:fillRef>
+          <a:effectRef idx="0">
+            <a:schemeClr val="accent1"/>
+          </a:effectRef>
+          <a:fontRef idx="minor">
+            <a:schemeClr val="lt1"/>
+          </a:fontRef>
+        </p:style>
+        <p:txBody>
+          <a:bodyPr rtlCol="0" anchor="t"/>
+          <a:lstStyle/>
+          <a:p>
+            <a:pPr marL="0" marR="0" lvl="0" indent="0" algn="ctr" defTabSz="914060" eaLnBrk="1" fontAlgn="auto" latinLnBrk="0" hangingPunct="1">
+              <a:lnSpc>
+                <a:spcPct val="100000"/>
+              </a:lnSpc>
+              <a:spcBef>
+                <a:spcPts val="0"/>
+              </a:spcBef>
+              <a:spcAft>
+                <a:spcPts val="0"/>
+              </a:spcAft>
+              <a:buClrTx/>
+              <a:buSzTx/>
+              <a:buFontTx/>
+              <a:buNone/>
+              <a:tabLst/>
+              <a:defRPr/>
+            </a:pPr>
+            <a:endParaRPr kumimoji="0" lang="en-US" sz="1800" b="1" i="0" u="none" strike="noStrike" kern="0" cap="none" spc="0" normalizeH="0" baseline="0" noProof="0" dirty="0">
+              <a:ln>
+                <a:noFill/>
+              </a:ln>
+              <a:solidFill>
+                <a:srgbClr val="FFFFFF"/>
+              </a:solidFill>
+              <a:effectLst/>
+              <a:uLnTx/>
+              <a:uFillTx/>
+            </a:endParaRPr>
+          </a:p>
+        </p:txBody>
+      </p:sp>
+      <p:sp>
+        <p:nvSpPr>
+          <p:cNvPr id="7" name="Rectangle 6">
+            <a:extLst>
+              <a:ext uri="{FF2B5EF4-FFF2-40B4-BE49-F238E27FC236}">
+                <a16:creationId xmlns:a16="http://schemas.microsoft.com/office/drawing/2014/main" id="{7B460163-CE06-4B3F-B923-6F1519E13C1C}"/>
+              </a:ext>
+            </a:extLst>
+          </p:cNvPr>
+          <p:cNvSpPr/>
+          <p:nvPr/>
+        </p:nvSpPr>
+        <p:spPr>
+          <a:xfrm>
+            <a:off x="701709" y="5930703"/>
+            <a:ext cx="10796783" cy="663353"/>
+          </a:xfrm>
+          <a:prstGeom prst="rect">
+            <a:avLst/>
+          </a:prstGeom>
+          <a:solidFill>
+            <a:srgbClr val="00B0F0"/>
+          </a:solidFill>
+          <a:ln>
+            <a:noFill/>
+          </a:ln>
+        </p:spPr>
+        <p:style>
+          <a:lnRef idx="2">
+            <a:schemeClr val="accent1">
+              <a:shade val="50000"/>
+            </a:schemeClr>
+          </a:lnRef>
+          <a:fillRef idx="1">
+            <a:schemeClr val="accent1"/>
+          </a:fillRef>
+          <a:effectRef idx="0">
+            <a:schemeClr val="accent1"/>
+          </a:effectRef>
+          <a:fontRef idx="minor">
+            <a:schemeClr val="lt1"/>
+          </a:fontRef>
+        </p:style>
+        <p:txBody>
+          <a:bodyPr rtlCol="0" anchor="ctr" anchorCtr="0"/>
+          <a:lstStyle/>
+          <a:p>
+            <a:pPr marL="0" marR="0" lvl="0" indent="0" algn="ctr" defTabSz="914060" eaLnBrk="1" fontAlgn="auto" latinLnBrk="0" hangingPunct="1">
+              <a:lnSpc>
+                <a:spcPct val="100000"/>
+              </a:lnSpc>
+              <a:spcBef>
+                <a:spcPts val="0"/>
+              </a:spcBef>
+              <a:spcAft>
+                <a:spcPts val="0"/>
+              </a:spcAft>
+              <a:buClrTx/>
+              <a:buSzTx/>
+              <a:buFontTx/>
+              <a:buNone/>
+              <a:tabLst/>
+              <a:defRPr/>
+            </a:pPr>
+            <a:r>
+              <a:rPr kumimoji="0" lang="en-US" sz="1800" b="1" i="0" u="none" strike="noStrike" kern="0" cap="none" spc="0" normalizeH="0" baseline="0" noProof="0" dirty="0">
+                <a:ln>
+                  <a:noFill/>
+                </a:ln>
+                <a:solidFill>
+                  <a:srgbClr val="FFFFFF"/>
+                </a:solidFill>
+                <a:effectLst/>
+                <a:uLnTx/>
+                <a:uFillTx/>
+              </a:rPr>
+              <a:t>Microsoft Azure Regions</a:t>
+            </a:r>
+          </a:p>
+          <a:p>
+            <a:pPr marL="0" marR="0" lvl="0" indent="0" algn="ctr" defTabSz="914060" eaLnBrk="1" fontAlgn="auto" latinLnBrk="0" hangingPunct="1">
+              <a:lnSpc>
+                <a:spcPct val="100000"/>
+              </a:lnSpc>
+              <a:spcBef>
+                <a:spcPts val="0"/>
+              </a:spcBef>
+              <a:spcAft>
+                <a:spcPts val="0"/>
+              </a:spcAft>
+              <a:buClrTx/>
+              <a:buSzTx/>
+              <a:buFontTx/>
+              <a:buNone/>
+              <a:tabLst/>
+              <a:defRPr/>
+            </a:pPr>
+            <a:r>
+              <a:rPr kumimoji="0" lang="en-US" sz="1800" b="1" i="0" u="none" strike="noStrike" kern="0" cap="none" spc="0" normalizeH="0" baseline="0" noProof="0" dirty="0">
+                <a:ln>
+                  <a:noFill/>
+                </a:ln>
+                <a:solidFill>
+                  <a:srgbClr val="FFFFFF"/>
+                </a:solidFill>
+                <a:effectLst/>
+                <a:uLnTx/>
+                <a:uFillTx/>
+              </a:rPr>
+              <a:t>(azure.microsoft.com/regions)</a:t>
+            </a:r>
+          </a:p>
+        </p:txBody>
+      </p:sp>
+      <p:sp>
+        <p:nvSpPr>
+          <p:cNvPr id="8" name="Down Arrow 65">
+            <a:extLst>
+              <a:ext uri="{FF2B5EF4-FFF2-40B4-BE49-F238E27FC236}">
+                <a16:creationId xmlns:a16="http://schemas.microsoft.com/office/drawing/2014/main" id="{2D2F50E4-C5B0-4CDE-84E5-DC3F5E46EDA8}"/>
+              </a:ext>
+            </a:extLst>
+          </p:cNvPr>
+          <p:cNvSpPr/>
+          <p:nvPr/>
+        </p:nvSpPr>
+        <p:spPr>
+          <a:xfrm>
+            <a:off x="611673" y="2106049"/>
+            <a:ext cx="359893" cy="3806770"/>
+          </a:xfrm>
+          <a:prstGeom prst="downArrow">
+            <a:avLst/>
+          </a:prstGeom>
+          <a:solidFill>
+            <a:srgbClr val="00B0F0"/>
+          </a:solidFill>
+          <a:ln>
+            <a:noFill/>
+          </a:ln>
+        </p:spPr>
+        <p:style>
+          <a:lnRef idx="2">
+            <a:schemeClr val="accent1">
+              <a:shade val="50000"/>
+            </a:schemeClr>
+          </a:lnRef>
+          <a:fillRef idx="1">
+            <a:schemeClr val="accent1"/>
+          </a:fillRef>
+          <a:effectRef idx="0">
+            <a:schemeClr val="accent1"/>
+          </a:effectRef>
+          <a:fontRef idx="minor">
+            <a:schemeClr val="lt1"/>
+          </a:fontRef>
+        </p:style>
+        <p:txBody>
+          <a:bodyPr rtlCol="0" anchor="ctr"/>
+          <a:lstStyle/>
+          <a:p>
+            <a:pPr marL="0" marR="0" lvl="0" indent="0" algn="ctr" defTabSz="914060" eaLnBrk="1" fontAlgn="auto" latinLnBrk="0" hangingPunct="1">
+              <a:lnSpc>
+                <a:spcPct val="100000"/>
+              </a:lnSpc>
+              <a:spcBef>
+                <a:spcPts val="0"/>
+              </a:spcBef>
+              <a:spcAft>
+                <a:spcPts val="0"/>
+              </a:spcAft>
+              <a:buClrTx/>
+              <a:buSzTx/>
+              <a:buFontTx/>
+              <a:buNone/>
+              <a:tabLst/>
+              <a:defRPr/>
+            </a:pPr>
+            <a:endParaRPr kumimoji="0" lang="en-US" sz="1800" b="0" i="0" u="none" strike="noStrike" kern="0" cap="none" spc="0" normalizeH="0" baseline="0" noProof="0">
+              <a:ln>
+                <a:noFill/>
+              </a:ln>
+              <a:solidFill>
+                <a:sysClr val="windowText" lastClr="000000"/>
+              </a:solidFill>
+              <a:effectLst/>
+              <a:uLnTx/>
+              <a:uFillTx/>
+            </a:endParaRPr>
+          </a:p>
+        </p:txBody>
+      </p:sp>
+      <p:sp>
+        <p:nvSpPr>
+          <p:cNvPr id="9" name="Down Arrow 66">
+            <a:extLst>
+              <a:ext uri="{FF2B5EF4-FFF2-40B4-BE49-F238E27FC236}">
+                <a16:creationId xmlns:a16="http://schemas.microsoft.com/office/drawing/2014/main" id="{A777914C-38B2-489C-8FB7-95BD3088D8AD}"/>
+              </a:ext>
+            </a:extLst>
+          </p:cNvPr>
+          <p:cNvSpPr/>
+          <p:nvPr/>
+        </p:nvSpPr>
+        <p:spPr>
+          <a:xfrm>
+            <a:off x="11226990" y="2106049"/>
+            <a:ext cx="359893" cy="3806770"/>
+          </a:xfrm>
+          <a:prstGeom prst="downArrow">
+            <a:avLst/>
+          </a:prstGeom>
+          <a:solidFill>
+            <a:srgbClr val="00B0F0"/>
+          </a:solidFill>
+          <a:ln>
+            <a:noFill/>
+          </a:ln>
+        </p:spPr>
+        <p:style>
+          <a:lnRef idx="2">
+            <a:schemeClr val="accent1">
+              <a:shade val="50000"/>
+            </a:schemeClr>
+          </a:lnRef>
+          <a:fillRef idx="1">
+            <a:schemeClr val="accent1"/>
+          </a:fillRef>
+          <a:effectRef idx="0">
+            <a:schemeClr val="accent1"/>
+          </a:effectRef>
+          <a:fontRef idx="minor">
+            <a:schemeClr val="lt1"/>
+          </a:fontRef>
+        </p:style>
+        <p:txBody>
+          <a:bodyPr rtlCol="0" anchor="ctr"/>
+          <a:lstStyle/>
+          <a:p>
+            <a:pPr marL="0" marR="0" lvl="0" indent="0" algn="ctr" defTabSz="914060" eaLnBrk="1" fontAlgn="auto" latinLnBrk="0" hangingPunct="1">
+              <a:lnSpc>
+                <a:spcPct val="100000"/>
+              </a:lnSpc>
+              <a:spcBef>
+                <a:spcPts val="0"/>
+              </a:spcBef>
+              <a:spcAft>
+                <a:spcPts val="0"/>
+              </a:spcAft>
+              <a:buClrTx/>
+              <a:buSzTx/>
+              <a:buFontTx/>
+              <a:buNone/>
+              <a:tabLst/>
+              <a:defRPr/>
+            </a:pPr>
+            <a:endParaRPr kumimoji="0" lang="en-US" sz="1800" b="0" i="0" u="none" strike="noStrike" kern="0" cap="none" spc="0" normalizeH="0" baseline="0" noProof="0">
+              <a:ln>
+                <a:noFill/>
+              </a:ln>
+              <a:solidFill>
+                <a:sysClr val="windowText" lastClr="000000"/>
+              </a:solidFill>
+              <a:effectLst/>
+              <a:uLnTx/>
+              <a:uFillTx/>
+            </a:endParaRPr>
+          </a:p>
+        </p:txBody>
+      </p:sp>
+      <p:sp>
+        <p:nvSpPr>
+          <p:cNvPr id="10" name="Down Arrow 12">
+            <a:extLst>
+              <a:ext uri="{FF2B5EF4-FFF2-40B4-BE49-F238E27FC236}">
+                <a16:creationId xmlns:a16="http://schemas.microsoft.com/office/drawing/2014/main" id="{FD41B180-2FE1-4890-9458-F479514184FE}"/>
+              </a:ext>
+            </a:extLst>
+          </p:cNvPr>
+          <p:cNvSpPr/>
+          <p:nvPr/>
+        </p:nvSpPr>
+        <p:spPr>
+          <a:xfrm>
+            <a:off x="1480725" y="2282882"/>
+            <a:ext cx="731417" cy="772625"/>
+          </a:xfrm>
+          <a:prstGeom prst="downArrow">
+            <a:avLst/>
+          </a:prstGeom>
+          <a:solidFill>
+            <a:schemeClr val="tx2">
+              <a:lumMod val="60000"/>
+              <a:lumOff val="40000"/>
+            </a:schemeClr>
+          </a:solidFill>
+          <a:ln>
+            <a:noFill/>
+          </a:ln>
+        </p:spPr>
+        <p:style>
+          <a:lnRef idx="2">
+            <a:schemeClr val="accent1">
+              <a:shade val="50000"/>
+            </a:schemeClr>
+          </a:lnRef>
+          <a:fillRef idx="1">
+            <a:schemeClr val="accent1"/>
+          </a:fillRef>
+          <a:effectRef idx="0">
+            <a:schemeClr val="accent1"/>
+          </a:effectRef>
+          <a:fontRef idx="minor">
+            <a:schemeClr val="lt1"/>
+          </a:fontRef>
+        </p:style>
+        <p:txBody>
+          <a:bodyPr rtlCol="0" anchor="ctr"/>
+          <a:lstStyle/>
+          <a:p>
+            <a:pPr marL="0" marR="0" lvl="0" indent="0" algn="ctr" defTabSz="914060" eaLnBrk="1" fontAlgn="auto" latinLnBrk="0" hangingPunct="1">
+              <a:lnSpc>
+                <a:spcPct val="100000"/>
+              </a:lnSpc>
+              <a:spcBef>
+                <a:spcPts val="0"/>
+              </a:spcBef>
+              <a:spcAft>
+                <a:spcPts val="0"/>
+              </a:spcAft>
+              <a:buClrTx/>
+              <a:buSzTx/>
+              <a:buFontTx/>
+              <a:buNone/>
+              <a:tabLst/>
+              <a:defRPr/>
+            </a:pPr>
+            <a:endParaRPr kumimoji="0" lang="en-US" sz="1800" b="0" i="0" u="none" strike="noStrike" kern="0" cap="none" spc="0" normalizeH="0" baseline="0" noProof="0">
+              <a:ln>
+                <a:noFill/>
+              </a:ln>
+              <a:solidFill>
+                <a:sysClr val="windowText" lastClr="000000"/>
+              </a:solidFill>
+              <a:effectLst/>
+              <a:uLnTx/>
+              <a:uFillTx/>
+            </a:endParaRPr>
+          </a:p>
+        </p:txBody>
+      </p:sp>
+      <p:grpSp>
+        <p:nvGrpSpPr>
+          <p:cNvPr id="11" name="Group 10">
+            <a:extLst>
+              <a:ext uri="{FF2B5EF4-FFF2-40B4-BE49-F238E27FC236}">
+                <a16:creationId xmlns:a16="http://schemas.microsoft.com/office/drawing/2014/main" id="{D689CDBE-0F55-47F9-A639-C00C52A4F720}"/>
+              </a:ext>
+            </a:extLst>
+          </p:cNvPr>
+          <p:cNvGrpSpPr/>
+          <p:nvPr/>
+        </p:nvGrpSpPr>
+        <p:grpSpPr>
+          <a:xfrm>
+            <a:off x="1160158" y="3097388"/>
+            <a:ext cx="1445518" cy="1789343"/>
+            <a:chOff x="1205346" y="3686333"/>
+            <a:chExt cx="989213" cy="1796038"/>
+          </a:xfrm>
+        </p:grpSpPr>
+        <p:sp>
+          <p:nvSpPr>
+            <p:cNvPr id="12" name="Rectangle 11">
+              <a:extLst>
+                <a:ext uri="{FF2B5EF4-FFF2-40B4-BE49-F238E27FC236}">
+                  <a16:creationId xmlns:a16="http://schemas.microsoft.com/office/drawing/2014/main" id="{312A51A6-58D6-434A-8D9C-146EF3CCF14A}"/>
+                </a:ext>
+              </a:extLst>
+            </p:cNvPr>
+            <p:cNvSpPr/>
+            <p:nvPr/>
+          </p:nvSpPr>
+          <p:spPr>
+            <a:xfrm>
+              <a:off x="1205346" y="3686333"/>
+              <a:ext cx="989213" cy="1796038"/>
+            </a:xfrm>
+            <a:prstGeom prst="rect">
+              <a:avLst/>
+            </a:prstGeom>
+            <a:solidFill>
+              <a:srgbClr val="0070C0"/>
+            </a:solidFill>
+            <a:ln>
+              <a:noFill/>
+            </a:ln>
+          </p:spPr>
+          <p:style>
+            <a:lnRef idx="2">
+              <a:schemeClr val="accent1">
+                <a:shade val="50000"/>
+              </a:schemeClr>
+            </a:lnRef>
+            <a:fillRef idx="1">
+              <a:schemeClr val="accent1"/>
+            </a:fillRef>
+            <a:effectRef idx="0">
+              <a:schemeClr val="accent1"/>
+            </a:effectRef>
+            <a:fontRef idx="minor">
+              <a:schemeClr val="lt1"/>
+            </a:fontRef>
+          </p:style>
+          <p:txBody>
+            <a:bodyPr rtlCol="0" anchor="t"/>
+            <a:lstStyle/>
+            <a:p>
+              <a:pPr marL="0" marR="0" lvl="0" indent="0" algn="ctr" defTabSz="914060" eaLnBrk="1" fontAlgn="auto" latinLnBrk="0" hangingPunct="1">
+                <a:lnSpc>
+                  <a:spcPct val="100000"/>
+                </a:lnSpc>
+                <a:spcBef>
+                  <a:spcPts val="0"/>
+                </a:spcBef>
+                <a:spcAft>
+                  <a:spcPts val="0"/>
+                </a:spcAft>
+                <a:buClrTx/>
+                <a:buSzTx/>
+                <a:buFontTx/>
+                <a:buNone/>
+                <a:tabLst/>
+                <a:defRPr/>
+              </a:pPr>
+              <a:r>
+                <a:rPr kumimoji="0" lang="en-US" sz="1400" b="1" i="0" u="none" strike="noStrike" kern="0" cap="none" spc="0" normalizeH="0" baseline="0" noProof="0" dirty="0">
+                  <a:ln>
+                    <a:noFill/>
+                  </a:ln>
+                  <a:solidFill>
+                    <a:srgbClr val="FFFFFF"/>
+                  </a:solidFill>
+                  <a:effectLst/>
+                  <a:uLnTx/>
+                  <a:uFillTx/>
+                </a:rPr>
+                <a:t>Container Service</a:t>
+              </a:r>
+            </a:p>
+          </p:txBody>
+        </p:sp>
+        <p:sp>
+          <p:nvSpPr>
+            <p:cNvPr id="13" name="Rectangle 12">
+              <a:extLst>
+                <a:ext uri="{FF2B5EF4-FFF2-40B4-BE49-F238E27FC236}">
+                  <a16:creationId xmlns:a16="http://schemas.microsoft.com/office/drawing/2014/main" id="{CEC32722-46ED-4EE8-849B-4B2BCF51DCB2}"/>
+                </a:ext>
+              </a:extLst>
+            </p:cNvPr>
+            <p:cNvSpPr/>
+            <p:nvPr/>
+          </p:nvSpPr>
+          <p:spPr>
+            <a:xfrm>
+              <a:off x="1251241" y="4172356"/>
+              <a:ext cx="893768" cy="1248749"/>
+            </a:xfrm>
+            <a:prstGeom prst="rect">
+              <a:avLst/>
+            </a:prstGeom>
+            <a:solidFill>
+              <a:srgbClr val="0070C0"/>
+            </a:solidFill>
+            <a:ln w="3175">
+              <a:noFill/>
+            </a:ln>
+          </p:spPr>
+          <p:style>
+            <a:lnRef idx="2">
+              <a:schemeClr val="accent1">
+                <a:shade val="50000"/>
+              </a:schemeClr>
+            </a:lnRef>
+            <a:fillRef idx="1">
+              <a:schemeClr val="accent1"/>
+            </a:fillRef>
+            <a:effectRef idx="0">
+              <a:schemeClr val="accent1"/>
+            </a:effectRef>
+            <a:fontRef idx="minor">
+              <a:schemeClr val="lt1"/>
+            </a:fontRef>
+          </p:style>
+          <p:txBody>
+            <a:bodyPr rtlCol="0" anchor="ctr"/>
+            <a:lstStyle/>
+            <a:p>
+              <a:pPr marL="0" marR="0" lvl="0" indent="0" algn="ctr" defTabSz="914060" eaLnBrk="1" fontAlgn="auto" latinLnBrk="0" hangingPunct="1">
+                <a:lnSpc>
+                  <a:spcPct val="100000"/>
+                </a:lnSpc>
+                <a:spcBef>
+                  <a:spcPts val="0"/>
+                </a:spcBef>
+                <a:spcAft>
+                  <a:spcPts val="0"/>
+                </a:spcAft>
+                <a:buClrTx/>
+                <a:buSzTx/>
+                <a:buFontTx/>
+                <a:buNone/>
+                <a:tabLst/>
+                <a:defRPr/>
+              </a:pPr>
+              <a:endParaRPr kumimoji="0" lang="en-US" sz="1200" b="0" i="0" u="none" strike="noStrike" kern="0" cap="none" spc="0" normalizeH="0" baseline="0" noProof="0" dirty="0">
+                <a:ln>
+                  <a:noFill/>
+                </a:ln>
+                <a:solidFill>
+                  <a:srgbClr val="FFFFFF"/>
+                </a:solidFill>
+                <a:effectLst/>
+                <a:uLnTx/>
+                <a:uFillTx/>
+              </a:endParaRPr>
+            </a:p>
+            <a:p>
+              <a:pPr marL="0" marR="0" lvl="0" indent="0" algn="ctr" defTabSz="914060" eaLnBrk="1" fontAlgn="auto" latinLnBrk="0" hangingPunct="1">
+                <a:lnSpc>
+                  <a:spcPct val="100000"/>
+                </a:lnSpc>
+                <a:spcBef>
+                  <a:spcPts val="0"/>
+                </a:spcBef>
+                <a:spcAft>
+                  <a:spcPts val="0"/>
+                </a:spcAft>
+                <a:buClrTx/>
+                <a:buSzTx/>
+                <a:buFontTx/>
+                <a:buNone/>
+                <a:tabLst/>
+                <a:defRPr/>
+              </a:pPr>
+              <a:endParaRPr lang="en-US" sz="1200" kern="0" dirty="0">
+                <a:solidFill>
+                  <a:srgbClr val="FFFFFF"/>
+                </a:solidFill>
+              </a:endParaRPr>
+            </a:p>
+            <a:p>
+              <a:pPr marL="0" marR="0" lvl="0" indent="0" algn="ctr" defTabSz="914060" eaLnBrk="1" fontAlgn="auto" latinLnBrk="0" hangingPunct="1">
+                <a:lnSpc>
+                  <a:spcPct val="100000"/>
+                </a:lnSpc>
+                <a:spcBef>
+                  <a:spcPts val="0"/>
+                </a:spcBef>
+                <a:spcAft>
+                  <a:spcPts val="0"/>
+                </a:spcAft>
+                <a:buClrTx/>
+                <a:buSzTx/>
+                <a:buFontTx/>
+                <a:buNone/>
+                <a:tabLst/>
+                <a:defRPr/>
+              </a:pPr>
+              <a:r>
+                <a:rPr kumimoji="0" lang="en-US" sz="1200" b="0" i="0" u="none" strike="noStrike" kern="0" cap="none" spc="0" normalizeH="0" baseline="0" noProof="0" dirty="0">
+                  <a:ln>
+                    <a:noFill/>
+                  </a:ln>
+                  <a:solidFill>
+                    <a:srgbClr val="FFFFFF"/>
+                  </a:solidFill>
+                  <a:effectLst/>
+                  <a:uLnTx/>
+                  <a:uFillTx/>
+                </a:rPr>
+                <a:t>Containers</a:t>
+              </a:r>
+            </a:p>
+          </p:txBody>
+        </p:sp>
+      </p:grpSp>
+      <p:grpSp>
+        <p:nvGrpSpPr>
+          <p:cNvPr id="14" name="Group 13">
+            <a:extLst>
+              <a:ext uri="{FF2B5EF4-FFF2-40B4-BE49-F238E27FC236}">
+                <a16:creationId xmlns:a16="http://schemas.microsoft.com/office/drawing/2014/main" id="{4F1EC003-8682-4C16-9C88-BF1E10DD7E0B}"/>
+              </a:ext>
+            </a:extLst>
+          </p:cNvPr>
+          <p:cNvGrpSpPr/>
+          <p:nvPr/>
+        </p:nvGrpSpPr>
+        <p:grpSpPr>
+          <a:xfrm>
+            <a:off x="2919079" y="3094115"/>
+            <a:ext cx="1451328" cy="1789344"/>
+            <a:chOff x="2301550" y="3686333"/>
+            <a:chExt cx="993190" cy="1796039"/>
+          </a:xfrm>
+        </p:grpSpPr>
+        <p:sp>
+          <p:nvSpPr>
+            <p:cNvPr id="15" name="Rectangle 14">
+              <a:extLst>
+                <a:ext uri="{FF2B5EF4-FFF2-40B4-BE49-F238E27FC236}">
+                  <a16:creationId xmlns:a16="http://schemas.microsoft.com/office/drawing/2014/main" id="{0062F54F-1BA1-43BD-A49E-9A8301384553}"/>
+                </a:ext>
+              </a:extLst>
+            </p:cNvPr>
+            <p:cNvSpPr/>
+            <p:nvPr/>
+          </p:nvSpPr>
+          <p:spPr>
+            <a:xfrm>
+              <a:off x="2301550" y="3686333"/>
+              <a:ext cx="993190" cy="1796039"/>
+            </a:xfrm>
+            <a:prstGeom prst="rect">
+              <a:avLst/>
+            </a:prstGeom>
+            <a:solidFill>
+              <a:srgbClr val="0070C0"/>
+            </a:solidFill>
+            <a:ln>
+              <a:noFill/>
+            </a:ln>
+          </p:spPr>
+          <p:style>
+            <a:lnRef idx="2">
+              <a:schemeClr val="accent1">
+                <a:shade val="50000"/>
+              </a:schemeClr>
+            </a:lnRef>
+            <a:fillRef idx="1">
+              <a:schemeClr val="accent1"/>
+            </a:fillRef>
+            <a:effectRef idx="0">
+              <a:schemeClr val="accent1"/>
+            </a:effectRef>
+            <a:fontRef idx="minor">
+              <a:schemeClr val="lt1"/>
+            </a:fontRef>
+          </p:style>
+          <p:txBody>
+            <a:bodyPr rtlCol="0" anchor="t"/>
+            <a:lstStyle/>
+            <a:p>
+              <a:pPr marL="0" marR="0" lvl="0" indent="0" algn="ctr" defTabSz="914060" eaLnBrk="1" fontAlgn="auto" latinLnBrk="0" hangingPunct="1">
+                <a:lnSpc>
+                  <a:spcPct val="100000"/>
+                </a:lnSpc>
+                <a:spcBef>
+                  <a:spcPts val="0"/>
+                </a:spcBef>
+                <a:spcAft>
+                  <a:spcPts val="0"/>
+                </a:spcAft>
+                <a:buClrTx/>
+                <a:buSzTx/>
+                <a:buFontTx/>
+                <a:buNone/>
+                <a:tabLst/>
+                <a:defRPr/>
+              </a:pPr>
+              <a:r>
+                <a:rPr kumimoji="0" lang="en-US" sz="1400" b="1" i="0" u="none" strike="noStrike" kern="0" cap="none" spc="0" normalizeH="0" baseline="0" noProof="0" dirty="0">
+                  <a:ln>
+                    <a:noFill/>
+                  </a:ln>
+                  <a:solidFill>
+                    <a:srgbClr val="FFFFFF"/>
+                  </a:solidFill>
+                  <a:effectLst/>
+                  <a:uLnTx/>
+                  <a:uFillTx/>
+                </a:rPr>
+                <a:t>Service Fabric</a:t>
+              </a:r>
+            </a:p>
+          </p:txBody>
+        </p:sp>
+        <p:sp>
+          <p:nvSpPr>
+            <p:cNvPr id="16" name="Rectangle 15">
+              <a:extLst>
+                <a:ext uri="{FF2B5EF4-FFF2-40B4-BE49-F238E27FC236}">
+                  <a16:creationId xmlns:a16="http://schemas.microsoft.com/office/drawing/2014/main" id="{C994AD48-963B-4B9F-B4A5-353B00A3F5EE}"/>
+                </a:ext>
+              </a:extLst>
+            </p:cNvPr>
+            <p:cNvSpPr/>
+            <p:nvPr/>
+          </p:nvSpPr>
+          <p:spPr>
+            <a:xfrm>
+              <a:off x="2352851" y="4172356"/>
+              <a:ext cx="892339" cy="1248749"/>
+            </a:xfrm>
+            <a:prstGeom prst="rect">
+              <a:avLst/>
+            </a:prstGeom>
+            <a:solidFill>
+              <a:srgbClr val="0070C0"/>
+            </a:solidFill>
+            <a:ln>
+              <a:noFill/>
+            </a:ln>
+          </p:spPr>
+          <p:style>
+            <a:lnRef idx="2">
+              <a:schemeClr val="accent1">
+                <a:shade val="50000"/>
+              </a:schemeClr>
+            </a:lnRef>
+            <a:fillRef idx="1">
+              <a:schemeClr val="accent1"/>
+            </a:fillRef>
+            <a:effectRef idx="0">
+              <a:schemeClr val="accent1"/>
+            </a:effectRef>
+            <a:fontRef idx="minor">
+              <a:schemeClr val="lt1"/>
+            </a:fontRef>
+          </p:style>
+          <p:txBody>
+            <a:bodyPr rtlCol="0" anchor="ctr"/>
+            <a:lstStyle/>
+            <a:p>
+              <a:pPr marL="0" marR="0" lvl="0" indent="0" algn="ctr" defTabSz="914060" eaLnBrk="1" fontAlgn="auto" latinLnBrk="0" hangingPunct="1">
+                <a:lnSpc>
+                  <a:spcPct val="100000"/>
+                </a:lnSpc>
+                <a:spcBef>
+                  <a:spcPts val="0"/>
+                </a:spcBef>
+                <a:spcAft>
+                  <a:spcPts val="0"/>
+                </a:spcAft>
+                <a:buClrTx/>
+                <a:buSzTx/>
+                <a:buFontTx/>
+                <a:buNone/>
+                <a:tabLst/>
+                <a:defRPr/>
+              </a:pPr>
+              <a:endParaRPr kumimoji="0" lang="en-US" sz="1200" b="0" i="0" u="none" strike="noStrike" kern="0" cap="none" spc="0" normalizeH="0" baseline="0" noProof="0" dirty="0">
+                <a:ln>
+                  <a:noFill/>
+                </a:ln>
+                <a:solidFill>
+                  <a:srgbClr val="FFFFFF"/>
+                </a:solidFill>
+                <a:effectLst/>
+                <a:uLnTx/>
+                <a:uFillTx/>
+              </a:endParaRPr>
+            </a:p>
+            <a:p>
+              <a:pPr marL="0" marR="0" lvl="0" indent="0" algn="ctr" defTabSz="914060" eaLnBrk="1" fontAlgn="auto" latinLnBrk="0" hangingPunct="1">
+                <a:lnSpc>
+                  <a:spcPct val="100000"/>
+                </a:lnSpc>
+                <a:spcBef>
+                  <a:spcPts val="0"/>
+                </a:spcBef>
+                <a:spcAft>
+                  <a:spcPts val="0"/>
+                </a:spcAft>
+                <a:buClrTx/>
+                <a:buSzTx/>
+                <a:buFontTx/>
+                <a:buNone/>
+                <a:tabLst/>
+                <a:defRPr/>
+              </a:pPr>
+              <a:endParaRPr lang="en-US" sz="1200" kern="0" dirty="0">
+                <a:solidFill>
+                  <a:srgbClr val="FFFFFF"/>
+                </a:solidFill>
+              </a:endParaRPr>
+            </a:p>
+            <a:p>
+              <a:pPr marL="0" marR="0" lvl="0" indent="0" algn="ctr" defTabSz="914060" eaLnBrk="1" fontAlgn="auto" latinLnBrk="0" hangingPunct="1">
+                <a:lnSpc>
+                  <a:spcPct val="100000"/>
+                </a:lnSpc>
+                <a:spcBef>
+                  <a:spcPts val="0"/>
+                </a:spcBef>
+                <a:spcAft>
+                  <a:spcPts val="0"/>
+                </a:spcAft>
+                <a:buClrTx/>
+                <a:buSzTx/>
+                <a:buFontTx/>
+                <a:buNone/>
+                <a:tabLst/>
+                <a:defRPr/>
+              </a:pPr>
+              <a:endParaRPr kumimoji="0" lang="en-US" sz="1200" b="0" i="0" u="none" strike="noStrike" kern="0" cap="none" spc="0" normalizeH="0" baseline="0" noProof="0" dirty="0">
+                <a:ln>
+                  <a:noFill/>
+                </a:ln>
+                <a:solidFill>
+                  <a:srgbClr val="FFFFFF"/>
+                </a:solidFill>
+                <a:effectLst/>
+                <a:uLnTx/>
+                <a:uFillTx/>
+              </a:endParaRPr>
+            </a:p>
+            <a:p>
+              <a:pPr marL="0" marR="0" lvl="0" indent="0" algn="ctr" defTabSz="914060" eaLnBrk="1" fontAlgn="auto" latinLnBrk="0" hangingPunct="1">
+                <a:lnSpc>
+                  <a:spcPct val="100000"/>
+                </a:lnSpc>
+                <a:spcBef>
+                  <a:spcPts val="0"/>
+                </a:spcBef>
+                <a:spcAft>
+                  <a:spcPts val="0"/>
+                </a:spcAft>
+                <a:buClrTx/>
+                <a:buSzTx/>
+                <a:buFontTx/>
+                <a:buNone/>
+                <a:tabLst/>
+                <a:defRPr/>
+              </a:pPr>
+              <a:r>
+                <a:rPr kumimoji="0" lang="en-US" sz="1200" b="0" i="0" u="none" strike="noStrike" kern="0" cap="none" spc="0" normalizeH="0" baseline="0" noProof="0" dirty="0">
+                  <a:ln>
+                    <a:noFill/>
+                  </a:ln>
+                  <a:solidFill>
+                    <a:srgbClr val="FFFFFF"/>
+                  </a:solidFill>
+                  <a:effectLst/>
+                  <a:uLnTx/>
+                  <a:uFillTx/>
+                </a:rPr>
+                <a:t>Cloud scale</a:t>
+              </a:r>
+            </a:p>
+            <a:p>
+              <a:pPr marL="0" marR="0" lvl="0" indent="0" algn="ctr" defTabSz="914060" eaLnBrk="1" fontAlgn="auto" latinLnBrk="0" hangingPunct="1">
+                <a:lnSpc>
+                  <a:spcPct val="100000"/>
+                </a:lnSpc>
+                <a:spcBef>
+                  <a:spcPts val="0"/>
+                </a:spcBef>
+                <a:spcAft>
+                  <a:spcPts val="0"/>
+                </a:spcAft>
+                <a:buClrTx/>
+                <a:buSzTx/>
+                <a:buFontTx/>
+                <a:buNone/>
+                <a:tabLst/>
+                <a:defRPr/>
+              </a:pPr>
+              <a:r>
+                <a:rPr lang="en-US" sz="1200" kern="0" dirty="0">
+                  <a:solidFill>
+                    <a:srgbClr val="FFFFFF"/>
+                  </a:solidFill>
+                </a:rPr>
+                <a:t>Microservices</a:t>
+              </a:r>
+              <a:endParaRPr kumimoji="0" lang="en-US" sz="1200" b="0" i="0" u="none" strike="noStrike" kern="0" cap="none" spc="0" normalizeH="0" baseline="0" noProof="0" dirty="0">
+                <a:ln>
+                  <a:noFill/>
+                </a:ln>
+                <a:solidFill>
+                  <a:srgbClr val="FFFFFF"/>
+                </a:solidFill>
+                <a:effectLst/>
+                <a:uLnTx/>
+                <a:uFillTx/>
+              </a:endParaRPr>
+            </a:p>
+          </p:txBody>
+        </p:sp>
+      </p:grpSp>
+      <p:grpSp>
+        <p:nvGrpSpPr>
+          <p:cNvPr id="17" name="Group 16">
+            <a:extLst>
+              <a:ext uri="{FF2B5EF4-FFF2-40B4-BE49-F238E27FC236}">
+                <a16:creationId xmlns:a16="http://schemas.microsoft.com/office/drawing/2014/main" id="{F0774CAE-11E9-4C40-B832-2B34A741ADF6}"/>
+              </a:ext>
+            </a:extLst>
+          </p:cNvPr>
+          <p:cNvGrpSpPr/>
+          <p:nvPr/>
+        </p:nvGrpSpPr>
+        <p:grpSpPr>
+          <a:xfrm>
+            <a:off x="4788448" y="3094115"/>
+            <a:ext cx="1927222" cy="1789344"/>
+            <a:chOff x="3405455" y="3686332"/>
+            <a:chExt cx="1047398" cy="1796039"/>
+          </a:xfrm>
+        </p:grpSpPr>
+        <p:sp>
+          <p:nvSpPr>
+            <p:cNvPr id="18" name="Rectangle 17">
+              <a:extLst>
+                <a:ext uri="{FF2B5EF4-FFF2-40B4-BE49-F238E27FC236}">
+                  <a16:creationId xmlns:a16="http://schemas.microsoft.com/office/drawing/2014/main" id="{87B94677-EA98-4D9A-9FAC-5DEDF4ED7807}"/>
+                </a:ext>
+              </a:extLst>
+            </p:cNvPr>
+            <p:cNvSpPr/>
+            <p:nvPr/>
+          </p:nvSpPr>
+          <p:spPr>
+            <a:xfrm>
+              <a:off x="3405455" y="3686332"/>
+              <a:ext cx="1047398" cy="1796039"/>
+            </a:xfrm>
+            <a:prstGeom prst="rect">
+              <a:avLst/>
+            </a:prstGeom>
+            <a:solidFill>
+              <a:srgbClr val="0070C0"/>
+            </a:solidFill>
+            <a:ln>
+              <a:noFill/>
+            </a:ln>
+          </p:spPr>
+          <p:style>
+            <a:lnRef idx="2">
+              <a:schemeClr val="accent1">
+                <a:shade val="50000"/>
+              </a:schemeClr>
+            </a:lnRef>
+            <a:fillRef idx="1">
+              <a:schemeClr val="accent1"/>
+            </a:fillRef>
+            <a:effectRef idx="0">
+              <a:schemeClr val="accent1"/>
+            </a:effectRef>
+            <a:fontRef idx="minor">
+              <a:schemeClr val="lt1"/>
+            </a:fontRef>
+          </p:style>
+          <p:txBody>
+            <a:bodyPr rtlCol="0" anchor="t"/>
+            <a:lstStyle/>
+            <a:p>
+              <a:pPr marL="0" marR="0" lvl="0" indent="0" algn="ctr" defTabSz="914060" eaLnBrk="1" fontAlgn="auto" latinLnBrk="0" hangingPunct="1">
+                <a:lnSpc>
+                  <a:spcPct val="100000"/>
+                </a:lnSpc>
+                <a:spcBef>
+                  <a:spcPts val="0"/>
+                </a:spcBef>
+                <a:spcAft>
+                  <a:spcPts val="0"/>
+                </a:spcAft>
+                <a:buClrTx/>
+                <a:buSzTx/>
+                <a:buFontTx/>
+                <a:buNone/>
+                <a:tabLst/>
+                <a:defRPr/>
+              </a:pPr>
+              <a:r>
+                <a:rPr kumimoji="0" lang="en-US" sz="1400" b="1" i="0" u="none" strike="noStrike" kern="0" cap="none" spc="0" normalizeH="0" baseline="0" noProof="0" dirty="0">
+                  <a:ln>
+                    <a:noFill/>
+                  </a:ln>
+                  <a:solidFill>
+                    <a:srgbClr val="FFFFFF"/>
+                  </a:solidFill>
+                  <a:effectLst/>
+                  <a:uLnTx/>
+                  <a:uFillTx/>
+                </a:rPr>
+                <a:t>Azure Web/API/Mobile Apps</a:t>
+              </a:r>
+            </a:p>
+          </p:txBody>
+        </p:sp>
+        <p:sp>
+          <p:nvSpPr>
+            <p:cNvPr id="19" name="Rectangle 18">
+              <a:extLst>
+                <a:ext uri="{FF2B5EF4-FFF2-40B4-BE49-F238E27FC236}">
+                  <a16:creationId xmlns:a16="http://schemas.microsoft.com/office/drawing/2014/main" id="{9E350ABC-940E-4F9F-ADE9-2C616F57F6A2}"/>
+                </a:ext>
+              </a:extLst>
+            </p:cNvPr>
+            <p:cNvSpPr/>
+            <p:nvPr/>
+          </p:nvSpPr>
+          <p:spPr>
+            <a:xfrm>
+              <a:off x="3448399" y="4804321"/>
+              <a:ext cx="960796" cy="616783"/>
+            </a:xfrm>
+            <a:prstGeom prst="rect">
+              <a:avLst/>
+            </a:prstGeom>
+            <a:solidFill>
+              <a:srgbClr val="0070C0"/>
+            </a:solidFill>
+            <a:ln>
+              <a:noFill/>
+            </a:ln>
+          </p:spPr>
+          <p:style>
+            <a:lnRef idx="2">
+              <a:schemeClr val="accent1">
+                <a:shade val="50000"/>
+              </a:schemeClr>
+            </a:lnRef>
+            <a:fillRef idx="1">
+              <a:schemeClr val="accent1"/>
+            </a:fillRef>
+            <a:effectRef idx="0">
+              <a:schemeClr val="accent1"/>
+            </a:effectRef>
+            <a:fontRef idx="minor">
+              <a:schemeClr val="lt1"/>
+            </a:fontRef>
+          </p:style>
+          <p:txBody>
+            <a:bodyPr rtlCol="0" anchor="ctr"/>
+            <a:lstStyle/>
+            <a:p>
+              <a:pPr marL="0" marR="0" lvl="0" indent="0" algn="ctr" defTabSz="914060" eaLnBrk="1" fontAlgn="auto" latinLnBrk="0" hangingPunct="1">
+                <a:lnSpc>
+                  <a:spcPct val="100000"/>
+                </a:lnSpc>
+                <a:spcBef>
+                  <a:spcPts val="0"/>
+                </a:spcBef>
+                <a:spcAft>
+                  <a:spcPts val="0"/>
+                </a:spcAft>
+                <a:buClrTx/>
+                <a:buSzTx/>
+                <a:buFontTx/>
+                <a:buNone/>
+                <a:tabLst/>
+                <a:defRPr/>
+              </a:pPr>
+              <a:r>
+                <a:rPr lang="en-US" sz="1200" kern="0" dirty="0">
+                  <a:solidFill>
+                    <a:srgbClr val="FFFFFF"/>
+                  </a:solidFill>
+                </a:rPr>
+                <a:t>PaaS Web/API/mobile back-ends</a:t>
+              </a:r>
+              <a:endParaRPr kumimoji="0" lang="en-US" sz="1200" b="0" i="0" u="none" strike="noStrike" kern="0" cap="none" spc="0" normalizeH="0" baseline="0" noProof="0" dirty="0">
+                <a:ln>
+                  <a:noFill/>
+                </a:ln>
+                <a:solidFill>
+                  <a:srgbClr val="FFFFFF"/>
+                </a:solidFill>
+                <a:effectLst/>
+                <a:uLnTx/>
+                <a:uFillTx/>
+              </a:endParaRPr>
+            </a:p>
+          </p:txBody>
+        </p:sp>
+      </p:grpSp>
+      <p:sp>
+        <p:nvSpPr>
+          <p:cNvPr id="20" name="Left-Right Arrow 43">
+            <a:extLst>
+              <a:ext uri="{FF2B5EF4-FFF2-40B4-BE49-F238E27FC236}">
+                <a16:creationId xmlns:a16="http://schemas.microsoft.com/office/drawing/2014/main" id="{64B10AEC-B41E-4D91-AF16-31E46B9EBB39}"/>
+              </a:ext>
+            </a:extLst>
+          </p:cNvPr>
+          <p:cNvSpPr/>
+          <p:nvPr/>
+        </p:nvSpPr>
+        <p:spPr>
+          <a:xfrm>
+            <a:off x="1087544" y="5327924"/>
+            <a:ext cx="9983917" cy="564692"/>
+          </a:xfrm>
+          <a:prstGeom prst="leftRightArrow">
+            <a:avLst>
+              <a:gd name="adj1" fmla="val 58317"/>
+              <a:gd name="adj2" fmla="val 52793"/>
+            </a:avLst>
+          </a:prstGeom>
+          <a:solidFill>
+            <a:schemeClr val="tx2">
+              <a:lumMod val="60000"/>
+              <a:lumOff val="40000"/>
+            </a:schemeClr>
+          </a:solidFill>
+          <a:ln>
+            <a:noFill/>
+          </a:ln>
+        </p:spPr>
+        <p:style>
+          <a:lnRef idx="2">
+            <a:schemeClr val="accent1">
+              <a:shade val="50000"/>
+            </a:schemeClr>
+          </a:lnRef>
+          <a:fillRef idx="1">
+            <a:schemeClr val="accent1"/>
+          </a:fillRef>
+          <a:effectRef idx="0">
+            <a:schemeClr val="accent1"/>
+          </a:effectRef>
+          <a:fontRef idx="minor">
+            <a:schemeClr val="lt1"/>
+          </a:fontRef>
+        </p:style>
+        <p:txBody>
+          <a:bodyPr rtlCol="0" anchor="ctr"/>
+          <a:lstStyle/>
+          <a:p>
+            <a:pPr marL="0" marR="0" lvl="0" indent="0" algn="ctr" defTabSz="914060" eaLnBrk="1" fontAlgn="auto" latinLnBrk="0" hangingPunct="1">
+              <a:lnSpc>
+                <a:spcPct val="100000"/>
+              </a:lnSpc>
+              <a:spcBef>
+                <a:spcPts val="0"/>
+              </a:spcBef>
+              <a:spcAft>
+                <a:spcPts val="0"/>
+              </a:spcAft>
+              <a:buClrTx/>
+              <a:buSzTx/>
+              <a:buFontTx/>
+              <a:buNone/>
+              <a:tabLst/>
+              <a:defRPr/>
+            </a:pPr>
+            <a:r>
+              <a:rPr lang="en-US" sz="1600" b="1" kern="0" dirty="0">
+                <a:solidFill>
+                  <a:srgbClr val="FFFFFF"/>
+                </a:solidFill>
+              </a:rPr>
+              <a:t>Control/Responsibility</a:t>
+            </a:r>
+            <a:r>
+              <a:rPr kumimoji="0" lang="en-US" sz="1600" b="1" i="0" u="none" strike="noStrike" kern="0" cap="none" spc="0" normalizeH="0" baseline="0" noProof="0" dirty="0">
+                <a:ln>
+                  <a:noFill/>
+                </a:ln>
+                <a:solidFill>
+                  <a:srgbClr val="FFFFFF"/>
+                </a:solidFill>
+                <a:effectLst/>
+                <a:uLnTx/>
+                <a:uFillTx/>
+              </a:rPr>
+              <a:t>               			Standardization/Productivity</a:t>
+            </a:r>
+          </a:p>
+        </p:txBody>
+      </p:sp>
+      <p:grpSp>
+        <p:nvGrpSpPr>
+          <p:cNvPr id="21" name="Group 20">
+            <a:extLst>
+              <a:ext uri="{FF2B5EF4-FFF2-40B4-BE49-F238E27FC236}">
+                <a16:creationId xmlns:a16="http://schemas.microsoft.com/office/drawing/2014/main" id="{F01AE801-225F-4C2D-9AF1-21B1DFA6B242}"/>
+              </a:ext>
+            </a:extLst>
+          </p:cNvPr>
+          <p:cNvGrpSpPr/>
+          <p:nvPr/>
+        </p:nvGrpSpPr>
+        <p:grpSpPr>
+          <a:xfrm>
+            <a:off x="8278395" y="3094120"/>
+            <a:ext cx="1361220" cy="1789339"/>
+            <a:chOff x="6613779" y="3693309"/>
+            <a:chExt cx="982280" cy="1789872"/>
+          </a:xfrm>
+        </p:grpSpPr>
+        <p:sp>
+          <p:nvSpPr>
+            <p:cNvPr id="22" name="Rectangle 21">
+              <a:extLst>
+                <a:ext uri="{FF2B5EF4-FFF2-40B4-BE49-F238E27FC236}">
+                  <a16:creationId xmlns:a16="http://schemas.microsoft.com/office/drawing/2014/main" id="{1533C190-7FE9-4D35-A0D2-28880B40F0A2}"/>
+                </a:ext>
+              </a:extLst>
+            </p:cNvPr>
+            <p:cNvSpPr/>
+            <p:nvPr/>
+          </p:nvSpPr>
+          <p:spPr>
+            <a:xfrm>
+              <a:off x="6613779" y="3693309"/>
+              <a:ext cx="982280" cy="1789872"/>
+            </a:xfrm>
+            <a:prstGeom prst="rect">
+              <a:avLst/>
+            </a:prstGeom>
+            <a:solidFill>
+              <a:srgbClr val="0070C0"/>
+            </a:solidFill>
+            <a:ln>
+              <a:noFill/>
+            </a:ln>
+          </p:spPr>
+          <p:style>
+            <a:lnRef idx="2">
+              <a:schemeClr val="accent1">
+                <a:shade val="50000"/>
+              </a:schemeClr>
+            </a:lnRef>
+            <a:fillRef idx="1">
+              <a:schemeClr val="accent1"/>
+            </a:fillRef>
+            <a:effectRef idx="0">
+              <a:schemeClr val="accent1"/>
+            </a:effectRef>
+            <a:fontRef idx="minor">
+              <a:schemeClr val="lt1"/>
+            </a:fontRef>
+          </p:style>
+          <p:txBody>
+            <a:bodyPr rtlCol="0" anchor="t"/>
+            <a:lstStyle/>
+            <a:p>
+              <a:pPr marL="0" marR="0" lvl="0" indent="0" algn="ctr" defTabSz="914060" eaLnBrk="1" fontAlgn="auto" latinLnBrk="0" hangingPunct="1">
+                <a:lnSpc>
+                  <a:spcPct val="100000"/>
+                </a:lnSpc>
+                <a:spcBef>
+                  <a:spcPts val="0"/>
+                </a:spcBef>
+                <a:spcAft>
+                  <a:spcPts val="0"/>
+                </a:spcAft>
+                <a:buClrTx/>
+                <a:buSzTx/>
+                <a:buFontTx/>
+                <a:buNone/>
+                <a:tabLst/>
+                <a:defRPr/>
+              </a:pPr>
+              <a:r>
+                <a:rPr kumimoji="0" lang="en-US" sz="1400" b="1" i="0" u="none" strike="noStrike" kern="0" cap="none" spc="0" normalizeH="0" baseline="0" noProof="0" dirty="0">
+                  <a:ln>
+                    <a:noFill/>
+                  </a:ln>
+                  <a:solidFill>
+                    <a:srgbClr val="FFFFFF"/>
+                  </a:solidFill>
+                  <a:effectLst/>
+                  <a:uLnTx/>
+                  <a:uFillTx/>
+                </a:rPr>
+                <a:t>Logic Apps</a:t>
+              </a:r>
+            </a:p>
+          </p:txBody>
+        </p:sp>
+        <p:sp>
+          <p:nvSpPr>
+            <p:cNvPr id="23" name="Rectangle 22">
+              <a:extLst>
+                <a:ext uri="{FF2B5EF4-FFF2-40B4-BE49-F238E27FC236}">
+                  <a16:creationId xmlns:a16="http://schemas.microsoft.com/office/drawing/2014/main" id="{3ED5A8D1-D319-429E-8C76-AFEABE929B61}"/>
+                </a:ext>
+              </a:extLst>
+            </p:cNvPr>
+            <p:cNvSpPr/>
+            <p:nvPr/>
+          </p:nvSpPr>
+          <p:spPr>
+            <a:xfrm>
+              <a:off x="6645910" y="4195691"/>
+              <a:ext cx="917688" cy="1226436"/>
+            </a:xfrm>
+            <a:prstGeom prst="rect">
+              <a:avLst/>
+            </a:prstGeom>
+            <a:solidFill>
+              <a:srgbClr val="0070C0"/>
+            </a:solidFill>
+            <a:ln>
+              <a:noFill/>
+            </a:ln>
+          </p:spPr>
+          <p:style>
+            <a:lnRef idx="2">
+              <a:schemeClr val="accent1">
+                <a:shade val="50000"/>
+              </a:schemeClr>
+            </a:lnRef>
+            <a:fillRef idx="1">
+              <a:schemeClr val="accent1"/>
+            </a:fillRef>
+            <a:effectRef idx="0">
+              <a:schemeClr val="accent1"/>
+            </a:effectRef>
+            <a:fontRef idx="minor">
+              <a:schemeClr val="lt1"/>
+            </a:fontRef>
+          </p:style>
+          <p:txBody>
+            <a:bodyPr rtlCol="0" anchor="ctr"/>
+            <a:lstStyle/>
+            <a:p>
+              <a:pPr marL="0" marR="0" lvl="0" indent="0" algn="ctr" defTabSz="914060" eaLnBrk="1" fontAlgn="auto" latinLnBrk="0" hangingPunct="1">
+                <a:lnSpc>
+                  <a:spcPct val="100000"/>
+                </a:lnSpc>
+                <a:spcBef>
+                  <a:spcPts val="0"/>
+                </a:spcBef>
+                <a:spcAft>
+                  <a:spcPts val="0"/>
+                </a:spcAft>
+                <a:buClrTx/>
+                <a:buSzTx/>
+                <a:buFontTx/>
+                <a:buNone/>
+                <a:tabLst/>
+                <a:defRPr/>
+              </a:pPr>
+              <a:endParaRPr kumimoji="0" lang="en-US" sz="1200" b="0" i="0" u="none" strike="noStrike" kern="0" cap="none" spc="0" normalizeH="0" baseline="0" noProof="0" dirty="0">
+                <a:ln>
+                  <a:noFill/>
+                </a:ln>
+                <a:solidFill>
+                  <a:srgbClr val="FFFFFF"/>
+                </a:solidFill>
+                <a:effectLst/>
+                <a:uLnTx/>
+                <a:uFillTx/>
+              </a:endParaRPr>
+            </a:p>
+            <a:p>
+              <a:pPr marL="0" marR="0" lvl="0" indent="0" algn="ctr" defTabSz="914060" eaLnBrk="1" fontAlgn="auto" latinLnBrk="0" hangingPunct="1">
+                <a:lnSpc>
+                  <a:spcPct val="100000"/>
+                </a:lnSpc>
+                <a:spcBef>
+                  <a:spcPts val="0"/>
+                </a:spcBef>
+                <a:spcAft>
+                  <a:spcPts val="0"/>
+                </a:spcAft>
+                <a:buClrTx/>
+                <a:buSzTx/>
+                <a:buFontTx/>
+                <a:buNone/>
+                <a:tabLst/>
+                <a:defRPr/>
+              </a:pPr>
+              <a:endParaRPr lang="en-US" sz="1200" kern="0" dirty="0">
+                <a:solidFill>
+                  <a:srgbClr val="FFFFFF"/>
+                </a:solidFill>
+              </a:endParaRPr>
+            </a:p>
+            <a:p>
+              <a:pPr marL="0" marR="0" lvl="0" indent="0" algn="ctr" defTabSz="914060" eaLnBrk="1" fontAlgn="auto" latinLnBrk="0" hangingPunct="1">
+                <a:lnSpc>
+                  <a:spcPct val="100000"/>
+                </a:lnSpc>
+                <a:spcBef>
+                  <a:spcPts val="0"/>
+                </a:spcBef>
+                <a:spcAft>
+                  <a:spcPts val="0"/>
+                </a:spcAft>
+                <a:buClrTx/>
+                <a:buSzTx/>
+                <a:buFontTx/>
+                <a:buNone/>
+                <a:tabLst/>
+                <a:defRPr/>
+              </a:pPr>
+              <a:r>
+                <a:rPr kumimoji="0" lang="en-US" sz="1200" b="0" i="0" u="none" strike="noStrike" kern="0" cap="none" spc="0" normalizeH="0" baseline="0" noProof="0" dirty="0">
+                  <a:ln>
+                    <a:noFill/>
+                  </a:ln>
+                  <a:solidFill>
+                    <a:srgbClr val="FFFFFF"/>
+                  </a:solidFill>
+                  <a:effectLst/>
+                  <a:uLnTx/>
+                  <a:uFillTx/>
+                </a:rPr>
+                <a:t>Orchestration</a:t>
+              </a:r>
+            </a:p>
+            <a:p>
+              <a:pPr marL="0" marR="0" lvl="0" indent="0" algn="ctr" defTabSz="914060" eaLnBrk="1" fontAlgn="auto" latinLnBrk="0" hangingPunct="1">
+                <a:lnSpc>
+                  <a:spcPct val="100000"/>
+                </a:lnSpc>
+                <a:spcBef>
+                  <a:spcPts val="0"/>
+                </a:spcBef>
+                <a:spcAft>
+                  <a:spcPts val="0"/>
+                </a:spcAft>
+                <a:buClrTx/>
+                <a:buSzTx/>
+                <a:buFontTx/>
+                <a:buNone/>
+                <a:tabLst/>
+                <a:defRPr/>
+              </a:pPr>
+              <a:r>
+                <a:rPr kumimoji="0" lang="en-US" sz="1200" b="0" i="0" u="none" strike="noStrike" kern="0" cap="none" spc="0" normalizeH="0" baseline="0" noProof="0" dirty="0">
+                  <a:ln>
+                    <a:noFill/>
+                  </a:ln>
+                  <a:solidFill>
+                    <a:srgbClr val="FFFFFF"/>
+                  </a:solidFill>
+                  <a:effectLst/>
+                  <a:uLnTx/>
+                  <a:uFillTx/>
+                </a:rPr>
+                <a:t>API/workflow driven apps</a:t>
+              </a:r>
+            </a:p>
+          </p:txBody>
+        </p:sp>
+      </p:grpSp>
+      <p:grpSp>
+        <p:nvGrpSpPr>
+          <p:cNvPr id="24" name="Group 23">
+            <a:extLst>
+              <a:ext uri="{FF2B5EF4-FFF2-40B4-BE49-F238E27FC236}">
+                <a16:creationId xmlns:a16="http://schemas.microsoft.com/office/drawing/2014/main" id="{749B3246-43F2-4430-A327-3CD92B3869B8}"/>
+              </a:ext>
+            </a:extLst>
+          </p:cNvPr>
+          <p:cNvGrpSpPr/>
+          <p:nvPr/>
+        </p:nvGrpSpPr>
+        <p:grpSpPr>
+          <a:xfrm>
+            <a:off x="9694887" y="3095937"/>
+            <a:ext cx="1418720" cy="1790791"/>
+            <a:chOff x="9964916" y="3691856"/>
+            <a:chExt cx="1196850" cy="1791324"/>
+          </a:xfrm>
+        </p:grpSpPr>
+        <p:sp>
+          <p:nvSpPr>
+            <p:cNvPr id="25" name="Rectangle 24">
+              <a:extLst>
+                <a:ext uri="{FF2B5EF4-FFF2-40B4-BE49-F238E27FC236}">
+                  <a16:creationId xmlns:a16="http://schemas.microsoft.com/office/drawing/2014/main" id="{BE7105D9-53C5-4D41-A3C4-A47B1C4D5570}"/>
+                </a:ext>
+              </a:extLst>
+            </p:cNvPr>
+            <p:cNvSpPr/>
+            <p:nvPr/>
+          </p:nvSpPr>
+          <p:spPr>
+            <a:xfrm>
+              <a:off x="9964916" y="3691856"/>
+              <a:ext cx="1196850" cy="1791324"/>
+            </a:xfrm>
+            <a:prstGeom prst="rect">
+              <a:avLst/>
+            </a:prstGeom>
+            <a:solidFill>
+              <a:srgbClr val="0070C0"/>
+            </a:solidFill>
+            <a:ln>
+              <a:noFill/>
+            </a:ln>
+          </p:spPr>
+          <p:style>
+            <a:lnRef idx="2">
+              <a:schemeClr val="accent1">
+                <a:shade val="50000"/>
+              </a:schemeClr>
+            </a:lnRef>
+            <a:fillRef idx="1">
+              <a:schemeClr val="accent1"/>
+            </a:fillRef>
+            <a:effectRef idx="0">
+              <a:schemeClr val="accent1"/>
+            </a:effectRef>
+            <a:fontRef idx="minor">
+              <a:schemeClr val="lt1"/>
+            </a:fontRef>
+          </p:style>
+          <p:txBody>
+            <a:bodyPr rtlCol="0" anchor="t"/>
+            <a:lstStyle/>
+            <a:p>
+              <a:pPr marL="0" marR="0" lvl="0" indent="0" algn="ctr" defTabSz="914060" eaLnBrk="1" fontAlgn="auto" latinLnBrk="0" hangingPunct="1">
+                <a:lnSpc>
+                  <a:spcPct val="100000"/>
+                </a:lnSpc>
+                <a:spcBef>
+                  <a:spcPts val="0"/>
+                </a:spcBef>
+                <a:spcAft>
+                  <a:spcPts val="0"/>
+                </a:spcAft>
+                <a:buClrTx/>
+                <a:buSzTx/>
+                <a:buFontTx/>
+                <a:buNone/>
+                <a:tabLst/>
+                <a:defRPr/>
+              </a:pPr>
+              <a:r>
+                <a:rPr kumimoji="0" lang="en-US" sz="1400" b="1" i="0" u="none" strike="noStrike" kern="0" cap="none" spc="0" normalizeH="0" baseline="0" noProof="0" dirty="0">
+                  <a:ln>
+                    <a:noFill/>
+                  </a:ln>
+                  <a:solidFill>
+                    <a:srgbClr val="FFFFFF"/>
+                  </a:solidFill>
+                  <a:effectLst/>
+                  <a:uLnTx/>
+                  <a:uFillTx/>
+                </a:rPr>
+                <a:t>Function Apps</a:t>
+              </a:r>
+            </a:p>
+          </p:txBody>
+        </p:sp>
+        <p:sp>
+          <p:nvSpPr>
+            <p:cNvPr id="26" name="Rectangle 25">
+              <a:extLst>
+                <a:ext uri="{FF2B5EF4-FFF2-40B4-BE49-F238E27FC236}">
+                  <a16:creationId xmlns:a16="http://schemas.microsoft.com/office/drawing/2014/main" id="{DB7713A4-51F6-4862-9624-AA8E494E18D9}"/>
+                </a:ext>
+              </a:extLst>
+            </p:cNvPr>
+            <p:cNvSpPr/>
+            <p:nvPr/>
+          </p:nvSpPr>
+          <p:spPr>
+            <a:xfrm>
+              <a:off x="10037801" y="4195691"/>
+              <a:ext cx="1081805" cy="1226436"/>
+            </a:xfrm>
+            <a:prstGeom prst="rect">
+              <a:avLst/>
+            </a:prstGeom>
+            <a:solidFill>
+              <a:srgbClr val="0070C0"/>
+            </a:solidFill>
+            <a:ln>
+              <a:noFill/>
+            </a:ln>
+          </p:spPr>
+          <p:style>
+            <a:lnRef idx="2">
+              <a:schemeClr val="accent1">
+                <a:shade val="50000"/>
+              </a:schemeClr>
+            </a:lnRef>
+            <a:fillRef idx="1">
+              <a:schemeClr val="accent1"/>
+            </a:fillRef>
+            <a:effectRef idx="0">
+              <a:schemeClr val="accent1"/>
+            </a:effectRef>
+            <a:fontRef idx="minor">
+              <a:schemeClr val="lt1"/>
+            </a:fontRef>
+          </p:style>
+          <p:txBody>
+            <a:bodyPr rtlCol="0" anchor="ctr"/>
+            <a:lstStyle/>
+            <a:p>
+              <a:pPr marL="0" marR="0" lvl="0" indent="0" algn="ctr" defTabSz="914060" eaLnBrk="1" fontAlgn="auto" latinLnBrk="0" hangingPunct="1">
+                <a:lnSpc>
+                  <a:spcPct val="100000"/>
+                </a:lnSpc>
+                <a:spcBef>
+                  <a:spcPts val="0"/>
+                </a:spcBef>
+                <a:spcAft>
+                  <a:spcPts val="0"/>
+                </a:spcAft>
+                <a:buClrTx/>
+                <a:buSzTx/>
+                <a:buFontTx/>
+                <a:buNone/>
+                <a:tabLst/>
+                <a:defRPr/>
+              </a:pPr>
+              <a:r>
+                <a:rPr kumimoji="0" lang="en-US" sz="1200" b="0" i="0" u="none" strike="noStrike" kern="0" cap="none" spc="0" normalizeH="0" baseline="0" noProof="0" dirty="0" err="1">
+                  <a:ln>
+                    <a:noFill/>
+                  </a:ln>
+                  <a:solidFill>
+                    <a:srgbClr val="FFFFFF"/>
+                  </a:solidFill>
+                  <a:effectLst/>
+                  <a:uLnTx/>
+                  <a:uFillTx/>
+                </a:rPr>
+                <a:t>Serverless</a:t>
+              </a:r>
+              <a:r>
+                <a:rPr kumimoji="0" lang="en-US" sz="1200" b="0" i="0" u="none" strike="noStrike" kern="0" cap="none" spc="0" normalizeH="0" baseline="0" noProof="0" dirty="0">
+                  <a:ln>
+                    <a:noFill/>
+                  </a:ln>
+                  <a:solidFill>
+                    <a:srgbClr val="FFFFFF"/>
+                  </a:solidFill>
+                  <a:effectLst/>
+                  <a:uLnTx/>
+                  <a:uFillTx/>
+                </a:rPr>
+                <a:t> Apps</a:t>
+              </a:r>
+            </a:p>
+          </p:txBody>
+        </p:sp>
+      </p:grpSp>
+      <p:sp>
+        <p:nvSpPr>
+          <p:cNvPr id="27" name="Down Arrow 70">
+            <a:extLst>
+              <a:ext uri="{FF2B5EF4-FFF2-40B4-BE49-F238E27FC236}">
+                <a16:creationId xmlns:a16="http://schemas.microsoft.com/office/drawing/2014/main" id="{FC9CD02A-B8FE-4355-8B08-494A65EEC7B3}"/>
+              </a:ext>
+            </a:extLst>
+          </p:cNvPr>
+          <p:cNvSpPr/>
+          <p:nvPr/>
+        </p:nvSpPr>
+        <p:spPr>
+          <a:xfrm>
+            <a:off x="5382200" y="2272961"/>
+            <a:ext cx="731417" cy="779274"/>
+          </a:xfrm>
+          <a:prstGeom prst="downArrow">
+            <a:avLst/>
+          </a:prstGeom>
+          <a:solidFill>
+            <a:schemeClr val="tx2">
+              <a:lumMod val="60000"/>
+              <a:lumOff val="40000"/>
+            </a:schemeClr>
+          </a:solidFill>
+          <a:ln>
+            <a:noFill/>
+          </a:ln>
+        </p:spPr>
+        <p:style>
+          <a:lnRef idx="2">
+            <a:schemeClr val="accent1">
+              <a:shade val="50000"/>
+            </a:schemeClr>
+          </a:lnRef>
+          <a:fillRef idx="1">
+            <a:schemeClr val="accent1"/>
+          </a:fillRef>
+          <a:effectRef idx="0">
+            <a:schemeClr val="accent1"/>
+          </a:effectRef>
+          <a:fontRef idx="minor">
+            <a:schemeClr val="lt1"/>
+          </a:fontRef>
+        </p:style>
+        <p:txBody>
+          <a:bodyPr rtlCol="0" anchor="ctr"/>
+          <a:lstStyle/>
+          <a:p>
+            <a:pPr marL="0" marR="0" lvl="0" indent="0" algn="ctr" defTabSz="914060" eaLnBrk="1" fontAlgn="auto" latinLnBrk="0" hangingPunct="1">
+              <a:lnSpc>
+                <a:spcPct val="100000"/>
+              </a:lnSpc>
+              <a:spcBef>
+                <a:spcPts val="0"/>
+              </a:spcBef>
+              <a:spcAft>
+                <a:spcPts val="0"/>
+              </a:spcAft>
+              <a:buClrTx/>
+              <a:buSzTx/>
+              <a:buFontTx/>
+              <a:buNone/>
+              <a:tabLst/>
+              <a:defRPr/>
+            </a:pPr>
+            <a:endParaRPr kumimoji="0" lang="en-US" sz="1800" b="0" i="0" u="none" strike="noStrike" kern="0" cap="none" spc="0" normalizeH="0" baseline="0" noProof="0" dirty="0">
+              <a:ln>
+                <a:noFill/>
+              </a:ln>
+              <a:solidFill>
+                <a:sysClr val="windowText" lastClr="000000"/>
+              </a:solidFill>
+              <a:effectLst/>
+              <a:uLnTx/>
+              <a:uFillTx/>
+            </a:endParaRPr>
+          </a:p>
+        </p:txBody>
+      </p:sp>
+      <p:sp>
+        <p:nvSpPr>
+          <p:cNvPr id="28" name="Down Arrow 71">
+            <a:extLst>
+              <a:ext uri="{FF2B5EF4-FFF2-40B4-BE49-F238E27FC236}">
+                <a16:creationId xmlns:a16="http://schemas.microsoft.com/office/drawing/2014/main" id="{AE423949-0021-446D-918F-1C5EEB85782A}"/>
+              </a:ext>
+            </a:extLst>
+          </p:cNvPr>
+          <p:cNvSpPr/>
+          <p:nvPr/>
+        </p:nvSpPr>
+        <p:spPr>
+          <a:xfrm>
+            <a:off x="9302655" y="2270132"/>
+            <a:ext cx="731417" cy="778838"/>
+          </a:xfrm>
+          <a:prstGeom prst="downArrow">
+            <a:avLst/>
+          </a:prstGeom>
+          <a:solidFill>
+            <a:schemeClr val="tx2">
+              <a:lumMod val="60000"/>
+              <a:lumOff val="40000"/>
+            </a:schemeClr>
+          </a:solidFill>
+          <a:ln>
+            <a:noFill/>
+          </a:ln>
+        </p:spPr>
+        <p:style>
+          <a:lnRef idx="2">
+            <a:schemeClr val="accent1">
+              <a:shade val="50000"/>
+            </a:schemeClr>
+          </a:lnRef>
+          <a:fillRef idx="1">
+            <a:schemeClr val="accent1"/>
+          </a:fillRef>
+          <a:effectRef idx="0">
+            <a:schemeClr val="accent1"/>
+          </a:effectRef>
+          <a:fontRef idx="minor">
+            <a:schemeClr val="lt1"/>
+          </a:fontRef>
+        </p:style>
+        <p:txBody>
+          <a:bodyPr rtlCol="0" anchor="ctr"/>
+          <a:lstStyle/>
+          <a:p>
+            <a:pPr marL="0" marR="0" lvl="0" indent="0" algn="ctr" defTabSz="914060" eaLnBrk="1" fontAlgn="auto" latinLnBrk="0" hangingPunct="1">
+              <a:lnSpc>
+                <a:spcPct val="100000"/>
+              </a:lnSpc>
+              <a:spcBef>
+                <a:spcPts val="0"/>
+              </a:spcBef>
+              <a:spcAft>
+                <a:spcPts val="0"/>
+              </a:spcAft>
+              <a:buClrTx/>
+              <a:buSzTx/>
+              <a:buFontTx/>
+              <a:buNone/>
+              <a:tabLst/>
+              <a:defRPr/>
+            </a:pPr>
+            <a:endParaRPr kumimoji="0" lang="en-US" sz="1800" b="0" i="0" u="none" strike="noStrike" kern="0" cap="none" spc="0" normalizeH="0" baseline="0" noProof="0">
+              <a:ln>
+                <a:noFill/>
+              </a:ln>
+              <a:solidFill>
+                <a:sysClr val="windowText" lastClr="000000"/>
+              </a:solidFill>
+              <a:effectLst/>
+              <a:uLnTx/>
+              <a:uFillTx/>
+            </a:endParaRPr>
+          </a:p>
+        </p:txBody>
+      </p:sp>
+      <p:sp>
+        <p:nvSpPr>
+          <p:cNvPr id="29" name="Title 1">
+            <a:extLst>
+              <a:ext uri="{FF2B5EF4-FFF2-40B4-BE49-F238E27FC236}">
+                <a16:creationId xmlns:a16="http://schemas.microsoft.com/office/drawing/2014/main" id="{A5595D8A-2789-4201-84C3-CD8DCDAE7F8F}"/>
+              </a:ext>
+            </a:extLst>
+          </p:cNvPr>
+          <p:cNvSpPr txBox="1">
+            <a:spLocks/>
+          </p:cNvSpPr>
+          <p:nvPr/>
+        </p:nvSpPr>
+        <p:spPr>
+          <a:xfrm>
+            <a:off x="864" y="6494104"/>
+            <a:ext cx="12190272" cy="466671"/>
+          </a:xfrm>
+          <a:prstGeom prst="rect">
+            <a:avLst/>
+          </a:prstGeom>
+        </p:spPr>
+        <p:txBody>
+          <a:bodyPr vert="horz" wrap="square" lIns="91412" tIns="45706" rIns="91412" bIns="45706" rtlCol="0" anchor="ctr">
+            <a:noAutofit/>
+          </a:bodyPr>
+          <a:lstStyle>
+            <a:lvl1pPr algn="l" defTabSz="914192" rtl="0" eaLnBrk="1" latinLnBrk="0" hangingPunct="1">
+              <a:lnSpc>
+                <a:spcPct val="90000"/>
+              </a:lnSpc>
+              <a:spcBef>
+                <a:spcPct val="0"/>
+              </a:spcBef>
+              <a:buNone/>
+              <a:defRPr lang="en-US" sz="4704" b="0" kern="1200" cap="none" spc="-100" baseline="0" dirty="0" smtClean="0">
+                <a:ln w="3175">
+                  <a:noFill/>
+                </a:ln>
+                <a:gradFill>
+                  <a:gsLst>
+                    <a:gs pos="1250">
+                      <a:schemeClr val="tx1"/>
+                    </a:gs>
+                    <a:gs pos="100000">
+                      <a:schemeClr val="tx1"/>
+                    </a:gs>
+                  </a:gsLst>
+                  <a:lin ang="5400000" scaled="0"/>
+                </a:gradFill>
+                <a:effectLst/>
+                <a:latin typeface="+mj-lt"/>
+                <a:ea typeface="+mn-ea"/>
+                <a:cs typeface="Segoe UI" pitchFamily="34" charset="0"/>
+              </a:defRPr>
+            </a:lvl1pPr>
+          </a:lstStyle>
+          <a:p>
+            <a:pPr marL="0" marR="0" lvl="0" indent="0" algn="ctr" defTabSz="914192" rtl="0" eaLnBrk="1" fontAlgn="auto" latinLnBrk="0" hangingPunct="1">
+              <a:lnSpc>
+                <a:spcPct val="90000"/>
+              </a:lnSpc>
+              <a:spcBef>
+                <a:spcPct val="0"/>
+              </a:spcBef>
+              <a:spcAft>
+                <a:spcPts val="0"/>
+              </a:spcAft>
+              <a:buClrTx/>
+              <a:buSzTx/>
+              <a:buFontTx/>
+              <a:buNone/>
+              <a:tabLst/>
+              <a:defRPr/>
+            </a:pPr>
+            <a:r>
+              <a:rPr kumimoji="0" lang="en-US" sz="1800" b="1" i="0" u="none" strike="noStrike" kern="1200" cap="none" spc="-100" normalizeH="0" baseline="0" noProof="0" dirty="0">
+                <a:ln w="3175">
+                  <a:noFill/>
+                </a:ln>
+                <a:solidFill>
+                  <a:srgbClr val="00B0F0"/>
+                </a:solidFill>
+                <a:effectLst/>
+                <a:uLnTx/>
+                <a:uFillTx/>
+                <a:latin typeface="+mj-lt"/>
+                <a:ea typeface="+mn-ea"/>
+                <a:cs typeface="Segoe UI" pitchFamily="34" charset="0"/>
+              </a:rPr>
+              <a:t>azure.microsoft.com/overview</a:t>
+            </a:r>
+          </a:p>
+        </p:txBody>
+      </p:sp>
+      <p:sp>
+        <p:nvSpPr>
+          <p:cNvPr id="30" name="Rectangle 29">
+            <a:extLst>
+              <a:ext uri="{FF2B5EF4-FFF2-40B4-BE49-F238E27FC236}">
+                <a16:creationId xmlns:a16="http://schemas.microsoft.com/office/drawing/2014/main" id="{AB2FF2AA-C874-480E-A09D-0B6DD942E420}"/>
+              </a:ext>
+            </a:extLst>
+          </p:cNvPr>
+          <p:cNvSpPr/>
+          <p:nvPr/>
+        </p:nvSpPr>
+        <p:spPr>
+          <a:xfrm>
+            <a:off x="8278395" y="4867573"/>
+            <a:ext cx="2835212" cy="439411"/>
+          </a:xfrm>
+          <a:prstGeom prst="rect">
+            <a:avLst/>
+          </a:prstGeom>
+          <a:solidFill>
+            <a:schemeClr val="tx1">
+              <a:lumMod val="40000"/>
+              <a:lumOff val="60000"/>
+            </a:schemeClr>
+          </a:solidFill>
+          <a:ln>
+            <a:noFill/>
+          </a:ln>
+        </p:spPr>
+        <p:style>
+          <a:lnRef idx="2">
+            <a:schemeClr val="accent1">
+              <a:shade val="50000"/>
+            </a:schemeClr>
+          </a:lnRef>
+          <a:fillRef idx="1">
+            <a:schemeClr val="accent1"/>
+          </a:fillRef>
+          <a:effectRef idx="0">
+            <a:schemeClr val="accent1"/>
+          </a:effectRef>
+          <a:fontRef idx="minor">
+            <a:schemeClr val="lt1"/>
+          </a:fontRef>
+        </p:style>
+        <p:txBody>
+          <a:bodyPr rtlCol="0" anchor="b"/>
+          <a:lstStyle/>
+          <a:p>
+            <a:pPr marL="0" marR="0" lvl="0" indent="0" algn="ctr" defTabSz="914060" eaLnBrk="1" fontAlgn="auto" latinLnBrk="0" hangingPunct="1">
+              <a:lnSpc>
+                <a:spcPct val="100000"/>
+              </a:lnSpc>
+              <a:spcBef>
+                <a:spcPts val="0"/>
+              </a:spcBef>
+              <a:spcAft>
+                <a:spcPts val="0"/>
+              </a:spcAft>
+              <a:buClrTx/>
+              <a:buSzTx/>
+              <a:buFontTx/>
+              <a:buNone/>
+              <a:tabLst/>
+              <a:defRPr/>
+            </a:pPr>
+            <a:r>
+              <a:rPr kumimoji="0" lang="en-US" sz="1800" b="0" i="0" u="none" strike="noStrike" kern="0" cap="none" spc="0" normalizeH="0" baseline="0" noProof="0" dirty="0" err="1">
+                <a:ln>
+                  <a:noFill/>
+                </a:ln>
+                <a:solidFill>
+                  <a:srgbClr val="505050"/>
+                </a:solidFill>
+                <a:effectLst/>
+                <a:uLnTx/>
+                <a:uFillTx/>
+              </a:rPr>
+              <a:t>Serverless</a:t>
+            </a:r>
+            <a:r>
+              <a:rPr kumimoji="0" lang="en-US" sz="1800" b="0" i="0" u="none" strike="noStrike" kern="0" cap="none" spc="0" normalizeH="0" baseline="0" noProof="0" dirty="0">
+                <a:ln>
+                  <a:noFill/>
+                </a:ln>
+                <a:solidFill>
+                  <a:srgbClr val="505050"/>
+                </a:solidFill>
+                <a:effectLst/>
+                <a:uLnTx/>
+                <a:uFillTx/>
+              </a:rPr>
+              <a:t> PaaS</a:t>
+            </a:r>
+          </a:p>
+        </p:txBody>
+      </p:sp>
+      <p:sp>
+        <p:nvSpPr>
+          <p:cNvPr id="31" name="Down Arrow 12">
+            <a:extLst>
+              <a:ext uri="{FF2B5EF4-FFF2-40B4-BE49-F238E27FC236}">
+                <a16:creationId xmlns:a16="http://schemas.microsoft.com/office/drawing/2014/main" id="{55C6E6CE-4D62-437A-B498-323EAF589B8D}"/>
+              </a:ext>
+            </a:extLst>
+          </p:cNvPr>
+          <p:cNvSpPr/>
+          <p:nvPr/>
+        </p:nvSpPr>
+        <p:spPr>
+          <a:xfrm>
+            <a:off x="3231770" y="2240929"/>
+            <a:ext cx="731417" cy="811306"/>
+          </a:xfrm>
+          <a:prstGeom prst="downArrow">
+            <a:avLst/>
+          </a:prstGeom>
+          <a:solidFill>
+            <a:schemeClr val="tx2">
+              <a:lumMod val="60000"/>
+              <a:lumOff val="40000"/>
+            </a:schemeClr>
+          </a:solidFill>
+          <a:ln>
+            <a:noFill/>
+          </a:ln>
+        </p:spPr>
+        <p:style>
+          <a:lnRef idx="2">
+            <a:schemeClr val="accent1">
+              <a:shade val="50000"/>
+            </a:schemeClr>
+          </a:lnRef>
+          <a:fillRef idx="1">
+            <a:schemeClr val="accent1"/>
+          </a:fillRef>
+          <a:effectRef idx="0">
+            <a:schemeClr val="accent1"/>
+          </a:effectRef>
+          <a:fontRef idx="minor">
+            <a:schemeClr val="lt1"/>
+          </a:fontRef>
+        </p:style>
+        <p:txBody>
+          <a:bodyPr rtlCol="0" anchor="ctr"/>
+          <a:lstStyle/>
+          <a:p>
+            <a:pPr marL="0" marR="0" lvl="0" indent="0" algn="ctr" defTabSz="914060" eaLnBrk="1" fontAlgn="auto" latinLnBrk="0" hangingPunct="1">
+              <a:lnSpc>
+                <a:spcPct val="100000"/>
+              </a:lnSpc>
+              <a:spcBef>
+                <a:spcPts val="0"/>
+              </a:spcBef>
+              <a:spcAft>
+                <a:spcPts val="0"/>
+              </a:spcAft>
+              <a:buClrTx/>
+              <a:buSzTx/>
+              <a:buFontTx/>
+              <a:buNone/>
+              <a:tabLst/>
+              <a:defRPr/>
+            </a:pPr>
+            <a:endParaRPr kumimoji="0" lang="en-US" sz="1800" b="0" i="0" u="none" strike="noStrike" kern="0" cap="none" spc="0" normalizeH="0" baseline="0" noProof="0">
+              <a:ln>
+                <a:noFill/>
+              </a:ln>
+              <a:solidFill>
+                <a:sysClr val="windowText" lastClr="000000"/>
+              </a:solidFill>
+              <a:effectLst/>
+              <a:uLnTx/>
+              <a:uFillTx/>
+            </a:endParaRPr>
+          </a:p>
+        </p:txBody>
+      </p:sp>
+      <p:sp>
+        <p:nvSpPr>
+          <p:cNvPr id="32" name="Rectangle 31">
+            <a:extLst>
+              <a:ext uri="{FF2B5EF4-FFF2-40B4-BE49-F238E27FC236}">
+                <a16:creationId xmlns:a16="http://schemas.microsoft.com/office/drawing/2014/main" id="{E2162F37-38AE-4F5F-9830-B155D3F1A553}"/>
+              </a:ext>
+            </a:extLst>
+          </p:cNvPr>
+          <p:cNvSpPr/>
+          <p:nvPr/>
+        </p:nvSpPr>
+        <p:spPr>
+          <a:xfrm>
+            <a:off x="864637" y="1843659"/>
+            <a:ext cx="10475167" cy="630010"/>
+          </a:xfrm>
+          <a:prstGeom prst="rect">
+            <a:avLst/>
+          </a:prstGeom>
+          <a:solidFill>
+            <a:schemeClr val="accent2"/>
+          </a:solidFill>
+          <a:ln>
+            <a:noFill/>
+          </a:ln>
+        </p:spPr>
+        <p:style>
+          <a:lnRef idx="2">
+            <a:schemeClr val="accent1">
+              <a:shade val="50000"/>
+            </a:schemeClr>
+          </a:lnRef>
+          <a:fillRef idx="1">
+            <a:schemeClr val="accent1"/>
+          </a:fillRef>
+          <a:effectRef idx="0">
+            <a:schemeClr val="accent1"/>
+          </a:effectRef>
+          <a:fontRef idx="minor">
+            <a:schemeClr val="lt1"/>
+          </a:fontRef>
+        </p:style>
+        <p:txBody>
+          <a:bodyPr rtlCol="0" anchor="ctr"/>
+          <a:lstStyle/>
+          <a:p>
+            <a:pPr lvl="0" algn="ctr" defTabSz="914060">
+              <a:defRPr/>
+            </a:pPr>
+            <a:r>
+              <a:rPr kumimoji="0" lang="en-US" sz="1800" b="1" i="0" u="none" strike="noStrike" kern="0" cap="none" spc="0" normalizeH="0" baseline="0" noProof="0" dirty="0">
+                <a:ln>
+                  <a:noFill/>
+                </a:ln>
+                <a:solidFill>
+                  <a:srgbClr val="FFFFFF"/>
+                </a:solidFill>
+                <a:effectLst/>
+                <a:uLnTx/>
+                <a:uFillTx/>
+              </a:rPr>
+              <a:t>API </a:t>
+            </a:r>
+            <a:r>
+              <a:rPr lang="en-US" b="1" kern="0" dirty="0">
+                <a:solidFill>
+                  <a:srgbClr val="FFFFFF"/>
+                </a:solidFill>
+              </a:rPr>
+              <a:t>Façade</a:t>
+            </a:r>
+            <a:br>
+              <a:rPr lang="en-US" b="1" kern="0" dirty="0">
+                <a:solidFill>
+                  <a:srgbClr val="FFFFFF"/>
+                </a:solidFill>
+              </a:rPr>
+            </a:br>
+            <a:r>
+              <a:rPr lang="en-US" sz="1200" kern="0" dirty="0">
+                <a:solidFill>
+                  <a:srgbClr val="FFFFFF"/>
+                </a:solidFill>
+              </a:rPr>
+              <a:t>Documentation, Rate Limiting, Dev Portal, Analytics, Security, Packaging, …</a:t>
+            </a:r>
+            <a:endParaRPr lang="en-US" kern="0" dirty="0">
+              <a:solidFill>
+                <a:srgbClr val="FFFFFF"/>
+              </a:solidFill>
+            </a:endParaRPr>
+          </a:p>
+        </p:txBody>
+      </p:sp>
+      <p:sp>
+        <p:nvSpPr>
+          <p:cNvPr id="33" name="Rectangle 32">
+            <a:extLst>
+              <a:ext uri="{FF2B5EF4-FFF2-40B4-BE49-F238E27FC236}">
+                <a16:creationId xmlns:a16="http://schemas.microsoft.com/office/drawing/2014/main" id="{2C1A702F-F094-4A91-88D2-190B8B3B122B}"/>
+              </a:ext>
+            </a:extLst>
+          </p:cNvPr>
+          <p:cNvSpPr/>
+          <p:nvPr/>
+        </p:nvSpPr>
+        <p:spPr>
+          <a:xfrm>
+            <a:off x="3777842" y="817182"/>
+            <a:ext cx="2021212" cy="432134"/>
+          </a:xfrm>
+          <a:prstGeom prst="rect">
+            <a:avLst/>
+          </a:prstGeom>
+          <a:solidFill>
+            <a:schemeClr val="accent3"/>
+          </a:solidFill>
+          <a:ln>
+            <a:noFill/>
+          </a:ln>
+        </p:spPr>
+        <p:style>
+          <a:lnRef idx="2">
+            <a:schemeClr val="accent1">
+              <a:shade val="50000"/>
+            </a:schemeClr>
+          </a:lnRef>
+          <a:fillRef idx="1">
+            <a:schemeClr val="accent1"/>
+          </a:fillRef>
+          <a:effectRef idx="0">
+            <a:schemeClr val="accent1"/>
+          </a:effectRef>
+          <a:fontRef idx="minor">
+            <a:schemeClr val="lt1"/>
+          </a:fontRef>
+        </p:style>
+        <p:txBody>
+          <a:bodyPr rtlCol="0" anchor="ctr"/>
+          <a:lstStyle/>
+          <a:p>
+            <a:pPr marL="0" marR="0" lvl="0" indent="0" algn="ctr" defTabSz="914060" eaLnBrk="1" fontAlgn="auto" latinLnBrk="0" hangingPunct="1">
+              <a:lnSpc>
+                <a:spcPct val="100000"/>
+              </a:lnSpc>
+              <a:spcBef>
+                <a:spcPts val="0"/>
+              </a:spcBef>
+              <a:spcAft>
+                <a:spcPts val="0"/>
+              </a:spcAft>
+              <a:buClrTx/>
+              <a:buSzTx/>
+              <a:buFontTx/>
+              <a:buNone/>
+              <a:tabLst/>
+              <a:defRPr/>
+            </a:pPr>
+            <a:r>
+              <a:rPr kumimoji="0" lang="en-US" sz="1600" b="1" i="0" u="none" strike="noStrike" kern="0" cap="none" spc="0" normalizeH="0" baseline="0" noProof="0" dirty="0">
+                <a:ln>
+                  <a:noFill/>
+                </a:ln>
+                <a:solidFill>
+                  <a:srgbClr val="FFFFFF"/>
+                </a:solidFill>
+                <a:effectLst/>
+                <a:uLnTx/>
+                <a:uFillTx/>
+              </a:rPr>
+              <a:t>Web sites</a:t>
+            </a:r>
+          </a:p>
+        </p:txBody>
+      </p:sp>
+      <p:sp>
+        <p:nvSpPr>
+          <p:cNvPr id="34" name="Rectangle 33">
+            <a:extLst>
+              <a:ext uri="{FF2B5EF4-FFF2-40B4-BE49-F238E27FC236}">
+                <a16:creationId xmlns:a16="http://schemas.microsoft.com/office/drawing/2014/main" id="{FE8BFB3F-3553-4062-905B-65D231AE29BA}"/>
+              </a:ext>
+            </a:extLst>
+          </p:cNvPr>
+          <p:cNvSpPr/>
+          <p:nvPr/>
+        </p:nvSpPr>
+        <p:spPr>
+          <a:xfrm>
+            <a:off x="5982977" y="814795"/>
+            <a:ext cx="2021212" cy="432134"/>
+          </a:xfrm>
+          <a:prstGeom prst="rect">
+            <a:avLst/>
+          </a:prstGeom>
+          <a:solidFill>
+            <a:schemeClr val="accent3"/>
+          </a:solidFill>
+          <a:ln>
+            <a:noFill/>
+          </a:ln>
+        </p:spPr>
+        <p:style>
+          <a:lnRef idx="2">
+            <a:schemeClr val="accent1">
+              <a:shade val="50000"/>
+            </a:schemeClr>
+          </a:lnRef>
+          <a:fillRef idx="1">
+            <a:schemeClr val="accent1"/>
+          </a:fillRef>
+          <a:effectRef idx="0">
+            <a:schemeClr val="accent1"/>
+          </a:effectRef>
+          <a:fontRef idx="minor">
+            <a:schemeClr val="lt1"/>
+          </a:fontRef>
+        </p:style>
+        <p:txBody>
+          <a:bodyPr rtlCol="0" anchor="ctr"/>
+          <a:lstStyle/>
+          <a:p>
+            <a:pPr marL="0" marR="0" lvl="0" indent="0" algn="ctr" defTabSz="914060" eaLnBrk="1" fontAlgn="auto" latinLnBrk="0" hangingPunct="1">
+              <a:lnSpc>
+                <a:spcPct val="100000"/>
+              </a:lnSpc>
+              <a:spcBef>
+                <a:spcPts val="0"/>
+              </a:spcBef>
+              <a:spcAft>
+                <a:spcPts val="0"/>
+              </a:spcAft>
+              <a:buClrTx/>
+              <a:buSzTx/>
+              <a:buFontTx/>
+              <a:buNone/>
+              <a:tabLst/>
+              <a:defRPr/>
+            </a:pPr>
+            <a:r>
+              <a:rPr kumimoji="0" lang="en-US" sz="1600" b="1" i="0" u="none" strike="noStrike" kern="0" cap="none" spc="0" normalizeH="0" baseline="0" noProof="0" dirty="0">
+                <a:ln>
+                  <a:noFill/>
+                </a:ln>
+                <a:solidFill>
+                  <a:srgbClr val="FFFFFF"/>
+                </a:solidFill>
+                <a:effectLst/>
+                <a:uLnTx/>
+                <a:uFillTx/>
+              </a:rPr>
+              <a:t>Mobile back-ends</a:t>
+            </a:r>
+          </a:p>
+        </p:txBody>
+      </p:sp>
+      <p:sp>
+        <p:nvSpPr>
+          <p:cNvPr id="35" name="Down Arrow 70">
+            <a:extLst>
+              <a:ext uri="{FF2B5EF4-FFF2-40B4-BE49-F238E27FC236}">
+                <a16:creationId xmlns:a16="http://schemas.microsoft.com/office/drawing/2014/main" id="{56DB7C8B-162E-487D-81C2-11D72BAC97D7}"/>
+              </a:ext>
+            </a:extLst>
+          </p:cNvPr>
+          <p:cNvSpPr/>
+          <p:nvPr/>
+        </p:nvSpPr>
+        <p:spPr>
+          <a:xfrm>
+            <a:off x="4422739" y="1188482"/>
+            <a:ext cx="731417" cy="779274"/>
+          </a:xfrm>
+          <a:prstGeom prst="downArrow">
+            <a:avLst/>
+          </a:prstGeom>
+          <a:solidFill>
+            <a:schemeClr val="accent3"/>
+          </a:solidFill>
+          <a:ln>
+            <a:noFill/>
+          </a:ln>
+        </p:spPr>
+        <p:style>
+          <a:lnRef idx="2">
+            <a:schemeClr val="accent1">
+              <a:shade val="50000"/>
+            </a:schemeClr>
+          </a:lnRef>
+          <a:fillRef idx="1">
+            <a:schemeClr val="accent1"/>
+          </a:fillRef>
+          <a:effectRef idx="0">
+            <a:schemeClr val="accent1"/>
+          </a:effectRef>
+          <a:fontRef idx="minor">
+            <a:schemeClr val="lt1"/>
+          </a:fontRef>
+        </p:style>
+        <p:txBody>
+          <a:bodyPr rtlCol="0" anchor="ctr"/>
+          <a:lstStyle/>
+          <a:p>
+            <a:pPr marL="0" marR="0" lvl="0" indent="0" algn="ctr" defTabSz="914060" eaLnBrk="1" fontAlgn="auto" latinLnBrk="0" hangingPunct="1">
+              <a:lnSpc>
+                <a:spcPct val="100000"/>
+              </a:lnSpc>
+              <a:spcBef>
+                <a:spcPts val="0"/>
+              </a:spcBef>
+              <a:spcAft>
+                <a:spcPts val="0"/>
+              </a:spcAft>
+              <a:buClrTx/>
+              <a:buSzTx/>
+              <a:buFontTx/>
+              <a:buNone/>
+              <a:tabLst/>
+              <a:defRPr/>
+            </a:pPr>
+            <a:endParaRPr kumimoji="0" lang="en-US" sz="1800" b="0" i="0" u="none" strike="noStrike" kern="0" cap="none" spc="0" normalizeH="0" baseline="0" noProof="0" dirty="0">
+              <a:ln>
+                <a:noFill/>
+              </a:ln>
+              <a:solidFill>
+                <a:sysClr val="windowText" lastClr="000000"/>
+              </a:solidFill>
+              <a:effectLst/>
+              <a:uLnTx/>
+              <a:uFillTx/>
+            </a:endParaRPr>
+          </a:p>
+        </p:txBody>
+      </p:sp>
+      <p:sp>
+        <p:nvSpPr>
+          <p:cNvPr id="36" name="Down Arrow 70">
+            <a:extLst>
+              <a:ext uri="{FF2B5EF4-FFF2-40B4-BE49-F238E27FC236}">
+                <a16:creationId xmlns:a16="http://schemas.microsoft.com/office/drawing/2014/main" id="{585BFB6B-C791-452B-9C86-DB3FB9FECEC9}"/>
+              </a:ext>
+            </a:extLst>
+          </p:cNvPr>
+          <p:cNvSpPr/>
+          <p:nvPr/>
+        </p:nvSpPr>
+        <p:spPr>
+          <a:xfrm>
+            <a:off x="6693894" y="1159382"/>
+            <a:ext cx="731417" cy="779274"/>
+          </a:xfrm>
+          <a:prstGeom prst="downArrow">
+            <a:avLst/>
+          </a:prstGeom>
+          <a:solidFill>
+            <a:schemeClr val="accent3"/>
+          </a:solidFill>
+          <a:ln>
+            <a:noFill/>
+          </a:ln>
+        </p:spPr>
+        <p:style>
+          <a:lnRef idx="2">
+            <a:schemeClr val="accent1">
+              <a:shade val="50000"/>
+            </a:schemeClr>
+          </a:lnRef>
+          <a:fillRef idx="1">
+            <a:schemeClr val="accent1"/>
+          </a:fillRef>
+          <a:effectRef idx="0">
+            <a:schemeClr val="accent1"/>
+          </a:effectRef>
+          <a:fontRef idx="minor">
+            <a:schemeClr val="lt1"/>
+          </a:fontRef>
+        </p:style>
+        <p:txBody>
+          <a:bodyPr rtlCol="0" anchor="ctr"/>
+          <a:lstStyle/>
+          <a:p>
+            <a:pPr marL="0" marR="0" lvl="0" indent="0" algn="ctr" defTabSz="914060" eaLnBrk="1" fontAlgn="auto" latinLnBrk="0" hangingPunct="1">
+              <a:lnSpc>
+                <a:spcPct val="100000"/>
+              </a:lnSpc>
+              <a:spcBef>
+                <a:spcPts val="0"/>
+              </a:spcBef>
+              <a:spcAft>
+                <a:spcPts val="0"/>
+              </a:spcAft>
+              <a:buClrTx/>
+              <a:buSzTx/>
+              <a:buFontTx/>
+              <a:buNone/>
+              <a:tabLst/>
+              <a:defRPr/>
+            </a:pPr>
+            <a:endParaRPr kumimoji="0" lang="en-US" sz="1800" b="0" i="0" u="none" strike="noStrike" kern="0" cap="none" spc="0" normalizeH="0" baseline="0" noProof="0" dirty="0">
+              <a:ln>
+                <a:noFill/>
+              </a:ln>
+              <a:solidFill>
+                <a:sysClr val="windowText" lastClr="000000"/>
+              </a:solidFill>
+              <a:effectLst/>
+              <a:uLnTx/>
+              <a:uFillTx/>
+            </a:endParaRPr>
+          </a:p>
+        </p:txBody>
+      </p:sp>
+    </p:spTree>
+    <p:extLst>
+      <p:ext uri="{BB962C8B-B14F-4D97-AF65-F5344CB8AC3E}">
+        <p14:creationId xmlns:p14="http://schemas.microsoft.com/office/powerpoint/2010/main" val="1661797140"/>
+      </p:ext>
+    </p:extLst>
+  </p:cSld>
+  <p:clrMapOvr>
+    <a:masterClrMapping/>
+  </p:clrMapOvr>
+  <p:timing>
+    <p:tnLst>
+      <p:par>
+        <p:cTn id="1" dur="indefinite" restart="never" nodeType="tmRoot">
+          <p:childTnLst>
+            <p:seq concurrent="1" nextAc="seek">
+              <p:cTn id="2" dur="indefinite" nodeType="mainSeq">
+                <p:childTnLst>
+                  <p:par>
+                    <p:cTn id="3" fill="hold">
+                      <p:stCondLst>
+                        <p:cond delay="indefinite"/>
+                        <p:cond evt="onBegin" delay="0">
+                          <p:tn val="2"/>
+                        </p:cond>
+                      </p:stCondLst>
+                      <p:childTnLst>
+                        <p:par>
+                          <p:cTn id="4" fill="hold">
+                            <p:stCondLst>
+                              <p:cond delay="0"/>
+                            </p:stCondLst>
+                            <p:childTnLst>
+                              <p:par>
+                                <p:cTn id="5" presetID="1" presetClass="entr" presetSubtype="0" fill="hold" grpId="0" nodeType="withEffect">
+                                  <p:stCondLst>
+                                    <p:cond delay="0"/>
+                                  </p:stCondLst>
+                                  <p:childTnLst>
+                                    <p:set>
+                                      <p:cBhvr>
+                                        <p:cTn id="6" dur="1" fill="hold">
+                                          <p:stCondLst>
+                                            <p:cond delay="0"/>
+                                          </p:stCondLst>
+                                        </p:cTn>
+                                        <p:tgtEl>
+                                          <p:spTgt spid="8"/>
+                                        </p:tgtEl>
+                                        <p:attrNameLst>
+                                          <p:attrName>style.visibility</p:attrName>
+                                        </p:attrNameLst>
+                                      </p:cBhvr>
+                                      <p:to>
+                                        <p:strVal val="visible"/>
+                                      </p:to>
+                                    </p:set>
+                                  </p:childTnLst>
+                                </p:cTn>
+                              </p:par>
+                              <p:par>
+                                <p:cTn id="7" presetID="1" presetClass="entr" presetSubtype="0" fill="hold" grpId="0" nodeType="withEffect">
+                                  <p:stCondLst>
+                                    <p:cond delay="0"/>
+                                  </p:stCondLst>
+                                  <p:childTnLst>
+                                    <p:set>
+                                      <p:cBhvr>
+                                        <p:cTn id="8" dur="1" fill="hold">
+                                          <p:stCondLst>
+                                            <p:cond delay="0"/>
+                                          </p:stCondLst>
+                                        </p:cTn>
+                                        <p:tgtEl>
+                                          <p:spTgt spid="9"/>
+                                        </p:tgtEl>
+                                        <p:attrNameLst>
+                                          <p:attrName>style.visibility</p:attrName>
+                                        </p:attrNameLst>
+                                      </p:cBhvr>
+                                      <p:to>
+                                        <p:strVal val="visible"/>
+                                      </p:to>
+                                    </p:set>
+                                  </p:childTnLst>
+                                </p:cTn>
+                              </p:par>
+                              <p:par>
+                                <p:cTn id="9" presetID="1" presetClass="entr" presetSubtype="0" fill="hold" grpId="0" nodeType="withEffect">
+                                  <p:stCondLst>
+                                    <p:cond delay="0"/>
+                                  </p:stCondLst>
+                                  <p:childTnLst>
+                                    <p:set>
+                                      <p:cBhvr>
+                                        <p:cTn id="10" dur="1" fill="hold">
+                                          <p:stCondLst>
+                                            <p:cond delay="0"/>
+                                          </p:stCondLst>
+                                        </p:cTn>
+                                        <p:tgtEl>
+                                          <p:spTgt spid="20"/>
+                                        </p:tgtEl>
+                                        <p:attrNameLst>
+                                          <p:attrName>style.visibility</p:attrName>
+                                        </p:attrNameLst>
+                                      </p:cBhvr>
+                                      <p:to>
+                                        <p:strVal val="visible"/>
+                                      </p:to>
+                                    </p:set>
+                                  </p:childTnLst>
+                                </p:cTn>
+                              </p:par>
+                              <p:par>
+                                <p:cTn id="11" presetID="1" presetClass="entr" presetSubtype="0" fill="hold" grpId="0" nodeType="withEffect">
+                                  <p:stCondLst>
+                                    <p:cond delay="0"/>
+                                  </p:stCondLst>
+                                  <p:childTnLst>
+                                    <p:set>
+                                      <p:cBhvr>
+                                        <p:cTn id="12" dur="1" fill="hold">
+                                          <p:stCondLst>
+                                            <p:cond delay="0"/>
+                                          </p:stCondLst>
+                                        </p:cTn>
+                                        <p:tgtEl>
+                                          <p:spTgt spid="7"/>
+                                        </p:tgtEl>
+                                        <p:attrNameLst>
+                                          <p:attrName>style.visibility</p:attrName>
+                                        </p:attrNameLst>
+                                      </p:cBhvr>
+                                      <p:to>
+                                        <p:strVal val="visible"/>
+                                      </p:to>
+                                    </p:set>
+                                  </p:childTnLst>
+                                </p:cTn>
+                              </p:par>
+                              <p:par>
+                                <p:cTn id="13" presetID="1" presetClass="entr" presetSubtype="0" fill="hold" grpId="0" nodeType="withEffect">
+                                  <p:stCondLst>
+                                    <p:cond delay="0"/>
+                                  </p:stCondLst>
+                                  <p:childTnLst>
+                                    <p:set>
+                                      <p:cBhvr>
+                                        <p:cTn id="14" dur="1" fill="hold">
+                                          <p:stCondLst>
+                                            <p:cond delay="0"/>
+                                          </p:stCondLst>
+                                        </p:cTn>
+                                        <p:tgtEl>
+                                          <p:spTgt spid="29"/>
+                                        </p:tgtEl>
+                                        <p:attrNameLst>
+                                          <p:attrName>style.visibility</p:attrName>
+                                        </p:attrNameLst>
+                                      </p:cBhvr>
+                                      <p:to>
+                                        <p:strVal val="visible"/>
+                                      </p:to>
+                                    </p:set>
+                                  </p:childTnLst>
+                                </p:cTn>
+                              </p:par>
+                            </p:childTnLst>
+                          </p:cTn>
+                        </p:par>
+                        <p:par>
+                          <p:cTn id="15" fill="hold">
+                            <p:stCondLst>
+                              <p:cond delay="0"/>
+                            </p:stCondLst>
+                            <p:childTnLst>
+                              <p:par>
+                                <p:cTn id="16" presetID="10" presetClass="entr" presetSubtype="0" fill="hold" grpId="0" nodeType="afterEffect">
+                                  <p:stCondLst>
+                                    <p:cond delay="0"/>
+                                  </p:stCondLst>
+                                  <p:childTnLst>
+                                    <p:set>
+                                      <p:cBhvr>
+                                        <p:cTn id="17" dur="1" fill="hold">
+                                          <p:stCondLst>
+                                            <p:cond delay="0"/>
+                                          </p:stCondLst>
+                                        </p:cTn>
+                                        <p:tgtEl>
+                                          <p:spTgt spid="32"/>
+                                        </p:tgtEl>
+                                        <p:attrNameLst>
+                                          <p:attrName>style.visibility</p:attrName>
+                                        </p:attrNameLst>
+                                      </p:cBhvr>
+                                      <p:to>
+                                        <p:strVal val="visible"/>
+                                      </p:to>
+                                    </p:set>
+                                    <p:animEffect transition="in" filter="fade">
+                                      <p:cBhvr>
+                                        <p:cTn id="18" dur="500"/>
+                                        <p:tgtEl>
+                                          <p:spTgt spid="32"/>
+                                        </p:tgtEl>
+                                      </p:cBhvr>
+                                    </p:animEffect>
+                                  </p:childTnLst>
+                                </p:cTn>
+                              </p:par>
+                            </p:childTnLst>
+                          </p:cTn>
+                        </p:par>
+                      </p:childTnLst>
+                    </p:cTn>
+                  </p:par>
+                  <p:par>
+                    <p:cTn id="19" fill="hold">
+                      <p:stCondLst>
+                        <p:cond delay="indefinite"/>
+                      </p:stCondLst>
+                      <p:childTnLst>
+                        <p:par>
+                          <p:cTn id="20" fill="hold">
+                            <p:stCondLst>
+                              <p:cond delay="0"/>
+                            </p:stCondLst>
+                            <p:childTnLst>
+                              <p:par>
+                                <p:cTn id="21" presetID="47" presetClass="entr" presetSubtype="0" fill="hold" grpId="0" nodeType="clickEffect">
+                                  <p:stCondLst>
+                                    <p:cond delay="0"/>
+                                  </p:stCondLst>
+                                  <p:childTnLst>
+                                    <p:set>
+                                      <p:cBhvr>
+                                        <p:cTn id="22" dur="1" fill="hold">
+                                          <p:stCondLst>
+                                            <p:cond delay="0"/>
+                                          </p:stCondLst>
+                                        </p:cTn>
+                                        <p:tgtEl>
+                                          <p:spTgt spid="10"/>
+                                        </p:tgtEl>
+                                        <p:attrNameLst>
+                                          <p:attrName>style.visibility</p:attrName>
+                                        </p:attrNameLst>
+                                      </p:cBhvr>
+                                      <p:to>
+                                        <p:strVal val="visible"/>
+                                      </p:to>
+                                    </p:set>
+                                    <p:animEffect transition="in" filter="fade">
+                                      <p:cBhvr>
+                                        <p:cTn id="23" dur="1000"/>
+                                        <p:tgtEl>
+                                          <p:spTgt spid="10"/>
+                                        </p:tgtEl>
+                                      </p:cBhvr>
+                                    </p:animEffect>
+                                    <p:anim calcmode="lin" valueType="num">
+                                      <p:cBhvr>
+                                        <p:cTn id="24" dur="1000" fill="hold"/>
+                                        <p:tgtEl>
+                                          <p:spTgt spid="10"/>
+                                        </p:tgtEl>
+                                        <p:attrNameLst>
+                                          <p:attrName>ppt_x</p:attrName>
+                                        </p:attrNameLst>
+                                      </p:cBhvr>
+                                      <p:tavLst>
+                                        <p:tav tm="0">
+                                          <p:val>
+                                            <p:strVal val="#ppt_x"/>
+                                          </p:val>
+                                        </p:tav>
+                                        <p:tav tm="100000">
+                                          <p:val>
+                                            <p:strVal val="#ppt_x"/>
+                                          </p:val>
+                                        </p:tav>
+                                      </p:tavLst>
+                                    </p:anim>
+                                    <p:anim calcmode="lin" valueType="num">
+                                      <p:cBhvr>
+                                        <p:cTn id="25" dur="1000" fill="hold"/>
+                                        <p:tgtEl>
+                                          <p:spTgt spid="10"/>
+                                        </p:tgtEl>
+                                        <p:attrNameLst>
+                                          <p:attrName>ppt_y</p:attrName>
+                                        </p:attrNameLst>
+                                      </p:cBhvr>
+                                      <p:tavLst>
+                                        <p:tav tm="0">
+                                          <p:val>
+                                            <p:strVal val="#ppt_y-.1"/>
+                                          </p:val>
+                                        </p:tav>
+                                        <p:tav tm="100000">
+                                          <p:val>
+                                            <p:strVal val="#ppt_y"/>
+                                          </p:val>
+                                        </p:tav>
+                                      </p:tavLst>
+                                    </p:anim>
+                                  </p:childTnLst>
+                                </p:cTn>
+                              </p:par>
+                              <p:par>
+                                <p:cTn id="26" presetID="47" presetClass="entr" presetSubtype="0" fill="hold" nodeType="withEffect">
+                                  <p:stCondLst>
+                                    <p:cond delay="0"/>
+                                  </p:stCondLst>
+                                  <p:childTnLst>
+                                    <p:set>
+                                      <p:cBhvr>
+                                        <p:cTn id="27" dur="1" fill="hold">
+                                          <p:stCondLst>
+                                            <p:cond delay="0"/>
+                                          </p:stCondLst>
+                                        </p:cTn>
+                                        <p:tgtEl>
+                                          <p:spTgt spid="11"/>
+                                        </p:tgtEl>
+                                        <p:attrNameLst>
+                                          <p:attrName>style.visibility</p:attrName>
+                                        </p:attrNameLst>
+                                      </p:cBhvr>
+                                      <p:to>
+                                        <p:strVal val="visible"/>
+                                      </p:to>
+                                    </p:set>
+                                    <p:animEffect transition="in" filter="fade">
+                                      <p:cBhvr>
+                                        <p:cTn id="28" dur="1000"/>
+                                        <p:tgtEl>
+                                          <p:spTgt spid="11"/>
+                                        </p:tgtEl>
+                                      </p:cBhvr>
+                                    </p:animEffect>
+                                    <p:anim calcmode="lin" valueType="num">
+                                      <p:cBhvr>
+                                        <p:cTn id="29" dur="1000" fill="hold"/>
+                                        <p:tgtEl>
+                                          <p:spTgt spid="11"/>
+                                        </p:tgtEl>
+                                        <p:attrNameLst>
+                                          <p:attrName>ppt_x</p:attrName>
+                                        </p:attrNameLst>
+                                      </p:cBhvr>
+                                      <p:tavLst>
+                                        <p:tav tm="0">
+                                          <p:val>
+                                            <p:strVal val="#ppt_x"/>
+                                          </p:val>
+                                        </p:tav>
+                                        <p:tav tm="100000">
+                                          <p:val>
+                                            <p:strVal val="#ppt_x"/>
+                                          </p:val>
+                                        </p:tav>
+                                      </p:tavLst>
+                                    </p:anim>
+                                    <p:anim calcmode="lin" valueType="num">
+                                      <p:cBhvr>
+                                        <p:cTn id="30" dur="1000" fill="hold"/>
+                                        <p:tgtEl>
+                                          <p:spTgt spid="11"/>
+                                        </p:tgtEl>
+                                        <p:attrNameLst>
+                                          <p:attrName>ppt_y</p:attrName>
+                                        </p:attrNameLst>
+                                      </p:cBhvr>
+                                      <p:tavLst>
+                                        <p:tav tm="0">
+                                          <p:val>
+                                            <p:strVal val="#ppt_y-.1"/>
+                                          </p:val>
+                                        </p:tav>
+                                        <p:tav tm="100000">
+                                          <p:val>
+                                            <p:strVal val="#ppt_y"/>
+                                          </p:val>
+                                        </p:tav>
+                                      </p:tavLst>
+                                    </p:anim>
+                                  </p:childTnLst>
+                                </p:cTn>
+                              </p:par>
+                            </p:childTnLst>
+                          </p:cTn>
+                        </p:par>
+                      </p:childTnLst>
+                    </p:cTn>
+                  </p:par>
+                  <p:par>
+                    <p:cTn id="31" fill="hold">
+                      <p:stCondLst>
+                        <p:cond delay="indefinite"/>
+                      </p:stCondLst>
+                      <p:childTnLst>
+                        <p:par>
+                          <p:cTn id="32" fill="hold">
+                            <p:stCondLst>
+                              <p:cond delay="0"/>
+                            </p:stCondLst>
+                            <p:childTnLst>
+                              <p:par>
+                                <p:cTn id="33" presetID="47" presetClass="entr" presetSubtype="0" fill="hold" grpId="0" nodeType="clickEffect">
+                                  <p:stCondLst>
+                                    <p:cond delay="0"/>
+                                  </p:stCondLst>
+                                  <p:childTnLst>
+                                    <p:set>
+                                      <p:cBhvr>
+                                        <p:cTn id="34" dur="1" fill="hold">
+                                          <p:stCondLst>
+                                            <p:cond delay="0"/>
+                                          </p:stCondLst>
+                                        </p:cTn>
+                                        <p:tgtEl>
+                                          <p:spTgt spid="31"/>
+                                        </p:tgtEl>
+                                        <p:attrNameLst>
+                                          <p:attrName>style.visibility</p:attrName>
+                                        </p:attrNameLst>
+                                      </p:cBhvr>
+                                      <p:to>
+                                        <p:strVal val="visible"/>
+                                      </p:to>
+                                    </p:set>
+                                    <p:animEffect transition="in" filter="fade">
+                                      <p:cBhvr>
+                                        <p:cTn id="35" dur="1000"/>
+                                        <p:tgtEl>
+                                          <p:spTgt spid="31"/>
+                                        </p:tgtEl>
+                                      </p:cBhvr>
+                                    </p:animEffect>
+                                    <p:anim calcmode="lin" valueType="num">
+                                      <p:cBhvr>
+                                        <p:cTn id="36" dur="1000" fill="hold"/>
+                                        <p:tgtEl>
+                                          <p:spTgt spid="31"/>
+                                        </p:tgtEl>
+                                        <p:attrNameLst>
+                                          <p:attrName>ppt_x</p:attrName>
+                                        </p:attrNameLst>
+                                      </p:cBhvr>
+                                      <p:tavLst>
+                                        <p:tav tm="0">
+                                          <p:val>
+                                            <p:strVal val="#ppt_x"/>
+                                          </p:val>
+                                        </p:tav>
+                                        <p:tav tm="100000">
+                                          <p:val>
+                                            <p:strVal val="#ppt_x"/>
+                                          </p:val>
+                                        </p:tav>
+                                      </p:tavLst>
+                                    </p:anim>
+                                    <p:anim calcmode="lin" valueType="num">
+                                      <p:cBhvr>
+                                        <p:cTn id="37" dur="1000" fill="hold"/>
+                                        <p:tgtEl>
+                                          <p:spTgt spid="31"/>
+                                        </p:tgtEl>
+                                        <p:attrNameLst>
+                                          <p:attrName>ppt_y</p:attrName>
+                                        </p:attrNameLst>
+                                      </p:cBhvr>
+                                      <p:tavLst>
+                                        <p:tav tm="0">
+                                          <p:val>
+                                            <p:strVal val="#ppt_y-.1"/>
+                                          </p:val>
+                                        </p:tav>
+                                        <p:tav tm="100000">
+                                          <p:val>
+                                            <p:strVal val="#ppt_y"/>
+                                          </p:val>
+                                        </p:tav>
+                                      </p:tavLst>
+                                    </p:anim>
+                                  </p:childTnLst>
+                                </p:cTn>
+                              </p:par>
+                              <p:par>
+                                <p:cTn id="38" presetID="47" presetClass="entr" presetSubtype="0" fill="hold" nodeType="withEffect">
+                                  <p:stCondLst>
+                                    <p:cond delay="0"/>
+                                  </p:stCondLst>
+                                  <p:childTnLst>
+                                    <p:set>
+                                      <p:cBhvr>
+                                        <p:cTn id="39" dur="1" fill="hold">
+                                          <p:stCondLst>
+                                            <p:cond delay="0"/>
+                                          </p:stCondLst>
+                                        </p:cTn>
+                                        <p:tgtEl>
+                                          <p:spTgt spid="14"/>
+                                        </p:tgtEl>
+                                        <p:attrNameLst>
+                                          <p:attrName>style.visibility</p:attrName>
+                                        </p:attrNameLst>
+                                      </p:cBhvr>
+                                      <p:to>
+                                        <p:strVal val="visible"/>
+                                      </p:to>
+                                    </p:set>
+                                    <p:animEffect transition="in" filter="fade">
+                                      <p:cBhvr>
+                                        <p:cTn id="40" dur="1000"/>
+                                        <p:tgtEl>
+                                          <p:spTgt spid="14"/>
+                                        </p:tgtEl>
+                                      </p:cBhvr>
+                                    </p:animEffect>
+                                    <p:anim calcmode="lin" valueType="num">
+                                      <p:cBhvr>
+                                        <p:cTn id="41" dur="1000" fill="hold"/>
+                                        <p:tgtEl>
+                                          <p:spTgt spid="14"/>
+                                        </p:tgtEl>
+                                        <p:attrNameLst>
+                                          <p:attrName>ppt_x</p:attrName>
+                                        </p:attrNameLst>
+                                      </p:cBhvr>
+                                      <p:tavLst>
+                                        <p:tav tm="0">
+                                          <p:val>
+                                            <p:strVal val="#ppt_x"/>
+                                          </p:val>
+                                        </p:tav>
+                                        <p:tav tm="100000">
+                                          <p:val>
+                                            <p:strVal val="#ppt_x"/>
+                                          </p:val>
+                                        </p:tav>
+                                      </p:tavLst>
+                                    </p:anim>
+                                    <p:anim calcmode="lin" valueType="num">
+                                      <p:cBhvr>
+                                        <p:cTn id="42" dur="1000" fill="hold"/>
+                                        <p:tgtEl>
+                                          <p:spTgt spid="14"/>
+                                        </p:tgtEl>
+                                        <p:attrNameLst>
+                                          <p:attrName>ppt_y</p:attrName>
+                                        </p:attrNameLst>
+                                      </p:cBhvr>
+                                      <p:tavLst>
+                                        <p:tav tm="0">
+                                          <p:val>
+                                            <p:strVal val="#ppt_y-.1"/>
+                                          </p:val>
+                                        </p:tav>
+                                        <p:tav tm="100000">
+                                          <p:val>
+                                            <p:strVal val="#ppt_y"/>
+                                          </p:val>
+                                        </p:tav>
+                                      </p:tavLst>
+                                    </p:anim>
+                                  </p:childTnLst>
+                                </p:cTn>
+                              </p:par>
+                            </p:childTnLst>
+                          </p:cTn>
+                        </p:par>
+                      </p:childTnLst>
+                    </p:cTn>
+                  </p:par>
+                  <p:par>
+                    <p:cTn id="43" fill="hold">
+                      <p:stCondLst>
+                        <p:cond delay="indefinite"/>
+                      </p:stCondLst>
+                      <p:childTnLst>
+                        <p:par>
+                          <p:cTn id="44" fill="hold">
+                            <p:stCondLst>
+                              <p:cond delay="0"/>
+                            </p:stCondLst>
+                            <p:childTnLst>
+                              <p:par>
+                                <p:cTn id="45" presetID="47" presetClass="entr" presetSubtype="0" fill="hold" grpId="0" nodeType="clickEffect">
+                                  <p:stCondLst>
+                                    <p:cond delay="0"/>
+                                  </p:stCondLst>
+                                  <p:childTnLst>
+                                    <p:set>
+                                      <p:cBhvr>
+                                        <p:cTn id="46" dur="1" fill="hold">
+                                          <p:stCondLst>
+                                            <p:cond delay="0"/>
+                                          </p:stCondLst>
+                                        </p:cTn>
+                                        <p:tgtEl>
+                                          <p:spTgt spid="27"/>
+                                        </p:tgtEl>
+                                        <p:attrNameLst>
+                                          <p:attrName>style.visibility</p:attrName>
+                                        </p:attrNameLst>
+                                      </p:cBhvr>
+                                      <p:to>
+                                        <p:strVal val="visible"/>
+                                      </p:to>
+                                    </p:set>
+                                    <p:animEffect transition="in" filter="fade">
+                                      <p:cBhvr>
+                                        <p:cTn id="47" dur="1000"/>
+                                        <p:tgtEl>
+                                          <p:spTgt spid="27"/>
+                                        </p:tgtEl>
+                                      </p:cBhvr>
+                                    </p:animEffect>
+                                    <p:anim calcmode="lin" valueType="num">
+                                      <p:cBhvr>
+                                        <p:cTn id="48" dur="1000" fill="hold"/>
+                                        <p:tgtEl>
+                                          <p:spTgt spid="27"/>
+                                        </p:tgtEl>
+                                        <p:attrNameLst>
+                                          <p:attrName>ppt_x</p:attrName>
+                                        </p:attrNameLst>
+                                      </p:cBhvr>
+                                      <p:tavLst>
+                                        <p:tav tm="0">
+                                          <p:val>
+                                            <p:strVal val="#ppt_x"/>
+                                          </p:val>
+                                        </p:tav>
+                                        <p:tav tm="100000">
+                                          <p:val>
+                                            <p:strVal val="#ppt_x"/>
+                                          </p:val>
+                                        </p:tav>
+                                      </p:tavLst>
+                                    </p:anim>
+                                    <p:anim calcmode="lin" valueType="num">
+                                      <p:cBhvr>
+                                        <p:cTn id="49" dur="1000" fill="hold"/>
+                                        <p:tgtEl>
+                                          <p:spTgt spid="27"/>
+                                        </p:tgtEl>
+                                        <p:attrNameLst>
+                                          <p:attrName>ppt_y</p:attrName>
+                                        </p:attrNameLst>
+                                      </p:cBhvr>
+                                      <p:tavLst>
+                                        <p:tav tm="0">
+                                          <p:val>
+                                            <p:strVal val="#ppt_y-.1"/>
+                                          </p:val>
+                                        </p:tav>
+                                        <p:tav tm="100000">
+                                          <p:val>
+                                            <p:strVal val="#ppt_y"/>
+                                          </p:val>
+                                        </p:tav>
+                                      </p:tavLst>
+                                    </p:anim>
+                                  </p:childTnLst>
+                                </p:cTn>
+                              </p:par>
+                              <p:par>
+                                <p:cTn id="50" presetID="47" presetClass="entr" presetSubtype="0" fill="hold" nodeType="withEffect">
+                                  <p:stCondLst>
+                                    <p:cond delay="0"/>
+                                  </p:stCondLst>
+                                  <p:childTnLst>
+                                    <p:set>
+                                      <p:cBhvr>
+                                        <p:cTn id="51" dur="1" fill="hold">
+                                          <p:stCondLst>
+                                            <p:cond delay="0"/>
+                                          </p:stCondLst>
+                                        </p:cTn>
+                                        <p:tgtEl>
+                                          <p:spTgt spid="17"/>
+                                        </p:tgtEl>
+                                        <p:attrNameLst>
+                                          <p:attrName>style.visibility</p:attrName>
+                                        </p:attrNameLst>
+                                      </p:cBhvr>
+                                      <p:to>
+                                        <p:strVal val="visible"/>
+                                      </p:to>
+                                    </p:set>
+                                    <p:animEffect transition="in" filter="fade">
+                                      <p:cBhvr>
+                                        <p:cTn id="52" dur="1000"/>
+                                        <p:tgtEl>
+                                          <p:spTgt spid="17"/>
+                                        </p:tgtEl>
+                                      </p:cBhvr>
+                                    </p:animEffect>
+                                    <p:anim calcmode="lin" valueType="num">
+                                      <p:cBhvr>
+                                        <p:cTn id="53" dur="1000" fill="hold"/>
+                                        <p:tgtEl>
+                                          <p:spTgt spid="17"/>
+                                        </p:tgtEl>
+                                        <p:attrNameLst>
+                                          <p:attrName>ppt_x</p:attrName>
+                                        </p:attrNameLst>
+                                      </p:cBhvr>
+                                      <p:tavLst>
+                                        <p:tav tm="0">
+                                          <p:val>
+                                            <p:strVal val="#ppt_x"/>
+                                          </p:val>
+                                        </p:tav>
+                                        <p:tav tm="100000">
+                                          <p:val>
+                                            <p:strVal val="#ppt_x"/>
+                                          </p:val>
+                                        </p:tav>
+                                      </p:tavLst>
+                                    </p:anim>
+                                    <p:anim calcmode="lin" valueType="num">
+                                      <p:cBhvr>
+                                        <p:cTn id="54" dur="1000" fill="hold"/>
+                                        <p:tgtEl>
+                                          <p:spTgt spid="17"/>
+                                        </p:tgtEl>
+                                        <p:attrNameLst>
+                                          <p:attrName>ppt_y</p:attrName>
+                                        </p:attrNameLst>
+                                      </p:cBhvr>
+                                      <p:tavLst>
+                                        <p:tav tm="0">
+                                          <p:val>
+                                            <p:strVal val="#ppt_y-.1"/>
+                                          </p:val>
+                                        </p:tav>
+                                        <p:tav tm="100000">
+                                          <p:val>
+                                            <p:strVal val="#ppt_y"/>
+                                          </p:val>
+                                        </p:tav>
+                                      </p:tavLst>
+                                    </p:anim>
+                                  </p:childTnLst>
+                                </p:cTn>
+                              </p:par>
+                            </p:childTnLst>
+                          </p:cTn>
+                        </p:par>
+                      </p:childTnLst>
+                    </p:cTn>
+                  </p:par>
+                  <p:par>
+                    <p:cTn id="55" fill="hold">
+                      <p:stCondLst>
+                        <p:cond delay="indefinite"/>
+                      </p:stCondLst>
+                      <p:childTnLst>
+                        <p:par>
+                          <p:cTn id="56" fill="hold">
+                            <p:stCondLst>
+                              <p:cond delay="0"/>
+                            </p:stCondLst>
+                            <p:childTnLst>
+                              <p:par>
+                                <p:cTn id="57" presetID="47" presetClass="entr" presetSubtype="0" fill="hold" grpId="0" nodeType="clickEffect">
+                                  <p:stCondLst>
+                                    <p:cond delay="0"/>
+                                  </p:stCondLst>
+                                  <p:childTnLst>
+                                    <p:set>
+                                      <p:cBhvr>
+                                        <p:cTn id="58" dur="1" fill="hold">
+                                          <p:stCondLst>
+                                            <p:cond delay="0"/>
+                                          </p:stCondLst>
+                                        </p:cTn>
+                                        <p:tgtEl>
+                                          <p:spTgt spid="28"/>
+                                        </p:tgtEl>
+                                        <p:attrNameLst>
+                                          <p:attrName>style.visibility</p:attrName>
+                                        </p:attrNameLst>
+                                      </p:cBhvr>
+                                      <p:to>
+                                        <p:strVal val="visible"/>
+                                      </p:to>
+                                    </p:set>
+                                    <p:animEffect transition="in" filter="fade">
+                                      <p:cBhvr>
+                                        <p:cTn id="59" dur="1000"/>
+                                        <p:tgtEl>
+                                          <p:spTgt spid="28"/>
+                                        </p:tgtEl>
+                                      </p:cBhvr>
+                                    </p:animEffect>
+                                    <p:anim calcmode="lin" valueType="num">
+                                      <p:cBhvr>
+                                        <p:cTn id="60" dur="1000" fill="hold"/>
+                                        <p:tgtEl>
+                                          <p:spTgt spid="28"/>
+                                        </p:tgtEl>
+                                        <p:attrNameLst>
+                                          <p:attrName>ppt_x</p:attrName>
+                                        </p:attrNameLst>
+                                      </p:cBhvr>
+                                      <p:tavLst>
+                                        <p:tav tm="0">
+                                          <p:val>
+                                            <p:strVal val="#ppt_x"/>
+                                          </p:val>
+                                        </p:tav>
+                                        <p:tav tm="100000">
+                                          <p:val>
+                                            <p:strVal val="#ppt_x"/>
+                                          </p:val>
+                                        </p:tav>
+                                      </p:tavLst>
+                                    </p:anim>
+                                    <p:anim calcmode="lin" valueType="num">
+                                      <p:cBhvr>
+                                        <p:cTn id="61" dur="1000" fill="hold"/>
+                                        <p:tgtEl>
+                                          <p:spTgt spid="28"/>
+                                        </p:tgtEl>
+                                        <p:attrNameLst>
+                                          <p:attrName>ppt_y</p:attrName>
+                                        </p:attrNameLst>
+                                      </p:cBhvr>
+                                      <p:tavLst>
+                                        <p:tav tm="0">
+                                          <p:val>
+                                            <p:strVal val="#ppt_y-.1"/>
+                                          </p:val>
+                                        </p:tav>
+                                        <p:tav tm="100000">
+                                          <p:val>
+                                            <p:strVal val="#ppt_y"/>
+                                          </p:val>
+                                        </p:tav>
+                                      </p:tavLst>
+                                    </p:anim>
+                                  </p:childTnLst>
+                                </p:cTn>
+                              </p:par>
+                              <p:par>
+                                <p:cTn id="62" presetID="47" presetClass="entr" presetSubtype="0" fill="hold" nodeType="withEffect">
+                                  <p:stCondLst>
+                                    <p:cond delay="0"/>
+                                  </p:stCondLst>
+                                  <p:childTnLst>
+                                    <p:set>
+                                      <p:cBhvr>
+                                        <p:cTn id="63" dur="1" fill="hold">
+                                          <p:stCondLst>
+                                            <p:cond delay="0"/>
+                                          </p:stCondLst>
+                                        </p:cTn>
+                                        <p:tgtEl>
+                                          <p:spTgt spid="21"/>
+                                        </p:tgtEl>
+                                        <p:attrNameLst>
+                                          <p:attrName>style.visibility</p:attrName>
+                                        </p:attrNameLst>
+                                      </p:cBhvr>
+                                      <p:to>
+                                        <p:strVal val="visible"/>
+                                      </p:to>
+                                    </p:set>
+                                    <p:animEffect transition="in" filter="fade">
+                                      <p:cBhvr>
+                                        <p:cTn id="64" dur="1000"/>
+                                        <p:tgtEl>
+                                          <p:spTgt spid="21"/>
+                                        </p:tgtEl>
+                                      </p:cBhvr>
+                                    </p:animEffect>
+                                    <p:anim calcmode="lin" valueType="num">
+                                      <p:cBhvr>
+                                        <p:cTn id="65" dur="1000" fill="hold"/>
+                                        <p:tgtEl>
+                                          <p:spTgt spid="21"/>
+                                        </p:tgtEl>
+                                        <p:attrNameLst>
+                                          <p:attrName>ppt_x</p:attrName>
+                                        </p:attrNameLst>
+                                      </p:cBhvr>
+                                      <p:tavLst>
+                                        <p:tav tm="0">
+                                          <p:val>
+                                            <p:strVal val="#ppt_x"/>
+                                          </p:val>
+                                        </p:tav>
+                                        <p:tav tm="100000">
+                                          <p:val>
+                                            <p:strVal val="#ppt_x"/>
+                                          </p:val>
+                                        </p:tav>
+                                      </p:tavLst>
+                                    </p:anim>
+                                    <p:anim calcmode="lin" valueType="num">
+                                      <p:cBhvr>
+                                        <p:cTn id="66" dur="1000" fill="hold"/>
+                                        <p:tgtEl>
+                                          <p:spTgt spid="21"/>
+                                        </p:tgtEl>
+                                        <p:attrNameLst>
+                                          <p:attrName>ppt_y</p:attrName>
+                                        </p:attrNameLst>
+                                      </p:cBhvr>
+                                      <p:tavLst>
+                                        <p:tav tm="0">
+                                          <p:val>
+                                            <p:strVal val="#ppt_y-.1"/>
+                                          </p:val>
+                                        </p:tav>
+                                        <p:tav tm="100000">
+                                          <p:val>
+                                            <p:strVal val="#ppt_y"/>
+                                          </p:val>
+                                        </p:tav>
+                                      </p:tavLst>
+                                    </p:anim>
+                                  </p:childTnLst>
+                                </p:cTn>
+                              </p:par>
+                              <p:par>
+                                <p:cTn id="67" presetID="47" presetClass="entr" presetSubtype="0" fill="hold" nodeType="withEffect">
+                                  <p:stCondLst>
+                                    <p:cond delay="0"/>
+                                  </p:stCondLst>
+                                  <p:childTnLst>
+                                    <p:set>
+                                      <p:cBhvr>
+                                        <p:cTn id="68" dur="1" fill="hold">
+                                          <p:stCondLst>
+                                            <p:cond delay="0"/>
+                                          </p:stCondLst>
+                                        </p:cTn>
+                                        <p:tgtEl>
+                                          <p:spTgt spid="24"/>
+                                        </p:tgtEl>
+                                        <p:attrNameLst>
+                                          <p:attrName>style.visibility</p:attrName>
+                                        </p:attrNameLst>
+                                      </p:cBhvr>
+                                      <p:to>
+                                        <p:strVal val="visible"/>
+                                      </p:to>
+                                    </p:set>
+                                    <p:animEffect transition="in" filter="fade">
+                                      <p:cBhvr>
+                                        <p:cTn id="69" dur="1000"/>
+                                        <p:tgtEl>
+                                          <p:spTgt spid="24"/>
+                                        </p:tgtEl>
+                                      </p:cBhvr>
+                                    </p:animEffect>
+                                    <p:anim calcmode="lin" valueType="num">
+                                      <p:cBhvr>
+                                        <p:cTn id="70" dur="1000" fill="hold"/>
+                                        <p:tgtEl>
+                                          <p:spTgt spid="24"/>
+                                        </p:tgtEl>
+                                        <p:attrNameLst>
+                                          <p:attrName>ppt_x</p:attrName>
+                                        </p:attrNameLst>
+                                      </p:cBhvr>
+                                      <p:tavLst>
+                                        <p:tav tm="0">
+                                          <p:val>
+                                            <p:strVal val="#ppt_x"/>
+                                          </p:val>
+                                        </p:tav>
+                                        <p:tav tm="100000">
+                                          <p:val>
+                                            <p:strVal val="#ppt_x"/>
+                                          </p:val>
+                                        </p:tav>
+                                      </p:tavLst>
+                                    </p:anim>
+                                    <p:anim calcmode="lin" valueType="num">
+                                      <p:cBhvr>
+                                        <p:cTn id="71" dur="1000" fill="hold"/>
+                                        <p:tgtEl>
+                                          <p:spTgt spid="24"/>
+                                        </p:tgtEl>
+                                        <p:attrNameLst>
+                                          <p:attrName>ppt_y</p:attrName>
+                                        </p:attrNameLst>
+                                      </p:cBhvr>
+                                      <p:tavLst>
+                                        <p:tav tm="0">
+                                          <p:val>
+                                            <p:strVal val="#ppt_y-.1"/>
+                                          </p:val>
+                                        </p:tav>
+                                        <p:tav tm="100000">
+                                          <p:val>
+                                            <p:strVal val="#ppt_y"/>
+                                          </p:val>
+                                        </p:tav>
+                                      </p:tavLst>
+                                    </p:anim>
+                                  </p:childTnLst>
+                                </p:cTn>
+                              </p:par>
+                              <p:par>
+                                <p:cTn id="72" presetID="47" presetClass="entr" presetSubtype="0" fill="hold" grpId="0" nodeType="withEffect">
+                                  <p:stCondLst>
+                                    <p:cond delay="0"/>
+                                  </p:stCondLst>
+                                  <p:childTnLst>
+                                    <p:set>
+                                      <p:cBhvr>
+                                        <p:cTn id="73" dur="1" fill="hold">
+                                          <p:stCondLst>
+                                            <p:cond delay="0"/>
+                                          </p:stCondLst>
+                                        </p:cTn>
+                                        <p:tgtEl>
+                                          <p:spTgt spid="30"/>
+                                        </p:tgtEl>
+                                        <p:attrNameLst>
+                                          <p:attrName>style.visibility</p:attrName>
+                                        </p:attrNameLst>
+                                      </p:cBhvr>
+                                      <p:to>
+                                        <p:strVal val="visible"/>
+                                      </p:to>
+                                    </p:set>
+                                    <p:animEffect transition="in" filter="fade">
+                                      <p:cBhvr>
+                                        <p:cTn id="74" dur="1000"/>
+                                        <p:tgtEl>
+                                          <p:spTgt spid="30"/>
+                                        </p:tgtEl>
+                                      </p:cBhvr>
+                                    </p:animEffect>
+                                    <p:anim calcmode="lin" valueType="num">
+                                      <p:cBhvr>
+                                        <p:cTn id="75" dur="1000" fill="hold"/>
+                                        <p:tgtEl>
+                                          <p:spTgt spid="30"/>
+                                        </p:tgtEl>
+                                        <p:attrNameLst>
+                                          <p:attrName>ppt_x</p:attrName>
+                                        </p:attrNameLst>
+                                      </p:cBhvr>
+                                      <p:tavLst>
+                                        <p:tav tm="0">
+                                          <p:val>
+                                            <p:strVal val="#ppt_x"/>
+                                          </p:val>
+                                        </p:tav>
+                                        <p:tav tm="100000">
+                                          <p:val>
+                                            <p:strVal val="#ppt_x"/>
+                                          </p:val>
+                                        </p:tav>
+                                      </p:tavLst>
+                                    </p:anim>
+                                    <p:anim calcmode="lin" valueType="num">
+                                      <p:cBhvr>
+                                        <p:cTn id="76" dur="1000" fill="hold"/>
+                                        <p:tgtEl>
+                                          <p:spTgt spid="30"/>
+                                        </p:tgtEl>
+                                        <p:attrNameLst>
+                                          <p:attrName>ppt_y</p:attrName>
+                                        </p:attrNameLst>
+                                      </p:cBhvr>
+                                      <p:tavLst>
+                                        <p:tav tm="0">
+                                          <p:val>
+                                            <p:strVal val="#ppt_y-.1"/>
+                                          </p:val>
+                                        </p:tav>
+                                        <p:tav tm="100000">
+                                          <p:val>
+                                            <p:strVal val="#ppt_y"/>
+                                          </p:val>
+                                        </p:tav>
+                                      </p:tavLst>
+                                    </p:anim>
+                                  </p:childTnLst>
+                                </p:cTn>
+                              </p:par>
+                            </p:childTnLst>
+                          </p:cTn>
+                        </p:par>
+                      </p:childTnLst>
+                    </p:cTn>
+                  </p:par>
+                </p:childTnLst>
+              </p:cTn>
+              <p:prevCondLst>
+                <p:cond evt="onPrev" delay="0">
+                  <p:tgtEl>
+                    <p:sldTgt/>
+                  </p:tgtEl>
+                </p:cond>
+              </p:prevCondLst>
+              <p:nextCondLst>
+                <p:cond evt="onNext" delay="0">
+                  <p:tgtEl>
+                    <p:sldTgt/>
+                  </p:tgtEl>
+                </p:cond>
+              </p:nextCondLst>
+            </p:seq>
+          </p:childTnLst>
+        </p:cTn>
+      </p:par>
+    </p:tnLst>
+    <p:bldLst>
+      <p:bldP spid="7" grpId="0" animBg="1"/>
+      <p:bldP spid="8" grpId="0" animBg="1"/>
+      <p:bldP spid="9" grpId="0" animBg="1"/>
+      <p:bldP spid="10" grpId="0" animBg="1"/>
+      <p:bldP spid="20" grpId="0" animBg="1"/>
+      <p:bldP spid="27" grpId="0" animBg="1"/>
+      <p:bldP spid="28" grpId="0" animBg="1"/>
+      <p:bldP spid="29" grpId="0"/>
+      <p:bldP spid="30" grpId="0" animBg="1"/>
+      <p:bldP spid="31" grpId="0" animBg="1"/>
+      <p:bldP spid="32" grpId="0" animBg="1"/>
+    </p:bldLst>
+  </p:timing>
+</p:sld>
+</file>
+
+<file path=ppt/slides/slide18.xml><?xml version="1.0" encoding="utf-8"?>
 <p:sld xmlns:a="http://schemas.openxmlformats.org/drawingml/2006/main" xmlns:r="http://schemas.openxmlformats.org/officeDocument/2006/relationships" xmlns:p="http://schemas.openxmlformats.org/presentationml/2006/main">
   <p:cSld>
     <p:spTree>
@@ -13829,14 +17800,14 @@
           </a:ln>
           <a:extLst>
             <a:ext uri="{909E8E84-426E-40dd-AFC4-6F175D3DCCD1}">
-              <a14:hiddenFill xmlns="" xmlns:a14="http://schemas.microsoft.com/office/drawing/2010/main" xmlns:lc="http://schemas.openxmlformats.org/drawingml/2006/lockedCanvas">
+              <a14:hiddenFill xmlns:lc="http://schemas.openxmlformats.org/drawingml/2006/lockedCanvas" xmlns:a14="http://schemas.microsoft.com/office/drawing/2010/main" xmlns="">
                 <a:solidFill>
                   <a:srgbClr val="FFFFFF"/>
                 </a:solidFill>
               </a14:hiddenFill>
             </a:ext>
             <a:ext uri="{91240B29-F687-4f45-9708-019B960494DF}">
-              <a14:hiddenLine xmlns="" xmlns:a14="http://schemas.microsoft.com/office/drawing/2010/main" xmlns:lc="http://schemas.openxmlformats.org/drawingml/2006/lockedCanvas" w="9525">
+              <a14:hiddenLine xmlns:lc="http://schemas.openxmlformats.org/drawingml/2006/lockedCanvas" xmlns:a14="http://schemas.microsoft.com/office/drawing/2010/main" xmlns="" w="9525">
                 <a:solidFill>
                   <a:srgbClr val="000000"/>
                 </a:solidFill>
@@ -14025,14 +17996,14 @@
           </a:ln>
           <a:extLst>
             <a:ext uri="{909E8E84-426E-40dd-AFC4-6F175D3DCCD1}">
-              <a14:hiddenFill xmlns="" xmlns:a14="http://schemas.microsoft.com/office/drawing/2010/main" xmlns:lc="http://schemas.openxmlformats.org/drawingml/2006/lockedCanvas">
+              <a14:hiddenFill xmlns:lc="http://schemas.openxmlformats.org/drawingml/2006/lockedCanvas" xmlns:a14="http://schemas.microsoft.com/office/drawing/2010/main" xmlns="">
                 <a:solidFill>
                   <a:srgbClr val="FFFFFF"/>
                 </a:solidFill>
               </a14:hiddenFill>
             </a:ext>
             <a:ext uri="{91240B29-F687-4f45-9708-019B960494DF}">
-              <a14:hiddenLine xmlns="" xmlns:a14="http://schemas.microsoft.com/office/drawing/2010/main" xmlns:lc="http://schemas.openxmlformats.org/drawingml/2006/lockedCanvas" w="9525">
+              <a14:hiddenLine xmlns:lc="http://schemas.openxmlformats.org/drawingml/2006/lockedCanvas" xmlns:a14="http://schemas.microsoft.com/office/drawing/2010/main" xmlns="" w="9525">
                 <a:solidFill>
                   <a:srgbClr val="000000"/>
                 </a:solidFill>
@@ -14493,14 +18464,14 @@
           </a:ln>
           <a:extLst>
             <a:ext uri="{909E8E84-426E-40dd-AFC4-6F175D3DCCD1}">
-              <a14:hiddenFill xmlns="" xmlns:a14="http://schemas.microsoft.com/office/drawing/2010/main" xmlns:lc="http://schemas.openxmlformats.org/drawingml/2006/lockedCanvas">
+              <a14:hiddenFill xmlns:lc="http://schemas.openxmlformats.org/drawingml/2006/lockedCanvas" xmlns:a14="http://schemas.microsoft.com/office/drawing/2010/main" xmlns="">
                 <a:solidFill>
                   <a:srgbClr val="FFFFFF"/>
                 </a:solidFill>
               </a14:hiddenFill>
             </a:ext>
             <a:ext uri="{91240B29-F687-4f45-9708-019B960494DF}">
-              <a14:hiddenLine xmlns="" xmlns:a14="http://schemas.microsoft.com/office/drawing/2010/main" xmlns:lc="http://schemas.openxmlformats.org/drawingml/2006/lockedCanvas" w="9525">
+              <a14:hiddenLine xmlns:lc="http://schemas.openxmlformats.org/drawingml/2006/lockedCanvas" xmlns:a14="http://schemas.microsoft.com/office/drawing/2010/main" xmlns="" w="9525">
                 <a:solidFill>
                   <a:srgbClr val="000000"/>
                 </a:solidFill>
@@ -15206,14 +19177,14 @@
           </a:ln>
           <a:extLst>
             <a:ext uri="{909E8E84-426E-40dd-AFC4-6F175D3DCCD1}">
-              <a14:hiddenFill xmlns="" xmlns:a14="http://schemas.microsoft.com/office/drawing/2010/main" xmlns:lc="http://schemas.openxmlformats.org/drawingml/2006/lockedCanvas">
+              <a14:hiddenFill xmlns:lc="http://schemas.openxmlformats.org/drawingml/2006/lockedCanvas" xmlns:a14="http://schemas.microsoft.com/office/drawing/2010/main" xmlns="">
                 <a:solidFill>
                   <a:srgbClr val="FFFFFF"/>
                 </a:solidFill>
               </a14:hiddenFill>
             </a:ext>
             <a:ext uri="{91240B29-F687-4f45-9708-019B960494DF}">
-              <a14:hiddenLine xmlns="" xmlns:a14="http://schemas.microsoft.com/office/drawing/2010/main" xmlns:lc="http://schemas.openxmlformats.org/drawingml/2006/lockedCanvas" w="9525">
+              <a14:hiddenLine xmlns:lc="http://schemas.openxmlformats.org/drawingml/2006/lockedCanvas" xmlns:a14="http://schemas.microsoft.com/office/drawing/2010/main" xmlns="" w="9525">
                 <a:solidFill>
                   <a:srgbClr val="000000"/>
                 </a:solidFill>
@@ -15266,14 +19237,14 @@
           </a:ln>
           <a:extLst>
             <a:ext uri="{909E8E84-426E-40dd-AFC4-6F175D3DCCD1}">
-              <a14:hiddenFill xmlns="" xmlns:a14="http://schemas.microsoft.com/office/drawing/2010/main" xmlns:lc="http://schemas.openxmlformats.org/drawingml/2006/lockedCanvas">
+              <a14:hiddenFill xmlns:lc="http://schemas.openxmlformats.org/drawingml/2006/lockedCanvas" xmlns:a14="http://schemas.microsoft.com/office/drawing/2010/main" xmlns="">
                 <a:solidFill>
                   <a:srgbClr val="FFFFFF"/>
                 </a:solidFill>
               </a14:hiddenFill>
             </a:ext>
             <a:ext uri="{91240B29-F687-4f45-9708-019B960494DF}">
-              <a14:hiddenLine xmlns="" xmlns:a14="http://schemas.microsoft.com/office/drawing/2010/main" xmlns:lc="http://schemas.openxmlformats.org/drawingml/2006/lockedCanvas" w="9525">
+              <a14:hiddenLine xmlns:lc="http://schemas.openxmlformats.org/drawingml/2006/lockedCanvas" xmlns:a14="http://schemas.microsoft.com/office/drawing/2010/main" xmlns="" w="9525">
                 <a:solidFill>
                   <a:srgbClr val="000000"/>
                 </a:solidFill>
@@ -15289,194 +19260,6 @@
     <p:extLst>
       <p:ext uri="{BB962C8B-B14F-4D97-AF65-F5344CB8AC3E}">
         <p14:creationId xmlns:p14="http://schemas.microsoft.com/office/powerpoint/2010/main" val="3850846324"/>
-      </p:ext>
-    </p:extLst>
-  </p:cSld>
-  <p:clrMapOvr>
-    <a:masterClrMapping/>
-  </p:clrMapOvr>
-</p:sld>
-</file>
-
-<file path=ppt/slides/slide18.xml><?xml version="1.0" encoding="utf-8"?>
-<p:sld xmlns:a="http://schemas.openxmlformats.org/drawingml/2006/main" xmlns:r="http://schemas.openxmlformats.org/officeDocument/2006/relationships" xmlns:p="http://schemas.openxmlformats.org/presentationml/2006/main">
-  <p:cSld>
-    <p:spTree>
-      <p:nvGrpSpPr>
-        <p:cNvPr id="1" name=""/>
-        <p:cNvGrpSpPr/>
-        <p:nvPr/>
-      </p:nvGrpSpPr>
-      <p:grpSpPr>
-        <a:xfrm>
-          <a:off x="0" y="0"/>
-          <a:ext cx="0" cy="0"/>
-          <a:chOff x="0" y="0"/>
-          <a:chExt cx="0" cy="0"/>
-        </a:xfrm>
-      </p:grpSpPr>
-      <p:sp>
-        <p:nvSpPr>
-          <p:cNvPr id="2" name="Content Placeholder 1">
-            <a:extLst>
-              <a:ext uri="{FF2B5EF4-FFF2-40B4-BE49-F238E27FC236}">
-                <a16:creationId xmlns:a16="http://schemas.microsoft.com/office/drawing/2014/main" id="{902F0381-E333-4403-8E3A-447DFAB0D293}"/>
-              </a:ext>
-            </a:extLst>
-          </p:cNvPr>
-          <p:cNvSpPr>
-            <a:spLocks noGrp="1"/>
-          </p:cNvSpPr>
-          <p:nvPr>
-            <p:ph idx="1"/>
-          </p:nvPr>
-        </p:nvSpPr>
-        <p:spPr>
-          <a:xfrm>
-            <a:off x="1226849" y="1817674"/>
-            <a:ext cx="8382613" cy="4351338"/>
-          </a:xfrm>
-        </p:spPr>
-        <p:txBody>
-          <a:bodyPr/>
-          <a:lstStyle/>
-          <a:p>
-            <a:r>
-              <a:rPr lang="nb-NO" dirty="0" err="1"/>
-              <a:t>App</a:t>
-            </a:r>
-            <a:r>
-              <a:rPr lang="nb-NO" dirty="0"/>
-              <a:t> Service Plan:</a:t>
-            </a:r>
-          </a:p>
-          <a:p>
-            <a:pPr lvl="1"/>
-            <a:r>
-              <a:rPr lang="nb-NO" dirty="0"/>
-              <a:t>Tenk på det som VM</a:t>
-            </a:r>
-          </a:p>
-          <a:p>
-            <a:pPr lvl="1"/>
-            <a:r>
-              <a:rPr lang="nb-NO" dirty="0"/>
-              <a:t>Kan putte flere </a:t>
-            </a:r>
-            <a:r>
-              <a:rPr lang="nb-NO" dirty="0" err="1"/>
-              <a:t>Apps</a:t>
-            </a:r>
-            <a:r>
-              <a:rPr lang="nb-NO" dirty="0"/>
-              <a:t> på samme Service Plan.</a:t>
-            </a:r>
-          </a:p>
-          <a:p>
-            <a:pPr lvl="1"/>
-            <a:r>
-              <a:rPr lang="nb-NO" dirty="0"/>
-              <a:t>Man skalerer </a:t>
-            </a:r>
-            <a:r>
-              <a:rPr lang="nb-NO" dirty="0" err="1"/>
-              <a:t>App</a:t>
-            </a:r>
-            <a:r>
-              <a:rPr lang="nb-NO" dirty="0"/>
-              <a:t> Service Plan (ikke </a:t>
-            </a:r>
-            <a:r>
-              <a:rPr lang="nb-NO" dirty="0" err="1"/>
-              <a:t>Apps</a:t>
-            </a:r>
-            <a:r>
-              <a:rPr lang="nb-NO" dirty="0"/>
-              <a:t>).</a:t>
-            </a:r>
-          </a:p>
-          <a:p>
-            <a:endParaRPr lang="nb-NO" dirty="0"/>
-          </a:p>
-          <a:p>
-            <a:r>
-              <a:rPr lang="nb-NO" dirty="0"/>
-              <a:t>Kan ikke bruke </a:t>
-            </a:r>
-            <a:r>
-              <a:rPr lang="nb-NO" dirty="0" err="1"/>
-              <a:t>App</a:t>
-            </a:r>
-            <a:r>
-              <a:rPr lang="nb-NO" dirty="0"/>
-              <a:t> Service hvis man kjører «sære» ting.</a:t>
-            </a:r>
-          </a:p>
-          <a:p>
-            <a:pPr lvl="1"/>
-            <a:r>
-              <a:rPr lang="nb-NO" dirty="0"/>
-              <a:t>Kan ikke installere drivere, COM-objekter etc. på maskinen -&gt; VM løsningen.	</a:t>
-            </a:r>
-          </a:p>
-          <a:p>
-            <a:pPr marL="0" indent="0">
-              <a:buNone/>
-            </a:pPr>
-            <a:endParaRPr lang="nb-NO" dirty="0"/>
-          </a:p>
-          <a:p>
-            <a:r>
-              <a:rPr lang="nb-NO" dirty="0"/>
-              <a:t>Kan kjøre i et egen isolert miljø: </a:t>
-            </a:r>
-            <a:r>
-              <a:rPr lang="nb-NO" dirty="0" err="1"/>
-              <a:t>App</a:t>
-            </a:r>
-            <a:r>
-              <a:rPr lang="nb-NO" dirty="0"/>
-              <a:t> Service Environment (ASE)</a:t>
-            </a:r>
-          </a:p>
-        </p:txBody>
-      </p:sp>
-      <p:sp>
-        <p:nvSpPr>
-          <p:cNvPr id="3" name="Title 2">
-            <a:extLst>
-              <a:ext uri="{FF2B5EF4-FFF2-40B4-BE49-F238E27FC236}">
-                <a16:creationId xmlns:a16="http://schemas.microsoft.com/office/drawing/2014/main" id="{8E544C7F-1E8B-4AB8-A89E-0E1BBC05AD3E}"/>
-              </a:ext>
-            </a:extLst>
-          </p:cNvPr>
-          <p:cNvSpPr>
-            <a:spLocks noGrp="1"/>
-          </p:cNvSpPr>
-          <p:nvPr>
-            <p:ph type="title"/>
-          </p:nvPr>
-        </p:nvSpPr>
-        <p:spPr/>
-        <p:txBody>
-          <a:bodyPr/>
-          <a:lstStyle/>
-          <a:p>
-            <a:r>
-              <a:rPr lang="nb-NO" dirty="0" err="1"/>
-              <a:t>App</a:t>
-            </a:r>
-            <a:r>
-              <a:rPr lang="nb-NO" dirty="0"/>
-              <a:t> Service Plan:</a:t>
-            </a:r>
-          </a:p>
-        </p:txBody>
-      </p:sp>
-    </p:spTree>
-    <p:extLst>
-      <p:ext uri="{BB962C8B-B14F-4D97-AF65-F5344CB8AC3E}">
-        <p14:creationId xmlns:p14="http://schemas.microsoft.com/office/powerpoint/2010/main" val="1923570269"/>
       </p:ext>
     </p:extLst>
   </p:cSld>
@@ -15508,7 +19291,7 @@
           <p:cNvPr id="2" name="Content Placeholder 1">
             <a:extLst>
               <a:ext uri="{FF2B5EF4-FFF2-40B4-BE49-F238E27FC236}">
-                <a16:creationId xmlns:a16="http://schemas.microsoft.com/office/drawing/2014/main" id="{7AE43EF0-28B5-4B4C-B457-228A74A9F4E5}"/>
+                <a16:creationId xmlns:a16="http://schemas.microsoft.com/office/drawing/2014/main" id="{902F0381-E333-4403-8E3A-447DFAB0D293}"/>
               </a:ext>
             </a:extLst>
           </p:cNvPr>
@@ -15519,58 +19302,156 @@
             <p:ph idx="1"/>
           </p:nvPr>
         </p:nvSpPr>
-        <p:spPr/>
+        <p:spPr>
+          <a:xfrm>
+            <a:off x="1226849" y="1817674"/>
+            <a:ext cx="8382613" cy="4351338"/>
+          </a:xfrm>
+        </p:spPr>
         <p:txBody>
           <a:bodyPr/>
           <a:lstStyle/>
           <a:p>
             <a:r>
+              <a:rPr lang="nb-NO" dirty="0" err="1"/>
+              <a:t>App</a:t>
+            </a:r>
+            <a:r>
               <a:rPr lang="nb-NO" dirty="0"/>
-              <a:t>Støtte for flere programmeringsspråk </a:t>
+              <a:t> Service Plan:</a:t>
             </a:r>
           </a:p>
           <a:p>
             <a:pPr lvl="1"/>
             <a:r>
               <a:rPr lang="nb-NO" dirty="0"/>
-              <a:t>.NET</a:t>
+              <a:t>Sikker </a:t>
+            </a:r>
+            <a:r>
+              <a:rPr lang="nb-NO" dirty="0" err="1"/>
+              <a:t>sandbox</a:t>
+            </a:r>
+            <a:r>
+              <a:rPr lang="nb-NO" dirty="0"/>
+              <a:t> som separeres fra andre. </a:t>
             </a:r>
           </a:p>
           <a:p>
             <a:pPr lvl="1"/>
             <a:r>
               <a:rPr lang="nb-NO" dirty="0"/>
-              <a:t>Python</a:t>
+              <a:t>Sikrer et minimum av ressurser</a:t>
             </a:r>
           </a:p>
           <a:p>
             <a:pPr lvl="1"/>
             <a:r>
               <a:rPr lang="nb-NO" dirty="0"/>
-              <a:t>Node.JS</a:t>
-            </a:r>
-          </a:p>
-          <a:p>
+              <a:t>Kan putte flere </a:t>
+            </a:r>
             <a:r>
               <a:rPr lang="nb-NO" dirty="0" err="1"/>
-              <a:t>Features</a:t>
+              <a:t>Apps</a:t>
             </a:r>
             <a:r>
               <a:rPr lang="nb-NO" dirty="0"/>
-              <a:t>:</a:t>
+              <a:t> på samme Service Plan.</a:t>
             </a:r>
           </a:p>
           <a:p>
             <a:pPr lvl="1"/>
             <a:r>
+              <a:rPr lang="nb-NO" dirty="0"/>
+              <a:t>Man skalerer </a:t>
+            </a:r>
+            <a:r>
               <a:rPr lang="nb-NO" dirty="0" err="1"/>
-              <a:t>Slots</a:t>
-            </a:r>
+              <a:t>App</a:t>
+            </a:r>
+            <a:r>
+              <a:rPr lang="nb-NO" dirty="0"/>
+              <a:t> Service Plan (ikke </a:t>
+            </a:r>
+            <a:r>
+              <a:rPr lang="nb-NO" dirty="0" err="1"/>
+              <a:t>Apps</a:t>
+            </a:r>
+            <a:r>
+              <a:rPr lang="nb-NO" dirty="0"/>
+              <a:t>).</a:t>
+            </a:r>
+          </a:p>
+          <a:p>
+            <a:r>
+              <a:rPr lang="nb-NO" dirty="0"/>
+              <a:t>Kan ikke bruke </a:t>
+            </a:r>
+            <a:r>
+              <a:rPr lang="nb-NO" dirty="0" err="1"/>
+              <a:t>App</a:t>
+            </a:r>
+            <a:r>
+              <a:rPr lang="nb-NO" dirty="0"/>
+              <a:t> Service hvis man kjører «sære» ting.</a:t>
+            </a:r>
+          </a:p>
+          <a:p>
+            <a:pPr lvl="1"/>
+            <a:r>
+              <a:rPr lang="nb-NO" dirty="0"/>
+              <a:t>Kan ikke installere drivere, COM-objekter etc. på maskinen -&gt; VM løsningen.	</a:t>
+            </a:r>
+          </a:p>
+          <a:p>
+            <a:pPr lvl="1"/>
+            <a:r>
+              <a:rPr lang="nb-NO" dirty="0"/>
+              <a:t>Kan ikke skrive til </a:t>
+            </a:r>
+            <a:r>
+              <a:rPr lang="nb-NO" dirty="0" err="1"/>
+              <a:t>registry</a:t>
+            </a:r>
+            <a:r>
+              <a:rPr lang="nb-NO" dirty="0"/>
+              <a:t>, aksessere </a:t>
+            </a:r>
+            <a:r>
+              <a:rPr lang="nb-NO" dirty="0" err="1"/>
+              <a:t>Event</a:t>
+            </a:r>
+            <a:r>
+              <a:rPr lang="nb-NO" dirty="0"/>
+              <a:t> Loge </a:t>
+            </a:r>
+            <a:r>
+              <a:rPr lang="nb-NO" dirty="0" err="1"/>
+              <a:t>tc</a:t>
+            </a:r>
+            <a:r>
+              <a:rPr lang="nb-NO" dirty="0"/>
+              <a:t>.</a:t>
+            </a:r>
+          </a:p>
+          <a:p>
+            <a:pPr marL="0" indent="0">
+              <a:buNone/>
+            </a:pPr>
             <a:endParaRPr lang="nb-NO" dirty="0"/>
           </a:p>
           <a:p>
-            <a:pPr lvl="1"/>
-            <a:endParaRPr lang="nb-NO" dirty="0"/>
+            <a:r>
+              <a:rPr lang="nb-NO" dirty="0"/>
+              <a:t>Kan kjøre i et egen isolert miljø: </a:t>
+            </a:r>
+            <a:r>
+              <a:rPr lang="nb-NO" dirty="0" err="1"/>
+              <a:t>App</a:t>
+            </a:r>
+            <a:r>
+              <a:rPr lang="nb-NO" dirty="0"/>
+              <a:t> Service Environment (ASE)</a:t>
+            </a:r>
           </a:p>
         </p:txBody>
       </p:sp>
@@ -15579,7 +19460,7 @@
           <p:cNvPr id="3" name="Title 2">
             <a:extLst>
               <a:ext uri="{FF2B5EF4-FFF2-40B4-BE49-F238E27FC236}">
-                <a16:creationId xmlns:a16="http://schemas.microsoft.com/office/drawing/2014/main" id="{70B9FBB2-5FB2-406C-A4E8-B7F106A2FD51}"/>
+                <a16:creationId xmlns:a16="http://schemas.microsoft.com/office/drawing/2014/main" id="{8E544C7F-1E8B-4AB8-A89E-0E1BBC05AD3E}"/>
               </a:ext>
             </a:extLst>
           </p:cNvPr>
@@ -15596,21 +19477,20 @@
           <a:lstStyle/>
           <a:p>
             <a:r>
+              <a:rPr lang="nb-NO" dirty="0" err="1"/>
+              <a:t>App</a:t>
+            </a:r>
+            <a:r>
               <a:rPr lang="nb-NO" dirty="0"/>
-              <a:t>Web </a:t>
-            </a:r>
-            <a:r>
-              <a:rPr lang="nb-NO" dirty="0" err="1"/>
-              <a:t>Apps</a:t>
-            </a:r>
-            <a:endParaRPr lang="nb-NO" dirty="0"/>
+              <a:t> Service Plan:</a:t>
+            </a:r>
           </a:p>
         </p:txBody>
       </p:sp>
     </p:spTree>
     <p:extLst>
       <p:ext uri="{BB962C8B-B14F-4D97-AF65-F5344CB8AC3E}">
-        <p14:creationId xmlns:p14="http://schemas.microsoft.com/office/powerpoint/2010/main" val="641098532"/>
+        <p14:creationId xmlns:p14="http://schemas.microsoft.com/office/powerpoint/2010/main" val="1923570269"/>
       </p:ext>
     </p:extLst>
   </p:cSld>
@@ -15711,6 +19591,140 @@
 </file>
 
 <file path=ppt/slides/slide20.xml><?xml version="1.0" encoding="utf-8"?>
+<p:sld xmlns:a="http://schemas.openxmlformats.org/drawingml/2006/main" xmlns:r="http://schemas.openxmlformats.org/officeDocument/2006/relationships" xmlns:p="http://schemas.openxmlformats.org/presentationml/2006/main">
+  <p:cSld>
+    <p:spTree>
+      <p:nvGrpSpPr>
+        <p:cNvPr id="1" name=""/>
+        <p:cNvGrpSpPr/>
+        <p:nvPr/>
+      </p:nvGrpSpPr>
+      <p:grpSpPr>
+        <a:xfrm>
+          <a:off x="0" y="0"/>
+          <a:ext cx="0" cy="0"/>
+          <a:chOff x="0" y="0"/>
+          <a:chExt cx="0" cy="0"/>
+        </a:xfrm>
+      </p:grpSpPr>
+      <p:sp>
+        <p:nvSpPr>
+          <p:cNvPr id="2" name="Content Placeholder 1">
+            <a:extLst>
+              <a:ext uri="{FF2B5EF4-FFF2-40B4-BE49-F238E27FC236}">
+                <a16:creationId xmlns:a16="http://schemas.microsoft.com/office/drawing/2014/main" id="{7AE43EF0-28B5-4B4C-B457-228A74A9F4E5}"/>
+              </a:ext>
+            </a:extLst>
+          </p:cNvPr>
+          <p:cNvSpPr>
+            <a:spLocks noGrp="1"/>
+          </p:cNvSpPr>
+          <p:nvPr>
+            <p:ph idx="1"/>
+          </p:nvPr>
+        </p:nvSpPr>
+        <p:spPr/>
+        <p:txBody>
+          <a:bodyPr/>
+          <a:lstStyle/>
+          <a:p>
+            <a:r>
+              <a:rPr lang="nb-NO" dirty="0"/>
+              <a:t>Støtte for flere programmeringsspråk </a:t>
+            </a:r>
+          </a:p>
+          <a:p>
+            <a:pPr lvl="1"/>
+            <a:r>
+              <a:rPr lang="nb-NO" dirty="0"/>
+              <a:t>.NET</a:t>
+            </a:r>
+          </a:p>
+          <a:p>
+            <a:pPr lvl="1"/>
+            <a:r>
+              <a:rPr lang="nb-NO" dirty="0"/>
+              <a:t>Python</a:t>
+            </a:r>
+          </a:p>
+          <a:p>
+            <a:pPr lvl="1"/>
+            <a:r>
+              <a:rPr lang="nb-NO" dirty="0"/>
+              <a:t>Node.JS</a:t>
+            </a:r>
+          </a:p>
+          <a:p>
+            <a:r>
+              <a:rPr lang="nb-NO" dirty="0" err="1"/>
+              <a:t>Features</a:t>
+            </a:r>
+            <a:r>
+              <a:rPr lang="nb-NO" dirty="0"/>
+              <a:t>:</a:t>
+            </a:r>
+          </a:p>
+          <a:p>
+            <a:pPr lvl="1"/>
+            <a:r>
+              <a:rPr lang="nb-NO" dirty="0" err="1"/>
+              <a:t>Slots</a:t>
+            </a:r>
+            <a:endParaRPr lang="nb-NO" dirty="0"/>
+          </a:p>
+          <a:p>
+            <a:pPr lvl="1"/>
+            <a:endParaRPr lang="nb-NO" dirty="0"/>
+          </a:p>
+        </p:txBody>
+      </p:sp>
+      <p:sp>
+        <p:nvSpPr>
+          <p:cNvPr id="3" name="Title 2">
+            <a:extLst>
+              <a:ext uri="{FF2B5EF4-FFF2-40B4-BE49-F238E27FC236}">
+                <a16:creationId xmlns:a16="http://schemas.microsoft.com/office/drawing/2014/main" id="{70B9FBB2-5FB2-406C-A4E8-B7F106A2FD51}"/>
+              </a:ext>
+            </a:extLst>
+          </p:cNvPr>
+          <p:cNvSpPr>
+            <a:spLocks noGrp="1"/>
+          </p:cNvSpPr>
+          <p:nvPr>
+            <p:ph type="title"/>
+          </p:nvPr>
+        </p:nvSpPr>
+        <p:spPr/>
+        <p:txBody>
+          <a:bodyPr/>
+          <a:lstStyle/>
+          <a:p>
+            <a:r>
+              <a:rPr lang="nb-NO" dirty="0"/>
+              <a:t>Web </a:t>
+            </a:r>
+            <a:r>
+              <a:rPr lang="nb-NO" dirty="0" err="1"/>
+              <a:t>Apps</a:t>
+            </a:r>
+            <a:endParaRPr lang="nb-NO" dirty="0"/>
+          </a:p>
+        </p:txBody>
+      </p:sp>
+    </p:spTree>
+    <p:extLst>
+      <p:ext uri="{BB962C8B-B14F-4D97-AF65-F5344CB8AC3E}">
+        <p14:creationId xmlns:p14="http://schemas.microsoft.com/office/powerpoint/2010/main" val="641098532"/>
+      </p:ext>
+    </p:extLst>
+  </p:cSld>
+  <p:clrMapOvr>
+    <a:masterClrMapping/>
+  </p:clrMapOvr>
+</p:sld>
+</file>
+
+<file path=ppt/slides/slide21.xml><?xml version="1.0" encoding="utf-8"?>
 <p:sld xmlns:a="http://schemas.openxmlformats.org/drawingml/2006/main" xmlns:r="http://schemas.openxmlformats.org/officeDocument/2006/relationships" xmlns:p="http://schemas.openxmlformats.org/presentationml/2006/main">
   <p:cSld>
     <p:spTree>
@@ -15894,94 +19908,6 @@
 </p:sld>
 </file>
 
-<file path=ppt/slides/slide21.xml><?xml version="1.0" encoding="utf-8"?>
-<p:sld xmlns:a="http://schemas.openxmlformats.org/drawingml/2006/main" xmlns:r="http://schemas.openxmlformats.org/officeDocument/2006/relationships" xmlns:p="http://schemas.openxmlformats.org/presentationml/2006/main">
-  <p:cSld>
-    <p:spTree>
-      <p:nvGrpSpPr>
-        <p:cNvPr id="1" name=""/>
-        <p:cNvGrpSpPr/>
-        <p:nvPr/>
-      </p:nvGrpSpPr>
-      <p:grpSpPr>
-        <a:xfrm>
-          <a:off x="0" y="0"/>
-          <a:ext cx="0" cy="0"/>
-          <a:chOff x="0" y="0"/>
-          <a:chExt cx="0" cy="0"/>
-        </a:xfrm>
-      </p:grpSpPr>
-      <p:sp>
-        <p:nvSpPr>
-          <p:cNvPr id="2" name="Content Placeholder 1">
-            <a:extLst>
-              <a:ext uri="{FF2B5EF4-FFF2-40B4-BE49-F238E27FC236}">
-                <a16:creationId xmlns:a16="http://schemas.microsoft.com/office/drawing/2014/main" id="{DDB7E498-3C4D-40F4-9886-096A6156A712}"/>
-              </a:ext>
-            </a:extLst>
-          </p:cNvPr>
-          <p:cNvSpPr>
-            <a:spLocks noGrp="1"/>
-          </p:cNvSpPr>
-          <p:nvPr>
-            <p:ph idx="1"/>
-          </p:nvPr>
-        </p:nvSpPr>
-        <p:spPr/>
-        <p:txBody>
-          <a:bodyPr/>
-          <a:lstStyle/>
-          <a:p>
-            <a:pPr lvl="1"/>
-            <a:endParaRPr lang="nb-NO" dirty="0"/>
-          </a:p>
-        </p:txBody>
-      </p:sp>
-      <p:sp>
-        <p:nvSpPr>
-          <p:cNvPr id="3" name="Title 2">
-            <a:extLst>
-              <a:ext uri="{FF2B5EF4-FFF2-40B4-BE49-F238E27FC236}">
-                <a16:creationId xmlns:a16="http://schemas.microsoft.com/office/drawing/2014/main" id="{FF17F895-AE5B-489F-851C-DF70FA11E094}"/>
-              </a:ext>
-            </a:extLst>
-          </p:cNvPr>
-          <p:cNvSpPr>
-            <a:spLocks noGrp="1"/>
-          </p:cNvSpPr>
-          <p:nvPr>
-            <p:ph type="title"/>
-          </p:nvPr>
-        </p:nvSpPr>
-        <p:spPr/>
-        <p:txBody>
-          <a:bodyPr/>
-          <a:lstStyle/>
-          <a:p>
-            <a:r>
-              <a:rPr lang="nb-NO" dirty="0" err="1"/>
-              <a:t>App</a:t>
-            </a:r>
-            <a:r>
-              <a:rPr lang="nb-NO" dirty="0"/>
-              <a:t> Service Plan - Demo</a:t>
-            </a:r>
-          </a:p>
-        </p:txBody>
-      </p:sp>
-    </p:spTree>
-    <p:extLst>
-      <p:ext uri="{BB962C8B-B14F-4D97-AF65-F5344CB8AC3E}">
-        <p14:creationId xmlns:p14="http://schemas.microsoft.com/office/powerpoint/2010/main" val="2537136117"/>
-      </p:ext>
-    </p:extLst>
-  </p:cSld>
-  <p:clrMapOvr>
-    <a:masterClrMapping/>
-  </p:clrMapOvr>
-</p:sld>
-</file>
-
 <file path=ppt/slides/slide22.xml><?xml version="1.0" encoding="utf-8"?>
 <p:sld xmlns:a="http://schemas.openxmlformats.org/drawingml/2006/main" xmlns:r="http://schemas.openxmlformats.org/officeDocument/2006/relationships" xmlns:p="http://schemas.openxmlformats.org/presentationml/2006/main">
   <p:cSld>
@@ -16004,7 +19930,7 @@
           <p:cNvPr id="2" name="Content Placeholder 1">
             <a:extLst>
               <a:ext uri="{FF2B5EF4-FFF2-40B4-BE49-F238E27FC236}">
-                <a16:creationId xmlns:a16="http://schemas.microsoft.com/office/drawing/2014/main" id="{1F79401F-EEF2-4234-884F-6B9F884FA979}"/>
+                <a16:creationId xmlns:a16="http://schemas.microsoft.com/office/drawing/2014/main" id="{DDB7E498-3C4D-40F4-9886-096A6156A712}"/>
               </a:ext>
             </a:extLst>
           </p:cNvPr>
@@ -16020,47 +19946,7 @@
           <a:bodyPr/>
           <a:lstStyle/>
           <a:p>
-            <a:r>
-              <a:rPr lang="nb-NO" dirty="0"/>
-              <a:t>Tjeneste </a:t>
-            </a:r>
-          </a:p>
-          <a:p>
-            <a:r>
-              <a:rPr lang="nb-NO" dirty="0"/>
-              <a:t>Sikker lagring av </a:t>
-            </a:r>
-            <a:r>
-              <a:rPr lang="nb-NO" dirty="0" err="1"/>
-              <a:t>secrets</a:t>
-            </a:r>
-            <a:r>
-              <a:rPr lang="nb-NO" dirty="0"/>
-              <a:t> (f.eks. passord) og sertifikater i Azure</a:t>
-            </a:r>
-          </a:p>
-          <a:p>
-            <a:endParaRPr lang="nb-NO" dirty="0"/>
-          </a:p>
-          <a:p>
-            <a:endParaRPr lang="nb-NO" dirty="0"/>
-          </a:p>
-          <a:p>
-            <a:endParaRPr lang="nb-NO" dirty="0"/>
-          </a:p>
-          <a:p>
-            <a:endParaRPr lang="nb-NO" dirty="0"/>
-          </a:p>
-          <a:p>
-            <a:endParaRPr lang="nb-NO" dirty="0"/>
-          </a:p>
-          <a:p>
-            <a:r>
-              <a:rPr lang="nb-NO" dirty="0"/>
-              <a:t>Demo</a:t>
-            </a:r>
-          </a:p>
-          <a:p>
+            <a:pPr lvl="1"/>
             <a:endParaRPr lang="nb-NO" dirty="0"/>
           </a:p>
         </p:txBody>
@@ -16070,7 +19956,7 @@
           <p:cNvPr id="3" name="Title 2">
             <a:extLst>
               <a:ext uri="{FF2B5EF4-FFF2-40B4-BE49-F238E27FC236}">
-                <a16:creationId xmlns:a16="http://schemas.microsoft.com/office/drawing/2014/main" id="{67F3484C-440F-4FA5-8833-85E89A9F8F08}"/>
+                <a16:creationId xmlns:a16="http://schemas.microsoft.com/office/drawing/2014/main" id="{FF17F895-AE5B-489F-851C-DF70FA11E094}"/>
               </a:ext>
             </a:extLst>
           </p:cNvPr>
@@ -16088,16 +19974,19 @@
           <a:p>
             <a:r>
               <a:rPr lang="nb-NO" dirty="0" err="1"/>
-              <a:t>KeyVault</a:t>
-            </a:r>
-            <a:endParaRPr lang="nb-NO" dirty="0"/>
+              <a:t>App</a:t>
+            </a:r>
+            <a:r>
+              <a:rPr lang="nb-NO" dirty="0"/>
+              <a:t> Service Plan - Demo</a:t>
+            </a:r>
           </a:p>
         </p:txBody>
       </p:sp>
     </p:spTree>
     <p:extLst>
       <p:ext uri="{BB962C8B-B14F-4D97-AF65-F5344CB8AC3E}">
-        <p14:creationId xmlns:p14="http://schemas.microsoft.com/office/powerpoint/2010/main" val="881317300"/>
+        <p14:creationId xmlns:p14="http://schemas.microsoft.com/office/powerpoint/2010/main" val="2537136117"/>
       </p:ext>
     </p:extLst>
   </p:cSld>
@@ -16129,7 +20018,7 @@
           <p:cNvPr id="2" name="Content Placeholder 1">
             <a:extLst>
               <a:ext uri="{FF2B5EF4-FFF2-40B4-BE49-F238E27FC236}">
-                <a16:creationId xmlns:a16="http://schemas.microsoft.com/office/drawing/2014/main" id="{80AA05E5-BB1E-4E59-B3A6-8050741140A1}"/>
+                <a16:creationId xmlns:a16="http://schemas.microsoft.com/office/drawing/2014/main" id="{1F79401F-EEF2-4234-884F-6B9F884FA979}"/>
               </a:ext>
             </a:extLst>
           </p:cNvPr>
@@ -16145,7 +20034,48 @@
           <a:bodyPr/>
           <a:lstStyle/>
           <a:p>
-            <a:endParaRPr lang="nb-NO"/>
+            <a:r>
+              <a:rPr lang="nb-NO" dirty="0"/>
+              <a:t>Tjeneste </a:t>
+            </a:r>
+          </a:p>
+          <a:p>
+            <a:r>
+              <a:rPr lang="nb-NO" dirty="0"/>
+              <a:t>Sikker lagring av </a:t>
+            </a:r>
+            <a:r>
+              <a:rPr lang="nb-NO" dirty="0" err="1"/>
+              <a:t>secrets</a:t>
+            </a:r>
+            <a:r>
+              <a:rPr lang="nb-NO" dirty="0"/>
+              <a:t> (f.eks. passord) og sertifikater i Azure</a:t>
+            </a:r>
+          </a:p>
+          <a:p>
+            <a:endParaRPr lang="nb-NO" dirty="0"/>
+          </a:p>
+          <a:p>
+            <a:endParaRPr lang="nb-NO" dirty="0"/>
+          </a:p>
+          <a:p>
+            <a:endParaRPr lang="nb-NO" dirty="0"/>
+          </a:p>
+          <a:p>
+            <a:endParaRPr lang="nb-NO" dirty="0"/>
+          </a:p>
+          <a:p>
+            <a:endParaRPr lang="nb-NO" dirty="0"/>
+          </a:p>
+          <a:p>
+            <a:r>
+              <a:rPr lang="nb-NO" dirty="0"/>
+              <a:t>Demo</a:t>
+            </a:r>
+          </a:p>
+          <a:p>
+            <a:endParaRPr lang="nb-NO" dirty="0"/>
           </a:p>
         </p:txBody>
       </p:sp>
@@ -16154,7 +20084,7 @@
           <p:cNvPr id="3" name="Title 2">
             <a:extLst>
               <a:ext uri="{FF2B5EF4-FFF2-40B4-BE49-F238E27FC236}">
-                <a16:creationId xmlns:a16="http://schemas.microsoft.com/office/drawing/2014/main" id="{36AE5D29-1F11-4D5C-A83E-B7CDA2A2069C}"/>
+                <a16:creationId xmlns:a16="http://schemas.microsoft.com/office/drawing/2014/main" id="{67F3484C-440F-4FA5-8833-85E89A9F8F08}"/>
               </a:ext>
             </a:extLst>
           </p:cNvPr>
@@ -16171,24 +20101,17 @@
           <a:lstStyle/>
           <a:p>
             <a:r>
-              <a:rPr lang="nb-NO" dirty="0"/>
-              <a:t>Key </a:t>
-            </a:r>
-            <a:r>
               <a:rPr lang="nb-NO" dirty="0" err="1"/>
-              <a:t>Vault</a:t>
-            </a:r>
-            <a:r>
-              <a:rPr lang="nb-NO" dirty="0"/>
-              <a:t> Demo</a:t>
-            </a:r>
+              <a:t>KeyVault</a:t>
+            </a:r>
+            <a:endParaRPr lang="nb-NO" dirty="0"/>
           </a:p>
         </p:txBody>
       </p:sp>
     </p:spTree>
     <p:extLst>
       <p:ext uri="{BB962C8B-B14F-4D97-AF65-F5344CB8AC3E}">
-        <p14:creationId xmlns:p14="http://schemas.microsoft.com/office/powerpoint/2010/main" val="607609166"/>
+        <p14:creationId xmlns:p14="http://schemas.microsoft.com/office/powerpoint/2010/main" val="881317300"/>
       </p:ext>
     </p:extLst>
   </p:cSld>
@@ -16220,7 +20143,7 @@
           <p:cNvPr id="2" name="Content Placeholder 1">
             <a:extLst>
               <a:ext uri="{FF2B5EF4-FFF2-40B4-BE49-F238E27FC236}">
-                <a16:creationId xmlns:a16="http://schemas.microsoft.com/office/drawing/2014/main" id="{D490908C-9173-4AFD-8FE0-364E1E34A7C0}"/>
+                <a16:creationId xmlns:a16="http://schemas.microsoft.com/office/drawing/2014/main" id="{80AA05E5-BB1E-4E59-B3A6-8050741140A1}"/>
               </a:ext>
             </a:extLst>
           </p:cNvPr>
@@ -16236,121 +20159,7 @@
           <a:bodyPr/>
           <a:lstStyle/>
           <a:p>
-            <a:r>
-              <a:rPr lang="nb-NO" dirty="0"/>
-              <a:t>Azure SQL Database</a:t>
-            </a:r>
-          </a:p>
-          <a:p>
-            <a:pPr lvl="1"/>
-            <a:r>
-              <a:rPr lang="nb-NO" dirty="0"/>
-              <a:t>SQL Server som tjeneste i skyen (*)</a:t>
-            </a:r>
-          </a:p>
-          <a:p>
-            <a:r>
-              <a:rPr lang="nb-NO" dirty="0"/>
-              <a:t>Cosmos DB</a:t>
-            </a:r>
-          </a:p>
-          <a:p>
-            <a:pPr lvl="1"/>
-            <a:r>
-              <a:rPr lang="nb-NO" dirty="0"/>
-              <a:t>No-SQL-database</a:t>
-            </a:r>
-          </a:p>
-          <a:p>
-            <a:pPr lvl="1"/>
-            <a:r>
-              <a:rPr lang="nb-NO" dirty="0"/>
-              <a:t>Global skalering.</a:t>
-            </a:r>
-          </a:p>
-          <a:p>
-            <a:pPr lvl="1"/>
-            <a:r>
-              <a:rPr lang="nb-NO" dirty="0"/>
-              <a:t>Tilbyr forskjellige </a:t>
-            </a:r>
-            <a:r>
-              <a:rPr lang="nb-NO" dirty="0" err="1"/>
-              <a:t>APIer</a:t>
-            </a:r>
-            <a:r>
-              <a:rPr lang="nb-NO" dirty="0"/>
-              <a:t>: </a:t>
-            </a:r>
-            <a:r>
-              <a:rPr lang="nb-NO" dirty="0" err="1"/>
-              <a:t>DocumentDB</a:t>
-            </a:r>
-            <a:r>
-              <a:rPr lang="nb-NO" dirty="0"/>
-              <a:t> API </a:t>
-            </a:r>
-            <a:r>
-              <a:rPr lang="nb-NO" dirty="0" err="1"/>
-              <a:t>Sql</a:t>
-            </a:r>
-            <a:r>
-              <a:rPr lang="nb-NO" dirty="0"/>
-              <a:t> API, </a:t>
-            </a:r>
-            <a:r>
-              <a:rPr lang="nb-NO" dirty="0" err="1"/>
-              <a:t>Table</a:t>
-            </a:r>
-            <a:r>
-              <a:rPr lang="nb-NO" dirty="0"/>
-              <a:t> Storage API</a:t>
-            </a:r>
-          </a:p>
-          <a:p>
-            <a:r>
-              <a:rPr lang="nb-NO" dirty="0"/>
-              <a:t>Azure Storage</a:t>
-            </a:r>
-          </a:p>
-          <a:p>
-            <a:r>
-              <a:rPr lang="nb-NO" dirty="0" err="1"/>
-              <a:t>MySql</a:t>
-            </a:r>
-            <a:r>
-              <a:rPr lang="nb-NO" dirty="0"/>
-              <a:t>, </a:t>
-            </a:r>
-            <a:r>
-              <a:rPr lang="nb-NO" dirty="0" err="1"/>
-              <a:t>PostgreSQL</a:t>
-            </a:r>
-            <a:r>
-              <a:rPr lang="nb-NO" dirty="0"/>
-              <a:t> ++</a:t>
-            </a:r>
-          </a:p>
-          <a:p>
-            <a:pPr marL="357187" lvl="1" indent="0">
-              <a:buNone/>
-            </a:pPr>
-            <a:endParaRPr lang="nb-NO" dirty="0"/>
-          </a:p>
-          <a:p>
-            <a:r>
-              <a:rPr lang="nb-NO" dirty="0" err="1"/>
-              <a:t>Polyglot</a:t>
-            </a:r>
-            <a:r>
-              <a:rPr lang="nb-NO" dirty="0"/>
-              <a:t> </a:t>
-            </a:r>
-            <a:r>
-              <a:rPr lang="nb-NO" dirty="0" err="1"/>
-              <a:t>storage</a:t>
-            </a:r>
-            <a:endParaRPr lang="nb-NO" dirty="0"/>
+            <a:endParaRPr lang="nb-NO"/>
           </a:p>
         </p:txBody>
       </p:sp>
@@ -16359,7 +20168,7 @@
           <p:cNvPr id="3" name="Title 2">
             <a:extLst>
               <a:ext uri="{FF2B5EF4-FFF2-40B4-BE49-F238E27FC236}">
-                <a16:creationId xmlns:a16="http://schemas.microsoft.com/office/drawing/2014/main" id="{2D643F29-E495-45DA-8818-6E3C14AAC138}"/>
+                <a16:creationId xmlns:a16="http://schemas.microsoft.com/office/drawing/2014/main" id="{36AE5D29-1F11-4D5C-A83E-B7CDA2A2069C}"/>
               </a:ext>
             </a:extLst>
           </p:cNvPr>
@@ -16377,7 +20186,15 @@
           <a:p>
             <a:r>
               <a:rPr lang="nb-NO" dirty="0"/>
-              <a:t>Lagring i Azure</a:t>
+              <a:t>Key </a:t>
+            </a:r>
+            <a:r>
+              <a:rPr lang="nb-NO" dirty="0" err="1"/>
+              <a:t>Vault</a:t>
+            </a:r>
+            <a:r>
+              <a:rPr lang="nb-NO" dirty="0"/>
+              <a:t> Demo</a:t>
             </a:r>
           </a:p>
         </p:txBody>
@@ -16385,7 +20202,7 @@
     </p:spTree>
     <p:extLst>
       <p:ext uri="{BB962C8B-B14F-4D97-AF65-F5344CB8AC3E}">
-        <p14:creationId xmlns:p14="http://schemas.microsoft.com/office/powerpoint/2010/main" val="2592611348"/>
+        <p14:creationId xmlns:p14="http://schemas.microsoft.com/office/powerpoint/2010/main" val="607609166"/>
       </p:ext>
     </p:extLst>
   </p:cSld>
@@ -16417,7 +20234,7 @@
           <p:cNvPr id="2" name="Content Placeholder 1">
             <a:extLst>
               <a:ext uri="{FF2B5EF4-FFF2-40B4-BE49-F238E27FC236}">
-                <a16:creationId xmlns:a16="http://schemas.microsoft.com/office/drawing/2014/main" id="{84881E36-17DD-47AC-9D31-D92677B39250}"/>
+                <a16:creationId xmlns:a16="http://schemas.microsoft.com/office/drawing/2014/main" id="{D490908C-9173-4AFD-8FE0-364E1E34A7C0}"/>
               </a:ext>
             </a:extLst>
           </p:cNvPr>
@@ -16435,81 +20252,118 @@
           <a:p>
             <a:r>
               <a:rPr lang="nb-NO" dirty="0"/>
-              <a:t>En Storage </a:t>
+              <a:t>Azure SQL Database</a:t>
+            </a:r>
+          </a:p>
+          <a:p>
+            <a:pPr lvl="1"/>
+            <a:r>
+              <a:rPr lang="nb-NO" dirty="0"/>
+              <a:t>SQL Server som tjeneste i skyen (*)</a:t>
+            </a:r>
+          </a:p>
+          <a:p>
+            <a:r>
+              <a:rPr lang="nb-NO" dirty="0"/>
+              <a:t>Cosmos DB</a:t>
+            </a:r>
+          </a:p>
+          <a:p>
+            <a:pPr lvl="1"/>
+            <a:r>
+              <a:rPr lang="nb-NO" dirty="0"/>
+              <a:t>No-SQL-database</a:t>
+            </a:r>
+          </a:p>
+          <a:p>
+            <a:pPr lvl="1"/>
+            <a:r>
+              <a:rPr lang="nb-NO" dirty="0"/>
+              <a:t>Global skalering.</a:t>
+            </a:r>
+          </a:p>
+          <a:p>
+            <a:pPr lvl="1"/>
+            <a:r>
+              <a:rPr lang="nb-NO" dirty="0"/>
+              <a:t>Tilbyr forskjellige </a:t>
             </a:r>
             <a:r>
               <a:rPr lang="nb-NO" dirty="0" err="1"/>
-              <a:t>Account</a:t>
+              <a:t>APIer</a:t>
             </a:r>
             <a:r>
               <a:rPr lang="nb-NO" dirty="0"/>
-              <a:t> kan inneholde</a:t>
-            </a:r>
-          </a:p>
-          <a:p>
-            <a:pPr lvl="1"/>
+              <a:t>: </a:t>
+            </a:r>
             <a:r>
               <a:rPr lang="nb-NO" dirty="0" err="1"/>
-              <a:t>Tables</a:t>
-            </a:r>
-            <a:endParaRPr lang="nb-NO" dirty="0"/>
-          </a:p>
-          <a:p>
-            <a:pPr lvl="1"/>
+              <a:t>DocumentDB</a:t>
+            </a:r>
+            <a:r>
+              <a:rPr lang="nb-NO" dirty="0"/>
+              <a:t> API </a:t>
+            </a:r>
             <a:r>
               <a:rPr lang="nb-NO" dirty="0" err="1"/>
-              <a:t>Blobs</a:t>
-            </a:r>
-            <a:endParaRPr lang="nb-NO" dirty="0"/>
-          </a:p>
-          <a:p>
-            <a:pPr lvl="1"/>
+              <a:t>Sql</a:t>
+            </a:r>
             <a:r>
               <a:rPr lang="nb-NO" dirty="0"/>
-              <a:t>Files		</a:t>
-            </a:r>
-          </a:p>
-          <a:p>
-            <a:pPr lvl="1"/>
+              <a:t> API, </a:t>
+            </a:r>
+            <a:r>
+              <a:rPr lang="nb-NO" dirty="0" err="1"/>
+              <a:t>Table</a:t>
+            </a:r>
             <a:r>
               <a:rPr lang="nb-NO" dirty="0"/>
-              <a:t>Queues</a:t>
+              <a:t> Storage API</a:t>
+            </a:r>
+          </a:p>
+          <a:p>
+            <a:r>
+              <a:rPr lang="nb-NO" dirty="0"/>
+              <a:t>Azure Storage</a:t>
             </a:r>
           </a:p>
           <a:p>
             <a:r>
               <a:rPr lang="nb-NO" dirty="0" err="1"/>
-              <a:t>Backup</a:t>
-            </a:r>
-            <a:endParaRPr lang="nb-NO" dirty="0"/>
-          </a:p>
-          <a:p>
-            <a:pPr lvl="1"/>
+              <a:t>MySql</a:t>
+            </a:r>
             <a:r>
               <a:rPr lang="nb-NO" dirty="0"/>
-              <a:t>LRS, GRS</a:t>
-            </a:r>
-          </a:p>
-          <a:p>
-            <a:pPr lvl="1"/>
+              <a:t>, </a:t>
+            </a:r>
+            <a:r>
+              <a:rPr lang="nb-NO" dirty="0" err="1"/>
+              <a:t>PostgreSQL</a:t>
+            </a:r>
             <a:r>
               <a:rPr lang="nb-NO" dirty="0"/>
-              <a:t>Ingen konvensjonell </a:t>
-            </a:r>
-            <a:r>
-              <a:rPr lang="nb-NO" dirty="0" err="1"/>
-              <a:t>backup</a:t>
-            </a:r>
-            <a:endParaRPr lang="nb-NO" dirty="0"/>
-          </a:p>
-          <a:p>
-            <a:pPr marL="0" indent="0">
+              <a:t> ++</a:t>
+            </a:r>
+          </a:p>
+          <a:p>
+            <a:pPr marL="357187" lvl="1" indent="0">
               <a:buNone/>
             </a:pPr>
             <a:endParaRPr lang="nb-NO" dirty="0"/>
           </a:p>
           <a:p>
-            <a:pPr lvl="1"/>
+            <a:r>
+              <a:rPr lang="nb-NO" dirty="0" err="1"/>
+              <a:t>Polyglot</a:t>
+            </a:r>
+            <a:r>
+              <a:rPr lang="nb-NO" dirty="0"/>
+              <a:t> </a:t>
+            </a:r>
+            <a:r>
+              <a:rPr lang="nb-NO" dirty="0" err="1"/>
+              <a:t>storage</a:t>
+            </a:r>
             <a:endParaRPr lang="nb-NO" dirty="0"/>
           </a:p>
         </p:txBody>
@@ -16519,7 +20373,7 @@
           <p:cNvPr id="3" name="Title 2">
             <a:extLst>
               <a:ext uri="{FF2B5EF4-FFF2-40B4-BE49-F238E27FC236}">
-                <a16:creationId xmlns:a16="http://schemas.microsoft.com/office/drawing/2014/main" id="{3A44980B-3341-43C3-A0A1-B3BFA4124E1E}"/>
+                <a16:creationId xmlns:a16="http://schemas.microsoft.com/office/drawing/2014/main" id="{2D643F29-E495-45DA-8818-6E3C14AAC138}"/>
               </a:ext>
             </a:extLst>
           </p:cNvPr>
@@ -16537,7 +20391,7 @@
           <a:p>
             <a:r>
               <a:rPr lang="nb-NO" dirty="0"/>
-              <a:t>Azure Storage</a:t>
+              <a:t>Lagring i Azure</a:t>
             </a:r>
           </a:p>
         </p:txBody>
@@ -16545,7 +20399,7 @@
     </p:spTree>
     <p:extLst>
       <p:ext uri="{BB962C8B-B14F-4D97-AF65-F5344CB8AC3E}">
-        <p14:creationId xmlns:p14="http://schemas.microsoft.com/office/powerpoint/2010/main" val="2901878225"/>
+        <p14:creationId xmlns:p14="http://schemas.microsoft.com/office/powerpoint/2010/main" val="2592611348"/>
       </p:ext>
     </p:extLst>
   </p:cSld>
@@ -16577,7 +20431,7 @@
           <p:cNvPr id="2" name="Content Placeholder 1">
             <a:extLst>
               <a:ext uri="{FF2B5EF4-FFF2-40B4-BE49-F238E27FC236}">
-                <a16:creationId xmlns:a16="http://schemas.microsoft.com/office/drawing/2014/main" id="{CAB297BF-582A-46FF-8394-92F3E72178C3}"/>
+                <a16:creationId xmlns:a16="http://schemas.microsoft.com/office/drawing/2014/main" id="{84881E36-17DD-47AC-9D31-D92677B39250}"/>
               </a:ext>
             </a:extLst>
           </p:cNvPr>
@@ -16595,104 +20449,78 @@
           <a:p>
             <a:r>
               <a:rPr lang="nb-NO" dirty="0"/>
-              <a:t>Lagrer filer i Containere i en Storage </a:t>
+              <a:t>En Storage </a:t>
             </a:r>
             <a:r>
               <a:rPr lang="nb-NO" dirty="0" err="1"/>
-              <a:t>account</a:t>
+              <a:t>Account</a:t>
+            </a:r>
+            <a:r>
+              <a:rPr lang="nb-NO" dirty="0"/>
+              <a:t> kan inneholde</a:t>
+            </a:r>
+          </a:p>
+          <a:p>
+            <a:pPr lvl="1"/>
+            <a:r>
+              <a:rPr lang="nb-NO" dirty="0" err="1"/>
+              <a:t>Tables</a:t>
             </a:r>
             <a:endParaRPr lang="nb-NO" dirty="0"/>
           </a:p>
           <a:p>
+            <a:pPr lvl="1"/>
+            <a:r>
+              <a:rPr lang="nb-NO" dirty="0" err="1"/>
+              <a:t>Blobs</a:t>
+            </a:r>
+            <a:endParaRPr lang="nb-NO" dirty="0"/>
+          </a:p>
+          <a:p>
+            <a:pPr lvl="1"/>
             <a:r>
               <a:rPr lang="nb-NO" dirty="0"/>
-              <a:t>Virtuell katalogstruktur</a:t>
-            </a:r>
-          </a:p>
-          <a:p>
+              <a:t>Files		</a:t>
+            </a:r>
+          </a:p>
+          <a:p>
+            <a:pPr lvl="1"/>
+            <a:r>
+              <a:rPr lang="nb-NO" dirty="0"/>
+              <a:t>Queues</a:t>
+            </a:r>
+          </a:p>
+          <a:p>
+            <a:r>
+              <a:rPr lang="nb-NO" dirty="0" err="1"/>
+              <a:t>Backup</a:t>
+            </a:r>
             <a:endParaRPr lang="nb-NO" dirty="0"/>
           </a:p>
           <a:p>
+            <a:pPr lvl="1"/>
             <a:r>
               <a:rPr lang="nb-NO" dirty="0"/>
-              <a:t>Støtte for SAS-tokens:</a:t>
+              <a:t>LRS, GRS</a:t>
             </a:r>
           </a:p>
           <a:p>
             <a:pPr lvl="1"/>
             <a:r>
+              <a:rPr lang="nb-NO" dirty="0"/>
+              <a:t>Ingen konvensjonell </a:t>
+            </a:r>
+            <a:r>
               <a:rPr lang="nb-NO" dirty="0" err="1"/>
-              <a:t>Shared</a:t>
-            </a:r>
-            <a:r>
-              <a:rPr lang="nb-NO" dirty="0"/>
-              <a:t>-Access </a:t>
-            </a:r>
-            <a:r>
-              <a:rPr lang="nb-NO" dirty="0" err="1"/>
-              <a:t>Signature</a:t>
-            </a:r>
-            <a:r>
-              <a:rPr lang="nb-NO" dirty="0"/>
-              <a:t> – gir </a:t>
-            </a:r>
-          </a:p>
-          <a:p>
-            <a:pPr lvl="1"/>
-            <a:r>
-              <a:rPr lang="nb-NO" dirty="0"/>
-              <a:t>Eneste måten å dele </a:t>
-            </a:r>
-            <a:r>
-              <a:rPr lang="nb-NO" dirty="0" err="1"/>
-              <a:t>blobs</a:t>
-            </a:r>
-            <a:r>
-              <a:rPr lang="nb-NO" dirty="0"/>
-              <a:t> på uten å gi vekk </a:t>
-            </a:r>
-            <a:r>
-              <a:rPr lang="nb-NO" dirty="0" err="1"/>
-              <a:t>Account-key</a:t>
-            </a:r>
-            <a:r>
-              <a:rPr lang="nb-NO" dirty="0"/>
-              <a:t> eller gjøre de fullt </a:t>
-            </a:r>
-            <a:r>
-              <a:rPr lang="nb-NO" dirty="0" err="1"/>
-              <a:t>public</a:t>
+              <a:t>backup</a:t>
             </a:r>
             <a:endParaRPr lang="nb-NO" dirty="0"/>
           </a:p>
           <a:p>
-            <a:pPr lvl="1"/>
-            <a:r>
-              <a:rPr lang="nb-NO" dirty="0"/>
-              <a:t>Read-Write-</a:t>
-            </a:r>
-            <a:r>
-              <a:rPr lang="nb-NO" dirty="0" err="1"/>
-              <a:t>Delete</a:t>
-            </a:r>
-            <a:r>
-              <a:rPr lang="nb-NO" dirty="0"/>
-              <a:t>-List</a:t>
-            </a:r>
-          </a:p>
-          <a:p>
-            <a:pPr lvl="1"/>
-            <a:r>
-              <a:rPr lang="nb-NO" dirty="0"/>
-              <a:t>Gyldig fra-til</a:t>
-            </a:r>
-          </a:p>
-          <a:p>
-            <a:pPr lvl="1"/>
-            <a:r>
-              <a:rPr lang="nb-NO" dirty="0"/>
-              <a:t>IP-restriksjoner </a:t>
-            </a:r>
+            <a:pPr marL="0" indent="0">
+              <a:buNone/>
+            </a:pPr>
+            <a:endParaRPr lang="nb-NO" dirty="0"/>
           </a:p>
           <a:p>
             <a:pPr lvl="1"/>
@@ -16705,7 +20533,7 @@
           <p:cNvPr id="3" name="Title 2">
             <a:extLst>
               <a:ext uri="{FF2B5EF4-FFF2-40B4-BE49-F238E27FC236}">
-                <a16:creationId xmlns:a16="http://schemas.microsoft.com/office/drawing/2014/main" id="{E37AEFC3-3D48-4189-ABC2-65C8CD28CADC}"/>
+                <a16:creationId xmlns:a16="http://schemas.microsoft.com/office/drawing/2014/main" id="{3A44980B-3341-43C3-A0A1-B3BFA4124E1E}"/>
               </a:ext>
             </a:extLst>
           </p:cNvPr>
@@ -16723,20 +20551,15 @@
           <a:p>
             <a:r>
               <a:rPr lang="nb-NO" dirty="0"/>
-              <a:t>Azure </a:t>
-            </a:r>
-            <a:r>
-              <a:rPr lang="nb-NO" dirty="0" err="1"/>
-              <a:t>Blobs</a:t>
-            </a:r>
-            <a:endParaRPr lang="nb-NO" dirty="0"/>
+              <a:t>Azure Storage</a:t>
+            </a:r>
           </a:p>
         </p:txBody>
       </p:sp>
     </p:spTree>
     <p:extLst>
       <p:ext uri="{BB962C8B-B14F-4D97-AF65-F5344CB8AC3E}">
-        <p14:creationId xmlns:p14="http://schemas.microsoft.com/office/powerpoint/2010/main" val="508552992"/>
+        <p14:creationId xmlns:p14="http://schemas.microsoft.com/office/powerpoint/2010/main" val="2901878225"/>
       </p:ext>
     </p:extLst>
   </p:cSld>
@@ -16768,6 +20591,197 @@
           <p:cNvPr id="2" name="Content Placeholder 1">
             <a:extLst>
               <a:ext uri="{FF2B5EF4-FFF2-40B4-BE49-F238E27FC236}">
+                <a16:creationId xmlns:a16="http://schemas.microsoft.com/office/drawing/2014/main" id="{CAB297BF-582A-46FF-8394-92F3E72178C3}"/>
+              </a:ext>
+            </a:extLst>
+          </p:cNvPr>
+          <p:cNvSpPr>
+            <a:spLocks noGrp="1"/>
+          </p:cNvSpPr>
+          <p:nvPr>
+            <p:ph idx="1"/>
+          </p:nvPr>
+        </p:nvSpPr>
+        <p:spPr/>
+        <p:txBody>
+          <a:bodyPr/>
+          <a:lstStyle/>
+          <a:p>
+            <a:r>
+              <a:rPr lang="nb-NO" dirty="0"/>
+              <a:t>Lagrer filer i Containere i en Storage </a:t>
+            </a:r>
+            <a:r>
+              <a:rPr lang="nb-NO" dirty="0" err="1"/>
+              <a:t>account</a:t>
+            </a:r>
+            <a:endParaRPr lang="nb-NO" dirty="0"/>
+          </a:p>
+          <a:p>
+            <a:r>
+              <a:rPr lang="nb-NO" dirty="0"/>
+              <a:t>Virtuell katalogstruktur</a:t>
+            </a:r>
+          </a:p>
+          <a:p>
+            <a:endParaRPr lang="nb-NO" dirty="0"/>
+          </a:p>
+          <a:p>
+            <a:r>
+              <a:rPr lang="nb-NO" dirty="0"/>
+              <a:t>Støtte for SAS-tokens:</a:t>
+            </a:r>
+          </a:p>
+          <a:p>
+            <a:pPr lvl="1"/>
+            <a:r>
+              <a:rPr lang="nb-NO" dirty="0" err="1"/>
+              <a:t>Shared</a:t>
+            </a:r>
+            <a:r>
+              <a:rPr lang="nb-NO" dirty="0"/>
+              <a:t>-Access </a:t>
+            </a:r>
+            <a:r>
+              <a:rPr lang="nb-NO" dirty="0" err="1"/>
+              <a:t>Signature</a:t>
+            </a:r>
+            <a:r>
+              <a:rPr lang="nb-NO" dirty="0"/>
+              <a:t> – gir </a:t>
+            </a:r>
+          </a:p>
+          <a:p>
+            <a:pPr lvl="1"/>
+            <a:r>
+              <a:rPr lang="nb-NO" dirty="0"/>
+              <a:t>Eneste måten å dele </a:t>
+            </a:r>
+            <a:r>
+              <a:rPr lang="nb-NO" dirty="0" err="1"/>
+              <a:t>blobs</a:t>
+            </a:r>
+            <a:r>
+              <a:rPr lang="nb-NO" dirty="0"/>
+              <a:t> på uten å gi vekk </a:t>
+            </a:r>
+            <a:r>
+              <a:rPr lang="nb-NO" dirty="0" err="1"/>
+              <a:t>Account-key</a:t>
+            </a:r>
+            <a:r>
+              <a:rPr lang="nb-NO" dirty="0"/>
+              <a:t> eller gjøre de fullt </a:t>
+            </a:r>
+            <a:r>
+              <a:rPr lang="nb-NO" dirty="0" err="1"/>
+              <a:t>public</a:t>
+            </a:r>
+            <a:endParaRPr lang="nb-NO" dirty="0"/>
+          </a:p>
+          <a:p>
+            <a:pPr lvl="1"/>
+            <a:r>
+              <a:rPr lang="nb-NO" dirty="0"/>
+              <a:t>Read-Write-</a:t>
+            </a:r>
+            <a:r>
+              <a:rPr lang="nb-NO" dirty="0" err="1"/>
+              <a:t>Delete</a:t>
+            </a:r>
+            <a:r>
+              <a:rPr lang="nb-NO" dirty="0"/>
+              <a:t>-List</a:t>
+            </a:r>
+          </a:p>
+          <a:p>
+            <a:pPr lvl="1"/>
+            <a:r>
+              <a:rPr lang="nb-NO" dirty="0"/>
+              <a:t>Gyldig fra-til</a:t>
+            </a:r>
+          </a:p>
+          <a:p>
+            <a:pPr lvl="1"/>
+            <a:r>
+              <a:rPr lang="nb-NO" dirty="0"/>
+              <a:t>IP-restriksjoner </a:t>
+            </a:r>
+          </a:p>
+          <a:p>
+            <a:pPr lvl="1"/>
+            <a:endParaRPr lang="nb-NO" dirty="0"/>
+          </a:p>
+        </p:txBody>
+      </p:sp>
+      <p:sp>
+        <p:nvSpPr>
+          <p:cNvPr id="3" name="Title 2">
+            <a:extLst>
+              <a:ext uri="{FF2B5EF4-FFF2-40B4-BE49-F238E27FC236}">
+                <a16:creationId xmlns:a16="http://schemas.microsoft.com/office/drawing/2014/main" id="{E37AEFC3-3D48-4189-ABC2-65C8CD28CADC}"/>
+              </a:ext>
+            </a:extLst>
+          </p:cNvPr>
+          <p:cNvSpPr>
+            <a:spLocks noGrp="1"/>
+          </p:cNvSpPr>
+          <p:nvPr>
+            <p:ph type="title"/>
+          </p:nvPr>
+        </p:nvSpPr>
+        <p:spPr/>
+        <p:txBody>
+          <a:bodyPr/>
+          <a:lstStyle/>
+          <a:p>
+            <a:r>
+              <a:rPr lang="nb-NO" dirty="0"/>
+              <a:t>Azure </a:t>
+            </a:r>
+            <a:r>
+              <a:rPr lang="nb-NO" dirty="0" err="1"/>
+              <a:t>Blobs</a:t>
+            </a:r>
+            <a:endParaRPr lang="nb-NO" dirty="0"/>
+          </a:p>
+        </p:txBody>
+      </p:sp>
+    </p:spTree>
+    <p:extLst>
+      <p:ext uri="{BB962C8B-B14F-4D97-AF65-F5344CB8AC3E}">
+        <p14:creationId xmlns:p14="http://schemas.microsoft.com/office/powerpoint/2010/main" val="508552992"/>
+      </p:ext>
+    </p:extLst>
+  </p:cSld>
+  <p:clrMapOvr>
+    <a:masterClrMapping/>
+  </p:clrMapOvr>
+</p:sld>
+</file>
+
+<file path=ppt/slides/slide28.xml><?xml version="1.0" encoding="utf-8"?>
+<p:sld xmlns:a="http://schemas.openxmlformats.org/drawingml/2006/main" xmlns:r="http://schemas.openxmlformats.org/officeDocument/2006/relationships" xmlns:p="http://schemas.openxmlformats.org/presentationml/2006/main">
+  <p:cSld>
+    <p:spTree>
+      <p:nvGrpSpPr>
+        <p:cNvPr id="1" name=""/>
+        <p:cNvGrpSpPr/>
+        <p:nvPr/>
+      </p:nvGrpSpPr>
+      <p:grpSpPr>
+        <a:xfrm>
+          <a:off x="0" y="0"/>
+          <a:ext cx="0" cy="0"/>
+          <a:chOff x="0" y="0"/>
+          <a:chExt cx="0" cy="0"/>
+        </a:xfrm>
+      </p:grpSpPr>
+      <p:sp>
+        <p:nvSpPr>
+          <p:cNvPr id="2" name="Content Placeholder 1">
+            <a:extLst>
+              <a:ext uri="{FF2B5EF4-FFF2-40B4-BE49-F238E27FC236}">
                 <a16:creationId xmlns:a16="http://schemas.microsoft.com/office/drawing/2014/main" id="{CB3D7126-09B8-439E-9A87-0615A359EEA9}"/>
               </a:ext>
             </a:extLst>
@@ -16913,7 +20927,7 @@
 </p:sld>
 </file>
 
-<file path=ppt/slides/slide28.xml><?xml version="1.0" encoding="utf-8"?>
+<file path=ppt/slides/slide29.xml><?xml version="1.0" encoding="utf-8"?>
 <p:sld xmlns:a="http://schemas.openxmlformats.org/drawingml/2006/main" xmlns:r="http://schemas.openxmlformats.org/officeDocument/2006/relationships" xmlns:p="http://schemas.openxmlformats.org/presentationml/2006/main">
   <p:cSld>
     <p:spTree>
@@ -17190,20 +21204,21 @@
           </a:p>
           <a:p>
             <a:r>
+              <a:rPr lang="nb-NO" dirty="0" err="1"/>
+              <a:t>App</a:t>
+            </a:r>
+            <a:endParaRPr lang="nb-NO" dirty="0"/>
+          </a:p>
+          <a:p>
+            <a:r>
               <a:rPr lang="nb-NO" dirty="0"/>
-              <a:t>Leksjon 1  </a:t>
+              <a:t>Leksjon 1 : </a:t>
             </a:r>
           </a:p>
           <a:p>
             <a:r>
               <a:rPr lang="nb-NO" dirty="0"/>
-              <a:t>Storage</a:t>
-            </a:r>
-          </a:p>
-          <a:p>
-            <a:r>
-              <a:rPr lang="nb-NO" dirty="0"/>
-              <a:t>Eksempel applikasjon </a:t>
+              <a:t>Leksjon 2 : </a:t>
             </a:r>
           </a:p>
         </p:txBody>
@@ -17266,87 +21281,47 @@
           <a:chExt cx="0" cy="0"/>
         </a:xfrm>
       </p:grpSpPr>
-      <p:sp>
-        <p:nvSpPr>
-          <p:cNvPr id="2" name="Content Placeholder 1">
+      <p:pic>
+        <p:nvPicPr>
+          <p:cNvPr id="5" name="Content Placeholder 4">
             <a:extLst>
               <a:ext uri="{FF2B5EF4-FFF2-40B4-BE49-F238E27FC236}">
-                <a16:creationId xmlns:a16="http://schemas.microsoft.com/office/drawing/2014/main" id="{7DB315D8-9E57-4154-8078-65747D823AF2}"/>
+                <a16:creationId xmlns:a16="http://schemas.microsoft.com/office/drawing/2014/main" id="{2D29B05A-3316-4475-A77D-B144DAD277D4}"/>
               </a:ext>
             </a:extLst>
           </p:cNvPr>
-          <p:cNvSpPr>
-            <a:spLocks noGrp="1"/>
-          </p:cNvSpPr>
+          <p:cNvPicPr>
+            <a:picLocks noGrp="1" noChangeAspect="1"/>
+          </p:cNvPicPr>
           <p:nvPr>
             <p:ph idx="1"/>
           </p:nvPr>
-        </p:nvSpPr>
-        <p:spPr/>
-        <p:txBody>
-          <a:bodyPr/>
-          <a:lstStyle/>
-          <a:p>
-            <a:r>
-              <a:rPr lang="nb-NO" dirty="0"/>
-              <a:t>Kostnad</a:t>
-            </a:r>
-          </a:p>
-          <a:p>
-            <a:r>
-              <a:rPr lang="nb-NO" dirty="0"/>
-              <a:t>Dynamisk skalering</a:t>
-            </a:r>
-          </a:p>
-          <a:p>
-            <a:pPr lvl="1"/>
-            <a:r>
-              <a:rPr lang="nb-NO" dirty="0"/>
-              <a:t>Ingen </a:t>
-            </a:r>
-            <a:r>
-              <a:rPr lang="nb-NO" dirty="0" err="1"/>
-              <a:t>upfront</a:t>
-            </a:r>
-            <a:r>
-              <a:rPr lang="nb-NO" dirty="0"/>
-              <a:t> kjøp av HW.</a:t>
-            </a:r>
-          </a:p>
-          <a:p>
-            <a:r>
-              <a:rPr lang="nb-NO" dirty="0"/>
-              <a:t>Fart og fleksibilitet</a:t>
-            </a:r>
-          </a:p>
-          <a:p>
-            <a:pPr lvl="1"/>
-            <a:r>
-              <a:rPr lang="nb-NO" dirty="0"/>
-              <a:t>Opprett ressurser i løpet av minutter/sekunder.</a:t>
-            </a:r>
-          </a:p>
-          <a:p>
-            <a:r>
-              <a:rPr lang="nb-NO" dirty="0"/>
-              <a:t>Sikkerhet</a:t>
-            </a:r>
-          </a:p>
-          <a:p>
-            <a:pPr lvl="1"/>
-            <a:endParaRPr lang="nb-NO" dirty="0"/>
-          </a:p>
-          <a:p>
-            <a:endParaRPr lang="nb-NO" dirty="0"/>
-          </a:p>
-        </p:txBody>
-      </p:sp>
+        </p:nvPicPr>
+        <p:blipFill>
+          <a:blip r:embed="rId3">
+            <a:extLst>
+              <a:ext uri="{28A0092B-C50C-407E-A947-70E740481C1C}">
+                <a14:useLocalDpi xmlns:a14="http://schemas.microsoft.com/office/drawing/2010/main" val="0"/>
+              </a:ext>
+            </a:extLst>
+          </a:blip>
+          <a:stretch>
+            <a:fillRect/>
+          </a:stretch>
+        </p:blipFill>
+        <p:spPr>
+          <a:xfrm>
+            <a:off x="1758950" y="2096294"/>
+            <a:ext cx="7334250" cy="3810000"/>
+          </a:xfrm>
+        </p:spPr>
+      </p:pic>
       <p:sp>
         <p:nvSpPr>
           <p:cNvPr id="3" name="Title 2">
             <a:extLst>
               <a:ext uri="{FF2B5EF4-FFF2-40B4-BE49-F238E27FC236}">
-                <a16:creationId xmlns:a16="http://schemas.microsoft.com/office/drawing/2014/main" id="{3D596D76-4AD2-404D-9780-E973C1C12E89}"/>
+                <a16:creationId xmlns:a16="http://schemas.microsoft.com/office/drawing/2014/main" id="{0B8033A0-BA62-43E0-8C96-DBD0F4D2F53C}"/>
               </a:ext>
             </a:extLst>
           </p:cNvPr>
@@ -17364,7 +21339,7 @@
           <a:p>
             <a:r>
               <a:rPr lang="nb-NO" dirty="0"/>
-              <a:t>Azure – Hvorfor?</a:t>
+              <a:t>Azure</a:t>
             </a:r>
           </a:p>
         </p:txBody>
@@ -17372,7 +21347,7 @@
     </p:spTree>
     <p:extLst>
       <p:ext uri="{BB962C8B-B14F-4D97-AF65-F5344CB8AC3E}">
-        <p14:creationId xmlns:p14="http://schemas.microsoft.com/office/powerpoint/2010/main" val="1670483524"/>
+        <p14:creationId xmlns:p14="http://schemas.microsoft.com/office/powerpoint/2010/main" val="2434310046"/>
       </p:ext>
     </p:extLst>
   </p:cSld>
@@ -17404,7 +21379,7 @@
           <p:cNvPr id="2" name="Content Placeholder 1">
             <a:extLst>
               <a:ext uri="{FF2B5EF4-FFF2-40B4-BE49-F238E27FC236}">
-                <a16:creationId xmlns:a16="http://schemas.microsoft.com/office/drawing/2014/main" id="{D77D4B20-90CC-438B-BDF4-787792922F94}"/>
+                <a16:creationId xmlns:a16="http://schemas.microsoft.com/office/drawing/2014/main" id="{7DB315D8-9E57-4154-8078-65747D823AF2}"/>
               </a:ext>
             </a:extLst>
           </p:cNvPr>
@@ -17420,6 +21395,56 @@
           <a:bodyPr/>
           <a:lstStyle/>
           <a:p>
+            <a:r>
+              <a:rPr lang="nb-NO" dirty="0"/>
+              <a:t>Kostnad</a:t>
+            </a:r>
+          </a:p>
+          <a:p>
+            <a:r>
+              <a:rPr lang="nb-NO" dirty="0"/>
+              <a:t>Dynamisk skalering</a:t>
+            </a:r>
+          </a:p>
+          <a:p>
+            <a:pPr lvl="1"/>
+            <a:r>
+              <a:rPr lang="nb-NO" dirty="0"/>
+              <a:t>Ingen </a:t>
+            </a:r>
+            <a:r>
+              <a:rPr lang="nb-NO" dirty="0" err="1"/>
+              <a:t>upfront</a:t>
+            </a:r>
+            <a:r>
+              <a:rPr lang="nb-NO" dirty="0"/>
+              <a:t> kjøp av HW.</a:t>
+            </a:r>
+          </a:p>
+          <a:p>
+            <a:r>
+              <a:rPr lang="nb-NO" dirty="0"/>
+              <a:t>Fart og fleksibilitet</a:t>
+            </a:r>
+          </a:p>
+          <a:p>
+            <a:pPr lvl="1"/>
+            <a:r>
+              <a:rPr lang="nb-NO" dirty="0"/>
+              <a:t>Opprett ressurser i løpet av minutter/sekunder.</a:t>
+            </a:r>
+          </a:p>
+          <a:p>
+            <a:r>
+              <a:rPr lang="nb-NO" dirty="0"/>
+              <a:t>Sikkerhet</a:t>
+            </a:r>
+          </a:p>
+          <a:p>
+            <a:pPr lvl="1"/>
+            <a:endParaRPr lang="nb-NO" dirty="0"/>
+          </a:p>
+          <a:p>
             <a:endParaRPr lang="nb-NO" dirty="0"/>
           </a:p>
         </p:txBody>
@@ -17429,7 +21454,7 @@
           <p:cNvPr id="3" name="Title 2">
             <a:extLst>
               <a:ext uri="{FF2B5EF4-FFF2-40B4-BE49-F238E27FC236}">
-                <a16:creationId xmlns:a16="http://schemas.microsoft.com/office/drawing/2014/main" id="{0B8033A0-BA62-43E0-8C96-DBD0F4D2F53C}"/>
+                <a16:creationId xmlns:a16="http://schemas.microsoft.com/office/drawing/2014/main" id="{3D596D76-4AD2-404D-9780-E973C1C12E89}"/>
               </a:ext>
             </a:extLst>
           </p:cNvPr>
@@ -17447,7 +21472,7 @@
           <a:p>
             <a:r>
               <a:rPr lang="nb-NO" dirty="0"/>
-              <a:t>(Bilde av datasenter)</a:t>
+              <a:t>Azure – Hvorfor?</a:t>
             </a:r>
           </a:p>
         </p:txBody>
@@ -17455,7 +21480,7 @@
     </p:spTree>
     <p:extLst>
       <p:ext uri="{BB962C8B-B14F-4D97-AF65-F5344CB8AC3E}">
-        <p14:creationId xmlns:p14="http://schemas.microsoft.com/office/powerpoint/2010/main" val="2434310046"/>
+        <p14:creationId xmlns:p14="http://schemas.microsoft.com/office/powerpoint/2010/main" val="1670483524"/>
       </p:ext>
     </p:extLst>
   </p:cSld>
@@ -17598,11 +21623,8 @@
           <a:p>
             <a:r>
               <a:rPr lang="nb-NO" dirty="0"/>
-              <a:t>Per nå: 54 antall regioner.</a:t>
-            </a:r>
-          </a:p>
-          <a:p>
-            <a:endParaRPr lang="nb-NO" dirty="0"/>
+              <a:t>Antall regioner: 54</a:t>
+            </a:r>
           </a:p>
           <a:p>
             <a:endParaRPr lang="nb-NO" dirty="0"/>
@@ -17631,6 +21653,12 @@
           </a:p>
           <a:p>
             <a:endParaRPr lang="nb-NO" dirty="0"/>
+          </a:p>
+          <a:p>
+            <a:r>
+              <a:rPr lang="nb-NO" dirty="0"/>
+              <a:t>West/North Europe – Snart 2 i Norge (øst + vest)</a:t>
+            </a:r>
           </a:p>
         </p:txBody>
       </p:sp>
@@ -19449,12 +23477,9 @@
 </file>
 
 <file path=customXml/item1.xml><?xml version="1.0" encoding="utf-8"?>
-<?mso-contentType ?>
-<FormTemplates xmlns="http://schemas.microsoft.com/sharepoint/v3/contenttype/forms">
-  <Display>DocumentLibraryForm</Display>
-  <Edit>DocumentLibraryForm</Edit>
-  <New>DocumentLibraryForm</New>
-</FormTemplates>
+<p:properties xmlns:p="http://schemas.microsoft.com/office/2006/metadata/properties" xmlns:xsi="http://www.w3.org/2001/XMLSchema-instance" xmlns:pc="http://schemas.microsoft.com/office/infopath/2007/PartnerControls">
+  <documentManagement/>
+</p:properties>
 </file>
 
 <file path=customXml/item2.xml><?xml version="1.0" encoding="utf-8"?>
@@ -19590,15 +23615,26 @@
 </file>
 
 <file path=customXml/item3.xml><?xml version="1.0" encoding="utf-8"?>
-<p:properties xmlns:p="http://schemas.microsoft.com/office/2006/metadata/properties" xmlns:xsi="http://www.w3.org/2001/XMLSchema-instance" xmlns:pc="http://schemas.microsoft.com/office/infopath/2007/PartnerControls">
-  <documentManagement/>
-</p:properties>
+<?mso-contentType ?>
+<FormTemplates xmlns="http://schemas.microsoft.com/sharepoint/v3/contenttype/forms">
+  <Display>DocumentLibraryForm</Display>
+  <Edit>DocumentLibraryForm</Edit>
+  <New>DocumentLibraryForm</New>
+</FormTemplates>
 </file>
 
 <file path=customXml/itemProps1.xml><?xml version="1.0" encoding="utf-8"?>
-<ds:datastoreItem xmlns:ds="http://schemas.openxmlformats.org/officeDocument/2006/customXml" ds:itemID="{BB82CC63-55FC-4D22-9ED3-DB88AF6228E1}">
+<ds:datastoreItem xmlns:ds="http://schemas.openxmlformats.org/officeDocument/2006/customXml" ds:itemID="{9D2CB842-18D5-4EEF-9009-B0CAFCE7AC3E}">
   <ds:schemaRefs>
-    <ds:schemaRef ds:uri="http://schemas.microsoft.com/sharepoint/v3/contenttype/forms"/>
+    <ds:schemaRef ds:uri="http://schemas.microsoft.com/office/2006/metadata/properties"/>
+    <ds:schemaRef ds:uri="http://purl.org/dc/terms/"/>
+    <ds:schemaRef ds:uri="http://schemas.openxmlformats.org/package/2006/metadata/core-properties"/>
+    <ds:schemaRef ds:uri="http://schemas.microsoft.com/office/2006/documentManagement/types"/>
+    <ds:schemaRef ds:uri="http://purl.org/dc/dcmitype/"/>
+    <ds:schemaRef ds:uri="http://schemas.microsoft.com/office/infopath/2007/PartnerControls"/>
+    <ds:schemaRef ds:uri="http://purl.org/dc/elements/1.1/"/>
+    <ds:schemaRef ds:uri="323bcd62-7d27-4513-9df1-9bc20f03554b"/>
+    <ds:schemaRef ds:uri="http://www.w3.org/XML/1998/namespace"/>
   </ds:schemaRefs>
 </ds:datastoreItem>
 </file>
@@ -19622,17 +23658,9 @@
 </file>
 
 <file path=customXml/itemProps3.xml><?xml version="1.0" encoding="utf-8"?>
-<ds:datastoreItem xmlns:ds="http://schemas.openxmlformats.org/officeDocument/2006/customXml" ds:itemID="{9D2CB842-18D5-4EEF-9009-B0CAFCE7AC3E}">
+<ds:datastoreItem xmlns:ds="http://schemas.openxmlformats.org/officeDocument/2006/customXml" ds:itemID="{BB82CC63-55FC-4D22-9ED3-DB88AF6228E1}">
   <ds:schemaRefs>
-    <ds:schemaRef ds:uri="http://schemas.microsoft.com/office/2006/metadata/properties"/>
-    <ds:schemaRef ds:uri="http://purl.org/dc/terms/"/>
-    <ds:schemaRef ds:uri="http://schemas.openxmlformats.org/package/2006/metadata/core-properties"/>
-    <ds:schemaRef ds:uri="http://schemas.microsoft.com/office/2006/documentManagement/types"/>
-    <ds:schemaRef ds:uri="http://purl.org/dc/dcmitype/"/>
-    <ds:schemaRef ds:uri="http://schemas.microsoft.com/office/infopath/2007/PartnerControls"/>
-    <ds:schemaRef ds:uri="http://purl.org/dc/elements/1.1/"/>
-    <ds:schemaRef ds:uri="323bcd62-7d27-4513-9df1-9bc20f03554b"/>
-    <ds:schemaRef ds:uri="http://www.w3.org/XML/1998/namespace"/>
+    <ds:schemaRef ds:uri="http://schemas.microsoft.com/sharepoint/v3/contenttype/forms"/>
   </ds:schemaRefs>
 </ds:datastoreItem>
 </file>
--- a/Workshop_1/Presentation/Azureskolen-Workshop#1.pptx
+++ b/Workshop_1/Presentation/Azureskolen-Workshop#1.pptx
@@ -244,7 +244,7 @@
           <a:p>
             <a:fld id="{54C52192-B826-4AE0-9CD6-BEA9467D12B3}" type="datetimeFigureOut">
               <a:rPr lang="nb-NO" smtClean="0"/>
-              <a:t>08.10.2018</a:t>
+              <a:t>09.10.2018</a:t>
             </a:fld>
             <a:endParaRPr lang="nb-NO"/>
           </a:p>
@@ -409,7 +409,7 @@
           <a:p>
             <a:fld id="{2696BCB2-2760-41B1-A1BE-7886EF110FCB}" type="datetimeFigureOut">
               <a:rPr lang="nb-NO" smtClean="0"/>
-              <a:t>08.10.2018</a:t>
+              <a:t>09.10.2018</a:t>
             </a:fld>
             <a:endParaRPr lang="nb-NO"/>
           </a:p>
@@ -17800,14 +17800,14 @@
           </a:ln>
           <a:extLst>
             <a:ext uri="{909E8E84-426E-40dd-AFC4-6F175D3DCCD1}">
-              <a14:hiddenFill xmlns:lc="http://schemas.openxmlformats.org/drawingml/2006/lockedCanvas" xmlns:a14="http://schemas.microsoft.com/office/drawing/2010/main" xmlns="">
+              <a14:hiddenFill xmlns="" xmlns:a14="http://schemas.microsoft.com/office/drawing/2010/main" xmlns:lc="http://schemas.openxmlformats.org/drawingml/2006/lockedCanvas">
                 <a:solidFill>
                   <a:srgbClr val="FFFFFF"/>
                 </a:solidFill>
               </a14:hiddenFill>
             </a:ext>
             <a:ext uri="{91240B29-F687-4f45-9708-019B960494DF}">
-              <a14:hiddenLine xmlns:lc="http://schemas.openxmlformats.org/drawingml/2006/lockedCanvas" xmlns:a14="http://schemas.microsoft.com/office/drawing/2010/main" xmlns="" w="9525">
+              <a14:hiddenLine xmlns="" xmlns:a14="http://schemas.microsoft.com/office/drawing/2010/main" xmlns:lc="http://schemas.openxmlformats.org/drawingml/2006/lockedCanvas" w="9525">
                 <a:solidFill>
                   <a:srgbClr val="000000"/>
                 </a:solidFill>
@@ -17996,14 +17996,14 @@
           </a:ln>
           <a:extLst>
             <a:ext uri="{909E8E84-426E-40dd-AFC4-6F175D3DCCD1}">
-              <a14:hiddenFill xmlns:lc="http://schemas.openxmlformats.org/drawingml/2006/lockedCanvas" xmlns:a14="http://schemas.microsoft.com/office/drawing/2010/main" xmlns="">
+              <a14:hiddenFill xmlns="" xmlns:a14="http://schemas.microsoft.com/office/drawing/2010/main" xmlns:lc="http://schemas.openxmlformats.org/drawingml/2006/lockedCanvas">
                 <a:solidFill>
                   <a:srgbClr val="FFFFFF"/>
                 </a:solidFill>
               </a14:hiddenFill>
             </a:ext>
             <a:ext uri="{91240B29-F687-4f45-9708-019B960494DF}">
-              <a14:hiddenLine xmlns:lc="http://schemas.openxmlformats.org/drawingml/2006/lockedCanvas" xmlns:a14="http://schemas.microsoft.com/office/drawing/2010/main" xmlns="" w="9525">
+              <a14:hiddenLine xmlns="" xmlns:a14="http://schemas.microsoft.com/office/drawing/2010/main" xmlns:lc="http://schemas.openxmlformats.org/drawingml/2006/lockedCanvas" w="9525">
                 <a:solidFill>
                   <a:srgbClr val="000000"/>
                 </a:solidFill>
@@ -18464,14 +18464,14 @@
           </a:ln>
           <a:extLst>
             <a:ext uri="{909E8E84-426E-40dd-AFC4-6F175D3DCCD1}">
-              <a14:hiddenFill xmlns:lc="http://schemas.openxmlformats.org/drawingml/2006/lockedCanvas" xmlns:a14="http://schemas.microsoft.com/office/drawing/2010/main" xmlns="">
+              <a14:hiddenFill xmlns="" xmlns:a14="http://schemas.microsoft.com/office/drawing/2010/main" xmlns:lc="http://schemas.openxmlformats.org/drawingml/2006/lockedCanvas">
                 <a:solidFill>
                   <a:srgbClr val="FFFFFF"/>
                 </a:solidFill>
               </a14:hiddenFill>
             </a:ext>
             <a:ext uri="{91240B29-F687-4f45-9708-019B960494DF}">
-              <a14:hiddenLine xmlns:lc="http://schemas.openxmlformats.org/drawingml/2006/lockedCanvas" xmlns:a14="http://schemas.microsoft.com/office/drawing/2010/main" xmlns="" w="9525">
+              <a14:hiddenLine xmlns="" xmlns:a14="http://schemas.microsoft.com/office/drawing/2010/main" xmlns:lc="http://schemas.openxmlformats.org/drawingml/2006/lockedCanvas" w="9525">
                 <a:solidFill>
                   <a:srgbClr val="000000"/>
                 </a:solidFill>
@@ -19177,14 +19177,14 @@
           </a:ln>
           <a:extLst>
             <a:ext uri="{909E8E84-426E-40dd-AFC4-6F175D3DCCD1}">
-              <a14:hiddenFill xmlns:lc="http://schemas.openxmlformats.org/drawingml/2006/lockedCanvas" xmlns:a14="http://schemas.microsoft.com/office/drawing/2010/main" xmlns="">
+              <a14:hiddenFill xmlns="" xmlns:a14="http://schemas.microsoft.com/office/drawing/2010/main" xmlns:lc="http://schemas.openxmlformats.org/drawingml/2006/lockedCanvas">
                 <a:solidFill>
                   <a:srgbClr val="FFFFFF"/>
                 </a:solidFill>
               </a14:hiddenFill>
             </a:ext>
             <a:ext uri="{91240B29-F687-4f45-9708-019B960494DF}">
-              <a14:hiddenLine xmlns:lc="http://schemas.openxmlformats.org/drawingml/2006/lockedCanvas" xmlns:a14="http://schemas.microsoft.com/office/drawing/2010/main" xmlns="" w="9525">
+              <a14:hiddenLine xmlns="" xmlns:a14="http://schemas.microsoft.com/office/drawing/2010/main" xmlns:lc="http://schemas.openxmlformats.org/drawingml/2006/lockedCanvas" w="9525">
                 <a:solidFill>
                   <a:srgbClr val="000000"/>
                 </a:solidFill>
@@ -19237,14 +19237,14 @@
           </a:ln>
           <a:extLst>
             <a:ext uri="{909E8E84-426E-40dd-AFC4-6F175D3DCCD1}">
-              <a14:hiddenFill xmlns:lc="http://schemas.openxmlformats.org/drawingml/2006/lockedCanvas" xmlns:a14="http://schemas.microsoft.com/office/drawing/2010/main" xmlns="">
+              <a14:hiddenFill xmlns="" xmlns:a14="http://schemas.microsoft.com/office/drawing/2010/main" xmlns:lc="http://schemas.openxmlformats.org/drawingml/2006/lockedCanvas">
                 <a:solidFill>
                   <a:srgbClr val="FFFFFF"/>
                 </a:solidFill>
               </a14:hiddenFill>
             </a:ext>
             <a:ext uri="{91240B29-F687-4f45-9708-019B960494DF}">
-              <a14:hiddenLine xmlns:lc="http://schemas.openxmlformats.org/drawingml/2006/lockedCanvas" xmlns:a14="http://schemas.microsoft.com/office/drawing/2010/main" xmlns="" w="9525">
+              <a14:hiddenLine xmlns="" xmlns:a14="http://schemas.microsoft.com/office/drawing/2010/main" xmlns:lc="http://schemas.openxmlformats.org/drawingml/2006/lockedCanvas" w="9525">
                 <a:solidFill>
                   <a:srgbClr val="000000"/>
                 </a:solidFill>
@@ -19305,7 +19305,7 @@
         <p:spPr>
           <a:xfrm>
             <a:off x="1226849" y="1817674"/>
-            <a:ext cx="8382613" cy="4351338"/>
+            <a:ext cx="8859686" cy="4351338"/>
           </a:xfrm>
         </p:spPr>
         <p:txBody>
@@ -19399,7 +19399,7 @@
             <a:pPr lvl="1"/>
             <a:r>
               <a:rPr lang="nb-NO" dirty="0"/>
-              <a:t>Kan ikke installere drivere, COM-objekter etc. på maskinen -&gt; VM løsningen.	</a:t>
+              <a:t>Kan ikke installere drivere, COM-objekter etc. på maskinen.	</a:t>
             </a:r>
           </a:p>
           <a:p>
@@ -19422,11 +19422,18 @@
             </a:r>
             <a:r>
               <a:rPr lang="nb-NO" dirty="0"/>
-              <a:t> Loge </a:t>
+              <a:t> Log etc.</a:t>
+            </a:r>
+          </a:p>
+          <a:p>
+            <a:pPr lvl="1"/>
+            <a:r>
+              <a:rPr lang="nb-NO" dirty="0"/>
+              <a:t>Dersom man trenger dette, gå for </a:t>
             </a:r>
             <a:r>
               <a:rPr lang="nb-NO" dirty="0" err="1"/>
-              <a:t>tc</a:t>
+              <a:t>VMer</a:t>
             </a:r>
             <a:r>
               <a:rPr lang="nb-NO" dirty="0"/>
@@ -19434,12 +19441,6 @@
             </a:r>
           </a:p>
           <a:p>
-            <a:pPr marL="0" indent="0">
-              <a:buNone/>
-            </a:pPr>
-            <a:endParaRPr lang="nb-NO" dirty="0"/>
-          </a:p>
-          <a:p>
             <a:r>
               <a:rPr lang="nb-NO" dirty="0"/>
               <a:t>Kan kjøre i et egen isolert miljø: </a:t>
@@ -19450,7 +19451,7 @@
             </a:r>
             <a:r>
               <a:rPr lang="nb-NO" dirty="0"/>
-              <a:t> Service Environment (ASE)</a:t>
+              <a:t> Service Environment (ASE).</a:t>
             </a:r>
           </a:p>
         </p:txBody>
@@ -19644,6 +19645,13 @@
             <a:pPr lvl="1"/>
             <a:r>
               <a:rPr lang="nb-NO" dirty="0"/>
+              <a:t>Java</a:t>
+            </a:r>
+          </a:p>
+          <a:p>
+            <a:pPr lvl="1"/>
+            <a:r>
+              <a:rPr lang="nb-NO" dirty="0"/>
               <a:t>Python</a:t>
             </a:r>
           </a:p>
@@ -19652,6 +19660,13 @@
             <a:r>
               <a:rPr lang="nb-NO" dirty="0"/>
               <a:t>Node.JS</a:t>
+            </a:r>
+          </a:p>
+          <a:p>
+            <a:pPr lvl="1"/>
+            <a:r>
+              <a:rPr lang="nb-NO" dirty="0"/>
+              <a:t>…</a:t>
             </a:r>
           </a:p>
           <a:p>
@@ -20101,8 +20116,12 @@
           <a:lstStyle/>
           <a:p>
             <a:r>
+              <a:rPr lang="nb-NO" dirty="0"/>
+              <a:t>Key </a:t>
+            </a:r>
+            <a:r>
               <a:rPr lang="nb-NO" dirty="0" err="1"/>
-              <a:t>KeyVault</a:t>
+              <a:t>Vault</a:t>
             </a:r>
             <a:endParaRPr lang="nb-NO" dirty="0"/>
           </a:p>
@@ -23477,9 +23496,12 @@
 </file>
 
 <file path=customXml/item1.xml><?xml version="1.0" encoding="utf-8"?>
-<p:properties xmlns:p="http://schemas.microsoft.com/office/2006/metadata/properties" xmlns:xsi="http://www.w3.org/2001/XMLSchema-instance" xmlns:pc="http://schemas.microsoft.com/office/infopath/2007/PartnerControls">
-  <documentManagement/>
-</p:properties>
+<?mso-contentType ?>
+<FormTemplates xmlns="http://schemas.microsoft.com/sharepoint/v3/contenttype/forms">
+  <Display>DocumentLibraryForm</Display>
+  <Edit>DocumentLibraryForm</Edit>
+  <New>DocumentLibraryForm</New>
+</FormTemplates>
 </file>
 
 <file path=customXml/item2.xml><?xml version="1.0" encoding="utf-8"?>
@@ -23615,26 +23637,15 @@
 </file>
 
 <file path=customXml/item3.xml><?xml version="1.0" encoding="utf-8"?>
-<?mso-contentType ?>
-<FormTemplates xmlns="http://schemas.microsoft.com/sharepoint/v3/contenttype/forms">
-  <Display>DocumentLibraryForm</Display>
-  <Edit>DocumentLibraryForm</Edit>
-  <New>DocumentLibraryForm</New>
-</FormTemplates>
+<p:properties xmlns:p="http://schemas.microsoft.com/office/2006/metadata/properties" xmlns:xsi="http://www.w3.org/2001/XMLSchema-instance" xmlns:pc="http://schemas.microsoft.com/office/infopath/2007/PartnerControls">
+  <documentManagement/>
+</p:properties>
 </file>
 
 <file path=customXml/itemProps1.xml><?xml version="1.0" encoding="utf-8"?>
-<ds:datastoreItem xmlns:ds="http://schemas.openxmlformats.org/officeDocument/2006/customXml" ds:itemID="{9D2CB842-18D5-4EEF-9009-B0CAFCE7AC3E}">
+<ds:datastoreItem xmlns:ds="http://schemas.openxmlformats.org/officeDocument/2006/customXml" ds:itemID="{BB82CC63-55FC-4D22-9ED3-DB88AF6228E1}">
   <ds:schemaRefs>
-    <ds:schemaRef ds:uri="http://schemas.microsoft.com/office/2006/metadata/properties"/>
-    <ds:schemaRef ds:uri="http://purl.org/dc/terms/"/>
-    <ds:schemaRef ds:uri="http://schemas.openxmlformats.org/package/2006/metadata/core-properties"/>
-    <ds:schemaRef ds:uri="http://schemas.microsoft.com/office/2006/documentManagement/types"/>
-    <ds:schemaRef ds:uri="http://purl.org/dc/dcmitype/"/>
-    <ds:schemaRef ds:uri="http://schemas.microsoft.com/office/infopath/2007/PartnerControls"/>
-    <ds:schemaRef ds:uri="http://purl.org/dc/elements/1.1/"/>
-    <ds:schemaRef ds:uri="323bcd62-7d27-4513-9df1-9bc20f03554b"/>
-    <ds:schemaRef ds:uri="http://www.w3.org/XML/1998/namespace"/>
+    <ds:schemaRef ds:uri="http://schemas.microsoft.com/sharepoint/v3/contenttype/forms"/>
   </ds:schemaRefs>
 </ds:datastoreItem>
 </file>
@@ -23658,9 +23669,17 @@
 </file>
 
 <file path=customXml/itemProps3.xml><?xml version="1.0" encoding="utf-8"?>
-<ds:datastoreItem xmlns:ds="http://schemas.openxmlformats.org/officeDocument/2006/customXml" ds:itemID="{BB82CC63-55FC-4D22-9ED3-DB88AF6228E1}">
+<ds:datastoreItem xmlns:ds="http://schemas.openxmlformats.org/officeDocument/2006/customXml" ds:itemID="{9D2CB842-18D5-4EEF-9009-B0CAFCE7AC3E}">
   <ds:schemaRefs>
-    <ds:schemaRef ds:uri="http://schemas.microsoft.com/sharepoint/v3/contenttype/forms"/>
+    <ds:schemaRef ds:uri="http://schemas.microsoft.com/office/2006/metadata/properties"/>
+    <ds:schemaRef ds:uri="http://purl.org/dc/terms/"/>
+    <ds:schemaRef ds:uri="http://schemas.openxmlformats.org/package/2006/metadata/core-properties"/>
+    <ds:schemaRef ds:uri="http://schemas.microsoft.com/office/2006/documentManagement/types"/>
+    <ds:schemaRef ds:uri="http://purl.org/dc/dcmitype/"/>
+    <ds:schemaRef ds:uri="http://schemas.microsoft.com/office/infopath/2007/PartnerControls"/>
+    <ds:schemaRef ds:uri="http://purl.org/dc/elements/1.1/"/>
+    <ds:schemaRef ds:uri="323bcd62-7d27-4513-9df1-9bc20f03554b"/>
+    <ds:schemaRef ds:uri="http://www.w3.org/XML/1998/namespace"/>
   </ds:schemaRefs>
 </ds:datastoreItem>
 </file>